--- a/media/photo/SmartCar.pptx
+++ b/media/photo/SmartCar.pptx
@@ -5,7 +5,8 @@
     <p:sldMasterId id="2147483648" r:id="rId1"/>
   </p:sldMasterIdLst>
   <p:sldIdLst>
-    <p:sldId id="256" r:id="rId2"/>
+    <p:sldId id="257" r:id="rId2"/>
+    <p:sldId id="256" r:id="rId3"/>
   </p:sldIdLst>
   <p:sldSz cx="12192000" cy="6858000"/>
   <p:notesSz cx="6858000" cy="9144000"/>
@@ -261,7 +262,7 @@
           <a:p>
             <a:fld id="{04247DC2-A07E-4E7E-B14F-806BFE439A33}" type="datetimeFigureOut">
               <a:rPr lang="en-AU" smtClean="0"/>
-              <a:t>26/01/2021</a:t>
+              <a:t>8/03/2021</a:t>
             </a:fld>
             <a:endParaRPr lang="en-AU"/>
           </a:p>
@@ -461,7 +462,7 @@
           <a:p>
             <a:fld id="{04247DC2-A07E-4E7E-B14F-806BFE439A33}" type="datetimeFigureOut">
               <a:rPr lang="en-AU" smtClean="0"/>
-              <a:t>26/01/2021</a:t>
+              <a:t>8/03/2021</a:t>
             </a:fld>
             <a:endParaRPr lang="en-AU"/>
           </a:p>
@@ -671,7 +672,7 @@
           <a:p>
             <a:fld id="{04247DC2-A07E-4E7E-B14F-806BFE439A33}" type="datetimeFigureOut">
               <a:rPr lang="en-AU" smtClean="0"/>
-              <a:t>26/01/2021</a:t>
+              <a:t>8/03/2021</a:t>
             </a:fld>
             <a:endParaRPr lang="en-AU"/>
           </a:p>
@@ -871,7 +872,7 @@
           <a:p>
             <a:fld id="{04247DC2-A07E-4E7E-B14F-806BFE439A33}" type="datetimeFigureOut">
               <a:rPr lang="en-AU" smtClean="0"/>
-              <a:t>26/01/2021</a:t>
+              <a:t>8/03/2021</a:t>
             </a:fld>
             <a:endParaRPr lang="en-AU"/>
           </a:p>
@@ -1147,7 +1148,7 @@
           <a:p>
             <a:fld id="{04247DC2-A07E-4E7E-B14F-806BFE439A33}" type="datetimeFigureOut">
               <a:rPr lang="en-AU" smtClean="0"/>
-              <a:t>26/01/2021</a:t>
+              <a:t>8/03/2021</a:t>
             </a:fld>
             <a:endParaRPr lang="en-AU"/>
           </a:p>
@@ -1415,7 +1416,7 @@
           <a:p>
             <a:fld id="{04247DC2-A07E-4E7E-B14F-806BFE439A33}" type="datetimeFigureOut">
               <a:rPr lang="en-AU" smtClean="0"/>
-              <a:t>26/01/2021</a:t>
+              <a:t>8/03/2021</a:t>
             </a:fld>
             <a:endParaRPr lang="en-AU"/>
           </a:p>
@@ -1830,7 +1831,7 @@
           <a:p>
             <a:fld id="{04247DC2-A07E-4E7E-B14F-806BFE439A33}" type="datetimeFigureOut">
               <a:rPr lang="en-AU" smtClean="0"/>
-              <a:t>26/01/2021</a:t>
+              <a:t>8/03/2021</a:t>
             </a:fld>
             <a:endParaRPr lang="en-AU"/>
           </a:p>
@@ -1972,7 +1973,7 @@
           <a:p>
             <a:fld id="{04247DC2-A07E-4E7E-B14F-806BFE439A33}" type="datetimeFigureOut">
               <a:rPr lang="en-AU" smtClean="0"/>
-              <a:t>26/01/2021</a:t>
+              <a:t>8/03/2021</a:t>
             </a:fld>
             <a:endParaRPr lang="en-AU"/>
           </a:p>
@@ -2085,7 +2086,7 @@
           <a:p>
             <a:fld id="{04247DC2-A07E-4E7E-B14F-806BFE439A33}" type="datetimeFigureOut">
               <a:rPr lang="en-AU" smtClean="0"/>
-              <a:t>26/01/2021</a:t>
+              <a:t>8/03/2021</a:t>
             </a:fld>
             <a:endParaRPr lang="en-AU"/>
           </a:p>
@@ -2398,7 +2399,7 @@
           <a:p>
             <a:fld id="{04247DC2-A07E-4E7E-B14F-806BFE439A33}" type="datetimeFigureOut">
               <a:rPr lang="en-AU" smtClean="0"/>
-              <a:t>26/01/2021</a:t>
+              <a:t>8/03/2021</a:t>
             </a:fld>
             <a:endParaRPr lang="en-AU"/>
           </a:p>
@@ -2687,7 +2688,7 @@
           <a:p>
             <a:fld id="{04247DC2-A07E-4E7E-B14F-806BFE439A33}" type="datetimeFigureOut">
               <a:rPr lang="en-AU" smtClean="0"/>
-              <a:t>26/01/2021</a:t>
+              <a:t>8/03/2021</a:t>
             </a:fld>
             <a:endParaRPr lang="en-AU"/>
           </a:p>
@@ -2930,7 +2931,7 @@
           <a:p>
             <a:fld id="{04247DC2-A07E-4E7E-B14F-806BFE439A33}" type="datetimeFigureOut">
               <a:rPr lang="en-AU" smtClean="0"/>
-              <a:t>26/01/2021</a:t>
+              <a:t>8/03/2021</a:t>
             </a:fld>
             <a:endParaRPr lang="en-AU"/>
           </a:p>
@@ -3331,6 +3332,1251 @@
 </file>
 
 <file path=ppt/slides/slide1.xml><?xml version="1.0" encoding="utf-8"?>
+<p:sld xmlns:a="http://schemas.openxmlformats.org/drawingml/2006/main" xmlns:r="http://schemas.openxmlformats.org/officeDocument/2006/relationships" xmlns:p="http://schemas.openxmlformats.org/presentationml/2006/main">
+  <p:cSld>
+    <p:spTree>
+      <p:nvGrpSpPr>
+        <p:cNvPr id="1" name=""/>
+        <p:cNvGrpSpPr/>
+        <p:nvPr/>
+      </p:nvGrpSpPr>
+      <p:grpSpPr>
+        <a:xfrm>
+          <a:off x="0" y="0"/>
+          <a:ext cx="0" cy="0"/>
+          <a:chOff x="0" y="0"/>
+          <a:chExt cx="0" cy="0"/>
+        </a:xfrm>
+      </p:grpSpPr>
+      <p:sp>
+        <p:nvSpPr>
+          <p:cNvPr id="4" name="Rectangle 3">
+            <a:extLst>
+              <a:ext uri="{FF2B5EF4-FFF2-40B4-BE49-F238E27FC236}">
+                <a16:creationId xmlns:a16="http://schemas.microsoft.com/office/drawing/2014/main" id="{42A219AA-5258-4CDE-BF37-1E672A8827DE}"/>
+              </a:ext>
+            </a:extLst>
+          </p:cNvPr>
+          <p:cNvSpPr/>
+          <p:nvPr/>
+        </p:nvSpPr>
+        <p:spPr>
+          <a:xfrm>
+            <a:off x="1438415" y="1627550"/>
+            <a:ext cx="1312606" cy="693174"/>
+          </a:xfrm>
+          <a:prstGeom prst="rect">
+            <a:avLst/>
+          </a:prstGeom>
+          <a:ln>
+            <a:noFill/>
+          </a:ln>
+        </p:spPr>
+        <p:style>
+          <a:lnRef idx="2">
+            <a:schemeClr val="accent1">
+              <a:shade val="50000"/>
+            </a:schemeClr>
+          </a:lnRef>
+          <a:fillRef idx="1">
+            <a:schemeClr val="accent1"/>
+          </a:fillRef>
+          <a:effectRef idx="0">
+            <a:schemeClr val="accent1"/>
+          </a:effectRef>
+          <a:fontRef idx="minor">
+            <a:schemeClr val="lt1"/>
+          </a:fontRef>
+        </p:style>
+        <p:txBody>
+          <a:bodyPr rtlCol="0" anchor="ctr"/>
+          <a:lstStyle/>
+          <a:p>
+            <a:pPr algn="ctr"/>
+            <a:r>
+              <a:rPr lang="en-AU" sz="1400" dirty="0"/>
+              <a:t>Behaviour Control</a:t>
+            </a:r>
+          </a:p>
+        </p:txBody>
+      </p:sp>
+      <p:sp>
+        <p:nvSpPr>
+          <p:cNvPr id="5" name="Rectangle 4">
+            <a:extLst>
+              <a:ext uri="{FF2B5EF4-FFF2-40B4-BE49-F238E27FC236}">
+                <a16:creationId xmlns:a16="http://schemas.microsoft.com/office/drawing/2014/main" id="{504567E0-D094-412C-AD62-E80411416B00}"/>
+              </a:ext>
+            </a:extLst>
+          </p:cNvPr>
+          <p:cNvSpPr/>
+          <p:nvPr/>
+        </p:nvSpPr>
+        <p:spPr>
+          <a:xfrm>
+            <a:off x="3089524" y="1631284"/>
+            <a:ext cx="1312606" cy="693174"/>
+          </a:xfrm>
+          <a:prstGeom prst="rect">
+            <a:avLst/>
+          </a:prstGeom>
+          <a:ln>
+            <a:noFill/>
+          </a:ln>
+        </p:spPr>
+        <p:style>
+          <a:lnRef idx="2">
+            <a:schemeClr val="accent1">
+              <a:shade val="50000"/>
+            </a:schemeClr>
+          </a:lnRef>
+          <a:fillRef idx="1">
+            <a:schemeClr val="accent1"/>
+          </a:fillRef>
+          <a:effectRef idx="0">
+            <a:schemeClr val="accent1"/>
+          </a:effectRef>
+          <a:fontRef idx="minor">
+            <a:schemeClr val="lt1"/>
+          </a:fontRef>
+        </p:style>
+        <p:txBody>
+          <a:bodyPr rtlCol="0" anchor="ctr"/>
+          <a:lstStyle/>
+          <a:p>
+            <a:pPr algn="ctr"/>
+            <a:r>
+              <a:rPr lang="en-AU" sz="1400" dirty="0"/>
+              <a:t>Motion Control</a:t>
+            </a:r>
+          </a:p>
+        </p:txBody>
+      </p:sp>
+      <p:sp>
+        <p:nvSpPr>
+          <p:cNvPr id="7" name="Rectangle 6">
+            <a:extLst>
+              <a:ext uri="{FF2B5EF4-FFF2-40B4-BE49-F238E27FC236}">
+                <a16:creationId xmlns:a16="http://schemas.microsoft.com/office/drawing/2014/main" id="{62ADBA2A-68DA-484B-B1E5-9A380328C25F}"/>
+              </a:ext>
+            </a:extLst>
+          </p:cNvPr>
+          <p:cNvSpPr/>
+          <p:nvPr/>
+        </p:nvSpPr>
+        <p:spPr>
+          <a:xfrm>
+            <a:off x="4815939" y="1380928"/>
+            <a:ext cx="1312606" cy="540000"/>
+          </a:xfrm>
+          <a:prstGeom prst="rect">
+            <a:avLst/>
+          </a:prstGeom>
+          <a:ln>
+            <a:noFill/>
+          </a:ln>
+        </p:spPr>
+        <p:style>
+          <a:lnRef idx="2">
+            <a:schemeClr val="accent2">
+              <a:shade val="50000"/>
+            </a:schemeClr>
+          </a:lnRef>
+          <a:fillRef idx="1">
+            <a:schemeClr val="accent2"/>
+          </a:fillRef>
+          <a:effectRef idx="0">
+            <a:schemeClr val="accent2"/>
+          </a:effectRef>
+          <a:fontRef idx="minor">
+            <a:schemeClr val="lt1"/>
+          </a:fontRef>
+        </p:style>
+        <p:txBody>
+          <a:bodyPr rtlCol="0" anchor="ctr"/>
+          <a:lstStyle/>
+          <a:p>
+            <a:pPr algn="ctr"/>
+            <a:r>
+              <a:rPr lang="en-AU" sz="1400" dirty="0">
+                <a:solidFill>
+                  <a:schemeClr val="tx1"/>
+                </a:solidFill>
+              </a:rPr>
+              <a:t>Motor #1 Controller</a:t>
+            </a:r>
+          </a:p>
+        </p:txBody>
+      </p:sp>
+      <p:sp>
+        <p:nvSpPr>
+          <p:cNvPr id="8" name="Rectangle 7">
+            <a:extLst>
+              <a:ext uri="{FF2B5EF4-FFF2-40B4-BE49-F238E27FC236}">
+                <a16:creationId xmlns:a16="http://schemas.microsoft.com/office/drawing/2014/main" id="{E9E840DE-CA75-4617-8A7A-06F21042ED1E}"/>
+              </a:ext>
+            </a:extLst>
+          </p:cNvPr>
+          <p:cNvSpPr/>
+          <p:nvPr/>
+        </p:nvSpPr>
+        <p:spPr>
+          <a:xfrm>
+            <a:off x="4815939" y="2064866"/>
+            <a:ext cx="1312606" cy="540000"/>
+          </a:xfrm>
+          <a:prstGeom prst="rect">
+            <a:avLst/>
+          </a:prstGeom>
+          <a:ln>
+            <a:noFill/>
+          </a:ln>
+        </p:spPr>
+        <p:style>
+          <a:lnRef idx="2">
+            <a:schemeClr val="accent2">
+              <a:shade val="50000"/>
+            </a:schemeClr>
+          </a:lnRef>
+          <a:fillRef idx="1">
+            <a:schemeClr val="accent2"/>
+          </a:fillRef>
+          <a:effectRef idx="0">
+            <a:schemeClr val="accent2"/>
+          </a:effectRef>
+          <a:fontRef idx="minor">
+            <a:schemeClr val="lt1"/>
+          </a:fontRef>
+        </p:style>
+        <p:txBody>
+          <a:bodyPr rtlCol="0" anchor="ctr"/>
+          <a:lstStyle/>
+          <a:p>
+            <a:pPr algn="ctr"/>
+            <a:r>
+              <a:rPr lang="en-AU" sz="1400" dirty="0">
+                <a:solidFill>
+                  <a:schemeClr val="tx1"/>
+                </a:solidFill>
+              </a:rPr>
+              <a:t>Motor #2 Controller</a:t>
+            </a:r>
+          </a:p>
+        </p:txBody>
+      </p:sp>
+      <p:sp>
+        <p:nvSpPr>
+          <p:cNvPr id="9" name="Rectangle 8">
+            <a:extLst>
+              <a:ext uri="{FF2B5EF4-FFF2-40B4-BE49-F238E27FC236}">
+                <a16:creationId xmlns:a16="http://schemas.microsoft.com/office/drawing/2014/main" id="{D39AEA59-E3F2-413C-BFE6-056F2215BCAC}"/>
+              </a:ext>
+            </a:extLst>
+          </p:cNvPr>
+          <p:cNvSpPr/>
+          <p:nvPr/>
+        </p:nvSpPr>
+        <p:spPr>
+          <a:xfrm>
+            <a:off x="4815939" y="2701493"/>
+            <a:ext cx="1312606" cy="540000"/>
+          </a:xfrm>
+          <a:prstGeom prst="rect">
+            <a:avLst/>
+          </a:prstGeom>
+          <a:solidFill>
+            <a:schemeClr val="accent6"/>
+          </a:solidFill>
+          <a:ln>
+            <a:noFill/>
+          </a:ln>
+        </p:spPr>
+        <p:style>
+          <a:lnRef idx="2">
+            <a:schemeClr val="accent2">
+              <a:shade val="50000"/>
+            </a:schemeClr>
+          </a:lnRef>
+          <a:fillRef idx="1">
+            <a:schemeClr val="accent2"/>
+          </a:fillRef>
+          <a:effectRef idx="0">
+            <a:schemeClr val="accent2"/>
+          </a:effectRef>
+          <a:fontRef idx="minor">
+            <a:schemeClr val="lt1"/>
+          </a:fontRef>
+        </p:style>
+        <p:txBody>
+          <a:bodyPr rtlCol="0" anchor="ctr"/>
+          <a:lstStyle/>
+          <a:p>
+            <a:pPr algn="ctr"/>
+            <a:r>
+              <a:rPr lang="en-AU" sz="1400" dirty="0">
+                <a:solidFill>
+                  <a:schemeClr val="tx1"/>
+                </a:solidFill>
+              </a:rPr>
+              <a:t>Motor #2 Feedback</a:t>
+            </a:r>
+          </a:p>
+        </p:txBody>
+      </p:sp>
+      <p:sp>
+        <p:nvSpPr>
+          <p:cNvPr id="10" name="Rectangle 9">
+            <a:extLst>
+              <a:ext uri="{FF2B5EF4-FFF2-40B4-BE49-F238E27FC236}">
+                <a16:creationId xmlns:a16="http://schemas.microsoft.com/office/drawing/2014/main" id="{7120EF97-E2EF-48AA-BF22-9F8915B39E21}"/>
+              </a:ext>
+            </a:extLst>
+          </p:cNvPr>
+          <p:cNvSpPr/>
+          <p:nvPr/>
+        </p:nvSpPr>
+        <p:spPr>
+          <a:xfrm>
+            <a:off x="4815939" y="745535"/>
+            <a:ext cx="1312606" cy="540000"/>
+          </a:xfrm>
+          <a:prstGeom prst="rect">
+            <a:avLst/>
+          </a:prstGeom>
+          <a:solidFill>
+            <a:schemeClr val="accent6"/>
+          </a:solidFill>
+          <a:ln>
+            <a:noFill/>
+          </a:ln>
+        </p:spPr>
+        <p:style>
+          <a:lnRef idx="2">
+            <a:schemeClr val="accent2">
+              <a:shade val="50000"/>
+            </a:schemeClr>
+          </a:lnRef>
+          <a:fillRef idx="1">
+            <a:schemeClr val="accent2"/>
+          </a:fillRef>
+          <a:effectRef idx="0">
+            <a:schemeClr val="accent2"/>
+          </a:effectRef>
+          <a:fontRef idx="minor">
+            <a:schemeClr val="lt1"/>
+          </a:fontRef>
+        </p:style>
+        <p:txBody>
+          <a:bodyPr rtlCol="0" anchor="ctr"/>
+          <a:lstStyle/>
+          <a:p>
+            <a:pPr algn="ctr"/>
+            <a:r>
+              <a:rPr lang="en-AU" sz="1400" dirty="0">
+                <a:solidFill>
+                  <a:schemeClr val="tx1"/>
+                </a:solidFill>
+              </a:rPr>
+              <a:t>Motor #1 Feedback</a:t>
+            </a:r>
+          </a:p>
+        </p:txBody>
+      </p:sp>
+      <p:cxnSp>
+        <p:nvCxnSpPr>
+          <p:cNvPr id="14" name="Connector: Elbow 13">
+            <a:extLst>
+              <a:ext uri="{FF2B5EF4-FFF2-40B4-BE49-F238E27FC236}">
+                <a16:creationId xmlns:a16="http://schemas.microsoft.com/office/drawing/2014/main" id="{24050C8B-DBF0-4468-800D-D65C188050C3}"/>
+              </a:ext>
+            </a:extLst>
+          </p:cNvPr>
+          <p:cNvCxnSpPr>
+            <a:cxnSpLocks/>
+            <a:stCxn id="10" idx="1"/>
+            <a:endCxn id="5" idx="0"/>
+          </p:cNvCxnSpPr>
+          <p:nvPr/>
+        </p:nvCxnSpPr>
+        <p:spPr>
+          <a:xfrm rot="10800000" flipV="1">
+            <a:off x="3745827" y="1015534"/>
+            <a:ext cx="1070112" cy="615749"/>
+          </a:xfrm>
+          <a:prstGeom prst="bentConnector2">
+            <a:avLst/>
+          </a:prstGeom>
+          <a:ln w="12700">
+            <a:tailEnd type="triangle"/>
+          </a:ln>
+        </p:spPr>
+        <p:style>
+          <a:lnRef idx="1">
+            <a:schemeClr val="dk1"/>
+          </a:lnRef>
+          <a:fillRef idx="0">
+            <a:schemeClr val="dk1"/>
+          </a:fillRef>
+          <a:effectRef idx="0">
+            <a:schemeClr val="dk1"/>
+          </a:effectRef>
+          <a:fontRef idx="minor">
+            <a:schemeClr val="tx1"/>
+          </a:fontRef>
+        </p:style>
+      </p:cxnSp>
+      <p:cxnSp>
+        <p:nvCxnSpPr>
+          <p:cNvPr id="16" name="Connector: Elbow 15">
+            <a:extLst>
+              <a:ext uri="{FF2B5EF4-FFF2-40B4-BE49-F238E27FC236}">
+                <a16:creationId xmlns:a16="http://schemas.microsoft.com/office/drawing/2014/main" id="{3DBAF457-909E-480E-BF69-FF00BBF4B675}"/>
+              </a:ext>
+            </a:extLst>
+          </p:cNvPr>
+          <p:cNvCxnSpPr>
+            <a:cxnSpLocks/>
+            <a:stCxn id="9" idx="1"/>
+            <a:endCxn id="5" idx="2"/>
+          </p:cNvCxnSpPr>
+          <p:nvPr/>
+        </p:nvCxnSpPr>
+        <p:spPr>
+          <a:xfrm rot="10800000">
+            <a:off x="3745827" y="2324459"/>
+            <a:ext cx="1070112" cy="647035"/>
+          </a:xfrm>
+          <a:prstGeom prst="bentConnector2">
+            <a:avLst/>
+          </a:prstGeom>
+          <a:ln w="12700">
+            <a:tailEnd type="triangle"/>
+          </a:ln>
+        </p:spPr>
+        <p:style>
+          <a:lnRef idx="1">
+            <a:schemeClr val="dk1"/>
+          </a:lnRef>
+          <a:fillRef idx="0">
+            <a:schemeClr val="dk1"/>
+          </a:fillRef>
+          <a:effectRef idx="0">
+            <a:schemeClr val="dk1"/>
+          </a:effectRef>
+          <a:fontRef idx="minor">
+            <a:schemeClr val="tx1"/>
+          </a:fontRef>
+        </p:style>
+      </p:cxnSp>
+      <p:cxnSp>
+        <p:nvCxnSpPr>
+          <p:cNvPr id="19" name="Connector: Elbow 18">
+            <a:extLst>
+              <a:ext uri="{FF2B5EF4-FFF2-40B4-BE49-F238E27FC236}">
+                <a16:creationId xmlns:a16="http://schemas.microsoft.com/office/drawing/2014/main" id="{8B8ED896-3302-4B17-B04E-FA144F4B5BEA}"/>
+              </a:ext>
+            </a:extLst>
+          </p:cNvPr>
+          <p:cNvCxnSpPr>
+            <a:cxnSpLocks/>
+            <a:stCxn id="5" idx="3"/>
+            <a:endCxn id="8" idx="1"/>
+          </p:cNvCxnSpPr>
+          <p:nvPr/>
+        </p:nvCxnSpPr>
+        <p:spPr>
+          <a:xfrm>
+            <a:off x="4402130" y="1977871"/>
+            <a:ext cx="413809" cy="356995"/>
+          </a:xfrm>
+          <a:prstGeom prst="bentConnector3">
+            <a:avLst>
+              <a:gd name="adj1" fmla="val 50000"/>
+            </a:avLst>
+          </a:prstGeom>
+          <a:ln w="12700">
+            <a:tailEnd type="triangle"/>
+          </a:ln>
+        </p:spPr>
+        <p:style>
+          <a:lnRef idx="1">
+            <a:schemeClr val="dk1"/>
+          </a:lnRef>
+          <a:fillRef idx="0">
+            <a:schemeClr val="dk1"/>
+          </a:fillRef>
+          <a:effectRef idx="0">
+            <a:schemeClr val="dk1"/>
+          </a:effectRef>
+          <a:fontRef idx="minor">
+            <a:schemeClr val="tx1"/>
+          </a:fontRef>
+        </p:style>
+      </p:cxnSp>
+      <p:cxnSp>
+        <p:nvCxnSpPr>
+          <p:cNvPr id="24" name="Connector: Elbow 23">
+            <a:extLst>
+              <a:ext uri="{FF2B5EF4-FFF2-40B4-BE49-F238E27FC236}">
+                <a16:creationId xmlns:a16="http://schemas.microsoft.com/office/drawing/2014/main" id="{460F2B49-CBB1-4D67-AEF9-62FB8A5A670A}"/>
+              </a:ext>
+            </a:extLst>
+          </p:cNvPr>
+          <p:cNvCxnSpPr>
+            <a:cxnSpLocks/>
+            <a:stCxn id="5" idx="3"/>
+            <a:endCxn id="7" idx="1"/>
+          </p:cNvCxnSpPr>
+          <p:nvPr/>
+        </p:nvCxnSpPr>
+        <p:spPr>
+          <a:xfrm flipV="1">
+            <a:off x="4402130" y="1650928"/>
+            <a:ext cx="413809" cy="326943"/>
+          </a:xfrm>
+          <a:prstGeom prst="bentConnector3">
+            <a:avLst>
+              <a:gd name="adj1" fmla="val 50000"/>
+            </a:avLst>
+          </a:prstGeom>
+          <a:ln w="12700">
+            <a:tailEnd type="triangle"/>
+          </a:ln>
+        </p:spPr>
+        <p:style>
+          <a:lnRef idx="1">
+            <a:schemeClr val="dk1"/>
+          </a:lnRef>
+          <a:fillRef idx="0">
+            <a:schemeClr val="dk1"/>
+          </a:fillRef>
+          <a:effectRef idx="0">
+            <a:schemeClr val="dk1"/>
+          </a:effectRef>
+          <a:fontRef idx="minor">
+            <a:schemeClr val="tx1"/>
+          </a:fontRef>
+        </p:style>
+      </p:cxnSp>
+      <p:cxnSp>
+        <p:nvCxnSpPr>
+          <p:cNvPr id="30" name="Straight Arrow Connector 29">
+            <a:extLst>
+              <a:ext uri="{FF2B5EF4-FFF2-40B4-BE49-F238E27FC236}">
+                <a16:creationId xmlns:a16="http://schemas.microsoft.com/office/drawing/2014/main" id="{8A2D36D2-534D-4304-8492-847E3798F319}"/>
+              </a:ext>
+            </a:extLst>
+          </p:cNvPr>
+          <p:cNvCxnSpPr>
+            <a:cxnSpLocks/>
+            <a:stCxn id="4" idx="3"/>
+            <a:endCxn id="5" idx="1"/>
+          </p:cNvCxnSpPr>
+          <p:nvPr/>
+        </p:nvCxnSpPr>
+        <p:spPr>
+          <a:xfrm>
+            <a:off x="2751021" y="1974137"/>
+            <a:ext cx="338503" cy="3734"/>
+          </a:xfrm>
+          <a:prstGeom prst="straightConnector1">
+            <a:avLst/>
+          </a:prstGeom>
+          <a:ln>
+            <a:headEnd type="triangle" w="med" len="med"/>
+            <a:tailEnd type="triangle" w="med" len="med"/>
+          </a:ln>
+        </p:spPr>
+        <p:style>
+          <a:lnRef idx="1">
+            <a:schemeClr val="dk1"/>
+          </a:lnRef>
+          <a:fillRef idx="0">
+            <a:schemeClr val="dk1"/>
+          </a:fillRef>
+          <a:effectRef idx="0">
+            <a:schemeClr val="dk1"/>
+          </a:effectRef>
+          <a:fontRef idx="minor">
+            <a:schemeClr val="tx1"/>
+          </a:fontRef>
+        </p:style>
+      </p:cxnSp>
+      <p:cxnSp>
+        <p:nvCxnSpPr>
+          <p:cNvPr id="33" name="Connector: Elbow 32">
+            <a:extLst>
+              <a:ext uri="{FF2B5EF4-FFF2-40B4-BE49-F238E27FC236}">
+                <a16:creationId xmlns:a16="http://schemas.microsoft.com/office/drawing/2014/main" id="{D911D60F-33D1-497D-9A4E-3A8598DCF3D3}"/>
+              </a:ext>
+            </a:extLst>
+          </p:cNvPr>
+          <p:cNvCxnSpPr>
+            <a:cxnSpLocks/>
+            <a:stCxn id="7" idx="3"/>
+            <a:endCxn id="47" idx="4"/>
+          </p:cNvCxnSpPr>
+          <p:nvPr/>
+        </p:nvCxnSpPr>
+        <p:spPr>
+          <a:xfrm flipV="1">
+            <a:off x="6128545" y="1493485"/>
+            <a:ext cx="444172" cy="157443"/>
+          </a:xfrm>
+          <a:prstGeom prst="bentConnector2">
+            <a:avLst/>
+          </a:prstGeom>
+          <a:ln w="12700">
+            <a:prstDash val="lgDash"/>
+            <a:tailEnd type="triangle"/>
+          </a:ln>
+        </p:spPr>
+        <p:style>
+          <a:lnRef idx="1">
+            <a:schemeClr val="dk1"/>
+          </a:lnRef>
+          <a:fillRef idx="0">
+            <a:schemeClr val="dk1"/>
+          </a:fillRef>
+          <a:effectRef idx="0">
+            <a:schemeClr val="dk1"/>
+          </a:effectRef>
+          <a:fontRef idx="minor">
+            <a:schemeClr val="tx1"/>
+          </a:fontRef>
+        </p:style>
+      </p:cxnSp>
+      <p:cxnSp>
+        <p:nvCxnSpPr>
+          <p:cNvPr id="36" name="Connector: Elbow 35">
+            <a:extLst>
+              <a:ext uri="{FF2B5EF4-FFF2-40B4-BE49-F238E27FC236}">
+                <a16:creationId xmlns:a16="http://schemas.microsoft.com/office/drawing/2014/main" id="{51FCADAF-75FE-444B-8C9C-655CB8AE0735}"/>
+              </a:ext>
+            </a:extLst>
+          </p:cNvPr>
+          <p:cNvCxnSpPr>
+            <a:cxnSpLocks/>
+            <a:stCxn id="8" idx="3"/>
+            <a:endCxn id="57" idx="0"/>
+          </p:cNvCxnSpPr>
+          <p:nvPr/>
+        </p:nvCxnSpPr>
+        <p:spPr>
+          <a:xfrm>
+            <a:off x="6128545" y="2334866"/>
+            <a:ext cx="444171" cy="165244"/>
+          </a:xfrm>
+          <a:prstGeom prst="bentConnector2">
+            <a:avLst/>
+          </a:prstGeom>
+          <a:ln w="12700">
+            <a:prstDash val="lgDash"/>
+            <a:tailEnd type="triangle"/>
+          </a:ln>
+        </p:spPr>
+        <p:style>
+          <a:lnRef idx="1">
+            <a:schemeClr val="dk1"/>
+          </a:lnRef>
+          <a:fillRef idx="0">
+            <a:schemeClr val="dk1"/>
+          </a:fillRef>
+          <a:effectRef idx="0">
+            <a:schemeClr val="dk1"/>
+          </a:effectRef>
+          <a:fontRef idx="minor">
+            <a:schemeClr val="tx1"/>
+          </a:fontRef>
+        </p:style>
+      </p:cxnSp>
+      <p:grpSp>
+        <p:nvGrpSpPr>
+          <p:cNvPr id="49" name="Group 48">
+            <a:extLst>
+              <a:ext uri="{FF2B5EF4-FFF2-40B4-BE49-F238E27FC236}">
+                <a16:creationId xmlns:a16="http://schemas.microsoft.com/office/drawing/2014/main" id="{8F178AA2-C179-41F6-B3D8-6137553C946B}"/>
+              </a:ext>
+            </a:extLst>
+          </p:cNvPr>
+          <p:cNvGrpSpPr/>
+          <p:nvPr/>
+        </p:nvGrpSpPr>
+        <p:grpSpPr>
+          <a:xfrm>
+            <a:off x="6386620" y="1169485"/>
+            <a:ext cx="372193" cy="324000"/>
+            <a:chOff x="7163172" y="1123535"/>
+            <a:chExt cx="372193" cy="324000"/>
+          </a:xfrm>
+        </p:grpSpPr>
+        <p:sp>
+          <p:nvSpPr>
+            <p:cNvPr id="48" name="Rectangle 47">
+              <a:extLst>
+                <a:ext uri="{FF2B5EF4-FFF2-40B4-BE49-F238E27FC236}">
+                  <a16:creationId xmlns:a16="http://schemas.microsoft.com/office/drawing/2014/main" id="{2B777228-4B49-4DA9-B3DA-C35211A6AC19}"/>
+                </a:ext>
+              </a:extLst>
+            </p:cNvPr>
+            <p:cNvSpPr/>
+            <p:nvPr/>
+          </p:nvSpPr>
+          <p:spPr>
+            <a:xfrm>
+              <a:off x="7163172" y="1214312"/>
+              <a:ext cx="372193" cy="142445"/>
+            </a:xfrm>
+            <a:prstGeom prst="rect">
+              <a:avLst/>
+            </a:prstGeom>
+            <a:solidFill>
+              <a:schemeClr val="bg1"/>
+            </a:solidFill>
+            <a:ln>
+              <a:solidFill>
+                <a:schemeClr val="tx1"/>
+              </a:solidFill>
+            </a:ln>
+          </p:spPr>
+          <p:style>
+            <a:lnRef idx="2">
+              <a:schemeClr val="accent1">
+                <a:shade val="50000"/>
+              </a:schemeClr>
+            </a:lnRef>
+            <a:fillRef idx="1">
+              <a:schemeClr val="accent1"/>
+            </a:fillRef>
+            <a:effectRef idx="0">
+              <a:schemeClr val="accent1"/>
+            </a:effectRef>
+            <a:fontRef idx="minor">
+              <a:schemeClr val="lt1"/>
+            </a:fontRef>
+          </p:style>
+          <p:txBody>
+            <a:bodyPr rtlCol="0" anchor="ctr"/>
+            <a:lstStyle/>
+            <a:p>
+              <a:pPr algn="ctr"/>
+              <a:endParaRPr lang="en-AU"/>
+            </a:p>
+          </p:txBody>
+        </p:sp>
+        <p:sp>
+          <p:nvSpPr>
+            <p:cNvPr id="47" name="Oval 46">
+              <a:extLst>
+                <a:ext uri="{FF2B5EF4-FFF2-40B4-BE49-F238E27FC236}">
+                  <a16:creationId xmlns:a16="http://schemas.microsoft.com/office/drawing/2014/main" id="{5EB0E658-CA48-4C94-B01C-4339DDB081FB}"/>
+                </a:ext>
+              </a:extLst>
+            </p:cNvPr>
+            <p:cNvSpPr>
+              <a:spLocks noChangeAspect="1"/>
+            </p:cNvSpPr>
+            <p:nvPr/>
+          </p:nvSpPr>
+          <p:spPr>
+            <a:xfrm>
+              <a:off x="7187269" y="1123535"/>
+              <a:ext cx="324000" cy="324000"/>
+            </a:xfrm>
+            <a:prstGeom prst="ellipse">
+              <a:avLst/>
+            </a:prstGeom>
+            <a:solidFill>
+              <a:schemeClr val="bg1"/>
+            </a:solidFill>
+            <a:ln>
+              <a:solidFill>
+                <a:schemeClr val="tx1"/>
+              </a:solidFill>
+            </a:ln>
+          </p:spPr>
+          <p:style>
+            <a:lnRef idx="2">
+              <a:schemeClr val="accent1">
+                <a:shade val="50000"/>
+              </a:schemeClr>
+            </a:lnRef>
+            <a:fillRef idx="1">
+              <a:schemeClr val="accent1"/>
+            </a:fillRef>
+            <a:effectRef idx="0">
+              <a:schemeClr val="accent1"/>
+            </a:effectRef>
+            <a:fontRef idx="minor">
+              <a:schemeClr val="lt1"/>
+            </a:fontRef>
+          </p:style>
+          <p:txBody>
+            <a:bodyPr rtlCol="0" anchor="ctr"/>
+            <a:lstStyle/>
+            <a:p>
+              <a:pPr algn="ctr"/>
+              <a:r>
+                <a:rPr lang="en-AU" dirty="0">
+                  <a:solidFill>
+                    <a:schemeClr val="tx1"/>
+                  </a:solidFill>
+                </a:rPr>
+                <a:t>M</a:t>
+              </a:r>
+            </a:p>
+          </p:txBody>
+        </p:sp>
+      </p:grpSp>
+      <p:cxnSp>
+        <p:nvCxnSpPr>
+          <p:cNvPr id="51" name="Connector: Elbow 50">
+            <a:extLst>
+              <a:ext uri="{FF2B5EF4-FFF2-40B4-BE49-F238E27FC236}">
+                <a16:creationId xmlns:a16="http://schemas.microsoft.com/office/drawing/2014/main" id="{352F6315-1272-47FA-9F6C-464052D79E53}"/>
+              </a:ext>
+            </a:extLst>
+          </p:cNvPr>
+          <p:cNvCxnSpPr>
+            <a:cxnSpLocks/>
+            <a:stCxn id="47" idx="0"/>
+            <a:endCxn id="10" idx="3"/>
+          </p:cNvCxnSpPr>
+          <p:nvPr/>
+        </p:nvCxnSpPr>
+        <p:spPr>
+          <a:xfrm rot="16200000" flipV="1">
+            <a:off x="6273656" y="870424"/>
+            <a:ext cx="153950" cy="444172"/>
+          </a:xfrm>
+          <a:prstGeom prst="bentConnector2">
+            <a:avLst/>
+          </a:prstGeom>
+          <a:ln w="12700">
+            <a:prstDash val="lgDash"/>
+            <a:tailEnd type="triangle"/>
+          </a:ln>
+        </p:spPr>
+        <p:style>
+          <a:lnRef idx="1">
+            <a:schemeClr val="dk1"/>
+          </a:lnRef>
+          <a:fillRef idx="0">
+            <a:schemeClr val="dk1"/>
+          </a:fillRef>
+          <a:effectRef idx="0">
+            <a:schemeClr val="dk1"/>
+          </a:effectRef>
+          <a:fontRef idx="minor">
+            <a:schemeClr val="tx1"/>
+          </a:fontRef>
+        </p:style>
+      </p:cxnSp>
+      <p:grpSp>
+        <p:nvGrpSpPr>
+          <p:cNvPr id="55" name="Group 54">
+            <a:extLst>
+              <a:ext uri="{FF2B5EF4-FFF2-40B4-BE49-F238E27FC236}">
+                <a16:creationId xmlns:a16="http://schemas.microsoft.com/office/drawing/2014/main" id="{585344CC-C77B-4392-ABC5-5A3BFAEEB0C3}"/>
+              </a:ext>
+            </a:extLst>
+          </p:cNvPr>
+          <p:cNvGrpSpPr/>
+          <p:nvPr/>
+        </p:nvGrpSpPr>
+        <p:grpSpPr>
+          <a:xfrm>
+            <a:off x="6386619" y="2500110"/>
+            <a:ext cx="372193" cy="324000"/>
+            <a:chOff x="7163172" y="1123535"/>
+            <a:chExt cx="372193" cy="324000"/>
+          </a:xfrm>
+        </p:grpSpPr>
+        <p:sp>
+          <p:nvSpPr>
+            <p:cNvPr id="56" name="Rectangle 55">
+              <a:extLst>
+                <a:ext uri="{FF2B5EF4-FFF2-40B4-BE49-F238E27FC236}">
+                  <a16:creationId xmlns:a16="http://schemas.microsoft.com/office/drawing/2014/main" id="{384D8634-F501-4E9D-A20D-C7FE9CF2A15A}"/>
+                </a:ext>
+              </a:extLst>
+            </p:cNvPr>
+            <p:cNvSpPr/>
+            <p:nvPr/>
+          </p:nvSpPr>
+          <p:spPr>
+            <a:xfrm>
+              <a:off x="7163172" y="1214312"/>
+              <a:ext cx="372193" cy="142445"/>
+            </a:xfrm>
+            <a:prstGeom prst="rect">
+              <a:avLst/>
+            </a:prstGeom>
+            <a:solidFill>
+              <a:schemeClr val="bg1"/>
+            </a:solidFill>
+            <a:ln>
+              <a:solidFill>
+                <a:schemeClr val="tx1"/>
+              </a:solidFill>
+            </a:ln>
+          </p:spPr>
+          <p:style>
+            <a:lnRef idx="2">
+              <a:schemeClr val="accent1">
+                <a:shade val="50000"/>
+              </a:schemeClr>
+            </a:lnRef>
+            <a:fillRef idx="1">
+              <a:schemeClr val="accent1"/>
+            </a:fillRef>
+            <a:effectRef idx="0">
+              <a:schemeClr val="accent1"/>
+            </a:effectRef>
+            <a:fontRef idx="minor">
+              <a:schemeClr val="lt1"/>
+            </a:fontRef>
+          </p:style>
+          <p:txBody>
+            <a:bodyPr rtlCol="0" anchor="ctr"/>
+            <a:lstStyle/>
+            <a:p>
+              <a:pPr algn="ctr"/>
+              <a:endParaRPr lang="en-AU"/>
+            </a:p>
+          </p:txBody>
+        </p:sp>
+        <p:sp>
+          <p:nvSpPr>
+            <p:cNvPr id="57" name="Oval 56">
+              <a:extLst>
+                <a:ext uri="{FF2B5EF4-FFF2-40B4-BE49-F238E27FC236}">
+                  <a16:creationId xmlns:a16="http://schemas.microsoft.com/office/drawing/2014/main" id="{552A8982-AA11-4A6F-9ACC-542F82CA6538}"/>
+                </a:ext>
+              </a:extLst>
+            </p:cNvPr>
+            <p:cNvSpPr>
+              <a:spLocks noChangeAspect="1"/>
+            </p:cNvSpPr>
+            <p:nvPr/>
+          </p:nvSpPr>
+          <p:spPr>
+            <a:xfrm>
+              <a:off x="7187269" y="1123535"/>
+              <a:ext cx="324000" cy="324000"/>
+            </a:xfrm>
+            <a:prstGeom prst="ellipse">
+              <a:avLst/>
+            </a:prstGeom>
+            <a:solidFill>
+              <a:schemeClr val="bg1"/>
+            </a:solidFill>
+            <a:ln>
+              <a:solidFill>
+                <a:schemeClr val="tx1"/>
+              </a:solidFill>
+            </a:ln>
+          </p:spPr>
+          <p:style>
+            <a:lnRef idx="2">
+              <a:schemeClr val="accent1">
+                <a:shade val="50000"/>
+              </a:schemeClr>
+            </a:lnRef>
+            <a:fillRef idx="1">
+              <a:schemeClr val="accent1"/>
+            </a:fillRef>
+            <a:effectRef idx="0">
+              <a:schemeClr val="accent1"/>
+            </a:effectRef>
+            <a:fontRef idx="minor">
+              <a:schemeClr val="lt1"/>
+            </a:fontRef>
+          </p:style>
+          <p:txBody>
+            <a:bodyPr rtlCol="0" anchor="ctr"/>
+            <a:lstStyle/>
+            <a:p>
+              <a:pPr algn="ctr"/>
+              <a:r>
+                <a:rPr lang="en-AU" dirty="0">
+                  <a:solidFill>
+                    <a:schemeClr val="tx1"/>
+                  </a:solidFill>
+                </a:rPr>
+                <a:t>M</a:t>
+              </a:r>
+            </a:p>
+          </p:txBody>
+        </p:sp>
+      </p:grpSp>
+      <p:cxnSp>
+        <p:nvCxnSpPr>
+          <p:cNvPr id="59" name="Connector: Elbow 58">
+            <a:extLst>
+              <a:ext uri="{FF2B5EF4-FFF2-40B4-BE49-F238E27FC236}">
+                <a16:creationId xmlns:a16="http://schemas.microsoft.com/office/drawing/2014/main" id="{04398D85-C4B6-4CBC-AC6D-87E0754F0505}"/>
+              </a:ext>
+            </a:extLst>
+          </p:cNvPr>
+          <p:cNvCxnSpPr>
+            <a:cxnSpLocks/>
+            <a:stCxn id="57" idx="4"/>
+            <a:endCxn id="9" idx="3"/>
+          </p:cNvCxnSpPr>
+          <p:nvPr/>
+        </p:nvCxnSpPr>
+        <p:spPr>
+          <a:xfrm rot="5400000">
+            <a:off x="6276940" y="2675716"/>
+            <a:ext cx="147383" cy="444171"/>
+          </a:xfrm>
+          <a:prstGeom prst="bentConnector2">
+            <a:avLst/>
+          </a:prstGeom>
+          <a:ln w="12700">
+            <a:prstDash val="lgDash"/>
+            <a:tailEnd type="triangle"/>
+          </a:ln>
+        </p:spPr>
+        <p:style>
+          <a:lnRef idx="1">
+            <a:schemeClr val="dk1"/>
+          </a:lnRef>
+          <a:fillRef idx="0">
+            <a:schemeClr val="dk1"/>
+          </a:fillRef>
+          <a:effectRef idx="0">
+            <a:schemeClr val="dk1"/>
+          </a:effectRef>
+          <a:fontRef idx="minor">
+            <a:schemeClr val="tx1"/>
+          </a:fontRef>
+        </p:style>
+      </p:cxnSp>
+      <p:sp>
+        <p:nvSpPr>
+          <p:cNvPr id="63" name="Rectangle 62">
+            <a:extLst>
+              <a:ext uri="{FF2B5EF4-FFF2-40B4-BE49-F238E27FC236}">
+                <a16:creationId xmlns:a16="http://schemas.microsoft.com/office/drawing/2014/main" id="{1505FC69-E418-418F-9D7F-24DF840A78C3}"/>
+              </a:ext>
+            </a:extLst>
+          </p:cNvPr>
+          <p:cNvSpPr/>
+          <p:nvPr/>
+        </p:nvSpPr>
+        <p:spPr>
+          <a:xfrm>
+            <a:off x="1448767" y="2701493"/>
+            <a:ext cx="1312606" cy="540000"/>
+          </a:xfrm>
+          <a:prstGeom prst="rect">
+            <a:avLst/>
+          </a:prstGeom>
+          <a:solidFill>
+            <a:schemeClr val="accent6"/>
+          </a:solidFill>
+          <a:ln>
+            <a:noFill/>
+          </a:ln>
+        </p:spPr>
+        <p:style>
+          <a:lnRef idx="2">
+            <a:schemeClr val="accent2">
+              <a:shade val="50000"/>
+            </a:schemeClr>
+          </a:lnRef>
+          <a:fillRef idx="1">
+            <a:schemeClr val="accent2"/>
+          </a:fillRef>
+          <a:effectRef idx="0">
+            <a:schemeClr val="accent2"/>
+          </a:effectRef>
+          <a:fontRef idx="minor">
+            <a:schemeClr val="lt1"/>
+          </a:fontRef>
+        </p:style>
+        <p:txBody>
+          <a:bodyPr rtlCol="0" anchor="ctr"/>
+          <a:lstStyle/>
+          <a:p>
+            <a:pPr algn="ctr"/>
+            <a:r>
+              <a:rPr lang="en-AU" sz="1400" dirty="0">
+                <a:solidFill>
+                  <a:schemeClr val="tx1"/>
+                </a:solidFill>
+              </a:rPr>
+              <a:t>Sensors</a:t>
+            </a:r>
+          </a:p>
+        </p:txBody>
+      </p:sp>
+      <p:cxnSp>
+        <p:nvCxnSpPr>
+          <p:cNvPr id="64" name="Straight Arrow Connector 63">
+            <a:extLst>
+              <a:ext uri="{FF2B5EF4-FFF2-40B4-BE49-F238E27FC236}">
+                <a16:creationId xmlns:a16="http://schemas.microsoft.com/office/drawing/2014/main" id="{D1731AD6-7E83-4D10-B53C-4310DC22AF2C}"/>
+              </a:ext>
+            </a:extLst>
+          </p:cNvPr>
+          <p:cNvCxnSpPr>
+            <a:cxnSpLocks/>
+            <a:stCxn id="4" idx="2"/>
+            <a:endCxn id="63" idx="0"/>
+          </p:cNvCxnSpPr>
+          <p:nvPr/>
+        </p:nvCxnSpPr>
+        <p:spPr>
+          <a:xfrm>
+            <a:off x="2094718" y="2320724"/>
+            <a:ext cx="10352" cy="380769"/>
+          </a:xfrm>
+          <a:prstGeom prst="straightConnector1">
+            <a:avLst/>
+          </a:prstGeom>
+          <a:ln>
+            <a:headEnd type="triangle" w="med" len="med"/>
+            <a:tailEnd type="triangle" w="med" len="med"/>
+          </a:ln>
+        </p:spPr>
+        <p:style>
+          <a:lnRef idx="1">
+            <a:schemeClr val="dk1"/>
+          </a:lnRef>
+          <a:fillRef idx="0">
+            <a:schemeClr val="dk1"/>
+          </a:fillRef>
+          <a:effectRef idx="0">
+            <a:schemeClr val="dk1"/>
+          </a:effectRef>
+          <a:fontRef idx="minor">
+            <a:schemeClr val="tx1"/>
+          </a:fontRef>
+        </p:style>
+      </p:cxnSp>
+      <p:sp>
+        <p:nvSpPr>
+          <p:cNvPr id="69" name="Rectangle 68">
+            <a:extLst>
+              <a:ext uri="{FF2B5EF4-FFF2-40B4-BE49-F238E27FC236}">
+                <a16:creationId xmlns:a16="http://schemas.microsoft.com/office/drawing/2014/main" id="{5C7C31B9-D34E-4A91-A318-75DCCC9A04D4}"/>
+              </a:ext>
+            </a:extLst>
+          </p:cNvPr>
+          <p:cNvSpPr/>
+          <p:nvPr/>
+        </p:nvSpPr>
+        <p:spPr>
+          <a:xfrm>
+            <a:off x="1438415" y="740963"/>
+            <a:ext cx="1312606" cy="540000"/>
+          </a:xfrm>
+          <a:prstGeom prst="rect">
+            <a:avLst/>
+          </a:prstGeom>
+          <a:solidFill>
+            <a:schemeClr val="accent2"/>
+          </a:solidFill>
+          <a:ln>
+            <a:noFill/>
+          </a:ln>
+        </p:spPr>
+        <p:style>
+          <a:lnRef idx="2">
+            <a:schemeClr val="accent2">
+              <a:shade val="50000"/>
+            </a:schemeClr>
+          </a:lnRef>
+          <a:fillRef idx="1">
+            <a:schemeClr val="accent2"/>
+          </a:fillRef>
+          <a:effectRef idx="0">
+            <a:schemeClr val="accent2"/>
+          </a:effectRef>
+          <a:fontRef idx="minor">
+            <a:schemeClr val="lt1"/>
+          </a:fontRef>
+        </p:style>
+        <p:txBody>
+          <a:bodyPr rtlCol="0" anchor="ctr"/>
+          <a:lstStyle/>
+          <a:p>
+            <a:pPr algn="ctr"/>
+            <a:r>
+              <a:rPr lang="en-AU" sz="1400" dirty="0">
+                <a:solidFill>
+                  <a:schemeClr val="tx1"/>
+                </a:solidFill>
+              </a:rPr>
+              <a:t>User Controls</a:t>
+            </a:r>
+          </a:p>
+        </p:txBody>
+      </p:sp>
+      <p:cxnSp>
+        <p:nvCxnSpPr>
+          <p:cNvPr id="73" name="Straight Arrow Connector 72">
+            <a:extLst>
+              <a:ext uri="{FF2B5EF4-FFF2-40B4-BE49-F238E27FC236}">
+                <a16:creationId xmlns:a16="http://schemas.microsoft.com/office/drawing/2014/main" id="{7DAED6D3-533D-440D-ADDF-608FA9D3836D}"/>
+              </a:ext>
+            </a:extLst>
+          </p:cNvPr>
+          <p:cNvCxnSpPr>
+            <a:cxnSpLocks/>
+            <a:stCxn id="4" idx="0"/>
+            <a:endCxn id="69" idx="2"/>
+          </p:cNvCxnSpPr>
+          <p:nvPr/>
+        </p:nvCxnSpPr>
+        <p:spPr>
+          <a:xfrm flipV="1">
+            <a:off x="2094718" y="1280963"/>
+            <a:ext cx="0" cy="346587"/>
+          </a:xfrm>
+          <a:prstGeom prst="straightConnector1">
+            <a:avLst/>
+          </a:prstGeom>
+          <a:ln w="12700">
+            <a:solidFill>
+              <a:schemeClr val="tx1"/>
+            </a:solidFill>
+            <a:headEnd type="triangle"/>
+            <a:tailEnd type="triangle"/>
+          </a:ln>
+        </p:spPr>
+        <p:style>
+          <a:lnRef idx="1">
+            <a:schemeClr val="accent1"/>
+          </a:lnRef>
+          <a:fillRef idx="0">
+            <a:schemeClr val="accent1"/>
+          </a:fillRef>
+          <a:effectRef idx="0">
+            <a:schemeClr val="accent1"/>
+          </a:effectRef>
+          <a:fontRef idx="minor">
+            <a:schemeClr val="tx1"/>
+          </a:fontRef>
+        </p:style>
+      </p:cxnSp>
+    </p:spTree>
+    <p:extLst>
+      <p:ext uri="{BB962C8B-B14F-4D97-AF65-F5344CB8AC3E}">
+        <p14:creationId xmlns:p14="http://schemas.microsoft.com/office/powerpoint/2010/main" val="1702773309"/>
+      </p:ext>
+    </p:extLst>
+  </p:cSld>
+  <p:clrMapOvr>
+    <a:masterClrMapping/>
+  </p:clrMapOvr>
+</p:sld>
+</file>
+
+<file path=ppt/slides/slide2.xml><?xml version="1.0" encoding="utf-8"?>
 <p:sld xmlns:a="http://schemas.openxmlformats.org/drawingml/2006/main" xmlns:r="http://schemas.openxmlformats.org/officeDocument/2006/relationships" xmlns:p="http://schemas.openxmlformats.org/presentationml/2006/main">
   <p:cSld>
     <p:spTree>
@@ -4828,13 +6074,13 @@
             <p:nvPr/>
           </p:nvSpPr>
           <p:spPr>
-            <a:xfrm rot="326977">
+            <a:xfrm rot="4474356" flipH="1">
               <a:off x="6122797" y="2616177"/>
               <a:ext cx="384723" cy="384723"/>
             </a:xfrm>
             <a:prstGeom prst="arc">
               <a:avLst>
-                <a:gd name="adj1" fmla="val 7478806"/>
+                <a:gd name="adj1" fmla="val 11309142"/>
                 <a:gd name="adj2" fmla="val 18253916"/>
               </a:avLst>
             </a:prstGeom>
@@ -4924,7 +6170,7 @@
           </p:nvSpPr>
           <p:spPr>
             <a:xfrm>
-              <a:off x="6103037" y="2318946"/>
+              <a:off x="6425764" y="2442660"/>
               <a:ext cx="562975" cy="369332"/>
             </a:xfrm>
             <a:prstGeom prst="rect">
@@ -5278,8 +6524,8 @@
           </p:nvSpPr>
           <p:spPr>
             <a:xfrm>
-              <a:off x="5840013" y="3052742"/>
-              <a:ext cx="282450" cy="369332"/>
+              <a:off x="5793713" y="3052742"/>
+              <a:ext cx="309700" cy="369332"/>
             </a:xfrm>
             <a:prstGeom prst="rect">
               <a:avLst/>
@@ -5298,7 +6544,7 @@
                     <a:srgbClr val="00B050"/>
                   </a:solidFill>
                 </a:rPr>
-                <a:t>L</a:t>
+                <a:t>B</a:t>
               </a:r>
             </a:p>
           </p:txBody>
@@ -5428,7 +6674,7 @@
           </p:nvSpPr>
           <p:spPr>
             <a:xfrm>
-              <a:off x="5104171" y="4596043"/>
+              <a:off x="5104171" y="5069383"/>
               <a:ext cx="562975" cy="369332"/>
             </a:xfrm>
             <a:prstGeom prst="rect">
@@ -5859,13 +7105,13 @@
               <p:nvPr/>
             </p:nvSpPr>
             <p:spPr>
-              <a:xfrm rot="326977">
-                <a:off x="5054039" y="5028228"/>
+              <a:xfrm rot="4297737" flipH="1">
+                <a:off x="5054040" y="5028228"/>
                 <a:ext cx="384723" cy="384723"/>
               </a:xfrm>
               <a:prstGeom prst="arc">
                 <a:avLst>
-                  <a:gd name="adj1" fmla="val 7478806"/>
+                  <a:gd name="adj1" fmla="val 11148384"/>
                   <a:gd name="adj2" fmla="val 18253916"/>
                 </a:avLst>
               </a:prstGeom>
@@ -6574,6 +7820,657 @@
           </a:p>
         </p:txBody>
       </p:sp>
+      <p:grpSp>
+        <p:nvGrpSpPr>
+          <p:cNvPr id="96" name="Group 95">
+            <a:extLst>
+              <a:ext uri="{FF2B5EF4-FFF2-40B4-BE49-F238E27FC236}">
+                <a16:creationId xmlns:a16="http://schemas.microsoft.com/office/drawing/2014/main" id="{87052C76-10A3-460F-BF40-39F444FDBDCC}"/>
+              </a:ext>
+            </a:extLst>
+          </p:cNvPr>
+          <p:cNvGrpSpPr/>
+          <p:nvPr/>
+        </p:nvGrpSpPr>
+        <p:grpSpPr>
+          <a:xfrm>
+            <a:off x="8211093" y="730112"/>
+            <a:ext cx="2145156" cy="2314449"/>
+            <a:chOff x="4206251" y="695387"/>
+            <a:chExt cx="2145156" cy="2314449"/>
+          </a:xfrm>
+        </p:grpSpPr>
+        <p:sp>
+          <p:nvSpPr>
+            <p:cNvPr id="98" name="Rectangle 97">
+              <a:extLst>
+                <a:ext uri="{FF2B5EF4-FFF2-40B4-BE49-F238E27FC236}">
+                  <a16:creationId xmlns:a16="http://schemas.microsoft.com/office/drawing/2014/main" id="{90BC21B3-84E3-461F-AB69-0469020C3683}"/>
+                </a:ext>
+              </a:extLst>
+            </p:cNvPr>
+            <p:cNvSpPr/>
+            <p:nvPr/>
+          </p:nvSpPr>
+          <p:spPr>
+            <a:xfrm>
+              <a:off x="5287092" y="1850186"/>
+              <a:ext cx="890343" cy="902944"/>
+            </a:xfrm>
+            <a:prstGeom prst="rect">
+              <a:avLst/>
+            </a:prstGeom>
+            <a:solidFill>
+              <a:schemeClr val="accent4">
+                <a:lumMod val="40000"/>
+                <a:lumOff val="60000"/>
+                <a:alpha val="10000"/>
+              </a:schemeClr>
+            </a:solidFill>
+            <a:ln>
+              <a:noFill/>
+            </a:ln>
+          </p:spPr>
+          <p:style>
+            <a:lnRef idx="2">
+              <a:schemeClr val="accent1">
+                <a:shade val="50000"/>
+              </a:schemeClr>
+            </a:lnRef>
+            <a:fillRef idx="1">
+              <a:schemeClr val="accent1"/>
+            </a:fillRef>
+            <a:effectRef idx="0">
+              <a:schemeClr val="accent1"/>
+            </a:effectRef>
+            <a:fontRef idx="minor">
+              <a:schemeClr val="lt1"/>
+            </a:fontRef>
+          </p:style>
+          <p:txBody>
+            <a:bodyPr rtlCol="0" anchor="ctr"/>
+            <a:lstStyle/>
+            <a:p>
+              <a:pPr algn="ctr"/>
+              <a:endParaRPr lang="en-AU"/>
+            </a:p>
+          </p:txBody>
+        </p:sp>
+        <p:sp>
+          <p:nvSpPr>
+            <p:cNvPr id="99" name="Rectangle 98">
+              <a:extLst>
+                <a:ext uri="{FF2B5EF4-FFF2-40B4-BE49-F238E27FC236}">
+                  <a16:creationId xmlns:a16="http://schemas.microsoft.com/office/drawing/2014/main" id="{19D25055-E472-4E20-A17F-0FF1B0ABDC32}"/>
+                </a:ext>
+              </a:extLst>
+            </p:cNvPr>
+            <p:cNvSpPr/>
+            <p:nvPr/>
+          </p:nvSpPr>
+          <p:spPr>
+            <a:xfrm>
+              <a:off x="5286083" y="936698"/>
+              <a:ext cx="890343" cy="902944"/>
+            </a:xfrm>
+            <a:prstGeom prst="rect">
+              <a:avLst/>
+            </a:prstGeom>
+            <a:solidFill>
+              <a:schemeClr val="accent4">
+                <a:lumMod val="40000"/>
+                <a:lumOff val="60000"/>
+                <a:alpha val="10000"/>
+              </a:schemeClr>
+            </a:solidFill>
+            <a:ln>
+              <a:noFill/>
+            </a:ln>
+          </p:spPr>
+          <p:style>
+            <a:lnRef idx="2">
+              <a:schemeClr val="accent1">
+                <a:shade val="50000"/>
+              </a:schemeClr>
+            </a:lnRef>
+            <a:fillRef idx="1">
+              <a:schemeClr val="accent1"/>
+            </a:fillRef>
+            <a:effectRef idx="0">
+              <a:schemeClr val="accent1"/>
+            </a:effectRef>
+            <a:fontRef idx="minor">
+              <a:schemeClr val="lt1"/>
+            </a:fontRef>
+          </p:style>
+          <p:txBody>
+            <a:bodyPr rtlCol="0" anchor="ctr"/>
+            <a:lstStyle/>
+            <a:p>
+              <a:pPr algn="ctr"/>
+              <a:endParaRPr lang="en-AU"/>
+            </a:p>
+          </p:txBody>
+        </p:sp>
+        <p:sp>
+          <p:nvSpPr>
+            <p:cNvPr id="101" name="Rectangle 100">
+              <a:extLst>
+                <a:ext uri="{FF2B5EF4-FFF2-40B4-BE49-F238E27FC236}">
+                  <a16:creationId xmlns:a16="http://schemas.microsoft.com/office/drawing/2014/main" id="{C51DB27B-7BFC-4522-9FD6-FDA3E2B728F8}"/>
+                </a:ext>
+              </a:extLst>
+            </p:cNvPr>
+            <p:cNvSpPr/>
+            <p:nvPr/>
+          </p:nvSpPr>
+          <p:spPr>
+            <a:xfrm>
+              <a:off x="4384492" y="936698"/>
+              <a:ext cx="890343" cy="902944"/>
+            </a:xfrm>
+            <a:prstGeom prst="rect">
+              <a:avLst/>
+            </a:prstGeom>
+            <a:solidFill>
+              <a:schemeClr val="accent4">
+                <a:lumMod val="40000"/>
+                <a:lumOff val="60000"/>
+                <a:alpha val="10000"/>
+              </a:schemeClr>
+            </a:solidFill>
+            <a:ln>
+              <a:noFill/>
+            </a:ln>
+          </p:spPr>
+          <p:style>
+            <a:lnRef idx="2">
+              <a:schemeClr val="accent1">
+                <a:shade val="50000"/>
+              </a:schemeClr>
+            </a:lnRef>
+            <a:fillRef idx="1">
+              <a:schemeClr val="accent1"/>
+            </a:fillRef>
+            <a:effectRef idx="0">
+              <a:schemeClr val="accent1"/>
+            </a:effectRef>
+            <a:fontRef idx="minor">
+              <a:schemeClr val="lt1"/>
+            </a:fontRef>
+          </p:style>
+          <p:txBody>
+            <a:bodyPr rtlCol="0" anchor="ctr"/>
+            <a:lstStyle/>
+            <a:p>
+              <a:pPr algn="ctr"/>
+              <a:endParaRPr lang="en-AU"/>
+            </a:p>
+          </p:txBody>
+        </p:sp>
+        <p:sp>
+          <p:nvSpPr>
+            <p:cNvPr id="103" name="Rectangle 102">
+              <a:extLst>
+                <a:ext uri="{FF2B5EF4-FFF2-40B4-BE49-F238E27FC236}">
+                  <a16:creationId xmlns:a16="http://schemas.microsoft.com/office/drawing/2014/main" id="{6B394D27-7FCD-4D79-9B93-5193F83CDDDE}"/>
+                </a:ext>
+              </a:extLst>
+            </p:cNvPr>
+            <p:cNvSpPr/>
+            <p:nvPr/>
+          </p:nvSpPr>
+          <p:spPr>
+            <a:xfrm>
+              <a:off x="4385217" y="1851817"/>
+              <a:ext cx="890343" cy="902944"/>
+            </a:xfrm>
+            <a:prstGeom prst="rect">
+              <a:avLst/>
+            </a:prstGeom>
+            <a:solidFill>
+              <a:schemeClr val="accent4">
+                <a:lumMod val="40000"/>
+                <a:lumOff val="60000"/>
+                <a:alpha val="10000"/>
+              </a:schemeClr>
+            </a:solidFill>
+            <a:ln>
+              <a:noFill/>
+            </a:ln>
+          </p:spPr>
+          <p:style>
+            <a:lnRef idx="2">
+              <a:schemeClr val="accent1">
+                <a:shade val="50000"/>
+              </a:schemeClr>
+            </a:lnRef>
+            <a:fillRef idx="1">
+              <a:schemeClr val="accent1"/>
+            </a:fillRef>
+            <a:effectRef idx="0">
+              <a:schemeClr val="accent1"/>
+            </a:effectRef>
+            <a:fontRef idx="minor">
+              <a:schemeClr val="lt1"/>
+            </a:fontRef>
+          </p:style>
+          <p:txBody>
+            <a:bodyPr rtlCol="0" anchor="ctr"/>
+            <a:lstStyle/>
+            <a:p>
+              <a:pPr algn="ctr"/>
+              <a:endParaRPr lang="en-AU"/>
+            </a:p>
+          </p:txBody>
+        </p:sp>
+        <p:sp>
+          <p:nvSpPr>
+            <p:cNvPr id="105" name="TextBox 104">
+              <a:extLst>
+                <a:ext uri="{FF2B5EF4-FFF2-40B4-BE49-F238E27FC236}">
+                  <a16:creationId xmlns:a16="http://schemas.microsoft.com/office/drawing/2014/main" id="{57DAEDAC-2732-43E4-B169-40D43CACE947}"/>
+                </a:ext>
+              </a:extLst>
+            </p:cNvPr>
+            <p:cNvSpPr txBox="1"/>
+            <p:nvPr/>
+          </p:nvSpPr>
+          <p:spPr>
+            <a:xfrm>
+              <a:off x="5242424" y="695387"/>
+              <a:ext cx="431528" cy="369332"/>
+            </a:xfrm>
+            <a:prstGeom prst="rect">
+              <a:avLst/>
+            </a:prstGeom>
+            <a:noFill/>
+          </p:spPr>
+          <p:txBody>
+            <a:bodyPr wrap="none" rtlCol="0">
+              <a:spAutoFit/>
+            </a:bodyPr>
+            <a:lstStyle/>
+            <a:p>
+              <a:r>
+                <a:rPr lang="en-AU" dirty="0"/>
+                <a:t>+V</a:t>
+              </a:r>
+              <a:endParaRPr lang="en-AU" baseline="-25000" dirty="0"/>
+            </a:p>
+          </p:txBody>
+        </p:sp>
+        <p:sp>
+          <p:nvSpPr>
+            <p:cNvPr id="113" name="Oval 112">
+              <a:extLst>
+                <a:ext uri="{FF2B5EF4-FFF2-40B4-BE49-F238E27FC236}">
+                  <a16:creationId xmlns:a16="http://schemas.microsoft.com/office/drawing/2014/main" id="{694352C4-CA0C-4525-BBF8-CF694D066ABA}"/>
+                </a:ext>
+              </a:extLst>
+            </p:cNvPr>
+            <p:cNvSpPr/>
+            <p:nvPr/>
+          </p:nvSpPr>
+          <p:spPr>
+            <a:xfrm>
+              <a:off x="5242424" y="1809804"/>
+              <a:ext cx="72000" cy="72000"/>
+            </a:xfrm>
+            <a:prstGeom prst="ellipse">
+              <a:avLst/>
+            </a:prstGeom>
+            <a:noFill/>
+            <a:ln>
+              <a:solidFill>
+                <a:schemeClr val="tx1"/>
+              </a:solidFill>
+            </a:ln>
+          </p:spPr>
+          <p:style>
+            <a:lnRef idx="2">
+              <a:schemeClr val="accent1">
+                <a:shade val="50000"/>
+              </a:schemeClr>
+            </a:lnRef>
+            <a:fillRef idx="1">
+              <a:schemeClr val="accent1"/>
+            </a:fillRef>
+            <a:effectRef idx="0">
+              <a:schemeClr val="accent1"/>
+            </a:effectRef>
+            <a:fontRef idx="minor">
+              <a:schemeClr val="lt1"/>
+            </a:fontRef>
+          </p:style>
+          <p:txBody>
+            <a:bodyPr rtlCol="0" anchor="ctr"/>
+            <a:lstStyle/>
+            <a:p>
+              <a:pPr algn="ctr"/>
+              <a:endParaRPr lang="en-AU"/>
+            </a:p>
+          </p:txBody>
+        </p:sp>
+        <p:cxnSp>
+          <p:nvCxnSpPr>
+            <p:cNvPr id="114" name="Straight Connector 113">
+              <a:extLst>
+                <a:ext uri="{FF2B5EF4-FFF2-40B4-BE49-F238E27FC236}">
+                  <a16:creationId xmlns:a16="http://schemas.microsoft.com/office/drawing/2014/main" id="{C81A103F-C076-401B-8866-7290FF8DDEDF}"/>
+                </a:ext>
+              </a:extLst>
+            </p:cNvPr>
+            <p:cNvCxnSpPr>
+              <a:cxnSpLocks/>
+            </p:cNvCxnSpPr>
+            <p:nvPr/>
+          </p:nvCxnSpPr>
+          <p:spPr>
+            <a:xfrm>
+              <a:off x="4206251" y="1839642"/>
+              <a:ext cx="2145156" cy="12325"/>
+            </a:xfrm>
+            <a:prstGeom prst="line">
+              <a:avLst/>
+            </a:prstGeom>
+            <a:ln>
+              <a:solidFill>
+                <a:schemeClr val="tx1"/>
+              </a:solidFill>
+              <a:headEnd type="triangle"/>
+              <a:tailEnd type="triangle"/>
+            </a:ln>
+          </p:spPr>
+          <p:style>
+            <a:lnRef idx="1">
+              <a:schemeClr val="accent1"/>
+            </a:lnRef>
+            <a:fillRef idx="0">
+              <a:schemeClr val="accent1"/>
+            </a:fillRef>
+            <a:effectRef idx="0">
+              <a:schemeClr val="accent1"/>
+            </a:effectRef>
+            <a:fontRef idx="minor">
+              <a:schemeClr val="tx1"/>
+            </a:fontRef>
+          </p:style>
+        </p:cxnSp>
+        <p:cxnSp>
+          <p:nvCxnSpPr>
+            <p:cNvPr id="115" name="Straight Connector 114">
+              <a:extLst>
+                <a:ext uri="{FF2B5EF4-FFF2-40B4-BE49-F238E27FC236}">
+                  <a16:creationId xmlns:a16="http://schemas.microsoft.com/office/drawing/2014/main" id="{1C1C1268-F935-4818-9C9E-4FFA0D6F4F29}"/>
+                </a:ext>
+              </a:extLst>
+            </p:cNvPr>
+            <p:cNvCxnSpPr>
+              <a:cxnSpLocks/>
+            </p:cNvCxnSpPr>
+            <p:nvPr/>
+          </p:nvCxnSpPr>
+          <p:spPr>
+            <a:xfrm>
+              <a:off x="5278829" y="801395"/>
+              <a:ext cx="0" cy="2088818"/>
+            </a:xfrm>
+            <a:prstGeom prst="line">
+              <a:avLst/>
+            </a:prstGeom>
+            <a:ln>
+              <a:solidFill>
+                <a:schemeClr val="tx1"/>
+              </a:solidFill>
+              <a:headEnd type="triangle"/>
+              <a:tailEnd type="triangle"/>
+            </a:ln>
+          </p:spPr>
+          <p:style>
+            <a:lnRef idx="1">
+              <a:schemeClr val="accent1"/>
+            </a:lnRef>
+            <a:fillRef idx="0">
+              <a:schemeClr val="accent1"/>
+            </a:fillRef>
+            <a:effectRef idx="0">
+              <a:schemeClr val="accent1"/>
+            </a:effectRef>
+            <a:fontRef idx="minor">
+              <a:schemeClr val="tx1"/>
+            </a:fontRef>
+          </p:style>
+        </p:cxnSp>
+        <p:sp>
+          <p:nvSpPr>
+            <p:cNvPr id="116" name="Arrow: Curved Right 115">
+              <a:extLst>
+                <a:ext uri="{FF2B5EF4-FFF2-40B4-BE49-F238E27FC236}">
+                  <a16:creationId xmlns:a16="http://schemas.microsoft.com/office/drawing/2014/main" id="{EFDB4EC3-E6E2-4991-A850-283F0D0CD776}"/>
+                </a:ext>
+              </a:extLst>
+            </p:cNvPr>
+            <p:cNvSpPr/>
+            <p:nvPr/>
+          </p:nvSpPr>
+          <p:spPr>
+            <a:xfrm>
+              <a:off x="5044962" y="1679821"/>
+              <a:ext cx="144000" cy="360000"/>
+            </a:xfrm>
+            <a:prstGeom prst="curvedRightArrow">
+              <a:avLst/>
+            </a:prstGeom>
+            <a:solidFill>
+              <a:schemeClr val="tx1"/>
+            </a:solidFill>
+            <a:ln>
+              <a:noFill/>
+            </a:ln>
+          </p:spPr>
+          <p:style>
+            <a:lnRef idx="2">
+              <a:schemeClr val="accent1">
+                <a:shade val="50000"/>
+              </a:schemeClr>
+            </a:lnRef>
+            <a:fillRef idx="1">
+              <a:schemeClr val="accent1"/>
+            </a:fillRef>
+            <a:effectRef idx="0">
+              <a:schemeClr val="accent1"/>
+            </a:effectRef>
+            <a:fontRef idx="minor">
+              <a:schemeClr val="lt1"/>
+            </a:fontRef>
+          </p:style>
+          <p:txBody>
+            <a:bodyPr rtlCol="0" anchor="ctr"/>
+            <a:lstStyle/>
+            <a:p>
+              <a:pPr algn="ctr"/>
+              <a:endParaRPr lang="en-AU">
+                <a:solidFill>
+                  <a:schemeClr val="tx1"/>
+                </a:solidFill>
+              </a:endParaRPr>
+            </a:p>
+          </p:txBody>
+        </p:sp>
+        <p:sp>
+          <p:nvSpPr>
+            <p:cNvPr id="117" name="Arrow: Curved Left 116">
+              <a:extLst>
+                <a:ext uri="{FF2B5EF4-FFF2-40B4-BE49-F238E27FC236}">
+                  <a16:creationId xmlns:a16="http://schemas.microsoft.com/office/drawing/2014/main" id="{246856A7-2F29-468D-A8E4-236BA7691329}"/>
+                </a:ext>
+              </a:extLst>
+            </p:cNvPr>
+            <p:cNvSpPr/>
+            <p:nvPr/>
+          </p:nvSpPr>
+          <p:spPr>
+            <a:xfrm>
+              <a:off x="5367886" y="1679821"/>
+              <a:ext cx="142036" cy="360000"/>
+            </a:xfrm>
+            <a:prstGeom prst="curvedLeftArrow">
+              <a:avLst/>
+            </a:prstGeom>
+            <a:solidFill>
+              <a:schemeClr val="tx1"/>
+            </a:solidFill>
+            <a:ln>
+              <a:noFill/>
+            </a:ln>
+          </p:spPr>
+          <p:style>
+            <a:lnRef idx="2">
+              <a:schemeClr val="accent1">
+                <a:shade val="50000"/>
+              </a:schemeClr>
+            </a:lnRef>
+            <a:fillRef idx="1">
+              <a:schemeClr val="accent1"/>
+            </a:fillRef>
+            <a:effectRef idx="0">
+              <a:schemeClr val="accent1"/>
+            </a:effectRef>
+            <a:fontRef idx="minor">
+              <a:schemeClr val="lt1"/>
+            </a:fontRef>
+          </p:style>
+          <p:txBody>
+            <a:bodyPr rtlCol="0" anchor="ctr"/>
+            <a:lstStyle/>
+            <a:p>
+              <a:pPr algn="ctr"/>
+              <a:endParaRPr lang="en-AU">
+                <a:solidFill>
+                  <a:schemeClr val="tx1"/>
+                </a:solidFill>
+              </a:endParaRPr>
+            </a:p>
+          </p:txBody>
+        </p:sp>
+        <p:sp>
+          <p:nvSpPr>
+            <p:cNvPr id="118" name="TextBox 117">
+              <a:extLst>
+                <a:ext uri="{FF2B5EF4-FFF2-40B4-BE49-F238E27FC236}">
+                  <a16:creationId xmlns:a16="http://schemas.microsoft.com/office/drawing/2014/main" id="{DECA7A6C-3455-4B6F-8D1E-280DEEA80E1E}"/>
+                </a:ext>
+              </a:extLst>
+            </p:cNvPr>
+            <p:cNvSpPr txBox="1"/>
+            <p:nvPr/>
+          </p:nvSpPr>
+          <p:spPr>
+            <a:xfrm>
+              <a:off x="5399388" y="1499096"/>
+              <a:ext cx="460382" cy="369332"/>
+            </a:xfrm>
+            <a:prstGeom prst="rect">
+              <a:avLst/>
+            </a:prstGeom>
+            <a:noFill/>
+          </p:spPr>
+          <p:txBody>
+            <a:bodyPr wrap="none" rtlCol="0">
+              <a:spAutoFit/>
+            </a:bodyPr>
+            <a:lstStyle/>
+            <a:p>
+              <a:r>
+                <a:rPr lang="en-AU" dirty="0"/>
+                <a:t>+</a:t>
+              </a:r>
+              <a:r>
+                <a:rPr lang="el-GR" dirty="0"/>
+                <a:t>ω</a:t>
+              </a:r>
+              <a:endParaRPr lang="en-AU" dirty="0"/>
+            </a:p>
+          </p:txBody>
+        </p:sp>
+        <p:sp>
+          <p:nvSpPr>
+            <p:cNvPr id="127" name="TextBox 126">
+              <a:extLst>
+                <a:ext uri="{FF2B5EF4-FFF2-40B4-BE49-F238E27FC236}">
+                  <a16:creationId xmlns:a16="http://schemas.microsoft.com/office/drawing/2014/main" id="{34D053B8-7045-4486-A51E-6AF324FFB7E6}"/>
+                </a:ext>
+              </a:extLst>
+            </p:cNvPr>
+            <p:cNvSpPr txBox="1"/>
+            <p:nvPr/>
+          </p:nvSpPr>
+          <p:spPr>
+            <a:xfrm>
+              <a:off x="4732971" y="1499097"/>
+              <a:ext cx="415498" cy="369332"/>
+            </a:xfrm>
+            <a:prstGeom prst="rect">
+              <a:avLst/>
+            </a:prstGeom>
+            <a:noFill/>
+          </p:spPr>
+          <p:txBody>
+            <a:bodyPr wrap="none" rtlCol="0">
+              <a:spAutoFit/>
+            </a:bodyPr>
+            <a:lstStyle/>
+            <a:p>
+              <a:r>
+                <a:rPr lang="en-AU" dirty="0"/>
+                <a:t>-</a:t>
+              </a:r>
+              <a:r>
+                <a:rPr lang="el-GR" dirty="0"/>
+                <a:t>ω</a:t>
+              </a:r>
+              <a:endParaRPr lang="en-AU" dirty="0"/>
+            </a:p>
+          </p:txBody>
+        </p:sp>
+        <p:sp>
+          <p:nvSpPr>
+            <p:cNvPr id="151" name="TextBox 150">
+              <a:extLst>
+                <a:ext uri="{FF2B5EF4-FFF2-40B4-BE49-F238E27FC236}">
+                  <a16:creationId xmlns:a16="http://schemas.microsoft.com/office/drawing/2014/main" id="{8AFF5EC1-8635-4BEE-9587-C605202ACAE1}"/>
+                </a:ext>
+              </a:extLst>
+            </p:cNvPr>
+            <p:cNvSpPr txBox="1"/>
+            <p:nvPr/>
+          </p:nvSpPr>
+          <p:spPr>
+            <a:xfrm>
+              <a:off x="4852294" y="2640504"/>
+              <a:ext cx="386644" cy="369332"/>
+            </a:xfrm>
+            <a:prstGeom prst="rect">
+              <a:avLst/>
+            </a:prstGeom>
+            <a:noFill/>
+          </p:spPr>
+          <p:txBody>
+            <a:bodyPr wrap="none" rtlCol="0">
+              <a:spAutoFit/>
+            </a:bodyPr>
+            <a:lstStyle/>
+            <a:p>
+              <a:r>
+                <a:rPr lang="en-AU" dirty="0"/>
+                <a:t>-V</a:t>
+              </a:r>
+              <a:endParaRPr lang="en-AU" baseline="-25000" dirty="0"/>
+            </a:p>
+          </p:txBody>
+        </p:sp>
+      </p:grpSp>
     </p:spTree>
     <p:extLst>
       <p:ext uri="{BB962C8B-B14F-4D97-AF65-F5344CB8AC3E}">

--- a/media/photo/SmartCar.pptx
+++ b/media/photo/SmartCar.pptx
@@ -262,7 +262,7 @@
           <a:p>
             <a:fld id="{04247DC2-A07E-4E7E-B14F-806BFE439A33}" type="datetimeFigureOut">
               <a:rPr lang="en-AU" smtClean="0"/>
-              <a:t>8/03/2021</a:t>
+              <a:t>19/03/2021</a:t>
             </a:fld>
             <a:endParaRPr lang="en-AU"/>
           </a:p>
@@ -462,7 +462,7 @@
           <a:p>
             <a:fld id="{04247DC2-A07E-4E7E-B14F-806BFE439A33}" type="datetimeFigureOut">
               <a:rPr lang="en-AU" smtClean="0"/>
-              <a:t>8/03/2021</a:t>
+              <a:t>19/03/2021</a:t>
             </a:fld>
             <a:endParaRPr lang="en-AU"/>
           </a:p>
@@ -672,7 +672,7 @@
           <a:p>
             <a:fld id="{04247DC2-A07E-4E7E-B14F-806BFE439A33}" type="datetimeFigureOut">
               <a:rPr lang="en-AU" smtClean="0"/>
-              <a:t>8/03/2021</a:t>
+              <a:t>19/03/2021</a:t>
             </a:fld>
             <a:endParaRPr lang="en-AU"/>
           </a:p>
@@ -872,7 +872,7 @@
           <a:p>
             <a:fld id="{04247DC2-A07E-4E7E-B14F-806BFE439A33}" type="datetimeFigureOut">
               <a:rPr lang="en-AU" smtClean="0"/>
-              <a:t>8/03/2021</a:t>
+              <a:t>19/03/2021</a:t>
             </a:fld>
             <a:endParaRPr lang="en-AU"/>
           </a:p>
@@ -1148,7 +1148,7 @@
           <a:p>
             <a:fld id="{04247DC2-A07E-4E7E-B14F-806BFE439A33}" type="datetimeFigureOut">
               <a:rPr lang="en-AU" smtClean="0"/>
-              <a:t>8/03/2021</a:t>
+              <a:t>19/03/2021</a:t>
             </a:fld>
             <a:endParaRPr lang="en-AU"/>
           </a:p>
@@ -1416,7 +1416,7 @@
           <a:p>
             <a:fld id="{04247DC2-A07E-4E7E-B14F-806BFE439A33}" type="datetimeFigureOut">
               <a:rPr lang="en-AU" smtClean="0"/>
-              <a:t>8/03/2021</a:t>
+              <a:t>19/03/2021</a:t>
             </a:fld>
             <a:endParaRPr lang="en-AU"/>
           </a:p>
@@ -1831,7 +1831,7 @@
           <a:p>
             <a:fld id="{04247DC2-A07E-4E7E-B14F-806BFE439A33}" type="datetimeFigureOut">
               <a:rPr lang="en-AU" smtClean="0"/>
-              <a:t>8/03/2021</a:t>
+              <a:t>19/03/2021</a:t>
             </a:fld>
             <a:endParaRPr lang="en-AU"/>
           </a:p>
@@ -1973,7 +1973,7 @@
           <a:p>
             <a:fld id="{04247DC2-A07E-4E7E-B14F-806BFE439A33}" type="datetimeFigureOut">
               <a:rPr lang="en-AU" smtClean="0"/>
-              <a:t>8/03/2021</a:t>
+              <a:t>19/03/2021</a:t>
             </a:fld>
             <a:endParaRPr lang="en-AU"/>
           </a:p>
@@ -2086,7 +2086,7 @@
           <a:p>
             <a:fld id="{04247DC2-A07E-4E7E-B14F-806BFE439A33}" type="datetimeFigureOut">
               <a:rPr lang="en-AU" smtClean="0"/>
-              <a:t>8/03/2021</a:t>
+              <a:t>19/03/2021</a:t>
             </a:fld>
             <a:endParaRPr lang="en-AU"/>
           </a:p>
@@ -2399,7 +2399,7 @@
           <a:p>
             <a:fld id="{04247DC2-A07E-4E7E-B14F-806BFE439A33}" type="datetimeFigureOut">
               <a:rPr lang="en-AU" smtClean="0"/>
-              <a:t>8/03/2021</a:t>
+              <a:t>19/03/2021</a:t>
             </a:fld>
             <a:endParaRPr lang="en-AU"/>
           </a:p>
@@ -2688,7 +2688,7 @@
           <a:p>
             <a:fld id="{04247DC2-A07E-4E7E-B14F-806BFE439A33}" type="datetimeFigureOut">
               <a:rPr lang="en-AU" smtClean="0"/>
-              <a:t>8/03/2021</a:t>
+              <a:t>19/03/2021</a:t>
             </a:fld>
             <a:endParaRPr lang="en-AU"/>
           </a:p>
@@ -2931,7 +2931,7 @@
           <a:p>
             <a:fld id="{04247DC2-A07E-4E7E-B14F-806BFE439A33}" type="datetimeFigureOut">
               <a:rPr lang="en-AU" smtClean="0"/>
-              <a:t>8/03/2021</a:t>
+              <a:t>19/03/2021</a:t>
             </a:fld>
             <a:endParaRPr lang="en-AU"/>
           </a:p>
@@ -4563,6 +4563,891 @@
           </a:fontRef>
         </p:style>
       </p:cxnSp>
+      <p:sp>
+        <p:nvSpPr>
+          <p:cNvPr id="2" name="Oval 1">
+            <a:extLst>
+              <a:ext uri="{FF2B5EF4-FFF2-40B4-BE49-F238E27FC236}">
+                <a16:creationId xmlns:a16="http://schemas.microsoft.com/office/drawing/2014/main" id="{22AB194F-940F-40DC-8B2C-2B6A13CC56B6}"/>
+              </a:ext>
+            </a:extLst>
+          </p:cNvPr>
+          <p:cNvSpPr/>
+          <p:nvPr/>
+        </p:nvSpPr>
+        <p:spPr>
+          <a:xfrm>
+            <a:off x="1608881" y="4988689"/>
+            <a:ext cx="720000" cy="720000"/>
+          </a:xfrm>
+          <a:prstGeom prst="ellipse">
+            <a:avLst/>
+          </a:prstGeom>
+          <a:noFill/>
+          <a:ln w="76200">
+            <a:solidFill>
+              <a:schemeClr val="tx1"/>
+            </a:solidFill>
+          </a:ln>
+        </p:spPr>
+        <p:style>
+          <a:lnRef idx="2">
+            <a:schemeClr val="accent1">
+              <a:shade val="50000"/>
+            </a:schemeClr>
+          </a:lnRef>
+          <a:fillRef idx="1">
+            <a:schemeClr val="accent1"/>
+          </a:fillRef>
+          <a:effectRef idx="0">
+            <a:schemeClr val="accent1"/>
+          </a:effectRef>
+          <a:fontRef idx="minor">
+            <a:schemeClr val="lt1"/>
+          </a:fontRef>
+        </p:style>
+        <p:txBody>
+          <a:bodyPr rtlCol="0" anchor="ctr"/>
+          <a:lstStyle/>
+          <a:p>
+            <a:pPr algn="ctr"/>
+            <a:endParaRPr lang="en-AU"/>
+          </a:p>
+        </p:txBody>
+      </p:sp>
+      <p:sp>
+        <p:nvSpPr>
+          <p:cNvPr id="28" name="Oval 27">
+            <a:extLst>
+              <a:ext uri="{FF2B5EF4-FFF2-40B4-BE49-F238E27FC236}">
+                <a16:creationId xmlns:a16="http://schemas.microsoft.com/office/drawing/2014/main" id="{CD0A0D1F-EF3C-494F-8AA7-B9E6BA96E1FF}"/>
+              </a:ext>
+            </a:extLst>
+          </p:cNvPr>
+          <p:cNvSpPr/>
+          <p:nvPr/>
+        </p:nvSpPr>
+        <p:spPr>
+          <a:xfrm>
+            <a:off x="2658581" y="4988689"/>
+            <a:ext cx="720000" cy="720000"/>
+          </a:xfrm>
+          <a:prstGeom prst="ellipse">
+            <a:avLst/>
+          </a:prstGeom>
+          <a:noFill/>
+          <a:ln w="76200">
+            <a:solidFill>
+              <a:schemeClr val="tx1"/>
+            </a:solidFill>
+          </a:ln>
+        </p:spPr>
+        <p:style>
+          <a:lnRef idx="2">
+            <a:schemeClr val="accent1">
+              <a:shade val="50000"/>
+            </a:schemeClr>
+          </a:lnRef>
+          <a:fillRef idx="1">
+            <a:schemeClr val="accent1"/>
+          </a:fillRef>
+          <a:effectRef idx="0">
+            <a:schemeClr val="accent1"/>
+          </a:effectRef>
+          <a:fontRef idx="minor">
+            <a:schemeClr val="lt1"/>
+          </a:fontRef>
+        </p:style>
+        <p:txBody>
+          <a:bodyPr rtlCol="0" anchor="ctr"/>
+          <a:lstStyle/>
+          <a:p>
+            <a:pPr algn="ctr"/>
+            <a:endParaRPr lang="en-AU"/>
+          </a:p>
+        </p:txBody>
+      </p:sp>
+      <p:sp>
+        <p:nvSpPr>
+          <p:cNvPr id="3" name="Isosceles Triangle 2">
+            <a:extLst>
+              <a:ext uri="{FF2B5EF4-FFF2-40B4-BE49-F238E27FC236}">
+                <a16:creationId xmlns:a16="http://schemas.microsoft.com/office/drawing/2014/main" id="{DC9E3E06-B626-4E1C-A3CA-04D048932CCD}"/>
+              </a:ext>
+            </a:extLst>
+          </p:cNvPr>
+          <p:cNvSpPr/>
+          <p:nvPr/>
+        </p:nvSpPr>
+        <p:spPr>
+          <a:xfrm rot="5400000">
+            <a:off x="1800726" y="5168215"/>
+            <a:ext cx="425116" cy="360948"/>
+          </a:xfrm>
+          <a:prstGeom prst="triangle">
+            <a:avLst/>
+          </a:prstGeom>
+          <a:solidFill>
+            <a:schemeClr val="tx1"/>
+          </a:solidFill>
+          <a:ln>
+            <a:solidFill>
+              <a:schemeClr val="tx1"/>
+            </a:solidFill>
+          </a:ln>
+        </p:spPr>
+        <p:style>
+          <a:lnRef idx="2">
+            <a:schemeClr val="accent1">
+              <a:shade val="50000"/>
+            </a:schemeClr>
+          </a:lnRef>
+          <a:fillRef idx="1">
+            <a:schemeClr val="accent1"/>
+          </a:fillRef>
+          <a:effectRef idx="0">
+            <a:schemeClr val="accent1"/>
+          </a:effectRef>
+          <a:fontRef idx="minor">
+            <a:schemeClr val="lt1"/>
+          </a:fontRef>
+        </p:style>
+        <p:txBody>
+          <a:bodyPr rtlCol="0" anchor="ctr"/>
+          <a:lstStyle/>
+          <a:p>
+            <a:pPr algn="ctr"/>
+            <a:endParaRPr lang="en-AU"/>
+          </a:p>
+        </p:txBody>
+      </p:sp>
+      <p:sp>
+        <p:nvSpPr>
+          <p:cNvPr id="6" name="Rectangle 5">
+            <a:extLst>
+              <a:ext uri="{FF2B5EF4-FFF2-40B4-BE49-F238E27FC236}">
+                <a16:creationId xmlns:a16="http://schemas.microsoft.com/office/drawing/2014/main" id="{42690B05-A3B0-4357-A4A4-8A21118FB1A5}"/>
+              </a:ext>
+            </a:extLst>
+          </p:cNvPr>
+          <p:cNvSpPr/>
+          <p:nvPr/>
+        </p:nvSpPr>
+        <p:spPr>
+          <a:xfrm>
+            <a:off x="2838581" y="5168689"/>
+            <a:ext cx="360000" cy="360000"/>
+          </a:xfrm>
+          <a:prstGeom prst="rect">
+            <a:avLst/>
+          </a:prstGeom>
+          <a:solidFill>
+            <a:schemeClr val="tx1"/>
+          </a:solidFill>
+          <a:ln>
+            <a:solidFill>
+              <a:schemeClr val="tx1"/>
+            </a:solidFill>
+          </a:ln>
+        </p:spPr>
+        <p:style>
+          <a:lnRef idx="2">
+            <a:schemeClr val="accent1">
+              <a:shade val="50000"/>
+            </a:schemeClr>
+          </a:lnRef>
+          <a:fillRef idx="1">
+            <a:schemeClr val="accent1"/>
+          </a:fillRef>
+          <a:effectRef idx="0">
+            <a:schemeClr val="accent1"/>
+          </a:effectRef>
+          <a:fontRef idx="minor">
+            <a:schemeClr val="lt1"/>
+          </a:fontRef>
+        </p:style>
+        <p:txBody>
+          <a:bodyPr rtlCol="0" anchor="ctr"/>
+          <a:lstStyle/>
+          <a:p>
+            <a:pPr algn="ctr"/>
+            <a:endParaRPr lang="en-AU"/>
+          </a:p>
+        </p:txBody>
+      </p:sp>
+      <p:sp>
+        <p:nvSpPr>
+          <p:cNvPr id="11" name="Rectangle 10">
+            <a:extLst>
+              <a:ext uri="{FF2B5EF4-FFF2-40B4-BE49-F238E27FC236}">
+                <a16:creationId xmlns:a16="http://schemas.microsoft.com/office/drawing/2014/main" id="{4EAA8330-2AF8-4446-80EE-FB0574DF4D44}"/>
+              </a:ext>
+            </a:extLst>
+          </p:cNvPr>
+          <p:cNvSpPr/>
+          <p:nvPr/>
+        </p:nvSpPr>
+        <p:spPr>
+          <a:xfrm>
+            <a:off x="1565138" y="4947857"/>
+            <a:ext cx="807814" cy="802203"/>
+          </a:xfrm>
+          <a:prstGeom prst="rect">
+            <a:avLst/>
+          </a:prstGeom>
+          <a:noFill/>
+          <a:ln w="0"/>
+        </p:spPr>
+        <p:style>
+          <a:lnRef idx="2">
+            <a:schemeClr val="accent1">
+              <a:shade val="50000"/>
+            </a:schemeClr>
+          </a:lnRef>
+          <a:fillRef idx="1">
+            <a:schemeClr val="accent1"/>
+          </a:fillRef>
+          <a:effectRef idx="0">
+            <a:schemeClr val="accent1"/>
+          </a:effectRef>
+          <a:fontRef idx="minor">
+            <a:schemeClr val="lt1"/>
+          </a:fontRef>
+        </p:style>
+        <p:txBody>
+          <a:bodyPr rtlCol="0" anchor="ctr"/>
+          <a:lstStyle/>
+          <a:p>
+            <a:pPr algn="ctr"/>
+            <a:endParaRPr lang="en-AU"/>
+          </a:p>
+        </p:txBody>
+      </p:sp>
+      <p:sp>
+        <p:nvSpPr>
+          <p:cNvPr id="32" name="Rectangle 31">
+            <a:extLst>
+              <a:ext uri="{FF2B5EF4-FFF2-40B4-BE49-F238E27FC236}">
+                <a16:creationId xmlns:a16="http://schemas.microsoft.com/office/drawing/2014/main" id="{D8415A53-6FDD-42C1-850B-3CBF771298EB}"/>
+              </a:ext>
+            </a:extLst>
+          </p:cNvPr>
+          <p:cNvSpPr/>
+          <p:nvPr/>
+        </p:nvSpPr>
+        <p:spPr>
+          <a:xfrm>
+            <a:off x="2617912" y="4948790"/>
+            <a:ext cx="807814" cy="802203"/>
+          </a:xfrm>
+          <a:prstGeom prst="rect">
+            <a:avLst/>
+          </a:prstGeom>
+          <a:noFill/>
+          <a:ln w="0"/>
+        </p:spPr>
+        <p:style>
+          <a:lnRef idx="2">
+            <a:schemeClr val="accent1">
+              <a:shade val="50000"/>
+            </a:schemeClr>
+          </a:lnRef>
+          <a:fillRef idx="1">
+            <a:schemeClr val="accent1"/>
+          </a:fillRef>
+          <a:effectRef idx="0">
+            <a:schemeClr val="accent1"/>
+          </a:effectRef>
+          <a:fontRef idx="minor">
+            <a:schemeClr val="lt1"/>
+          </a:fontRef>
+        </p:style>
+        <p:txBody>
+          <a:bodyPr rtlCol="0" anchor="ctr"/>
+          <a:lstStyle/>
+          <a:p>
+            <a:pPr algn="ctr"/>
+            <a:endParaRPr lang="en-AU"/>
+          </a:p>
+        </p:txBody>
+      </p:sp>
+      <p:sp>
+        <p:nvSpPr>
+          <p:cNvPr id="34" name="Rectangle 33">
+            <a:extLst>
+              <a:ext uri="{FF2B5EF4-FFF2-40B4-BE49-F238E27FC236}">
+                <a16:creationId xmlns:a16="http://schemas.microsoft.com/office/drawing/2014/main" id="{3E5E570F-6385-4043-9C26-4B37488FAE2D}"/>
+              </a:ext>
+            </a:extLst>
+          </p:cNvPr>
+          <p:cNvSpPr/>
+          <p:nvPr/>
+        </p:nvSpPr>
+        <p:spPr>
+          <a:xfrm>
+            <a:off x="3558581" y="4949724"/>
+            <a:ext cx="807814" cy="802203"/>
+          </a:xfrm>
+          <a:prstGeom prst="rect">
+            <a:avLst/>
+          </a:prstGeom>
+          <a:noFill/>
+          <a:ln w="0"/>
+        </p:spPr>
+        <p:style>
+          <a:lnRef idx="2">
+            <a:schemeClr val="accent1">
+              <a:shade val="50000"/>
+            </a:schemeClr>
+          </a:lnRef>
+          <a:fillRef idx="1">
+            <a:schemeClr val="accent1"/>
+          </a:fillRef>
+          <a:effectRef idx="0">
+            <a:schemeClr val="accent1"/>
+          </a:effectRef>
+          <a:fontRef idx="minor">
+            <a:schemeClr val="lt1"/>
+          </a:fontRef>
+        </p:style>
+        <p:txBody>
+          <a:bodyPr rtlCol="0" anchor="ctr"/>
+          <a:lstStyle/>
+          <a:p>
+            <a:pPr algn="ctr"/>
+            <a:endParaRPr lang="en-AU"/>
+          </a:p>
+        </p:txBody>
+      </p:sp>
+      <p:sp>
+        <p:nvSpPr>
+          <p:cNvPr id="37" name="Rectangle 36">
+            <a:extLst>
+              <a:ext uri="{FF2B5EF4-FFF2-40B4-BE49-F238E27FC236}">
+                <a16:creationId xmlns:a16="http://schemas.microsoft.com/office/drawing/2014/main" id="{45678745-43E7-46BA-98C4-29FEB7DDD859}"/>
+              </a:ext>
+            </a:extLst>
+          </p:cNvPr>
+          <p:cNvSpPr/>
+          <p:nvPr/>
+        </p:nvSpPr>
+        <p:spPr>
+          <a:xfrm>
+            <a:off x="4491505" y="4950654"/>
+            <a:ext cx="807814" cy="802203"/>
+          </a:xfrm>
+          <a:prstGeom prst="rect">
+            <a:avLst/>
+          </a:prstGeom>
+          <a:noFill/>
+          <a:ln w="0"/>
+        </p:spPr>
+        <p:style>
+          <a:lnRef idx="2">
+            <a:schemeClr val="accent1">
+              <a:shade val="50000"/>
+            </a:schemeClr>
+          </a:lnRef>
+          <a:fillRef idx="1">
+            <a:schemeClr val="accent1"/>
+          </a:fillRef>
+          <a:effectRef idx="0">
+            <a:schemeClr val="accent1"/>
+          </a:effectRef>
+          <a:fontRef idx="minor">
+            <a:schemeClr val="lt1"/>
+          </a:fontRef>
+        </p:style>
+        <p:txBody>
+          <a:bodyPr rtlCol="0" anchor="ctr"/>
+          <a:lstStyle/>
+          <a:p>
+            <a:pPr algn="ctr"/>
+            <a:endParaRPr lang="en-AU"/>
+          </a:p>
+        </p:txBody>
+      </p:sp>
+      <p:sp>
+        <p:nvSpPr>
+          <p:cNvPr id="17" name="Sun 16">
+            <a:extLst>
+              <a:ext uri="{FF2B5EF4-FFF2-40B4-BE49-F238E27FC236}">
+                <a16:creationId xmlns:a16="http://schemas.microsoft.com/office/drawing/2014/main" id="{8BF61014-2789-4FB1-A53B-5FA3218A85A1}"/>
+              </a:ext>
+            </a:extLst>
+          </p:cNvPr>
+          <p:cNvSpPr/>
+          <p:nvPr/>
+        </p:nvSpPr>
+        <p:spPr>
+          <a:xfrm>
+            <a:off x="4601182" y="5043224"/>
+            <a:ext cx="588460" cy="586225"/>
+          </a:xfrm>
+          <a:prstGeom prst="sun">
+            <a:avLst/>
+          </a:prstGeom>
+          <a:noFill/>
+          <a:ln w="38100">
+            <a:solidFill>
+              <a:schemeClr val="tx1"/>
+            </a:solidFill>
+          </a:ln>
+        </p:spPr>
+        <p:style>
+          <a:lnRef idx="2">
+            <a:schemeClr val="accent1">
+              <a:shade val="50000"/>
+            </a:schemeClr>
+          </a:lnRef>
+          <a:fillRef idx="1">
+            <a:schemeClr val="accent1"/>
+          </a:fillRef>
+          <a:effectRef idx="0">
+            <a:schemeClr val="accent1"/>
+          </a:effectRef>
+          <a:fontRef idx="minor">
+            <a:schemeClr val="lt1"/>
+          </a:fontRef>
+        </p:style>
+        <p:txBody>
+          <a:bodyPr rtlCol="0" anchor="ctr"/>
+          <a:lstStyle/>
+          <a:p>
+            <a:pPr algn="ctr"/>
+            <a:endParaRPr lang="en-AU"/>
+          </a:p>
+        </p:txBody>
+      </p:sp>
+      <p:sp>
+        <p:nvSpPr>
+          <p:cNvPr id="39" name="Rectangle 38">
+            <a:extLst>
+              <a:ext uri="{FF2B5EF4-FFF2-40B4-BE49-F238E27FC236}">
+                <a16:creationId xmlns:a16="http://schemas.microsoft.com/office/drawing/2014/main" id="{BF036370-8F6A-42A1-8D37-47FBD65FD8A6}"/>
+              </a:ext>
+            </a:extLst>
+          </p:cNvPr>
+          <p:cNvSpPr/>
+          <p:nvPr/>
+        </p:nvSpPr>
+        <p:spPr>
+          <a:xfrm>
+            <a:off x="4491505" y="5899647"/>
+            <a:ext cx="807814" cy="802203"/>
+          </a:xfrm>
+          <a:prstGeom prst="rect">
+            <a:avLst/>
+          </a:prstGeom>
+          <a:noFill/>
+          <a:ln w="0"/>
+        </p:spPr>
+        <p:style>
+          <a:lnRef idx="2">
+            <a:schemeClr val="accent1">
+              <a:shade val="50000"/>
+            </a:schemeClr>
+          </a:lnRef>
+          <a:fillRef idx="1">
+            <a:schemeClr val="accent1"/>
+          </a:fillRef>
+          <a:effectRef idx="0">
+            <a:schemeClr val="accent1"/>
+          </a:effectRef>
+          <a:fontRef idx="minor">
+            <a:schemeClr val="lt1"/>
+          </a:fontRef>
+        </p:style>
+        <p:txBody>
+          <a:bodyPr rtlCol="0" anchor="ctr"/>
+          <a:lstStyle/>
+          <a:p>
+            <a:pPr algn="ctr"/>
+            <a:endParaRPr lang="en-AU"/>
+          </a:p>
+        </p:txBody>
+      </p:sp>
+      <p:sp>
+        <p:nvSpPr>
+          <p:cNvPr id="40" name="Sun 39">
+            <a:extLst>
+              <a:ext uri="{FF2B5EF4-FFF2-40B4-BE49-F238E27FC236}">
+                <a16:creationId xmlns:a16="http://schemas.microsoft.com/office/drawing/2014/main" id="{B312FD3F-6B8D-4406-A1FE-F47DD5266AC8}"/>
+              </a:ext>
+            </a:extLst>
+          </p:cNvPr>
+          <p:cNvSpPr/>
+          <p:nvPr/>
+        </p:nvSpPr>
+        <p:spPr>
+          <a:xfrm>
+            <a:off x="4601182" y="5992217"/>
+            <a:ext cx="588460" cy="586225"/>
+          </a:xfrm>
+          <a:prstGeom prst="sun">
+            <a:avLst/>
+          </a:prstGeom>
+          <a:solidFill>
+            <a:schemeClr val="tx1"/>
+          </a:solidFill>
+          <a:ln w="38100">
+            <a:solidFill>
+              <a:schemeClr val="tx1"/>
+            </a:solidFill>
+          </a:ln>
+        </p:spPr>
+        <p:style>
+          <a:lnRef idx="2">
+            <a:schemeClr val="accent1">
+              <a:shade val="50000"/>
+            </a:schemeClr>
+          </a:lnRef>
+          <a:fillRef idx="1">
+            <a:schemeClr val="accent1"/>
+          </a:fillRef>
+          <a:effectRef idx="0">
+            <a:schemeClr val="accent1"/>
+          </a:effectRef>
+          <a:fontRef idx="minor">
+            <a:schemeClr val="lt1"/>
+          </a:fontRef>
+        </p:style>
+        <p:txBody>
+          <a:bodyPr rtlCol="0" anchor="ctr"/>
+          <a:lstStyle/>
+          <a:p>
+            <a:pPr algn="ctr"/>
+            <a:endParaRPr lang="en-AU"/>
+          </a:p>
+        </p:txBody>
+      </p:sp>
+      <p:sp>
+        <p:nvSpPr>
+          <p:cNvPr id="42" name="Rectangle 41">
+            <a:extLst>
+              <a:ext uri="{FF2B5EF4-FFF2-40B4-BE49-F238E27FC236}">
+                <a16:creationId xmlns:a16="http://schemas.microsoft.com/office/drawing/2014/main" id="{EA45AA71-E0D3-4E72-BBDE-F606E7F0B0C7}"/>
+              </a:ext>
+            </a:extLst>
+          </p:cNvPr>
+          <p:cNvSpPr/>
+          <p:nvPr/>
+        </p:nvSpPr>
+        <p:spPr>
+          <a:xfrm>
+            <a:off x="3558581" y="5899647"/>
+            <a:ext cx="807814" cy="802203"/>
+          </a:xfrm>
+          <a:prstGeom prst="rect">
+            <a:avLst/>
+          </a:prstGeom>
+          <a:noFill/>
+          <a:ln w="0"/>
+        </p:spPr>
+        <p:style>
+          <a:lnRef idx="2">
+            <a:schemeClr val="accent1">
+              <a:shade val="50000"/>
+            </a:schemeClr>
+          </a:lnRef>
+          <a:fillRef idx="1">
+            <a:schemeClr val="accent1"/>
+          </a:fillRef>
+          <a:effectRef idx="0">
+            <a:schemeClr val="accent1"/>
+          </a:effectRef>
+          <a:fontRef idx="minor">
+            <a:schemeClr val="lt1"/>
+          </a:fontRef>
+        </p:style>
+        <p:txBody>
+          <a:bodyPr rtlCol="0" anchor="ctr"/>
+          <a:lstStyle/>
+          <a:p>
+            <a:pPr algn="ctr"/>
+            <a:endParaRPr lang="en-AU"/>
+          </a:p>
+        </p:txBody>
+      </p:sp>
+      <p:grpSp>
+        <p:nvGrpSpPr>
+          <p:cNvPr id="22" name="Group 21">
+            <a:extLst>
+              <a:ext uri="{FF2B5EF4-FFF2-40B4-BE49-F238E27FC236}">
+                <a16:creationId xmlns:a16="http://schemas.microsoft.com/office/drawing/2014/main" id="{576E842C-C2FE-452B-9D13-2B559FD9EF6D}"/>
+              </a:ext>
+            </a:extLst>
+          </p:cNvPr>
+          <p:cNvGrpSpPr/>
+          <p:nvPr/>
+        </p:nvGrpSpPr>
+        <p:grpSpPr>
+          <a:xfrm>
+            <a:off x="3685649" y="5965098"/>
+            <a:ext cx="578746" cy="664764"/>
+            <a:chOff x="3685649" y="5965098"/>
+            <a:chExt cx="578746" cy="664764"/>
+          </a:xfrm>
+        </p:grpSpPr>
+        <p:cxnSp>
+          <p:nvCxnSpPr>
+            <p:cNvPr id="44" name="Straight Connector 43">
+              <a:extLst>
+                <a:ext uri="{FF2B5EF4-FFF2-40B4-BE49-F238E27FC236}">
+                  <a16:creationId xmlns:a16="http://schemas.microsoft.com/office/drawing/2014/main" id="{EE3727D8-6425-4892-B04B-693A0FC0DD80}"/>
+                </a:ext>
+              </a:extLst>
+            </p:cNvPr>
+            <p:cNvCxnSpPr/>
+            <p:nvPr/>
+          </p:nvCxnSpPr>
+          <p:spPr>
+            <a:xfrm>
+              <a:off x="4226996" y="5965098"/>
+              <a:ext cx="0" cy="664764"/>
+            </a:xfrm>
+            <a:prstGeom prst="line">
+              <a:avLst/>
+            </a:prstGeom>
+            <a:ln w="76200">
+              <a:solidFill>
+                <a:schemeClr val="tx1"/>
+              </a:solidFill>
+            </a:ln>
+          </p:spPr>
+          <p:style>
+            <a:lnRef idx="1">
+              <a:schemeClr val="accent1"/>
+            </a:lnRef>
+            <a:fillRef idx="0">
+              <a:schemeClr val="accent1"/>
+            </a:fillRef>
+            <a:effectRef idx="0">
+              <a:schemeClr val="accent1"/>
+            </a:effectRef>
+            <a:fontRef idx="minor">
+              <a:schemeClr val="tx1"/>
+            </a:fontRef>
+          </p:style>
+        </p:cxnSp>
+        <p:cxnSp>
+          <p:nvCxnSpPr>
+            <p:cNvPr id="46" name="Straight Connector 45">
+              <a:extLst>
+                <a:ext uri="{FF2B5EF4-FFF2-40B4-BE49-F238E27FC236}">
+                  <a16:creationId xmlns:a16="http://schemas.microsoft.com/office/drawing/2014/main" id="{05EA40F1-3C47-4EE2-B8E5-56EC16188B7A}"/>
+                </a:ext>
+              </a:extLst>
+            </p:cNvPr>
+            <p:cNvCxnSpPr>
+              <a:cxnSpLocks/>
+            </p:cNvCxnSpPr>
+            <p:nvPr/>
+          </p:nvCxnSpPr>
+          <p:spPr>
+            <a:xfrm flipH="1">
+              <a:off x="3685649" y="5992217"/>
+              <a:ext cx="578746" cy="0"/>
+            </a:xfrm>
+            <a:prstGeom prst="line">
+              <a:avLst/>
+            </a:prstGeom>
+            <a:ln w="76200">
+              <a:solidFill>
+                <a:schemeClr val="tx1"/>
+              </a:solidFill>
+            </a:ln>
+          </p:spPr>
+          <p:style>
+            <a:lnRef idx="1">
+              <a:schemeClr val="accent1"/>
+            </a:lnRef>
+            <a:fillRef idx="0">
+              <a:schemeClr val="accent1"/>
+            </a:fillRef>
+            <a:effectRef idx="0">
+              <a:schemeClr val="accent1"/>
+            </a:effectRef>
+            <a:fontRef idx="minor">
+              <a:schemeClr val="tx1"/>
+            </a:fontRef>
+          </p:style>
+        </p:cxnSp>
+        <p:sp>
+          <p:nvSpPr>
+            <p:cNvPr id="21" name="Arrow: Bent 20">
+              <a:extLst>
+                <a:ext uri="{FF2B5EF4-FFF2-40B4-BE49-F238E27FC236}">
+                  <a16:creationId xmlns:a16="http://schemas.microsoft.com/office/drawing/2014/main" id="{5F75C6EC-9E42-4D9C-A41D-D8B2D4EB9C01}"/>
+                </a:ext>
+              </a:extLst>
+            </p:cNvPr>
+            <p:cNvSpPr/>
+            <p:nvPr/>
+          </p:nvSpPr>
+          <p:spPr>
+            <a:xfrm flipH="1">
+              <a:off x="3705283" y="6111896"/>
+              <a:ext cx="412306" cy="460004"/>
+            </a:xfrm>
+            <a:prstGeom prst="bentArrow">
+              <a:avLst/>
+            </a:prstGeom>
+            <a:noFill/>
+            <a:ln w="38100">
+              <a:solidFill>
+                <a:schemeClr val="tx1"/>
+              </a:solidFill>
+            </a:ln>
+          </p:spPr>
+          <p:style>
+            <a:lnRef idx="2">
+              <a:schemeClr val="accent1">
+                <a:shade val="50000"/>
+              </a:schemeClr>
+            </a:lnRef>
+            <a:fillRef idx="1">
+              <a:schemeClr val="accent1"/>
+            </a:fillRef>
+            <a:effectRef idx="0">
+              <a:schemeClr val="accent1"/>
+            </a:effectRef>
+            <a:fontRef idx="minor">
+              <a:schemeClr val="lt1"/>
+            </a:fontRef>
+          </p:style>
+          <p:txBody>
+            <a:bodyPr rtlCol="0" anchor="ctr"/>
+            <a:lstStyle/>
+            <a:p>
+              <a:pPr algn="ctr"/>
+              <a:endParaRPr lang="en-AU">
+                <a:solidFill>
+                  <a:schemeClr val="tx1"/>
+                </a:solidFill>
+              </a:endParaRPr>
+            </a:p>
+          </p:txBody>
+        </p:sp>
+      </p:grpSp>
+      <p:grpSp>
+        <p:nvGrpSpPr>
+          <p:cNvPr id="26" name="Group 25">
+            <a:extLst>
+              <a:ext uri="{FF2B5EF4-FFF2-40B4-BE49-F238E27FC236}">
+                <a16:creationId xmlns:a16="http://schemas.microsoft.com/office/drawing/2014/main" id="{E96E9B0B-4273-4AFC-B217-0FE268EB1708}"/>
+              </a:ext>
+            </a:extLst>
+          </p:cNvPr>
+          <p:cNvGrpSpPr/>
+          <p:nvPr/>
+        </p:nvGrpSpPr>
+        <p:grpSpPr>
+          <a:xfrm>
+            <a:off x="3663323" y="5015175"/>
+            <a:ext cx="563673" cy="664764"/>
+            <a:chOff x="3663323" y="5015175"/>
+            <a:chExt cx="563673" cy="664764"/>
+          </a:xfrm>
+        </p:grpSpPr>
+        <p:cxnSp>
+          <p:nvCxnSpPr>
+            <p:cNvPr id="13" name="Straight Connector 12">
+              <a:extLst>
+                <a:ext uri="{FF2B5EF4-FFF2-40B4-BE49-F238E27FC236}">
+                  <a16:creationId xmlns:a16="http://schemas.microsoft.com/office/drawing/2014/main" id="{B41663AB-1399-4BDA-81CC-117AAD9A88E8}"/>
+                </a:ext>
+              </a:extLst>
+            </p:cNvPr>
+            <p:cNvCxnSpPr/>
+            <p:nvPr/>
+          </p:nvCxnSpPr>
+          <p:spPr>
+            <a:xfrm>
+              <a:off x="4226996" y="5015175"/>
+              <a:ext cx="0" cy="664764"/>
+            </a:xfrm>
+            <a:prstGeom prst="line">
+              <a:avLst/>
+            </a:prstGeom>
+            <a:ln w="76200">
+              <a:solidFill>
+                <a:schemeClr val="tx1"/>
+              </a:solidFill>
+            </a:ln>
+          </p:spPr>
+          <p:style>
+            <a:lnRef idx="1">
+              <a:schemeClr val="accent1"/>
+            </a:lnRef>
+            <a:fillRef idx="0">
+              <a:schemeClr val="accent1"/>
+            </a:fillRef>
+            <a:effectRef idx="0">
+              <a:schemeClr val="accent1"/>
+            </a:effectRef>
+            <a:fontRef idx="minor">
+              <a:schemeClr val="tx1"/>
+            </a:fontRef>
+          </p:style>
+        </p:cxnSp>
+        <p:sp>
+          <p:nvSpPr>
+            <p:cNvPr id="25" name="Arrow: U-Turn 24">
+              <a:extLst>
+                <a:ext uri="{FF2B5EF4-FFF2-40B4-BE49-F238E27FC236}">
+                  <a16:creationId xmlns:a16="http://schemas.microsoft.com/office/drawing/2014/main" id="{03BA5942-DFDE-4922-B141-10084ED33809}"/>
+                </a:ext>
+              </a:extLst>
+            </p:cNvPr>
+            <p:cNvSpPr/>
+            <p:nvPr/>
+          </p:nvSpPr>
+          <p:spPr>
+            <a:xfrm rot="5400000">
+              <a:off x="3708743" y="5123269"/>
+              <a:ext cx="382304" cy="473144"/>
+            </a:xfrm>
+            <a:prstGeom prst="uturnArrow">
+              <a:avLst/>
+            </a:prstGeom>
+            <a:noFill/>
+            <a:ln w="38100">
+              <a:solidFill>
+                <a:schemeClr val="tx1"/>
+              </a:solidFill>
+            </a:ln>
+          </p:spPr>
+          <p:style>
+            <a:lnRef idx="2">
+              <a:schemeClr val="accent1">
+                <a:shade val="50000"/>
+              </a:schemeClr>
+            </a:lnRef>
+            <a:fillRef idx="1">
+              <a:schemeClr val="accent1"/>
+            </a:fillRef>
+            <a:effectRef idx="0">
+              <a:schemeClr val="accent1"/>
+            </a:effectRef>
+            <a:fontRef idx="minor">
+              <a:schemeClr val="lt1"/>
+            </a:fontRef>
+          </p:style>
+          <p:txBody>
+            <a:bodyPr rtlCol="0" anchor="ctr"/>
+            <a:lstStyle/>
+            <a:p>
+              <a:pPr algn="ctr"/>
+              <a:endParaRPr lang="en-AU">
+                <a:solidFill>
+                  <a:schemeClr val="tx1"/>
+                </a:solidFill>
+              </a:endParaRPr>
+            </a:p>
+          </p:txBody>
+        </p:sp>
+      </p:grpSp>
     </p:spTree>
     <p:extLst>
       <p:ext uri="{BB962C8B-B14F-4D97-AF65-F5344CB8AC3E}">

--- a/media/photo/SmartCar.pptx
+++ b/media/photo/SmartCar.pptx
@@ -262,7 +262,7 @@
           <a:p>
             <a:fld id="{04247DC2-A07E-4E7E-B14F-806BFE439A33}" type="datetimeFigureOut">
               <a:rPr lang="en-AU" smtClean="0"/>
-              <a:t>19/03/2021</a:t>
+              <a:t>21/03/2021</a:t>
             </a:fld>
             <a:endParaRPr lang="en-AU"/>
           </a:p>
@@ -462,7 +462,7 @@
           <a:p>
             <a:fld id="{04247DC2-A07E-4E7E-B14F-806BFE439A33}" type="datetimeFigureOut">
               <a:rPr lang="en-AU" smtClean="0"/>
-              <a:t>19/03/2021</a:t>
+              <a:t>21/03/2021</a:t>
             </a:fld>
             <a:endParaRPr lang="en-AU"/>
           </a:p>
@@ -672,7 +672,7 @@
           <a:p>
             <a:fld id="{04247DC2-A07E-4E7E-B14F-806BFE439A33}" type="datetimeFigureOut">
               <a:rPr lang="en-AU" smtClean="0"/>
-              <a:t>19/03/2021</a:t>
+              <a:t>21/03/2021</a:t>
             </a:fld>
             <a:endParaRPr lang="en-AU"/>
           </a:p>
@@ -872,7 +872,7 @@
           <a:p>
             <a:fld id="{04247DC2-A07E-4E7E-B14F-806BFE439A33}" type="datetimeFigureOut">
               <a:rPr lang="en-AU" smtClean="0"/>
-              <a:t>19/03/2021</a:t>
+              <a:t>21/03/2021</a:t>
             </a:fld>
             <a:endParaRPr lang="en-AU"/>
           </a:p>
@@ -1148,7 +1148,7 @@
           <a:p>
             <a:fld id="{04247DC2-A07E-4E7E-B14F-806BFE439A33}" type="datetimeFigureOut">
               <a:rPr lang="en-AU" smtClean="0"/>
-              <a:t>19/03/2021</a:t>
+              <a:t>21/03/2021</a:t>
             </a:fld>
             <a:endParaRPr lang="en-AU"/>
           </a:p>
@@ -1416,7 +1416,7 @@
           <a:p>
             <a:fld id="{04247DC2-A07E-4E7E-B14F-806BFE439A33}" type="datetimeFigureOut">
               <a:rPr lang="en-AU" smtClean="0"/>
-              <a:t>19/03/2021</a:t>
+              <a:t>21/03/2021</a:t>
             </a:fld>
             <a:endParaRPr lang="en-AU"/>
           </a:p>
@@ -1831,7 +1831,7 @@
           <a:p>
             <a:fld id="{04247DC2-A07E-4E7E-B14F-806BFE439A33}" type="datetimeFigureOut">
               <a:rPr lang="en-AU" smtClean="0"/>
-              <a:t>19/03/2021</a:t>
+              <a:t>21/03/2021</a:t>
             </a:fld>
             <a:endParaRPr lang="en-AU"/>
           </a:p>
@@ -1973,7 +1973,7 @@
           <a:p>
             <a:fld id="{04247DC2-A07E-4E7E-B14F-806BFE439A33}" type="datetimeFigureOut">
               <a:rPr lang="en-AU" smtClean="0"/>
-              <a:t>19/03/2021</a:t>
+              <a:t>21/03/2021</a:t>
             </a:fld>
             <a:endParaRPr lang="en-AU"/>
           </a:p>
@@ -2086,7 +2086,7 @@
           <a:p>
             <a:fld id="{04247DC2-A07E-4E7E-B14F-806BFE439A33}" type="datetimeFigureOut">
               <a:rPr lang="en-AU" smtClean="0"/>
-              <a:t>19/03/2021</a:t>
+              <a:t>21/03/2021</a:t>
             </a:fld>
             <a:endParaRPr lang="en-AU"/>
           </a:p>
@@ -2399,7 +2399,7 @@
           <a:p>
             <a:fld id="{04247DC2-A07E-4E7E-B14F-806BFE439A33}" type="datetimeFigureOut">
               <a:rPr lang="en-AU" smtClean="0"/>
-              <a:t>19/03/2021</a:t>
+              <a:t>21/03/2021</a:t>
             </a:fld>
             <a:endParaRPr lang="en-AU"/>
           </a:p>
@@ -2688,7 +2688,7 @@
           <a:p>
             <a:fld id="{04247DC2-A07E-4E7E-B14F-806BFE439A33}" type="datetimeFigureOut">
               <a:rPr lang="en-AU" smtClean="0"/>
-              <a:t>19/03/2021</a:t>
+              <a:t>21/03/2021</a:t>
             </a:fld>
             <a:endParaRPr lang="en-AU"/>
           </a:p>
@@ -2931,7 +2931,7 @@
           <a:p>
             <a:fld id="{04247DC2-A07E-4E7E-B14F-806BFE439A33}" type="datetimeFigureOut">
               <a:rPr lang="en-AU" smtClean="0"/>
-              <a:t>19/03/2021</a:t>
+              <a:t>21/03/2021</a:t>
             </a:fld>
             <a:endParaRPr lang="en-AU"/>
           </a:p>
@@ -5448,6 +5448,110 @@
           </p:txBody>
         </p:sp>
       </p:grpSp>
+      <p:sp>
+        <p:nvSpPr>
+          <p:cNvPr id="50" name="Rectangle 49">
+            <a:extLst>
+              <a:ext uri="{FF2B5EF4-FFF2-40B4-BE49-F238E27FC236}">
+                <a16:creationId xmlns:a16="http://schemas.microsoft.com/office/drawing/2014/main" id="{EC1F565D-E727-41D2-AFF8-A4A045269A32}"/>
+              </a:ext>
+            </a:extLst>
+          </p:cNvPr>
+          <p:cNvSpPr/>
+          <p:nvPr/>
+        </p:nvSpPr>
+        <p:spPr>
+          <a:xfrm>
+            <a:off x="2625600" y="5904000"/>
+            <a:ext cx="807814" cy="802203"/>
+          </a:xfrm>
+          <a:prstGeom prst="rect">
+            <a:avLst/>
+          </a:prstGeom>
+          <a:noFill/>
+          <a:ln w="0"/>
+        </p:spPr>
+        <p:style>
+          <a:lnRef idx="2">
+            <a:schemeClr val="accent1">
+              <a:shade val="50000"/>
+            </a:schemeClr>
+          </a:lnRef>
+          <a:fillRef idx="1">
+            <a:schemeClr val="accent1"/>
+          </a:fillRef>
+          <a:effectRef idx="0">
+            <a:schemeClr val="accent1"/>
+          </a:effectRef>
+          <a:fontRef idx="minor">
+            <a:schemeClr val="lt1"/>
+          </a:fontRef>
+        </p:style>
+        <p:txBody>
+          <a:bodyPr rtlCol="0" anchor="ctr"/>
+          <a:lstStyle/>
+          <a:p>
+            <a:pPr algn="ctr"/>
+            <a:endParaRPr lang="en-AU"/>
+          </a:p>
+        </p:txBody>
+      </p:sp>
+      <p:sp>
+        <p:nvSpPr>
+          <p:cNvPr id="12" name="Arrow: Quad 11">
+            <a:extLst>
+              <a:ext uri="{FF2B5EF4-FFF2-40B4-BE49-F238E27FC236}">
+                <a16:creationId xmlns:a16="http://schemas.microsoft.com/office/drawing/2014/main" id="{3108FFC5-4778-4E59-8250-2BD7E4225305}"/>
+              </a:ext>
+            </a:extLst>
+          </p:cNvPr>
+          <p:cNvSpPr/>
+          <p:nvPr/>
+        </p:nvSpPr>
+        <p:spPr>
+          <a:xfrm>
+            <a:off x="2724652" y="5978657"/>
+            <a:ext cx="617195" cy="637645"/>
+          </a:xfrm>
+          <a:prstGeom prst="quadArrow">
+            <a:avLst>
+              <a:gd name="adj1" fmla="val 13157"/>
+              <a:gd name="adj2" fmla="val 15826"/>
+              <a:gd name="adj3" fmla="val 22500"/>
+            </a:avLst>
+          </a:prstGeom>
+          <a:noFill/>
+          <a:ln w="38100">
+            <a:solidFill>
+              <a:schemeClr val="tx1"/>
+            </a:solidFill>
+          </a:ln>
+        </p:spPr>
+        <p:style>
+          <a:lnRef idx="2">
+            <a:schemeClr val="accent1">
+              <a:shade val="50000"/>
+            </a:schemeClr>
+          </a:lnRef>
+          <a:fillRef idx="1">
+            <a:schemeClr val="accent1"/>
+          </a:fillRef>
+          <a:effectRef idx="0">
+            <a:schemeClr val="accent1"/>
+          </a:effectRef>
+          <a:fontRef idx="minor">
+            <a:schemeClr val="lt1"/>
+          </a:fontRef>
+        </p:style>
+        <p:txBody>
+          <a:bodyPr rtlCol="0" anchor="ctr"/>
+          <a:lstStyle/>
+          <a:p>
+            <a:pPr algn="ctr"/>
+            <a:endParaRPr lang="en-AU"/>
+          </a:p>
+        </p:txBody>
+      </p:sp>
     </p:spTree>
     <p:extLst>
       <p:ext uri="{BB962C8B-B14F-4D97-AF65-F5344CB8AC3E}">

--- a/media/photo/SmartCar.pptx
+++ b/media/photo/SmartCar.pptx
@@ -7,6 +7,8 @@
   <p:sldIdLst>
     <p:sldId id="257" r:id="rId2"/>
     <p:sldId id="256" r:id="rId3"/>
+    <p:sldId id="258" r:id="rId4"/>
+    <p:sldId id="259" r:id="rId5"/>
   </p:sldIdLst>
   <p:sldSz cx="12192000" cy="6858000"/>
   <p:notesSz cx="6858000" cy="9144000"/>
@@ -262,7 +264,7 @@
           <a:p>
             <a:fld id="{04247DC2-A07E-4E7E-B14F-806BFE439A33}" type="datetimeFigureOut">
               <a:rPr lang="en-AU" smtClean="0"/>
-              <a:t>21/03/2021</a:t>
+              <a:t>12/05/2021</a:t>
             </a:fld>
             <a:endParaRPr lang="en-AU"/>
           </a:p>
@@ -462,7 +464,7 @@
           <a:p>
             <a:fld id="{04247DC2-A07E-4E7E-B14F-806BFE439A33}" type="datetimeFigureOut">
               <a:rPr lang="en-AU" smtClean="0"/>
-              <a:t>21/03/2021</a:t>
+              <a:t>12/05/2021</a:t>
             </a:fld>
             <a:endParaRPr lang="en-AU"/>
           </a:p>
@@ -672,7 +674,7 @@
           <a:p>
             <a:fld id="{04247DC2-A07E-4E7E-B14F-806BFE439A33}" type="datetimeFigureOut">
               <a:rPr lang="en-AU" smtClean="0"/>
-              <a:t>21/03/2021</a:t>
+              <a:t>12/05/2021</a:t>
             </a:fld>
             <a:endParaRPr lang="en-AU"/>
           </a:p>
@@ -872,7 +874,7 @@
           <a:p>
             <a:fld id="{04247DC2-A07E-4E7E-B14F-806BFE439A33}" type="datetimeFigureOut">
               <a:rPr lang="en-AU" smtClean="0"/>
-              <a:t>21/03/2021</a:t>
+              <a:t>12/05/2021</a:t>
             </a:fld>
             <a:endParaRPr lang="en-AU"/>
           </a:p>
@@ -1148,7 +1150,7 @@
           <a:p>
             <a:fld id="{04247DC2-A07E-4E7E-B14F-806BFE439A33}" type="datetimeFigureOut">
               <a:rPr lang="en-AU" smtClean="0"/>
-              <a:t>21/03/2021</a:t>
+              <a:t>12/05/2021</a:t>
             </a:fld>
             <a:endParaRPr lang="en-AU"/>
           </a:p>
@@ -1416,7 +1418,7 @@
           <a:p>
             <a:fld id="{04247DC2-A07E-4E7E-B14F-806BFE439A33}" type="datetimeFigureOut">
               <a:rPr lang="en-AU" smtClean="0"/>
-              <a:t>21/03/2021</a:t>
+              <a:t>12/05/2021</a:t>
             </a:fld>
             <a:endParaRPr lang="en-AU"/>
           </a:p>
@@ -1831,7 +1833,7 @@
           <a:p>
             <a:fld id="{04247DC2-A07E-4E7E-B14F-806BFE439A33}" type="datetimeFigureOut">
               <a:rPr lang="en-AU" smtClean="0"/>
-              <a:t>21/03/2021</a:t>
+              <a:t>12/05/2021</a:t>
             </a:fld>
             <a:endParaRPr lang="en-AU"/>
           </a:p>
@@ -1973,7 +1975,7 @@
           <a:p>
             <a:fld id="{04247DC2-A07E-4E7E-B14F-806BFE439A33}" type="datetimeFigureOut">
               <a:rPr lang="en-AU" smtClean="0"/>
-              <a:t>21/03/2021</a:t>
+              <a:t>12/05/2021</a:t>
             </a:fld>
             <a:endParaRPr lang="en-AU"/>
           </a:p>
@@ -2086,7 +2088,7 @@
           <a:p>
             <a:fld id="{04247DC2-A07E-4E7E-B14F-806BFE439A33}" type="datetimeFigureOut">
               <a:rPr lang="en-AU" smtClean="0"/>
-              <a:t>21/03/2021</a:t>
+              <a:t>12/05/2021</a:t>
             </a:fld>
             <a:endParaRPr lang="en-AU"/>
           </a:p>
@@ -2399,7 +2401,7 @@
           <a:p>
             <a:fld id="{04247DC2-A07E-4E7E-B14F-806BFE439A33}" type="datetimeFigureOut">
               <a:rPr lang="en-AU" smtClean="0"/>
-              <a:t>21/03/2021</a:t>
+              <a:t>12/05/2021</a:t>
             </a:fld>
             <a:endParaRPr lang="en-AU"/>
           </a:p>
@@ -2688,7 +2690,7 @@
           <a:p>
             <a:fld id="{04247DC2-A07E-4E7E-B14F-806BFE439A33}" type="datetimeFigureOut">
               <a:rPr lang="en-AU" smtClean="0"/>
-              <a:t>21/03/2021</a:t>
+              <a:t>12/05/2021</a:t>
             </a:fld>
             <a:endParaRPr lang="en-AU"/>
           </a:p>
@@ -2931,7 +2933,7 @@
           <a:p>
             <a:fld id="{04247DC2-A07E-4E7E-B14F-806BFE439A33}" type="datetimeFigureOut">
               <a:rPr lang="en-AU" smtClean="0"/>
-              <a:t>21/03/2021</a:t>
+              <a:t>12/05/2021</a:t>
             </a:fld>
             <a:endParaRPr lang="en-AU"/>
           </a:p>
@@ -3362,7 +3364,7 @@
         </p:nvSpPr>
         <p:spPr>
           <a:xfrm>
-            <a:off x="1438415" y="1627550"/>
+            <a:off x="454567" y="1627550"/>
             <a:ext cx="1312606" cy="693174"/>
           </a:xfrm>
           <a:prstGeom prst="rect">
@@ -3414,7 +3416,7 @@
         </p:nvSpPr>
         <p:spPr>
           <a:xfrm>
-            <a:off x="3089524" y="1631284"/>
+            <a:off x="2105676" y="1631284"/>
             <a:ext cx="1312606" cy="693174"/>
           </a:xfrm>
           <a:prstGeom prst="rect">
@@ -3466,7 +3468,7 @@
         </p:nvSpPr>
         <p:spPr>
           <a:xfrm>
-            <a:off x="4815939" y="1380928"/>
+            <a:off x="3832091" y="1380928"/>
             <a:ext cx="1312606" cy="540000"/>
           </a:xfrm>
           <a:prstGeom prst="rect">
@@ -3522,7 +3524,7 @@
         </p:nvSpPr>
         <p:spPr>
           <a:xfrm>
-            <a:off x="4815939" y="2064866"/>
+            <a:off x="3832091" y="2064866"/>
             <a:ext cx="1312606" cy="540000"/>
           </a:xfrm>
           <a:prstGeom prst="rect">
@@ -3578,7 +3580,7 @@
         </p:nvSpPr>
         <p:spPr>
           <a:xfrm>
-            <a:off x="4815939" y="2701493"/>
+            <a:off x="3832091" y="2701493"/>
             <a:ext cx="1312606" cy="540000"/>
           </a:xfrm>
           <a:prstGeom prst="rect">
@@ -3637,7 +3639,7 @@
         </p:nvSpPr>
         <p:spPr>
           <a:xfrm>
-            <a:off x="4815939" y="745535"/>
+            <a:off x="3832091" y="745535"/>
             <a:ext cx="1312606" cy="540000"/>
           </a:xfrm>
           <a:prstGeom prst="rect">
@@ -3700,7 +3702,7 @@
         </p:nvCxnSpPr>
         <p:spPr>
           <a:xfrm rot="10800000" flipV="1">
-            <a:off x="3745827" y="1015534"/>
+            <a:off x="2761979" y="1015534"/>
             <a:ext cx="1070112" cy="615749"/>
           </a:xfrm>
           <a:prstGeom prst="bentConnector2">
@@ -3743,7 +3745,7 @@
         </p:nvCxnSpPr>
         <p:spPr>
           <a:xfrm rot="10800000">
-            <a:off x="3745827" y="2324459"/>
+            <a:off x="2761979" y="2324459"/>
             <a:ext cx="1070112" cy="647035"/>
           </a:xfrm>
           <a:prstGeom prst="bentConnector2">
@@ -3786,7 +3788,7 @@
         </p:nvCxnSpPr>
         <p:spPr>
           <a:xfrm>
-            <a:off x="4402130" y="1977871"/>
+            <a:off x="3418282" y="1977871"/>
             <a:ext cx="413809" cy="356995"/>
           </a:xfrm>
           <a:prstGeom prst="bentConnector3">
@@ -3831,7 +3833,7 @@
         </p:nvCxnSpPr>
         <p:spPr>
           <a:xfrm flipV="1">
-            <a:off x="4402130" y="1650928"/>
+            <a:off x="3418282" y="1650928"/>
             <a:ext cx="413809" cy="326943"/>
           </a:xfrm>
           <a:prstGeom prst="bentConnector3">
@@ -3876,7 +3878,7 @@
         </p:nvCxnSpPr>
         <p:spPr>
           <a:xfrm>
-            <a:off x="2751021" y="1974137"/>
+            <a:off x="1767173" y="1974137"/>
             <a:ext cx="338503" cy="3734"/>
           </a:xfrm>
           <a:prstGeom prst="straightConnector1">
@@ -3920,7 +3922,7 @@
         </p:nvCxnSpPr>
         <p:spPr>
           <a:xfrm flipV="1">
-            <a:off x="6128545" y="1493485"/>
+            <a:off x="5144697" y="1493485"/>
             <a:ext cx="444172" cy="157443"/>
           </a:xfrm>
           <a:prstGeom prst="bentConnector2">
@@ -3964,7 +3966,7 @@
         </p:nvCxnSpPr>
         <p:spPr>
           <a:xfrm>
-            <a:off x="6128545" y="2334866"/>
+            <a:off x="5144697" y="2334866"/>
             <a:ext cx="444171" cy="165244"/>
           </a:xfrm>
           <a:prstGeom prst="bentConnector2">
@@ -4004,7 +4006,7 @@
         </p:nvGrpSpPr>
         <p:grpSpPr>
           <a:xfrm>
-            <a:off x="6386620" y="1169485"/>
+            <a:off x="5402772" y="1169485"/>
             <a:ext cx="372193" cy="324000"/>
             <a:chOff x="7163172" y="1123535"/>
             <a:chExt cx="372193" cy="324000"/>
@@ -4146,7 +4148,7 @@
         </p:nvCxnSpPr>
         <p:spPr>
           <a:xfrm rot="16200000" flipV="1">
-            <a:off x="6273656" y="870424"/>
+            <a:off x="5289808" y="870424"/>
             <a:ext cx="153950" cy="444172"/>
           </a:xfrm>
           <a:prstGeom prst="bentConnector2">
@@ -4186,7 +4188,7 @@
         </p:nvGrpSpPr>
         <p:grpSpPr>
           <a:xfrm>
-            <a:off x="6386619" y="2500110"/>
+            <a:off x="5402771" y="2500110"/>
             <a:ext cx="372193" cy="324000"/>
             <a:chOff x="7163172" y="1123535"/>
             <a:chExt cx="372193" cy="324000"/>
@@ -4328,7 +4330,7 @@
         </p:nvCxnSpPr>
         <p:spPr>
           <a:xfrm rot="5400000">
-            <a:off x="6276940" y="2675716"/>
+            <a:off x="5293092" y="2675716"/>
             <a:ext cx="147383" cy="444171"/>
           </a:xfrm>
           <a:prstGeom prst="bentConnector2">
@@ -4368,7 +4370,7 @@
         </p:nvSpPr>
         <p:spPr>
           <a:xfrm>
-            <a:off x="1448767" y="2701493"/>
+            <a:off x="464919" y="2701493"/>
             <a:ext cx="1312606" cy="540000"/>
           </a:xfrm>
           <a:prstGeom prst="rect">
@@ -4431,7 +4433,7 @@
         </p:nvCxnSpPr>
         <p:spPr>
           <a:xfrm>
-            <a:off x="2094718" y="2320724"/>
+            <a:off x="1110870" y="2320724"/>
             <a:ext cx="10352" cy="380769"/>
           </a:xfrm>
           <a:prstGeom prst="straightConnector1">
@@ -4471,7 +4473,7 @@
         </p:nvSpPr>
         <p:spPr>
           <a:xfrm>
-            <a:off x="1438415" y="740963"/>
+            <a:off x="454567" y="740963"/>
             <a:ext cx="1312606" cy="540000"/>
           </a:xfrm>
           <a:prstGeom prst="rect">
@@ -4534,7 +4536,7 @@
         </p:nvCxnSpPr>
         <p:spPr>
           <a:xfrm flipV="1">
-            <a:off x="2094718" y="1280963"/>
+            <a:off x="1110870" y="1280963"/>
             <a:ext cx="0" cy="346587"/>
           </a:xfrm>
           <a:prstGeom prst="straightConnector1">
@@ -4565,10 +4567,10 @@
       </p:cxnSp>
       <p:sp>
         <p:nvSpPr>
-          <p:cNvPr id="2" name="Oval 1">
-            <a:extLst>
-              <a:ext uri="{FF2B5EF4-FFF2-40B4-BE49-F238E27FC236}">
-                <a16:creationId xmlns:a16="http://schemas.microsoft.com/office/drawing/2014/main" id="{22AB194F-940F-40DC-8B2C-2B6A13CC56B6}"/>
+          <p:cNvPr id="15" name="Rectangle: Rounded Corners 14">
+            <a:extLst>
+              <a:ext uri="{FF2B5EF4-FFF2-40B4-BE49-F238E27FC236}">
+                <a16:creationId xmlns:a16="http://schemas.microsoft.com/office/drawing/2014/main" id="{12505568-D413-47C8-965F-B3CB531B4FBC}"/>
               </a:ext>
             </a:extLst>
           </p:cNvPr>
@@ -4577,118 +4579,17 @@
         </p:nvSpPr>
         <p:spPr>
           <a:xfrm>
-            <a:off x="1608881" y="4988689"/>
-            <a:ext cx="720000" cy="720000"/>
-          </a:xfrm>
-          <a:prstGeom prst="ellipse">
-            <a:avLst/>
-          </a:prstGeom>
-          <a:noFill/>
-          <a:ln w="76200">
-            <a:solidFill>
-              <a:schemeClr val="tx1"/>
-            </a:solidFill>
-          </a:ln>
-        </p:spPr>
-        <p:style>
-          <a:lnRef idx="2">
-            <a:schemeClr val="accent1">
-              <a:shade val="50000"/>
-            </a:schemeClr>
-          </a:lnRef>
-          <a:fillRef idx="1">
-            <a:schemeClr val="accent1"/>
-          </a:fillRef>
-          <a:effectRef idx="0">
-            <a:schemeClr val="accent1"/>
-          </a:effectRef>
-          <a:fontRef idx="minor">
-            <a:schemeClr val="lt1"/>
-          </a:fontRef>
-        </p:style>
-        <p:txBody>
-          <a:bodyPr rtlCol="0" anchor="ctr"/>
-          <a:lstStyle/>
-          <a:p>
-            <a:pPr algn="ctr"/>
-            <a:endParaRPr lang="en-AU"/>
-          </a:p>
-        </p:txBody>
-      </p:sp>
-      <p:sp>
-        <p:nvSpPr>
-          <p:cNvPr id="28" name="Oval 27">
-            <a:extLst>
-              <a:ext uri="{FF2B5EF4-FFF2-40B4-BE49-F238E27FC236}">
-                <a16:creationId xmlns:a16="http://schemas.microsoft.com/office/drawing/2014/main" id="{CD0A0D1F-EF3C-494F-8AA7-B9E6BA96E1FF}"/>
-              </a:ext>
-            </a:extLst>
-          </p:cNvPr>
-          <p:cNvSpPr/>
-          <p:nvPr/>
-        </p:nvSpPr>
-        <p:spPr>
-          <a:xfrm>
-            <a:off x="2658581" y="4988689"/>
-            <a:ext cx="720000" cy="720000"/>
-          </a:xfrm>
-          <a:prstGeom prst="ellipse">
-            <a:avLst/>
-          </a:prstGeom>
-          <a:noFill/>
-          <a:ln w="76200">
-            <a:solidFill>
-              <a:schemeClr val="tx1"/>
-            </a:solidFill>
-          </a:ln>
-        </p:spPr>
-        <p:style>
-          <a:lnRef idx="2">
-            <a:schemeClr val="accent1">
-              <a:shade val="50000"/>
-            </a:schemeClr>
-          </a:lnRef>
-          <a:fillRef idx="1">
-            <a:schemeClr val="accent1"/>
-          </a:fillRef>
-          <a:effectRef idx="0">
-            <a:schemeClr val="accent1"/>
-          </a:effectRef>
-          <a:fontRef idx="minor">
-            <a:schemeClr val="lt1"/>
-          </a:fontRef>
-        </p:style>
-        <p:txBody>
-          <a:bodyPr rtlCol="0" anchor="ctr"/>
-          <a:lstStyle/>
-          <a:p>
-            <a:pPr algn="ctr"/>
-            <a:endParaRPr lang="en-AU"/>
-          </a:p>
-        </p:txBody>
-      </p:sp>
-      <p:sp>
-        <p:nvSpPr>
-          <p:cNvPr id="3" name="Isosceles Triangle 2">
-            <a:extLst>
-              <a:ext uri="{FF2B5EF4-FFF2-40B4-BE49-F238E27FC236}">
-                <a16:creationId xmlns:a16="http://schemas.microsoft.com/office/drawing/2014/main" id="{DC9E3E06-B626-4E1C-A3CA-04D048932CCD}"/>
-              </a:ext>
-            </a:extLst>
-          </p:cNvPr>
-          <p:cNvSpPr/>
-          <p:nvPr/>
-        </p:nvSpPr>
-        <p:spPr>
-          <a:xfrm rot="5400000">
-            <a:off x="1800726" y="5168215"/>
-            <a:ext cx="425116" cy="360948"/>
-          </a:xfrm>
-          <a:prstGeom prst="triangle">
+            <a:off x="6603133" y="948581"/>
+            <a:ext cx="1862441" cy="293296"/>
+          </a:xfrm>
+          <a:prstGeom prst="roundRect">
             <a:avLst/>
           </a:prstGeom>
           <a:solidFill>
-            <a:schemeClr val="tx1"/>
+            <a:schemeClr val="accent4">
+              <a:lumMod val="20000"/>
+              <a:lumOff val="80000"/>
+            </a:schemeClr>
           </a:solidFill>
           <a:ln>
             <a:solidFill>
@@ -4717,16 +4618,23 @@
           <a:lstStyle/>
           <a:p>
             <a:pPr algn="ctr"/>
-            <a:endParaRPr lang="en-AU"/>
+            <a:r>
+              <a:rPr lang="en-AU" dirty="0">
+                <a:solidFill>
+                  <a:schemeClr val="tx1"/>
+                </a:solidFill>
+              </a:rPr>
+              <a:t>Front Bumper</a:t>
+            </a:r>
           </a:p>
         </p:txBody>
       </p:sp>
       <p:sp>
         <p:nvSpPr>
-          <p:cNvPr id="6" name="Rectangle 5">
-            <a:extLst>
-              <a:ext uri="{FF2B5EF4-FFF2-40B4-BE49-F238E27FC236}">
-                <a16:creationId xmlns:a16="http://schemas.microsoft.com/office/drawing/2014/main" id="{42690B05-A3B0-4357-A4A4-8A21118FB1A5}"/>
+          <p:cNvPr id="52" name="Rectangle: Rounded Corners 51">
+            <a:extLst>
+              <a:ext uri="{FF2B5EF4-FFF2-40B4-BE49-F238E27FC236}">
+                <a16:creationId xmlns:a16="http://schemas.microsoft.com/office/drawing/2014/main" id="{FF7F6AF7-4260-4793-A430-5F9231D75C62}"/>
               </a:ext>
             </a:extLst>
           </p:cNvPr>
@@ -4735,14 +4643,17 @@
         </p:nvSpPr>
         <p:spPr>
           <a:xfrm>
-            <a:off x="2838581" y="5168689"/>
-            <a:ext cx="360000" cy="360000"/>
-          </a:xfrm>
-          <a:prstGeom prst="rect">
+            <a:off x="6606089" y="1352075"/>
+            <a:ext cx="1859485" cy="275475"/>
+          </a:xfrm>
+          <a:prstGeom prst="roundRect">
             <a:avLst/>
           </a:prstGeom>
           <a:solidFill>
-            <a:schemeClr val="tx1"/>
+            <a:schemeClr val="accent4">
+              <a:lumMod val="20000"/>
+              <a:lumOff val="80000"/>
+            </a:schemeClr>
           </a:solidFill>
           <a:ln>
             <a:solidFill>
@@ -4771,16 +4682,23 @@
           <a:lstStyle/>
           <a:p>
             <a:pPr algn="ctr"/>
-            <a:endParaRPr lang="en-AU"/>
+            <a:r>
+              <a:rPr lang="en-AU" dirty="0">
+                <a:solidFill>
+                  <a:schemeClr val="tx1"/>
+                </a:solidFill>
+              </a:rPr>
+              <a:t>Sonar “too close”</a:t>
+            </a:r>
           </a:p>
         </p:txBody>
       </p:sp>
       <p:sp>
         <p:nvSpPr>
-          <p:cNvPr id="11" name="Rectangle 10">
-            <a:extLst>
-              <a:ext uri="{FF2B5EF4-FFF2-40B4-BE49-F238E27FC236}">
-                <a16:creationId xmlns:a16="http://schemas.microsoft.com/office/drawing/2014/main" id="{4EAA8330-2AF8-4446-80EE-FB0574DF4D44}"/>
+          <p:cNvPr id="53" name="Rectangle: Rounded Corners 52">
+            <a:extLst>
+              <a:ext uri="{FF2B5EF4-FFF2-40B4-BE49-F238E27FC236}">
+                <a16:creationId xmlns:a16="http://schemas.microsoft.com/office/drawing/2014/main" id="{0B7B6A75-CB9A-4E7A-8574-94DDCC1A9EA8}"/>
               </a:ext>
             </a:extLst>
           </p:cNvPr>
@@ -4789,206 +4707,19 @@
         </p:nvSpPr>
         <p:spPr>
           <a:xfrm>
-            <a:off x="1565138" y="4947857"/>
-            <a:ext cx="807814" cy="802203"/>
-          </a:xfrm>
-          <a:prstGeom prst="rect">
+            <a:off x="6603133" y="1867667"/>
+            <a:ext cx="1859485" cy="293296"/>
+          </a:xfrm>
+          <a:prstGeom prst="roundRect">
             <a:avLst/>
           </a:prstGeom>
-          <a:noFill/>
-          <a:ln w="0"/>
-        </p:spPr>
-        <p:style>
-          <a:lnRef idx="2">
-            <a:schemeClr val="accent1">
-              <a:shade val="50000"/>
+          <a:solidFill>
+            <a:schemeClr val="accent4">
+              <a:lumMod val="20000"/>
+              <a:lumOff val="80000"/>
             </a:schemeClr>
-          </a:lnRef>
-          <a:fillRef idx="1">
-            <a:schemeClr val="accent1"/>
-          </a:fillRef>
-          <a:effectRef idx="0">
-            <a:schemeClr val="accent1"/>
-          </a:effectRef>
-          <a:fontRef idx="minor">
-            <a:schemeClr val="lt1"/>
-          </a:fontRef>
-        </p:style>
-        <p:txBody>
-          <a:bodyPr rtlCol="0" anchor="ctr"/>
-          <a:lstStyle/>
-          <a:p>
-            <a:pPr algn="ctr"/>
-            <a:endParaRPr lang="en-AU"/>
-          </a:p>
-        </p:txBody>
-      </p:sp>
-      <p:sp>
-        <p:nvSpPr>
-          <p:cNvPr id="32" name="Rectangle 31">
-            <a:extLst>
-              <a:ext uri="{FF2B5EF4-FFF2-40B4-BE49-F238E27FC236}">
-                <a16:creationId xmlns:a16="http://schemas.microsoft.com/office/drawing/2014/main" id="{D8415A53-6FDD-42C1-850B-3CBF771298EB}"/>
-              </a:ext>
-            </a:extLst>
-          </p:cNvPr>
-          <p:cNvSpPr/>
-          <p:nvPr/>
-        </p:nvSpPr>
-        <p:spPr>
-          <a:xfrm>
-            <a:off x="2617912" y="4948790"/>
-            <a:ext cx="807814" cy="802203"/>
-          </a:xfrm>
-          <a:prstGeom prst="rect">
-            <a:avLst/>
-          </a:prstGeom>
-          <a:noFill/>
-          <a:ln w="0"/>
-        </p:spPr>
-        <p:style>
-          <a:lnRef idx="2">
-            <a:schemeClr val="accent1">
-              <a:shade val="50000"/>
-            </a:schemeClr>
-          </a:lnRef>
-          <a:fillRef idx="1">
-            <a:schemeClr val="accent1"/>
-          </a:fillRef>
-          <a:effectRef idx="0">
-            <a:schemeClr val="accent1"/>
-          </a:effectRef>
-          <a:fontRef idx="minor">
-            <a:schemeClr val="lt1"/>
-          </a:fontRef>
-        </p:style>
-        <p:txBody>
-          <a:bodyPr rtlCol="0" anchor="ctr"/>
-          <a:lstStyle/>
-          <a:p>
-            <a:pPr algn="ctr"/>
-            <a:endParaRPr lang="en-AU"/>
-          </a:p>
-        </p:txBody>
-      </p:sp>
-      <p:sp>
-        <p:nvSpPr>
-          <p:cNvPr id="34" name="Rectangle 33">
-            <a:extLst>
-              <a:ext uri="{FF2B5EF4-FFF2-40B4-BE49-F238E27FC236}">
-                <a16:creationId xmlns:a16="http://schemas.microsoft.com/office/drawing/2014/main" id="{3E5E570F-6385-4043-9C26-4B37488FAE2D}"/>
-              </a:ext>
-            </a:extLst>
-          </p:cNvPr>
-          <p:cNvSpPr/>
-          <p:nvPr/>
-        </p:nvSpPr>
-        <p:spPr>
-          <a:xfrm>
-            <a:off x="3558581" y="4949724"/>
-            <a:ext cx="807814" cy="802203"/>
-          </a:xfrm>
-          <a:prstGeom prst="rect">
-            <a:avLst/>
-          </a:prstGeom>
-          <a:noFill/>
-          <a:ln w="0"/>
-        </p:spPr>
-        <p:style>
-          <a:lnRef idx="2">
-            <a:schemeClr val="accent1">
-              <a:shade val="50000"/>
-            </a:schemeClr>
-          </a:lnRef>
-          <a:fillRef idx="1">
-            <a:schemeClr val="accent1"/>
-          </a:fillRef>
-          <a:effectRef idx="0">
-            <a:schemeClr val="accent1"/>
-          </a:effectRef>
-          <a:fontRef idx="minor">
-            <a:schemeClr val="lt1"/>
-          </a:fontRef>
-        </p:style>
-        <p:txBody>
-          <a:bodyPr rtlCol="0" anchor="ctr"/>
-          <a:lstStyle/>
-          <a:p>
-            <a:pPr algn="ctr"/>
-            <a:endParaRPr lang="en-AU"/>
-          </a:p>
-        </p:txBody>
-      </p:sp>
-      <p:sp>
-        <p:nvSpPr>
-          <p:cNvPr id="37" name="Rectangle 36">
-            <a:extLst>
-              <a:ext uri="{FF2B5EF4-FFF2-40B4-BE49-F238E27FC236}">
-                <a16:creationId xmlns:a16="http://schemas.microsoft.com/office/drawing/2014/main" id="{45678745-43E7-46BA-98C4-29FEB7DDD859}"/>
-              </a:ext>
-            </a:extLst>
-          </p:cNvPr>
-          <p:cNvSpPr/>
-          <p:nvPr/>
-        </p:nvSpPr>
-        <p:spPr>
-          <a:xfrm>
-            <a:off x="4491505" y="4950654"/>
-            <a:ext cx="807814" cy="802203"/>
-          </a:xfrm>
-          <a:prstGeom prst="rect">
-            <a:avLst/>
-          </a:prstGeom>
-          <a:noFill/>
-          <a:ln w="0"/>
-        </p:spPr>
-        <p:style>
-          <a:lnRef idx="2">
-            <a:schemeClr val="accent1">
-              <a:shade val="50000"/>
-            </a:schemeClr>
-          </a:lnRef>
-          <a:fillRef idx="1">
-            <a:schemeClr val="accent1"/>
-          </a:fillRef>
-          <a:effectRef idx="0">
-            <a:schemeClr val="accent1"/>
-          </a:effectRef>
-          <a:fontRef idx="minor">
-            <a:schemeClr val="lt1"/>
-          </a:fontRef>
-        </p:style>
-        <p:txBody>
-          <a:bodyPr rtlCol="0" anchor="ctr"/>
-          <a:lstStyle/>
-          <a:p>
-            <a:pPr algn="ctr"/>
-            <a:endParaRPr lang="en-AU"/>
-          </a:p>
-        </p:txBody>
-      </p:sp>
-      <p:sp>
-        <p:nvSpPr>
-          <p:cNvPr id="17" name="Sun 16">
-            <a:extLst>
-              <a:ext uri="{FF2B5EF4-FFF2-40B4-BE49-F238E27FC236}">
-                <a16:creationId xmlns:a16="http://schemas.microsoft.com/office/drawing/2014/main" id="{8BF61014-2789-4FB1-A53B-5FA3218A85A1}"/>
-              </a:ext>
-            </a:extLst>
-          </p:cNvPr>
-          <p:cNvSpPr/>
-          <p:nvPr/>
-        </p:nvSpPr>
-        <p:spPr>
-          <a:xfrm>
-            <a:off x="4601182" y="5043224"/>
-            <a:ext cx="588460" cy="586225"/>
-          </a:xfrm>
-          <a:prstGeom prst="sun">
-            <a:avLst/>
-          </a:prstGeom>
-          <a:noFill/>
-          <a:ln w="38100">
+          </a:solidFill>
+          <a:ln>
             <a:solidFill>
               <a:schemeClr val="tx1"/>
             </a:solidFill>
@@ -5015,16 +4746,23 @@
           <a:lstStyle/>
           <a:p>
             <a:pPr algn="ctr"/>
-            <a:endParaRPr lang="en-AU"/>
+            <a:r>
+              <a:rPr lang="en-AU" dirty="0">
+                <a:solidFill>
+                  <a:schemeClr val="tx1"/>
+                </a:solidFill>
+              </a:rPr>
+              <a:t>Sonar “obstacle”</a:t>
+            </a:r>
           </a:p>
         </p:txBody>
       </p:sp>
       <p:sp>
         <p:nvSpPr>
-          <p:cNvPr id="39" name="Rectangle 38">
-            <a:extLst>
-              <a:ext uri="{FF2B5EF4-FFF2-40B4-BE49-F238E27FC236}">
-                <a16:creationId xmlns:a16="http://schemas.microsoft.com/office/drawing/2014/main" id="{BF036370-8F6A-42A1-8D37-47FBD65FD8A6}"/>
+          <p:cNvPr id="18" name="Rectangle 17">
+            <a:extLst>
+              <a:ext uri="{FF2B5EF4-FFF2-40B4-BE49-F238E27FC236}">
+                <a16:creationId xmlns:a16="http://schemas.microsoft.com/office/drawing/2014/main" id="{279D6778-9856-41C6-9610-71CA40A6C513}"/>
               </a:ext>
             </a:extLst>
           </p:cNvPr>
@@ -5033,64 +4771,19 @@
         </p:nvSpPr>
         <p:spPr>
           <a:xfrm>
-            <a:off x="4491505" y="5899647"/>
-            <a:ext cx="807814" cy="802203"/>
+            <a:off x="8891680" y="1130153"/>
+            <a:ext cx="914400" cy="321397"/>
           </a:xfrm>
           <a:prstGeom prst="rect">
             <a:avLst/>
           </a:prstGeom>
-          <a:noFill/>
-          <a:ln w="0"/>
-        </p:spPr>
-        <p:style>
-          <a:lnRef idx="2">
+          <a:solidFill>
             <a:schemeClr val="accent1">
-              <a:shade val="50000"/>
+              <a:lumMod val="20000"/>
+              <a:lumOff val="80000"/>
             </a:schemeClr>
-          </a:lnRef>
-          <a:fillRef idx="1">
-            <a:schemeClr val="accent1"/>
-          </a:fillRef>
-          <a:effectRef idx="0">
-            <a:schemeClr val="accent1"/>
-          </a:effectRef>
-          <a:fontRef idx="minor">
-            <a:schemeClr val="lt1"/>
-          </a:fontRef>
-        </p:style>
-        <p:txBody>
-          <a:bodyPr rtlCol="0" anchor="ctr"/>
-          <a:lstStyle/>
-          <a:p>
-            <a:pPr algn="ctr"/>
-            <a:endParaRPr lang="en-AU"/>
-          </a:p>
-        </p:txBody>
-      </p:sp>
-      <p:sp>
-        <p:nvSpPr>
-          <p:cNvPr id="40" name="Sun 39">
-            <a:extLst>
-              <a:ext uri="{FF2B5EF4-FFF2-40B4-BE49-F238E27FC236}">
-                <a16:creationId xmlns:a16="http://schemas.microsoft.com/office/drawing/2014/main" id="{B312FD3F-6B8D-4406-A1FE-F47DD5266AC8}"/>
-              </a:ext>
-            </a:extLst>
-          </p:cNvPr>
-          <p:cNvSpPr/>
-          <p:nvPr/>
-        </p:nvSpPr>
-        <p:spPr>
-          <a:xfrm>
-            <a:off x="4601182" y="5992217"/>
-            <a:ext cx="588460" cy="586225"/>
-          </a:xfrm>
-          <a:prstGeom prst="sun">
-            <a:avLst/>
-          </a:prstGeom>
-          <a:solidFill>
-            <a:schemeClr val="tx1"/>
           </a:solidFill>
-          <a:ln w="38100">
+          <a:ln>
             <a:solidFill>
               <a:schemeClr val="tx1"/>
             </a:solidFill>
@@ -5117,16 +4810,23 @@
           <a:lstStyle/>
           <a:p>
             <a:pPr algn="ctr"/>
-            <a:endParaRPr lang="en-AU"/>
+            <a:r>
+              <a:rPr lang="en-AU" dirty="0">
+                <a:solidFill>
+                  <a:schemeClr val="tx1"/>
+                </a:solidFill>
+              </a:rPr>
+              <a:t>Escape</a:t>
+            </a:r>
           </a:p>
         </p:txBody>
       </p:sp>
       <p:sp>
         <p:nvSpPr>
-          <p:cNvPr id="42" name="Rectangle 41">
-            <a:extLst>
-              <a:ext uri="{FF2B5EF4-FFF2-40B4-BE49-F238E27FC236}">
-                <a16:creationId xmlns:a16="http://schemas.microsoft.com/office/drawing/2014/main" id="{EA45AA71-E0D3-4E72-BBDE-F606E7F0B0C7}"/>
+          <p:cNvPr id="58" name="Rectangle 57">
+            <a:extLst>
+              <a:ext uri="{FF2B5EF4-FFF2-40B4-BE49-F238E27FC236}">
+                <a16:creationId xmlns:a16="http://schemas.microsoft.com/office/drawing/2014/main" id="{E7DE15C6-BCE3-4A1F-916C-E4A4EC2C6CB7}"/>
               </a:ext>
             </a:extLst>
           </p:cNvPr>
@@ -5135,393 +4835,19 @@
         </p:nvSpPr>
         <p:spPr>
           <a:xfrm>
-            <a:off x="3558581" y="5899647"/>
-            <a:ext cx="807814" cy="802203"/>
+            <a:off x="8880315" y="1864595"/>
+            <a:ext cx="914400" cy="293296"/>
           </a:xfrm>
           <a:prstGeom prst="rect">
             <a:avLst/>
           </a:prstGeom>
-          <a:noFill/>
-          <a:ln w="0"/>
-        </p:spPr>
-        <p:style>
-          <a:lnRef idx="2">
+          <a:solidFill>
             <a:schemeClr val="accent1">
-              <a:shade val="50000"/>
+              <a:lumMod val="20000"/>
+              <a:lumOff val="80000"/>
             </a:schemeClr>
-          </a:lnRef>
-          <a:fillRef idx="1">
-            <a:schemeClr val="accent1"/>
-          </a:fillRef>
-          <a:effectRef idx="0">
-            <a:schemeClr val="accent1"/>
-          </a:effectRef>
-          <a:fontRef idx="minor">
-            <a:schemeClr val="lt1"/>
-          </a:fontRef>
-        </p:style>
-        <p:txBody>
-          <a:bodyPr rtlCol="0" anchor="ctr"/>
-          <a:lstStyle/>
-          <a:p>
-            <a:pPr algn="ctr"/>
-            <a:endParaRPr lang="en-AU"/>
-          </a:p>
-        </p:txBody>
-      </p:sp>
-      <p:grpSp>
-        <p:nvGrpSpPr>
-          <p:cNvPr id="22" name="Group 21">
-            <a:extLst>
-              <a:ext uri="{FF2B5EF4-FFF2-40B4-BE49-F238E27FC236}">
-                <a16:creationId xmlns:a16="http://schemas.microsoft.com/office/drawing/2014/main" id="{576E842C-C2FE-452B-9D13-2B559FD9EF6D}"/>
-              </a:ext>
-            </a:extLst>
-          </p:cNvPr>
-          <p:cNvGrpSpPr/>
-          <p:nvPr/>
-        </p:nvGrpSpPr>
-        <p:grpSpPr>
-          <a:xfrm>
-            <a:off x="3685649" y="5965098"/>
-            <a:ext cx="578746" cy="664764"/>
-            <a:chOff x="3685649" y="5965098"/>
-            <a:chExt cx="578746" cy="664764"/>
-          </a:xfrm>
-        </p:grpSpPr>
-        <p:cxnSp>
-          <p:nvCxnSpPr>
-            <p:cNvPr id="44" name="Straight Connector 43">
-              <a:extLst>
-                <a:ext uri="{FF2B5EF4-FFF2-40B4-BE49-F238E27FC236}">
-                  <a16:creationId xmlns:a16="http://schemas.microsoft.com/office/drawing/2014/main" id="{EE3727D8-6425-4892-B04B-693A0FC0DD80}"/>
-                </a:ext>
-              </a:extLst>
-            </p:cNvPr>
-            <p:cNvCxnSpPr/>
-            <p:nvPr/>
-          </p:nvCxnSpPr>
-          <p:spPr>
-            <a:xfrm>
-              <a:off x="4226996" y="5965098"/>
-              <a:ext cx="0" cy="664764"/>
-            </a:xfrm>
-            <a:prstGeom prst="line">
-              <a:avLst/>
-            </a:prstGeom>
-            <a:ln w="76200">
-              <a:solidFill>
-                <a:schemeClr val="tx1"/>
-              </a:solidFill>
-            </a:ln>
-          </p:spPr>
-          <p:style>
-            <a:lnRef idx="1">
-              <a:schemeClr val="accent1"/>
-            </a:lnRef>
-            <a:fillRef idx="0">
-              <a:schemeClr val="accent1"/>
-            </a:fillRef>
-            <a:effectRef idx="0">
-              <a:schemeClr val="accent1"/>
-            </a:effectRef>
-            <a:fontRef idx="minor">
-              <a:schemeClr val="tx1"/>
-            </a:fontRef>
-          </p:style>
-        </p:cxnSp>
-        <p:cxnSp>
-          <p:nvCxnSpPr>
-            <p:cNvPr id="46" name="Straight Connector 45">
-              <a:extLst>
-                <a:ext uri="{FF2B5EF4-FFF2-40B4-BE49-F238E27FC236}">
-                  <a16:creationId xmlns:a16="http://schemas.microsoft.com/office/drawing/2014/main" id="{05EA40F1-3C47-4EE2-B8E5-56EC16188B7A}"/>
-                </a:ext>
-              </a:extLst>
-            </p:cNvPr>
-            <p:cNvCxnSpPr>
-              <a:cxnSpLocks/>
-            </p:cNvCxnSpPr>
-            <p:nvPr/>
-          </p:nvCxnSpPr>
-          <p:spPr>
-            <a:xfrm flipH="1">
-              <a:off x="3685649" y="5992217"/>
-              <a:ext cx="578746" cy="0"/>
-            </a:xfrm>
-            <a:prstGeom prst="line">
-              <a:avLst/>
-            </a:prstGeom>
-            <a:ln w="76200">
-              <a:solidFill>
-                <a:schemeClr val="tx1"/>
-              </a:solidFill>
-            </a:ln>
-          </p:spPr>
-          <p:style>
-            <a:lnRef idx="1">
-              <a:schemeClr val="accent1"/>
-            </a:lnRef>
-            <a:fillRef idx="0">
-              <a:schemeClr val="accent1"/>
-            </a:fillRef>
-            <a:effectRef idx="0">
-              <a:schemeClr val="accent1"/>
-            </a:effectRef>
-            <a:fontRef idx="minor">
-              <a:schemeClr val="tx1"/>
-            </a:fontRef>
-          </p:style>
-        </p:cxnSp>
-        <p:sp>
-          <p:nvSpPr>
-            <p:cNvPr id="21" name="Arrow: Bent 20">
-              <a:extLst>
-                <a:ext uri="{FF2B5EF4-FFF2-40B4-BE49-F238E27FC236}">
-                  <a16:creationId xmlns:a16="http://schemas.microsoft.com/office/drawing/2014/main" id="{5F75C6EC-9E42-4D9C-A41D-D8B2D4EB9C01}"/>
-                </a:ext>
-              </a:extLst>
-            </p:cNvPr>
-            <p:cNvSpPr/>
-            <p:nvPr/>
-          </p:nvSpPr>
-          <p:spPr>
-            <a:xfrm flipH="1">
-              <a:off x="3705283" y="6111896"/>
-              <a:ext cx="412306" cy="460004"/>
-            </a:xfrm>
-            <a:prstGeom prst="bentArrow">
-              <a:avLst/>
-            </a:prstGeom>
-            <a:noFill/>
-            <a:ln w="38100">
-              <a:solidFill>
-                <a:schemeClr val="tx1"/>
-              </a:solidFill>
-            </a:ln>
-          </p:spPr>
-          <p:style>
-            <a:lnRef idx="2">
-              <a:schemeClr val="accent1">
-                <a:shade val="50000"/>
-              </a:schemeClr>
-            </a:lnRef>
-            <a:fillRef idx="1">
-              <a:schemeClr val="accent1"/>
-            </a:fillRef>
-            <a:effectRef idx="0">
-              <a:schemeClr val="accent1"/>
-            </a:effectRef>
-            <a:fontRef idx="minor">
-              <a:schemeClr val="lt1"/>
-            </a:fontRef>
-          </p:style>
-          <p:txBody>
-            <a:bodyPr rtlCol="0" anchor="ctr"/>
-            <a:lstStyle/>
-            <a:p>
-              <a:pPr algn="ctr"/>
-              <a:endParaRPr lang="en-AU">
-                <a:solidFill>
-                  <a:schemeClr val="tx1"/>
-                </a:solidFill>
-              </a:endParaRPr>
-            </a:p>
-          </p:txBody>
-        </p:sp>
-      </p:grpSp>
-      <p:grpSp>
-        <p:nvGrpSpPr>
-          <p:cNvPr id="26" name="Group 25">
-            <a:extLst>
-              <a:ext uri="{FF2B5EF4-FFF2-40B4-BE49-F238E27FC236}">
-                <a16:creationId xmlns:a16="http://schemas.microsoft.com/office/drawing/2014/main" id="{E96E9B0B-4273-4AFC-B217-0FE268EB1708}"/>
-              </a:ext>
-            </a:extLst>
-          </p:cNvPr>
-          <p:cNvGrpSpPr/>
-          <p:nvPr/>
-        </p:nvGrpSpPr>
-        <p:grpSpPr>
-          <a:xfrm>
-            <a:off x="3663323" y="5015175"/>
-            <a:ext cx="563673" cy="664764"/>
-            <a:chOff x="3663323" y="5015175"/>
-            <a:chExt cx="563673" cy="664764"/>
-          </a:xfrm>
-        </p:grpSpPr>
-        <p:cxnSp>
-          <p:nvCxnSpPr>
-            <p:cNvPr id="13" name="Straight Connector 12">
-              <a:extLst>
-                <a:ext uri="{FF2B5EF4-FFF2-40B4-BE49-F238E27FC236}">
-                  <a16:creationId xmlns:a16="http://schemas.microsoft.com/office/drawing/2014/main" id="{B41663AB-1399-4BDA-81CC-117AAD9A88E8}"/>
-                </a:ext>
-              </a:extLst>
-            </p:cNvPr>
-            <p:cNvCxnSpPr/>
-            <p:nvPr/>
-          </p:nvCxnSpPr>
-          <p:spPr>
-            <a:xfrm>
-              <a:off x="4226996" y="5015175"/>
-              <a:ext cx="0" cy="664764"/>
-            </a:xfrm>
-            <a:prstGeom prst="line">
-              <a:avLst/>
-            </a:prstGeom>
-            <a:ln w="76200">
-              <a:solidFill>
-                <a:schemeClr val="tx1"/>
-              </a:solidFill>
-            </a:ln>
-          </p:spPr>
-          <p:style>
-            <a:lnRef idx="1">
-              <a:schemeClr val="accent1"/>
-            </a:lnRef>
-            <a:fillRef idx="0">
-              <a:schemeClr val="accent1"/>
-            </a:fillRef>
-            <a:effectRef idx="0">
-              <a:schemeClr val="accent1"/>
-            </a:effectRef>
-            <a:fontRef idx="minor">
-              <a:schemeClr val="tx1"/>
-            </a:fontRef>
-          </p:style>
-        </p:cxnSp>
-        <p:sp>
-          <p:nvSpPr>
-            <p:cNvPr id="25" name="Arrow: U-Turn 24">
-              <a:extLst>
-                <a:ext uri="{FF2B5EF4-FFF2-40B4-BE49-F238E27FC236}">
-                  <a16:creationId xmlns:a16="http://schemas.microsoft.com/office/drawing/2014/main" id="{03BA5942-DFDE-4922-B141-10084ED33809}"/>
-                </a:ext>
-              </a:extLst>
-            </p:cNvPr>
-            <p:cNvSpPr/>
-            <p:nvPr/>
-          </p:nvSpPr>
-          <p:spPr>
-            <a:xfrm rot="5400000">
-              <a:off x="3708743" y="5123269"/>
-              <a:ext cx="382304" cy="473144"/>
-            </a:xfrm>
-            <a:prstGeom prst="uturnArrow">
-              <a:avLst/>
-            </a:prstGeom>
-            <a:noFill/>
-            <a:ln w="38100">
-              <a:solidFill>
-                <a:schemeClr val="tx1"/>
-              </a:solidFill>
-            </a:ln>
-          </p:spPr>
-          <p:style>
-            <a:lnRef idx="2">
-              <a:schemeClr val="accent1">
-                <a:shade val="50000"/>
-              </a:schemeClr>
-            </a:lnRef>
-            <a:fillRef idx="1">
-              <a:schemeClr val="accent1"/>
-            </a:fillRef>
-            <a:effectRef idx="0">
-              <a:schemeClr val="accent1"/>
-            </a:effectRef>
-            <a:fontRef idx="minor">
-              <a:schemeClr val="lt1"/>
-            </a:fontRef>
-          </p:style>
-          <p:txBody>
-            <a:bodyPr rtlCol="0" anchor="ctr"/>
-            <a:lstStyle/>
-            <a:p>
-              <a:pPr algn="ctr"/>
-              <a:endParaRPr lang="en-AU">
-                <a:solidFill>
-                  <a:schemeClr val="tx1"/>
-                </a:solidFill>
-              </a:endParaRPr>
-            </a:p>
-          </p:txBody>
-        </p:sp>
-      </p:grpSp>
-      <p:sp>
-        <p:nvSpPr>
-          <p:cNvPr id="50" name="Rectangle 49">
-            <a:extLst>
-              <a:ext uri="{FF2B5EF4-FFF2-40B4-BE49-F238E27FC236}">
-                <a16:creationId xmlns:a16="http://schemas.microsoft.com/office/drawing/2014/main" id="{EC1F565D-E727-41D2-AFF8-A4A045269A32}"/>
-              </a:ext>
-            </a:extLst>
-          </p:cNvPr>
-          <p:cNvSpPr/>
-          <p:nvPr/>
-        </p:nvSpPr>
-        <p:spPr>
-          <a:xfrm>
-            <a:off x="2625600" y="5904000"/>
-            <a:ext cx="807814" cy="802203"/>
-          </a:xfrm>
-          <a:prstGeom prst="rect">
-            <a:avLst/>
-          </a:prstGeom>
-          <a:noFill/>
-          <a:ln w="0"/>
-        </p:spPr>
-        <p:style>
-          <a:lnRef idx="2">
-            <a:schemeClr val="accent1">
-              <a:shade val="50000"/>
-            </a:schemeClr>
-          </a:lnRef>
-          <a:fillRef idx="1">
-            <a:schemeClr val="accent1"/>
-          </a:fillRef>
-          <a:effectRef idx="0">
-            <a:schemeClr val="accent1"/>
-          </a:effectRef>
-          <a:fontRef idx="minor">
-            <a:schemeClr val="lt1"/>
-          </a:fontRef>
-        </p:style>
-        <p:txBody>
-          <a:bodyPr rtlCol="0" anchor="ctr"/>
-          <a:lstStyle/>
-          <a:p>
-            <a:pPr algn="ctr"/>
-            <a:endParaRPr lang="en-AU"/>
-          </a:p>
-        </p:txBody>
-      </p:sp>
-      <p:sp>
-        <p:nvSpPr>
-          <p:cNvPr id="12" name="Arrow: Quad 11">
-            <a:extLst>
-              <a:ext uri="{FF2B5EF4-FFF2-40B4-BE49-F238E27FC236}">
-                <a16:creationId xmlns:a16="http://schemas.microsoft.com/office/drawing/2014/main" id="{3108FFC5-4778-4E59-8250-2BD7E4225305}"/>
-              </a:ext>
-            </a:extLst>
-          </p:cNvPr>
-          <p:cNvSpPr/>
-          <p:nvPr/>
-        </p:nvSpPr>
-        <p:spPr>
-          <a:xfrm>
-            <a:off x="2724652" y="5978657"/>
-            <a:ext cx="617195" cy="637645"/>
-          </a:xfrm>
-          <a:prstGeom prst="quadArrow">
-            <a:avLst>
-              <a:gd name="adj1" fmla="val 13157"/>
-              <a:gd name="adj2" fmla="val 15826"/>
-              <a:gd name="adj3" fmla="val 22500"/>
-            </a:avLst>
-          </a:prstGeom>
-          <a:noFill/>
-          <a:ln w="38100">
+          </a:solidFill>
+          <a:ln>
             <a:solidFill>
               <a:schemeClr val="tx1"/>
             </a:solidFill>
@@ -5548,10 +4874,643 @@
           <a:lstStyle/>
           <a:p>
             <a:pPr algn="ctr"/>
-            <a:endParaRPr lang="en-AU"/>
+            <a:r>
+              <a:rPr lang="en-AU" dirty="0">
+                <a:solidFill>
+                  <a:schemeClr val="tx1"/>
+                </a:solidFill>
+              </a:rPr>
+              <a:t>Avoid</a:t>
+            </a:r>
           </a:p>
         </p:txBody>
       </p:sp>
+      <p:sp>
+        <p:nvSpPr>
+          <p:cNvPr id="60" name="Rectangle 59">
+            <a:extLst>
+              <a:ext uri="{FF2B5EF4-FFF2-40B4-BE49-F238E27FC236}">
+                <a16:creationId xmlns:a16="http://schemas.microsoft.com/office/drawing/2014/main" id="{3E979EE5-7232-4623-AC4D-1A242314AF32}"/>
+              </a:ext>
+            </a:extLst>
+          </p:cNvPr>
+          <p:cNvSpPr/>
+          <p:nvPr/>
+        </p:nvSpPr>
+        <p:spPr>
+          <a:xfrm>
+            <a:off x="8880315" y="2579361"/>
+            <a:ext cx="914400" cy="293296"/>
+          </a:xfrm>
+          <a:prstGeom prst="rect">
+            <a:avLst/>
+          </a:prstGeom>
+          <a:solidFill>
+            <a:schemeClr val="accent1">
+              <a:lumMod val="20000"/>
+              <a:lumOff val="80000"/>
+            </a:schemeClr>
+          </a:solidFill>
+          <a:ln>
+            <a:solidFill>
+              <a:schemeClr val="tx1"/>
+            </a:solidFill>
+          </a:ln>
+        </p:spPr>
+        <p:style>
+          <a:lnRef idx="2">
+            <a:schemeClr val="accent1">
+              <a:shade val="50000"/>
+            </a:schemeClr>
+          </a:lnRef>
+          <a:fillRef idx="1">
+            <a:schemeClr val="accent1"/>
+          </a:fillRef>
+          <a:effectRef idx="0">
+            <a:schemeClr val="accent1"/>
+          </a:effectRef>
+          <a:fontRef idx="minor">
+            <a:schemeClr val="lt1"/>
+          </a:fontRef>
+        </p:style>
+        <p:txBody>
+          <a:bodyPr rtlCol="0" anchor="ctr"/>
+          <a:lstStyle/>
+          <a:p>
+            <a:pPr algn="ctr"/>
+            <a:r>
+              <a:rPr lang="en-AU" dirty="0">
+                <a:solidFill>
+                  <a:schemeClr val="tx1"/>
+                </a:solidFill>
+              </a:rPr>
+              <a:t>Cruise</a:t>
+            </a:r>
+          </a:p>
+        </p:txBody>
+      </p:sp>
+      <p:sp>
+        <p:nvSpPr>
+          <p:cNvPr id="20" name="Oval 19">
+            <a:extLst>
+              <a:ext uri="{FF2B5EF4-FFF2-40B4-BE49-F238E27FC236}">
+                <a16:creationId xmlns:a16="http://schemas.microsoft.com/office/drawing/2014/main" id="{ABDC6783-213B-4827-87A8-6D6E8D5C6B2A}"/>
+              </a:ext>
+            </a:extLst>
+          </p:cNvPr>
+          <p:cNvSpPr/>
+          <p:nvPr/>
+        </p:nvSpPr>
+        <p:spPr>
+          <a:xfrm>
+            <a:off x="10114822" y="1862977"/>
+            <a:ext cx="285311" cy="293296"/>
+          </a:xfrm>
+          <a:prstGeom prst="ellipse">
+            <a:avLst/>
+          </a:prstGeom>
+          <a:solidFill>
+            <a:srgbClr val="FF0000">
+              <a:alpha val="50000"/>
+            </a:srgbClr>
+          </a:solidFill>
+          <a:ln>
+            <a:solidFill>
+              <a:schemeClr val="tx1"/>
+            </a:solidFill>
+          </a:ln>
+        </p:spPr>
+        <p:style>
+          <a:lnRef idx="2">
+            <a:schemeClr val="accent1">
+              <a:shade val="50000"/>
+            </a:schemeClr>
+          </a:lnRef>
+          <a:fillRef idx="1">
+            <a:schemeClr val="accent1"/>
+          </a:fillRef>
+          <a:effectRef idx="0">
+            <a:schemeClr val="accent1"/>
+          </a:effectRef>
+          <a:fontRef idx="minor">
+            <a:schemeClr val="lt1"/>
+          </a:fontRef>
+        </p:style>
+        <p:txBody>
+          <a:bodyPr rtlCol="0" anchor="ctr"/>
+          <a:lstStyle/>
+          <a:p>
+            <a:pPr algn="ctr"/>
+            <a:r>
+              <a:rPr lang="en-AU" dirty="0">
+                <a:solidFill>
+                  <a:schemeClr val="tx1"/>
+                </a:solidFill>
+              </a:rPr>
+              <a:t>P</a:t>
+            </a:r>
+          </a:p>
+        </p:txBody>
+      </p:sp>
+      <p:sp>
+        <p:nvSpPr>
+          <p:cNvPr id="61" name="Oval 60">
+            <a:extLst>
+              <a:ext uri="{FF2B5EF4-FFF2-40B4-BE49-F238E27FC236}">
+                <a16:creationId xmlns:a16="http://schemas.microsoft.com/office/drawing/2014/main" id="{D0E77381-B63E-452C-BA95-9F395C6170F4}"/>
+              </a:ext>
+            </a:extLst>
+          </p:cNvPr>
+          <p:cNvSpPr/>
+          <p:nvPr/>
+        </p:nvSpPr>
+        <p:spPr>
+          <a:xfrm>
+            <a:off x="10400133" y="2579361"/>
+            <a:ext cx="285311" cy="293296"/>
+          </a:xfrm>
+          <a:prstGeom prst="ellipse">
+            <a:avLst/>
+          </a:prstGeom>
+          <a:solidFill>
+            <a:srgbClr val="FF0000">
+              <a:alpha val="50000"/>
+            </a:srgbClr>
+          </a:solidFill>
+          <a:ln>
+            <a:solidFill>
+              <a:schemeClr val="tx1"/>
+            </a:solidFill>
+          </a:ln>
+        </p:spPr>
+        <p:style>
+          <a:lnRef idx="2">
+            <a:schemeClr val="accent1">
+              <a:shade val="50000"/>
+            </a:schemeClr>
+          </a:lnRef>
+          <a:fillRef idx="1">
+            <a:schemeClr val="accent1"/>
+          </a:fillRef>
+          <a:effectRef idx="0">
+            <a:schemeClr val="accent1"/>
+          </a:effectRef>
+          <a:fontRef idx="minor">
+            <a:schemeClr val="lt1"/>
+          </a:fontRef>
+        </p:style>
+        <p:txBody>
+          <a:bodyPr rtlCol="0" anchor="ctr"/>
+          <a:lstStyle/>
+          <a:p>
+            <a:pPr algn="ctr"/>
+            <a:r>
+              <a:rPr lang="en-AU" dirty="0">
+                <a:solidFill>
+                  <a:schemeClr val="tx1"/>
+                </a:solidFill>
+              </a:rPr>
+              <a:t>P</a:t>
+            </a:r>
+          </a:p>
+        </p:txBody>
+      </p:sp>
+      <p:sp>
+        <p:nvSpPr>
+          <p:cNvPr id="62" name="Rectangle: Rounded Corners 61">
+            <a:extLst>
+              <a:ext uri="{FF2B5EF4-FFF2-40B4-BE49-F238E27FC236}">
+                <a16:creationId xmlns:a16="http://schemas.microsoft.com/office/drawing/2014/main" id="{23CDA65B-69B1-4570-87BB-F0BFBF546FEF}"/>
+              </a:ext>
+            </a:extLst>
+          </p:cNvPr>
+          <p:cNvSpPr/>
+          <p:nvPr/>
+        </p:nvSpPr>
+        <p:spPr>
+          <a:xfrm>
+            <a:off x="10046181" y="3267081"/>
+            <a:ext cx="1625643" cy="293296"/>
+          </a:xfrm>
+          <a:prstGeom prst="roundRect">
+            <a:avLst/>
+          </a:prstGeom>
+          <a:solidFill>
+            <a:schemeClr val="accent6">
+              <a:lumMod val="60000"/>
+              <a:lumOff val="40000"/>
+            </a:schemeClr>
+          </a:solidFill>
+          <a:ln>
+            <a:solidFill>
+              <a:schemeClr val="tx1"/>
+            </a:solidFill>
+          </a:ln>
+        </p:spPr>
+        <p:style>
+          <a:lnRef idx="2">
+            <a:schemeClr val="accent1">
+              <a:shade val="50000"/>
+            </a:schemeClr>
+          </a:lnRef>
+          <a:fillRef idx="1">
+            <a:schemeClr val="accent1"/>
+          </a:fillRef>
+          <a:effectRef idx="0">
+            <a:schemeClr val="accent1"/>
+          </a:effectRef>
+          <a:fontRef idx="minor">
+            <a:schemeClr val="lt1"/>
+          </a:fontRef>
+        </p:style>
+        <p:txBody>
+          <a:bodyPr rtlCol="0" anchor="ctr"/>
+          <a:lstStyle/>
+          <a:p>
+            <a:pPr algn="ctr"/>
+            <a:r>
+              <a:rPr lang="en-AU" dirty="0">
+                <a:solidFill>
+                  <a:schemeClr val="tx1"/>
+                </a:solidFill>
+              </a:rPr>
+              <a:t>Motor Control</a:t>
+            </a:r>
+          </a:p>
+        </p:txBody>
+      </p:sp>
+      <p:cxnSp>
+        <p:nvCxnSpPr>
+          <p:cNvPr id="35" name="Connector: Elbow 34">
+            <a:extLst>
+              <a:ext uri="{FF2B5EF4-FFF2-40B4-BE49-F238E27FC236}">
+                <a16:creationId xmlns:a16="http://schemas.microsoft.com/office/drawing/2014/main" id="{09882371-3349-4A4E-87FB-D4530681C4D2}"/>
+              </a:ext>
+            </a:extLst>
+          </p:cNvPr>
+          <p:cNvCxnSpPr>
+            <a:cxnSpLocks/>
+            <a:stCxn id="18" idx="3"/>
+            <a:endCxn id="20" idx="0"/>
+          </p:cNvCxnSpPr>
+          <p:nvPr/>
+        </p:nvCxnSpPr>
+        <p:spPr>
+          <a:xfrm>
+            <a:off x="9806080" y="1290852"/>
+            <a:ext cx="451398" cy="572125"/>
+          </a:xfrm>
+          <a:prstGeom prst="bentConnector2">
+            <a:avLst/>
+          </a:prstGeom>
+          <a:ln>
+            <a:solidFill>
+              <a:schemeClr val="tx1"/>
+            </a:solidFill>
+            <a:tailEnd type="triangle"/>
+          </a:ln>
+        </p:spPr>
+        <p:style>
+          <a:lnRef idx="1">
+            <a:schemeClr val="accent1"/>
+          </a:lnRef>
+          <a:fillRef idx="0">
+            <a:schemeClr val="accent1"/>
+          </a:fillRef>
+          <a:effectRef idx="0">
+            <a:schemeClr val="accent1"/>
+          </a:effectRef>
+          <a:fontRef idx="minor">
+            <a:schemeClr val="tx1"/>
+          </a:fontRef>
+        </p:style>
+      </p:cxnSp>
+      <p:cxnSp>
+        <p:nvCxnSpPr>
+          <p:cNvPr id="43" name="Straight Arrow Connector 42">
+            <a:extLst>
+              <a:ext uri="{FF2B5EF4-FFF2-40B4-BE49-F238E27FC236}">
+                <a16:creationId xmlns:a16="http://schemas.microsoft.com/office/drawing/2014/main" id="{C8914729-1585-48C4-9043-040C65D4B294}"/>
+              </a:ext>
+            </a:extLst>
+          </p:cNvPr>
+          <p:cNvCxnSpPr>
+            <a:cxnSpLocks/>
+            <a:stCxn id="58" idx="3"/>
+            <a:endCxn id="20" idx="2"/>
+          </p:cNvCxnSpPr>
+          <p:nvPr/>
+        </p:nvCxnSpPr>
+        <p:spPr>
+          <a:xfrm flipV="1">
+            <a:off x="9794715" y="2009625"/>
+            <a:ext cx="320107" cy="1618"/>
+          </a:xfrm>
+          <a:prstGeom prst="straightConnector1">
+            <a:avLst/>
+          </a:prstGeom>
+          <a:ln>
+            <a:solidFill>
+              <a:schemeClr val="tx1"/>
+            </a:solidFill>
+            <a:tailEnd type="triangle"/>
+          </a:ln>
+        </p:spPr>
+        <p:style>
+          <a:lnRef idx="1">
+            <a:schemeClr val="accent1"/>
+          </a:lnRef>
+          <a:fillRef idx="0">
+            <a:schemeClr val="accent1"/>
+          </a:fillRef>
+          <a:effectRef idx="0">
+            <a:schemeClr val="accent1"/>
+          </a:effectRef>
+          <a:fontRef idx="minor">
+            <a:schemeClr val="tx1"/>
+          </a:fontRef>
+        </p:style>
+      </p:cxnSp>
+      <p:cxnSp>
+        <p:nvCxnSpPr>
+          <p:cNvPr id="67" name="Connector: Elbow 66">
+            <a:extLst>
+              <a:ext uri="{FF2B5EF4-FFF2-40B4-BE49-F238E27FC236}">
+                <a16:creationId xmlns:a16="http://schemas.microsoft.com/office/drawing/2014/main" id="{5C28F47E-14E1-40DB-9815-E56EE91A197C}"/>
+              </a:ext>
+            </a:extLst>
+          </p:cNvPr>
+          <p:cNvCxnSpPr>
+            <a:cxnSpLocks/>
+            <a:stCxn id="20" idx="6"/>
+            <a:endCxn id="61" idx="0"/>
+          </p:cNvCxnSpPr>
+          <p:nvPr/>
+        </p:nvCxnSpPr>
+        <p:spPr>
+          <a:xfrm>
+            <a:off x="10400133" y="2009625"/>
+            <a:ext cx="142656" cy="569736"/>
+          </a:xfrm>
+          <a:prstGeom prst="bentConnector2">
+            <a:avLst/>
+          </a:prstGeom>
+          <a:ln>
+            <a:solidFill>
+              <a:schemeClr val="tx1"/>
+            </a:solidFill>
+            <a:tailEnd type="triangle"/>
+          </a:ln>
+        </p:spPr>
+        <p:style>
+          <a:lnRef idx="1">
+            <a:schemeClr val="accent1"/>
+          </a:lnRef>
+          <a:fillRef idx="0">
+            <a:schemeClr val="accent1"/>
+          </a:fillRef>
+          <a:effectRef idx="0">
+            <a:schemeClr val="accent1"/>
+          </a:effectRef>
+          <a:fontRef idx="minor">
+            <a:schemeClr val="tx1"/>
+          </a:fontRef>
+        </p:style>
+      </p:cxnSp>
+      <p:cxnSp>
+        <p:nvCxnSpPr>
+          <p:cNvPr id="70" name="Straight Arrow Connector 69">
+            <a:extLst>
+              <a:ext uri="{FF2B5EF4-FFF2-40B4-BE49-F238E27FC236}">
+                <a16:creationId xmlns:a16="http://schemas.microsoft.com/office/drawing/2014/main" id="{7C51D446-5DBB-4F19-8B17-E4CFDB3FD577}"/>
+              </a:ext>
+            </a:extLst>
+          </p:cNvPr>
+          <p:cNvCxnSpPr>
+            <a:cxnSpLocks/>
+            <a:stCxn id="60" idx="3"/>
+            <a:endCxn id="61" idx="2"/>
+          </p:cNvCxnSpPr>
+          <p:nvPr/>
+        </p:nvCxnSpPr>
+        <p:spPr>
+          <a:xfrm>
+            <a:off x="9794715" y="2726009"/>
+            <a:ext cx="605418" cy="0"/>
+          </a:xfrm>
+          <a:prstGeom prst="straightConnector1">
+            <a:avLst/>
+          </a:prstGeom>
+          <a:ln>
+            <a:solidFill>
+              <a:schemeClr val="tx1"/>
+            </a:solidFill>
+            <a:tailEnd type="triangle"/>
+          </a:ln>
+        </p:spPr>
+        <p:style>
+          <a:lnRef idx="1">
+            <a:schemeClr val="accent1"/>
+          </a:lnRef>
+          <a:fillRef idx="0">
+            <a:schemeClr val="accent1"/>
+          </a:fillRef>
+          <a:effectRef idx="0">
+            <a:schemeClr val="accent1"/>
+          </a:effectRef>
+          <a:fontRef idx="minor">
+            <a:schemeClr val="tx1"/>
+          </a:fontRef>
+        </p:style>
+      </p:cxnSp>
+      <p:cxnSp>
+        <p:nvCxnSpPr>
+          <p:cNvPr id="74" name="Connector: Elbow 73">
+            <a:extLst>
+              <a:ext uri="{FF2B5EF4-FFF2-40B4-BE49-F238E27FC236}">
+                <a16:creationId xmlns:a16="http://schemas.microsoft.com/office/drawing/2014/main" id="{418AD608-99FA-434C-BF28-9E09CB810BD5}"/>
+              </a:ext>
+            </a:extLst>
+          </p:cNvPr>
+          <p:cNvCxnSpPr>
+            <a:cxnSpLocks/>
+            <a:stCxn id="61" idx="6"/>
+            <a:endCxn id="62" idx="0"/>
+          </p:cNvCxnSpPr>
+          <p:nvPr/>
+        </p:nvCxnSpPr>
+        <p:spPr>
+          <a:xfrm>
+            <a:off x="10685444" y="2726009"/>
+            <a:ext cx="173559" cy="541072"/>
+          </a:xfrm>
+          <a:prstGeom prst="bentConnector2">
+            <a:avLst/>
+          </a:prstGeom>
+          <a:ln>
+            <a:solidFill>
+              <a:schemeClr val="tx1"/>
+            </a:solidFill>
+            <a:tailEnd type="triangle"/>
+          </a:ln>
+        </p:spPr>
+        <p:style>
+          <a:lnRef idx="1">
+            <a:schemeClr val="accent1"/>
+          </a:lnRef>
+          <a:fillRef idx="0">
+            <a:schemeClr val="accent1"/>
+          </a:fillRef>
+          <a:effectRef idx="0">
+            <a:schemeClr val="accent1"/>
+          </a:effectRef>
+          <a:fontRef idx="minor">
+            <a:schemeClr val="tx1"/>
+          </a:fontRef>
+        </p:style>
+      </p:cxnSp>
+      <p:cxnSp>
+        <p:nvCxnSpPr>
+          <p:cNvPr id="76" name="Straight Arrow Connector 75">
+            <a:extLst>
+              <a:ext uri="{FF2B5EF4-FFF2-40B4-BE49-F238E27FC236}">
+                <a16:creationId xmlns:a16="http://schemas.microsoft.com/office/drawing/2014/main" id="{CDE8D011-7E9E-4B8C-95C8-43C194E693BA}"/>
+              </a:ext>
+            </a:extLst>
+          </p:cNvPr>
+          <p:cNvCxnSpPr>
+            <a:cxnSpLocks/>
+            <a:stCxn id="53" idx="3"/>
+            <a:endCxn id="58" idx="1"/>
+          </p:cNvCxnSpPr>
+          <p:nvPr/>
+        </p:nvCxnSpPr>
+        <p:spPr>
+          <a:xfrm flipV="1">
+            <a:off x="8462618" y="2011243"/>
+            <a:ext cx="417697" cy="3072"/>
+          </a:xfrm>
+          <a:prstGeom prst="straightConnector1">
+            <a:avLst/>
+          </a:prstGeom>
+          <a:ln>
+            <a:solidFill>
+              <a:schemeClr val="tx1"/>
+            </a:solidFill>
+            <a:tailEnd type="triangle"/>
+          </a:ln>
+        </p:spPr>
+        <p:style>
+          <a:lnRef idx="1">
+            <a:schemeClr val="accent1"/>
+          </a:lnRef>
+          <a:fillRef idx="0">
+            <a:schemeClr val="accent1"/>
+          </a:fillRef>
+          <a:effectRef idx="0">
+            <a:schemeClr val="accent1"/>
+          </a:effectRef>
+          <a:fontRef idx="minor">
+            <a:schemeClr val="tx1"/>
+          </a:fontRef>
+        </p:style>
+      </p:cxnSp>
+      <p:cxnSp>
+        <p:nvCxnSpPr>
+          <p:cNvPr id="79" name="Connector: Elbow 78">
+            <a:extLst>
+              <a:ext uri="{FF2B5EF4-FFF2-40B4-BE49-F238E27FC236}">
+                <a16:creationId xmlns:a16="http://schemas.microsoft.com/office/drawing/2014/main" id="{24AC901C-41FF-42B2-816B-75BA50C39735}"/>
+              </a:ext>
+            </a:extLst>
+          </p:cNvPr>
+          <p:cNvCxnSpPr>
+            <a:cxnSpLocks/>
+            <a:stCxn id="15" idx="3"/>
+            <a:endCxn id="18" idx="1"/>
+          </p:cNvCxnSpPr>
+          <p:nvPr/>
+        </p:nvCxnSpPr>
+        <p:spPr>
+          <a:xfrm>
+            <a:off x="8465574" y="1095229"/>
+            <a:ext cx="426106" cy="195623"/>
+          </a:xfrm>
+          <a:prstGeom prst="bentConnector3">
+            <a:avLst>
+              <a:gd name="adj1" fmla="val 50000"/>
+            </a:avLst>
+          </a:prstGeom>
+          <a:ln>
+            <a:solidFill>
+              <a:schemeClr val="tx1"/>
+            </a:solidFill>
+            <a:tailEnd type="triangle"/>
+          </a:ln>
+        </p:spPr>
+        <p:style>
+          <a:lnRef idx="1">
+            <a:schemeClr val="accent1"/>
+          </a:lnRef>
+          <a:fillRef idx="0">
+            <a:schemeClr val="accent1"/>
+          </a:fillRef>
+          <a:effectRef idx="0">
+            <a:schemeClr val="accent1"/>
+          </a:effectRef>
+          <a:fontRef idx="minor">
+            <a:schemeClr val="tx1"/>
+          </a:fontRef>
+        </p:style>
+      </p:cxnSp>
+      <p:cxnSp>
+        <p:nvCxnSpPr>
+          <p:cNvPr id="82" name="Connector: Elbow 81">
+            <a:extLst>
+              <a:ext uri="{FF2B5EF4-FFF2-40B4-BE49-F238E27FC236}">
+                <a16:creationId xmlns:a16="http://schemas.microsoft.com/office/drawing/2014/main" id="{BA98E6B8-3B62-44A6-A6E5-FD3048F0D0E2}"/>
+              </a:ext>
+            </a:extLst>
+          </p:cNvPr>
+          <p:cNvCxnSpPr>
+            <a:cxnSpLocks/>
+            <a:stCxn id="52" idx="3"/>
+            <a:endCxn id="18" idx="1"/>
+          </p:cNvCxnSpPr>
+          <p:nvPr/>
+        </p:nvCxnSpPr>
+        <p:spPr>
+          <a:xfrm flipV="1">
+            <a:off x="8465574" y="1290852"/>
+            <a:ext cx="426106" cy="198961"/>
+          </a:xfrm>
+          <a:prstGeom prst="bentConnector3">
+            <a:avLst>
+              <a:gd name="adj1" fmla="val 50000"/>
+            </a:avLst>
+          </a:prstGeom>
+          <a:ln>
+            <a:solidFill>
+              <a:schemeClr val="tx1"/>
+            </a:solidFill>
+            <a:tailEnd type="triangle"/>
+          </a:ln>
+        </p:spPr>
+        <p:style>
+          <a:lnRef idx="1">
+            <a:schemeClr val="accent1"/>
+          </a:lnRef>
+          <a:fillRef idx="0">
+            <a:schemeClr val="accent1"/>
+          </a:fillRef>
+          <a:effectRef idx="0">
+            <a:schemeClr val="accent1"/>
+          </a:effectRef>
+          <a:fontRef idx="minor">
+            <a:schemeClr val="tx1"/>
+          </a:fontRef>
+        </p:style>
+      </p:cxnSp>
     </p:spTree>
     <p:extLst>
       <p:ext uri="{BB962C8B-B14F-4D97-AF65-F5344CB8AC3E}">
@@ -7382,7 +7341,7 @@
           </p:nvCxnSpPr>
           <p:spPr>
             <a:xfrm rot="5400000">
-              <a:off x="5716040" y="2748705"/>
+              <a:off x="5669251" y="2718467"/>
               <a:ext cx="223200" cy="161888"/>
             </a:xfrm>
             <a:prstGeom prst="line">
@@ -7426,7 +7385,7 @@
           </p:nvCxnSpPr>
           <p:spPr>
             <a:xfrm rot="5400000">
-              <a:off x="6304920" y="3188857"/>
+              <a:off x="6350178" y="3230170"/>
               <a:ext cx="223200" cy="161888"/>
             </a:xfrm>
             <a:prstGeom prst="line">
@@ -7470,8 +7429,8 @@
           </p:nvCxnSpPr>
           <p:spPr>
             <a:xfrm flipH="1" flipV="1">
-              <a:off x="5746292" y="2941249"/>
-              <a:ext cx="587761" cy="440152"/>
+              <a:off x="5702104" y="2902795"/>
+              <a:ext cx="685675" cy="510242"/>
             </a:xfrm>
             <a:prstGeom prst="straightConnector1">
               <a:avLst/>
@@ -9473,6 +9432,5707 @@
 </p:sld>
 </file>
 
+<file path=ppt/slides/slide3.xml><?xml version="1.0" encoding="utf-8"?>
+<p:sld xmlns:a="http://schemas.openxmlformats.org/drawingml/2006/main" xmlns:r="http://schemas.openxmlformats.org/officeDocument/2006/relationships" xmlns:p="http://schemas.openxmlformats.org/presentationml/2006/main">
+  <p:cSld>
+    <p:spTree>
+      <p:nvGrpSpPr>
+        <p:cNvPr id="1" name=""/>
+        <p:cNvGrpSpPr/>
+        <p:nvPr/>
+      </p:nvGrpSpPr>
+      <p:grpSpPr>
+        <a:xfrm>
+          <a:off x="0" y="0"/>
+          <a:ext cx="0" cy="0"/>
+          <a:chOff x="0" y="0"/>
+          <a:chExt cx="0" cy="0"/>
+        </a:xfrm>
+      </p:grpSpPr>
+      <p:grpSp>
+        <p:nvGrpSpPr>
+          <p:cNvPr id="108" name="Group 107">
+            <a:extLst>
+              <a:ext uri="{FF2B5EF4-FFF2-40B4-BE49-F238E27FC236}">
+                <a16:creationId xmlns:a16="http://schemas.microsoft.com/office/drawing/2014/main" id="{71D422B1-8BB8-4668-9E0C-307A1F4F3BCE}"/>
+              </a:ext>
+            </a:extLst>
+          </p:cNvPr>
+          <p:cNvGrpSpPr/>
+          <p:nvPr/>
+        </p:nvGrpSpPr>
+        <p:grpSpPr>
+          <a:xfrm>
+            <a:off x="4206251" y="695387"/>
+            <a:ext cx="2234996" cy="2194826"/>
+            <a:chOff x="4206251" y="695387"/>
+            <a:chExt cx="2234996" cy="2194826"/>
+          </a:xfrm>
+        </p:grpSpPr>
+        <p:sp>
+          <p:nvSpPr>
+            <p:cNvPr id="89" name="Rectangle 88">
+              <a:extLst>
+                <a:ext uri="{FF2B5EF4-FFF2-40B4-BE49-F238E27FC236}">
+                  <a16:creationId xmlns:a16="http://schemas.microsoft.com/office/drawing/2014/main" id="{BA3780C7-094E-4425-A106-16AF38EC6C23}"/>
+                </a:ext>
+              </a:extLst>
+            </p:cNvPr>
+            <p:cNvSpPr/>
+            <p:nvPr/>
+          </p:nvSpPr>
+          <p:spPr>
+            <a:xfrm>
+              <a:off x="5287092" y="1850186"/>
+              <a:ext cx="890343" cy="902944"/>
+            </a:xfrm>
+            <a:prstGeom prst="rect">
+              <a:avLst/>
+            </a:prstGeom>
+            <a:solidFill>
+              <a:schemeClr val="accent1">
+                <a:alpha val="10000"/>
+              </a:schemeClr>
+            </a:solidFill>
+            <a:ln>
+              <a:noFill/>
+            </a:ln>
+          </p:spPr>
+          <p:style>
+            <a:lnRef idx="2">
+              <a:schemeClr val="accent1">
+                <a:shade val="50000"/>
+              </a:schemeClr>
+            </a:lnRef>
+            <a:fillRef idx="1">
+              <a:schemeClr val="accent1"/>
+            </a:fillRef>
+            <a:effectRef idx="0">
+              <a:schemeClr val="accent1"/>
+            </a:effectRef>
+            <a:fontRef idx="minor">
+              <a:schemeClr val="lt1"/>
+            </a:fontRef>
+          </p:style>
+          <p:txBody>
+            <a:bodyPr rtlCol="0" anchor="ctr"/>
+            <a:lstStyle/>
+            <a:p>
+              <a:pPr algn="ctr"/>
+              <a:endParaRPr lang="en-AU"/>
+            </a:p>
+          </p:txBody>
+        </p:sp>
+        <p:sp>
+          <p:nvSpPr>
+            <p:cNvPr id="88" name="Rectangle 87">
+              <a:extLst>
+                <a:ext uri="{FF2B5EF4-FFF2-40B4-BE49-F238E27FC236}">
+                  <a16:creationId xmlns:a16="http://schemas.microsoft.com/office/drawing/2014/main" id="{541B29E2-6F1B-423D-8865-E68E25CF476C}"/>
+                </a:ext>
+              </a:extLst>
+            </p:cNvPr>
+            <p:cNvSpPr/>
+            <p:nvPr/>
+          </p:nvSpPr>
+          <p:spPr>
+            <a:xfrm>
+              <a:off x="5286083" y="936698"/>
+              <a:ext cx="890343" cy="902944"/>
+            </a:xfrm>
+            <a:prstGeom prst="rect">
+              <a:avLst/>
+            </a:prstGeom>
+            <a:solidFill>
+              <a:schemeClr val="accent6">
+                <a:alpha val="10000"/>
+              </a:schemeClr>
+            </a:solidFill>
+            <a:ln>
+              <a:noFill/>
+            </a:ln>
+          </p:spPr>
+          <p:style>
+            <a:lnRef idx="2">
+              <a:schemeClr val="accent1">
+                <a:shade val="50000"/>
+              </a:schemeClr>
+            </a:lnRef>
+            <a:fillRef idx="1">
+              <a:schemeClr val="accent1"/>
+            </a:fillRef>
+            <a:effectRef idx="0">
+              <a:schemeClr val="accent1"/>
+            </a:effectRef>
+            <a:fontRef idx="minor">
+              <a:schemeClr val="lt1"/>
+            </a:fontRef>
+          </p:style>
+          <p:txBody>
+            <a:bodyPr rtlCol="0" anchor="ctr"/>
+            <a:lstStyle/>
+            <a:p>
+              <a:pPr algn="ctr"/>
+              <a:endParaRPr lang="en-AU"/>
+            </a:p>
+          </p:txBody>
+        </p:sp>
+        <p:sp>
+          <p:nvSpPr>
+            <p:cNvPr id="90" name="Rectangle 89">
+              <a:extLst>
+                <a:ext uri="{FF2B5EF4-FFF2-40B4-BE49-F238E27FC236}">
+                  <a16:creationId xmlns:a16="http://schemas.microsoft.com/office/drawing/2014/main" id="{DC2E8703-5F96-428A-BBD3-140E2E92E71D}"/>
+                </a:ext>
+              </a:extLst>
+            </p:cNvPr>
+            <p:cNvSpPr/>
+            <p:nvPr/>
+          </p:nvSpPr>
+          <p:spPr>
+            <a:xfrm>
+              <a:off x="4384492" y="936698"/>
+              <a:ext cx="890343" cy="902944"/>
+            </a:xfrm>
+            <a:prstGeom prst="rect">
+              <a:avLst/>
+            </a:prstGeom>
+            <a:solidFill>
+              <a:schemeClr val="accent4">
+                <a:alpha val="10000"/>
+              </a:schemeClr>
+            </a:solidFill>
+            <a:ln>
+              <a:noFill/>
+            </a:ln>
+          </p:spPr>
+          <p:style>
+            <a:lnRef idx="2">
+              <a:schemeClr val="accent1">
+                <a:shade val="50000"/>
+              </a:schemeClr>
+            </a:lnRef>
+            <a:fillRef idx="1">
+              <a:schemeClr val="accent1"/>
+            </a:fillRef>
+            <a:effectRef idx="0">
+              <a:schemeClr val="accent1"/>
+            </a:effectRef>
+            <a:fontRef idx="minor">
+              <a:schemeClr val="lt1"/>
+            </a:fontRef>
+          </p:style>
+          <p:txBody>
+            <a:bodyPr rtlCol="0" anchor="ctr"/>
+            <a:lstStyle/>
+            <a:p>
+              <a:pPr algn="ctr"/>
+              <a:endParaRPr lang="en-AU"/>
+            </a:p>
+          </p:txBody>
+        </p:sp>
+        <p:sp>
+          <p:nvSpPr>
+            <p:cNvPr id="91" name="Rectangle 90">
+              <a:extLst>
+                <a:ext uri="{FF2B5EF4-FFF2-40B4-BE49-F238E27FC236}">
+                  <a16:creationId xmlns:a16="http://schemas.microsoft.com/office/drawing/2014/main" id="{BB29E30B-93B9-4FF9-85E8-96759C0AF6E5}"/>
+                </a:ext>
+              </a:extLst>
+            </p:cNvPr>
+            <p:cNvSpPr/>
+            <p:nvPr/>
+          </p:nvSpPr>
+          <p:spPr>
+            <a:xfrm>
+              <a:off x="4385217" y="1851817"/>
+              <a:ext cx="890343" cy="902944"/>
+            </a:xfrm>
+            <a:prstGeom prst="rect">
+              <a:avLst/>
+            </a:prstGeom>
+            <a:solidFill>
+              <a:schemeClr val="accent4">
+                <a:alpha val="10000"/>
+              </a:schemeClr>
+            </a:solidFill>
+            <a:ln>
+              <a:noFill/>
+            </a:ln>
+          </p:spPr>
+          <p:style>
+            <a:lnRef idx="2">
+              <a:schemeClr val="accent1">
+                <a:shade val="50000"/>
+              </a:schemeClr>
+            </a:lnRef>
+            <a:fillRef idx="1">
+              <a:schemeClr val="accent1"/>
+            </a:fillRef>
+            <a:effectRef idx="0">
+              <a:schemeClr val="accent1"/>
+            </a:effectRef>
+            <a:fontRef idx="minor">
+              <a:schemeClr val="lt1"/>
+            </a:fontRef>
+          </p:style>
+          <p:txBody>
+            <a:bodyPr rtlCol="0" anchor="ctr"/>
+            <a:lstStyle/>
+            <a:p>
+              <a:pPr algn="ctr"/>
+              <a:endParaRPr lang="en-AU"/>
+            </a:p>
+          </p:txBody>
+        </p:sp>
+        <p:sp>
+          <p:nvSpPr>
+            <p:cNvPr id="75" name="TextBox 74">
+              <a:extLst>
+                <a:ext uri="{FF2B5EF4-FFF2-40B4-BE49-F238E27FC236}">
+                  <a16:creationId xmlns:a16="http://schemas.microsoft.com/office/drawing/2014/main" id="{B0207C0C-3C0A-4899-A7DF-55EB895745AC}"/>
+                </a:ext>
+              </a:extLst>
+            </p:cNvPr>
+            <p:cNvSpPr txBox="1"/>
+            <p:nvPr/>
+          </p:nvSpPr>
+          <p:spPr>
+            <a:xfrm>
+              <a:off x="6176431" y="1583816"/>
+              <a:ext cx="264816" cy="276999"/>
+            </a:xfrm>
+            <a:prstGeom prst="rect">
+              <a:avLst/>
+            </a:prstGeom>
+            <a:noFill/>
+          </p:spPr>
+          <p:txBody>
+            <a:bodyPr wrap="none" rtlCol="0">
+              <a:spAutoFit/>
+            </a:bodyPr>
+            <a:lstStyle/>
+            <a:p>
+              <a:r>
+                <a:rPr lang="en-AU" sz="1200" dirty="0"/>
+                <a:t>X</a:t>
+              </a:r>
+            </a:p>
+          </p:txBody>
+        </p:sp>
+        <p:sp>
+          <p:nvSpPr>
+            <p:cNvPr id="76" name="TextBox 75">
+              <a:extLst>
+                <a:ext uri="{FF2B5EF4-FFF2-40B4-BE49-F238E27FC236}">
+                  <a16:creationId xmlns:a16="http://schemas.microsoft.com/office/drawing/2014/main" id="{61A02F17-A9E7-463D-872E-10F7302F6F7D}"/>
+                </a:ext>
+              </a:extLst>
+            </p:cNvPr>
+            <p:cNvSpPr txBox="1"/>
+            <p:nvPr/>
+          </p:nvSpPr>
+          <p:spPr>
+            <a:xfrm>
+              <a:off x="5242424" y="695387"/>
+              <a:ext cx="260008" cy="276999"/>
+            </a:xfrm>
+            <a:prstGeom prst="rect">
+              <a:avLst/>
+            </a:prstGeom>
+            <a:noFill/>
+          </p:spPr>
+          <p:txBody>
+            <a:bodyPr wrap="none" rtlCol="0">
+              <a:spAutoFit/>
+            </a:bodyPr>
+            <a:lstStyle/>
+            <a:p>
+              <a:r>
+                <a:rPr lang="en-AU" sz="1200" dirty="0"/>
+                <a:t>Y</a:t>
+              </a:r>
+            </a:p>
+          </p:txBody>
+        </p:sp>
+        <p:sp>
+          <p:nvSpPr>
+            <p:cNvPr id="77" name="Oval 76">
+              <a:extLst>
+                <a:ext uri="{FF2B5EF4-FFF2-40B4-BE49-F238E27FC236}">
+                  <a16:creationId xmlns:a16="http://schemas.microsoft.com/office/drawing/2014/main" id="{D0E4CA3D-AAB7-4046-8848-5D22F754F764}"/>
+                </a:ext>
+              </a:extLst>
+            </p:cNvPr>
+            <p:cNvSpPr/>
+            <p:nvPr/>
+          </p:nvSpPr>
+          <p:spPr>
+            <a:xfrm>
+              <a:off x="5604546" y="1453341"/>
+              <a:ext cx="72000" cy="72000"/>
+            </a:xfrm>
+            <a:prstGeom prst="ellipse">
+              <a:avLst/>
+            </a:prstGeom>
+            <a:solidFill>
+              <a:schemeClr val="tx1"/>
+            </a:solidFill>
+            <a:ln>
+              <a:noFill/>
+            </a:ln>
+          </p:spPr>
+          <p:style>
+            <a:lnRef idx="2">
+              <a:schemeClr val="accent1">
+                <a:shade val="50000"/>
+              </a:schemeClr>
+            </a:lnRef>
+            <a:fillRef idx="1">
+              <a:schemeClr val="accent1"/>
+            </a:fillRef>
+            <a:effectRef idx="0">
+              <a:schemeClr val="accent1"/>
+            </a:effectRef>
+            <a:fontRef idx="minor">
+              <a:schemeClr val="lt1"/>
+            </a:fontRef>
+          </p:style>
+          <p:txBody>
+            <a:bodyPr rtlCol="0" anchor="ctr"/>
+            <a:lstStyle/>
+            <a:p>
+              <a:pPr algn="ctr"/>
+              <a:endParaRPr lang="en-AU"/>
+            </a:p>
+          </p:txBody>
+        </p:sp>
+        <p:cxnSp>
+          <p:nvCxnSpPr>
+            <p:cNvPr id="79" name="Straight Connector 78">
+              <a:extLst>
+                <a:ext uri="{FF2B5EF4-FFF2-40B4-BE49-F238E27FC236}">
+                  <a16:creationId xmlns:a16="http://schemas.microsoft.com/office/drawing/2014/main" id="{765B5CDB-36F3-4D2B-AAE8-3F27F69E4182}"/>
+                </a:ext>
+              </a:extLst>
+            </p:cNvPr>
+            <p:cNvCxnSpPr>
+              <a:cxnSpLocks/>
+              <a:stCxn id="77" idx="3"/>
+              <a:endCxn id="81" idx="7"/>
+            </p:cNvCxnSpPr>
+            <p:nvPr/>
+          </p:nvCxnSpPr>
+          <p:spPr>
+            <a:xfrm flipH="1">
+              <a:off x="5303880" y="1514797"/>
+              <a:ext cx="311210" cy="305551"/>
+            </a:xfrm>
+            <a:prstGeom prst="line">
+              <a:avLst/>
+            </a:prstGeom>
+            <a:ln>
+              <a:solidFill>
+                <a:schemeClr val="tx1"/>
+              </a:solidFill>
+              <a:prstDash val="lgDash"/>
+            </a:ln>
+          </p:spPr>
+          <p:style>
+            <a:lnRef idx="1">
+              <a:schemeClr val="accent1"/>
+            </a:lnRef>
+            <a:fillRef idx="0">
+              <a:schemeClr val="accent1"/>
+            </a:fillRef>
+            <a:effectRef idx="0">
+              <a:schemeClr val="accent1"/>
+            </a:effectRef>
+            <a:fontRef idx="minor">
+              <a:schemeClr val="tx1"/>
+            </a:fontRef>
+          </p:style>
+        </p:cxnSp>
+        <p:sp>
+          <p:nvSpPr>
+            <p:cNvPr id="80" name="TextBox 79">
+              <a:extLst>
+                <a:ext uri="{FF2B5EF4-FFF2-40B4-BE49-F238E27FC236}">
+                  <a16:creationId xmlns:a16="http://schemas.microsoft.com/office/drawing/2014/main" id="{42FB5CE8-ADD6-4E33-9DA5-8E162F304241}"/>
+                </a:ext>
+              </a:extLst>
+            </p:cNvPr>
+            <p:cNvSpPr txBox="1"/>
+            <p:nvPr/>
+          </p:nvSpPr>
+          <p:spPr>
+            <a:xfrm>
+              <a:off x="5421167" y="1206561"/>
+              <a:ext cx="755259" cy="276999"/>
+            </a:xfrm>
+            <a:prstGeom prst="rect">
+              <a:avLst/>
+            </a:prstGeom>
+            <a:noFill/>
+          </p:spPr>
+          <p:txBody>
+            <a:bodyPr wrap="square" rtlCol="0">
+              <a:spAutoFit/>
+            </a:bodyPr>
+            <a:lstStyle/>
+            <a:p>
+              <a:r>
+                <a:rPr lang="en-AU" sz="1200" dirty="0"/>
+                <a:t>(r, 90-W)</a:t>
+              </a:r>
+            </a:p>
+          </p:txBody>
+        </p:sp>
+        <p:sp>
+          <p:nvSpPr>
+            <p:cNvPr id="81" name="Oval 80">
+              <a:extLst>
+                <a:ext uri="{FF2B5EF4-FFF2-40B4-BE49-F238E27FC236}">
+                  <a16:creationId xmlns:a16="http://schemas.microsoft.com/office/drawing/2014/main" id="{A3C7A0D4-4B24-4695-AD0F-BDBD5A064615}"/>
+                </a:ext>
+              </a:extLst>
+            </p:cNvPr>
+            <p:cNvSpPr/>
+            <p:nvPr/>
+          </p:nvSpPr>
+          <p:spPr>
+            <a:xfrm>
+              <a:off x="5242424" y="1809804"/>
+              <a:ext cx="72000" cy="72000"/>
+            </a:xfrm>
+            <a:prstGeom prst="ellipse">
+              <a:avLst/>
+            </a:prstGeom>
+            <a:noFill/>
+            <a:ln>
+              <a:solidFill>
+                <a:schemeClr val="tx1"/>
+              </a:solidFill>
+            </a:ln>
+          </p:spPr>
+          <p:style>
+            <a:lnRef idx="2">
+              <a:schemeClr val="accent1">
+                <a:shade val="50000"/>
+              </a:schemeClr>
+            </a:lnRef>
+            <a:fillRef idx="1">
+              <a:schemeClr val="accent1"/>
+            </a:fillRef>
+            <a:effectRef idx="0">
+              <a:schemeClr val="accent1"/>
+            </a:effectRef>
+            <a:fontRef idx="minor">
+              <a:schemeClr val="lt1"/>
+            </a:fontRef>
+          </p:style>
+          <p:txBody>
+            <a:bodyPr rtlCol="0" anchor="ctr"/>
+            <a:lstStyle/>
+            <a:p>
+              <a:pPr algn="ctr"/>
+              <a:endParaRPr lang="en-AU"/>
+            </a:p>
+          </p:txBody>
+        </p:sp>
+        <p:cxnSp>
+          <p:nvCxnSpPr>
+            <p:cNvPr id="82" name="Straight Connector 81">
+              <a:extLst>
+                <a:ext uri="{FF2B5EF4-FFF2-40B4-BE49-F238E27FC236}">
+                  <a16:creationId xmlns:a16="http://schemas.microsoft.com/office/drawing/2014/main" id="{88519976-42EF-4FF7-9438-FD4FEBB25872}"/>
+                </a:ext>
+              </a:extLst>
+            </p:cNvPr>
+            <p:cNvCxnSpPr>
+              <a:cxnSpLocks/>
+            </p:cNvCxnSpPr>
+            <p:nvPr/>
+          </p:nvCxnSpPr>
+          <p:spPr>
+            <a:xfrm>
+              <a:off x="4206251" y="1839642"/>
+              <a:ext cx="2145156" cy="12325"/>
+            </a:xfrm>
+            <a:prstGeom prst="line">
+              <a:avLst/>
+            </a:prstGeom>
+            <a:ln>
+              <a:solidFill>
+                <a:schemeClr val="tx1"/>
+              </a:solidFill>
+              <a:headEnd type="triangle"/>
+              <a:tailEnd type="triangle"/>
+            </a:ln>
+          </p:spPr>
+          <p:style>
+            <a:lnRef idx="1">
+              <a:schemeClr val="accent1"/>
+            </a:lnRef>
+            <a:fillRef idx="0">
+              <a:schemeClr val="accent1"/>
+            </a:fillRef>
+            <a:effectRef idx="0">
+              <a:schemeClr val="accent1"/>
+            </a:effectRef>
+            <a:fontRef idx="minor">
+              <a:schemeClr val="tx1"/>
+            </a:fontRef>
+          </p:style>
+        </p:cxnSp>
+        <p:cxnSp>
+          <p:nvCxnSpPr>
+            <p:cNvPr id="83" name="Straight Connector 82">
+              <a:extLst>
+                <a:ext uri="{FF2B5EF4-FFF2-40B4-BE49-F238E27FC236}">
+                  <a16:creationId xmlns:a16="http://schemas.microsoft.com/office/drawing/2014/main" id="{4E708414-D3E3-4FF5-A60F-315C970C45E1}"/>
+                </a:ext>
+              </a:extLst>
+            </p:cNvPr>
+            <p:cNvCxnSpPr>
+              <a:cxnSpLocks/>
+            </p:cNvCxnSpPr>
+            <p:nvPr/>
+          </p:nvCxnSpPr>
+          <p:spPr>
+            <a:xfrm>
+              <a:off x="5278829" y="801395"/>
+              <a:ext cx="0" cy="2088818"/>
+            </a:xfrm>
+            <a:prstGeom prst="line">
+              <a:avLst/>
+            </a:prstGeom>
+            <a:ln>
+              <a:solidFill>
+                <a:schemeClr val="tx1"/>
+              </a:solidFill>
+              <a:headEnd type="triangle"/>
+              <a:tailEnd type="triangle"/>
+            </a:ln>
+          </p:spPr>
+          <p:style>
+            <a:lnRef idx="1">
+              <a:schemeClr val="accent1"/>
+            </a:lnRef>
+            <a:fillRef idx="0">
+              <a:schemeClr val="accent1"/>
+            </a:fillRef>
+            <a:effectRef idx="0">
+              <a:schemeClr val="accent1"/>
+            </a:effectRef>
+            <a:fontRef idx="minor">
+              <a:schemeClr val="tx1"/>
+            </a:fontRef>
+          </p:style>
+        </p:cxnSp>
+        <p:sp>
+          <p:nvSpPr>
+            <p:cNvPr id="92" name="Arrow: Curved Right 91">
+              <a:extLst>
+                <a:ext uri="{FF2B5EF4-FFF2-40B4-BE49-F238E27FC236}">
+                  <a16:creationId xmlns:a16="http://schemas.microsoft.com/office/drawing/2014/main" id="{BE9FBF13-A583-4D89-9FB6-1FD32AA40747}"/>
+                </a:ext>
+              </a:extLst>
+            </p:cNvPr>
+            <p:cNvSpPr/>
+            <p:nvPr/>
+          </p:nvSpPr>
+          <p:spPr>
+            <a:xfrm>
+              <a:off x="5044962" y="1679821"/>
+              <a:ext cx="144000" cy="360000"/>
+            </a:xfrm>
+            <a:prstGeom prst="curvedRightArrow">
+              <a:avLst/>
+            </a:prstGeom>
+            <a:solidFill>
+              <a:schemeClr val="tx1"/>
+            </a:solidFill>
+            <a:ln>
+              <a:noFill/>
+            </a:ln>
+          </p:spPr>
+          <p:style>
+            <a:lnRef idx="2">
+              <a:schemeClr val="accent1">
+                <a:shade val="50000"/>
+              </a:schemeClr>
+            </a:lnRef>
+            <a:fillRef idx="1">
+              <a:schemeClr val="accent1"/>
+            </a:fillRef>
+            <a:effectRef idx="0">
+              <a:schemeClr val="accent1"/>
+            </a:effectRef>
+            <a:fontRef idx="minor">
+              <a:schemeClr val="lt1"/>
+            </a:fontRef>
+          </p:style>
+          <p:txBody>
+            <a:bodyPr rtlCol="0" anchor="ctr"/>
+            <a:lstStyle/>
+            <a:p>
+              <a:pPr algn="ctr"/>
+              <a:endParaRPr lang="en-AU">
+                <a:solidFill>
+                  <a:schemeClr val="tx1"/>
+                </a:solidFill>
+              </a:endParaRPr>
+            </a:p>
+          </p:txBody>
+        </p:sp>
+        <p:sp>
+          <p:nvSpPr>
+            <p:cNvPr id="94" name="Arrow: Curved Left 93">
+              <a:extLst>
+                <a:ext uri="{FF2B5EF4-FFF2-40B4-BE49-F238E27FC236}">
+                  <a16:creationId xmlns:a16="http://schemas.microsoft.com/office/drawing/2014/main" id="{0772228D-BF60-419C-A739-615AE45227FE}"/>
+                </a:ext>
+              </a:extLst>
+            </p:cNvPr>
+            <p:cNvSpPr/>
+            <p:nvPr/>
+          </p:nvSpPr>
+          <p:spPr>
+            <a:xfrm>
+              <a:off x="5367886" y="1679821"/>
+              <a:ext cx="142036" cy="360000"/>
+            </a:xfrm>
+            <a:prstGeom prst="curvedLeftArrow">
+              <a:avLst/>
+            </a:prstGeom>
+            <a:solidFill>
+              <a:schemeClr val="tx1"/>
+            </a:solidFill>
+            <a:ln>
+              <a:noFill/>
+            </a:ln>
+          </p:spPr>
+          <p:style>
+            <a:lnRef idx="2">
+              <a:schemeClr val="accent1">
+                <a:shade val="50000"/>
+              </a:schemeClr>
+            </a:lnRef>
+            <a:fillRef idx="1">
+              <a:schemeClr val="accent1"/>
+            </a:fillRef>
+            <a:effectRef idx="0">
+              <a:schemeClr val="accent1"/>
+            </a:effectRef>
+            <a:fontRef idx="minor">
+              <a:schemeClr val="lt1"/>
+            </a:fontRef>
+          </p:style>
+          <p:txBody>
+            <a:bodyPr rtlCol="0" anchor="ctr"/>
+            <a:lstStyle/>
+            <a:p>
+              <a:pPr algn="ctr"/>
+              <a:endParaRPr lang="en-AU">
+                <a:solidFill>
+                  <a:schemeClr val="tx1"/>
+                </a:solidFill>
+              </a:endParaRPr>
+            </a:p>
+          </p:txBody>
+        </p:sp>
+        <p:sp>
+          <p:nvSpPr>
+            <p:cNvPr id="95" name="TextBox 94">
+              <a:extLst>
+                <a:ext uri="{FF2B5EF4-FFF2-40B4-BE49-F238E27FC236}">
+                  <a16:creationId xmlns:a16="http://schemas.microsoft.com/office/drawing/2014/main" id="{9634B1D0-C2AE-4943-8716-0743206C53E4}"/>
+                </a:ext>
+              </a:extLst>
+            </p:cNvPr>
+            <p:cNvSpPr txBox="1"/>
+            <p:nvPr/>
+          </p:nvSpPr>
+          <p:spPr>
+            <a:xfrm>
+              <a:off x="5445688" y="1661146"/>
+              <a:ext cx="362600" cy="246221"/>
+            </a:xfrm>
+            <a:prstGeom prst="rect">
+              <a:avLst/>
+            </a:prstGeom>
+            <a:noFill/>
+          </p:spPr>
+          <p:txBody>
+            <a:bodyPr wrap="none" rtlCol="0">
+              <a:spAutoFit/>
+            </a:bodyPr>
+            <a:lstStyle/>
+            <a:p>
+              <a:r>
+                <a:rPr lang="en-AU" sz="1000" dirty="0"/>
+                <a:t>+W</a:t>
+              </a:r>
+            </a:p>
+          </p:txBody>
+        </p:sp>
+        <p:sp>
+          <p:nvSpPr>
+            <p:cNvPr id="96" name="TextBox 95">
+              <a:extLst>
+                <a:ext uri="{FF2B5EF4-FFF2-40B4-BE49-F238E27FC236}">
+                  <a16:creationId xmlns:a16="http://schemas.microsoft.com/office/drawing/2014/main" id="{2964678E-5B26-4461-9F0A-457B03BD871D}"/>
+                </a:ext>
+              </a:extLst>
+            </p:cNvPr>
+            <p:cNvSpPr txBox="1"/>
+            <p:nvPr/>
+          </p:nvSpPr>
+          <p:spPr>
+            <a:xfrm>
+              <a:off x="4779271" y="1661147"/>
+              <a:ext cx="336952" cy="246221"/>
+            </a:xfrm>
+            <a:prstGeom prst="rect">
+              <a:avLst/>
+            </a:prstGeom>
+            <a:noFill/>
+          </p:spPr>
+          <p:txBody>
+            <a:bodyPr wrap="none" rtlCol="0">
+              <a:spAutoFit/>
+            </a:bodyPr>
+            <a:lstStyle/>
+            <a:p>
+              <a:r>
+                <a:rPr lang="en-AU" sz="1000" dirty="0"/>
+                <a:t>-W</a:t>
+              </a:r>
+            </a:p>
+          </p:txBody>
+        </p:sp>
+        <p:sp>
+          <p:nvSpPr>
+            <p:cNvPr id="97" name="Oval 96">
+              <a:extLst>
+                <a:ext uri="{FF2B5EF4-FFF2-40B4-BE49-F238E27FC236}">
+                  <a16:creationId xmlns:a16="http://schemas.microsoft.com/office/drawing/2014/main" id="{4DF2D6B5-6F97-458A-A7FF-649D92758D6F}"/>
+                </a:ext>
+              </a:extLst>
+            </p:cNvPr>
+            <p:cNvSpPr/>
+            <p:nvPr/>
+          </p:nvSpPr>
+          <p:spPr>
+            <a:xfrm>
+              <a:off x="5604684" y="2168948"/>
+              <a:ext cx="72000" cy="72000"/>
+            </a:xfrm>
+            <a:prstGeom prst="ellipse">
+              <a:avLst/>
+            </a:prstGeom>
+            <a:solidFill>
+              <a:schemeClr val="tx1">
+                <a:alpha val="50000"/>
+              </a:schemeClr>
+            </a:solidFill>
+            <a:ln>
+              <a:noFill/>
+            </a:ln>
+          </p:spPr>
+          <p:style>
+            <a:lnRef idx="2">
+              <a:schemeClr val="accent1">
+                <a:shade val="50000"/>
+              </a:schemeClr>
+            </a:lnRef>
+            <a:fillRef idx="1">
+              <a:schemeClr val="accent1"/>
+            </a:fillRef>
+            <a:effectRef idx="0">
+              <a:schemeClr val="accent1"/>
+            </a:effectRef>
+            <a:fontRef idx="minor">
+              <a:schemeClr val="lt1"/>
+            </a:fontRef>
+          </p:style>
+          <p:txBody>
+            <a:bodyPr rtlCol="0" anchor="ctr"/>
+            <a:lstStyle/>
+            <a:p>
+              <a:pPr algn="ctr"/>
+              <a:endParaRPr lang="en-AU"/>
+            </a:p>
+          </p:txBody>
+        </p:sp>
+        <p:cxnSp>
+          <p:nvCxnSpPr>
+            <p:cNvPr id="98" name="Straight Connector 97">
+              <a:extLst>
+                <a:ext uri="{FF2B5EF4-FFF2-40B4-BE49-F238E27FC236}">
+                  <a16:creationId xmlns:a16="http://schemas.microsoft.com/office/drawing/2014/main" id="{F3404F77-EB48-4656-AAFA-491D63B5B7A1}"/>
+                </a:ext>
+              </a:extLst>
+            </p:cNvPr>
+            <p:cNvCxnSpPr>
+              <a:cxnSpLocks/>
+              <a:stCxn id="97" idx="1"/>
+              <a:endCxn id="81" idx="5"/>
+            </p:cNvCxnSpPr>
+            <p:nvPr/>
+          </p:nvCxnSpPr>
+          <p:spPr>
+            <a:xfrm flipH="1" flipV="1">
+              <a:off x="5303880" y="1871260"/>
+              <a:ext cx="311348" cy="308232"/>
+            </a:xfrm>
+            <a:prstGeom prst="line">
+              <a:avLst/>
+            </a:prstGeom>
+            <a:ln>
+              <a:solidFill>
+                <a:schemeClr val="tx1">
+                  <a:alpha val="50000"/>
+                </a:schemeClr>
+              </a:solidFill>
+              <a:prstDash val="lgDash"/>
+            </a:ln>
+          </p:spPr>
+          <p:style>
+            <a:lnRef idx="1">
+              <a:schemeClr val="accent1"/>
+            </a:lnRef>
+            <a:fillRef idx="0">
+              <a:schemeClr val="accent1"/>
+            </a:fillRef>
+            <a:effectRef idx="0">
+              <a:schemeClr val="accent1"/>
+            </a:effectRef>
+            <a:fontRef idx="minor">
+              <a:schemeClr val="tx1"/>
+            </a:fontRef>
+          </p:style>
+        </p:cxnSp>
+        <p:sp>
+          <p:nvSpPr>
+            <p:cNvPr id="102" name="TextBox 101">
+              <a:extLst>
+                <a:ext uri="{FF2B5EF4-FFF2-40B4-BE49-F238E27FC236}">
+                  <a16:creationId xmlns:a16="http://schemas.microsoft.com/office/drawing/2014/main" id="{49982D1E-8BA2-4CDF-A3C5-807DE9AF0DB4}"/>
+                </a:ext>
+              </a:extLst>
+            </p:cNvPr>
+            <p:cNvSpPr txBox="1"/>
+            <p:nvPr/>
+          </p:nvSpPr>
+          <p:spPr>
+            <a:xfrm>
+              <a:off x="5438903" y="2204845"/>
+              <a:ext cx="890343" cy="276999"/>
+            </a:xfrm>
+            <a:prstGeom prst="rect">
+              <a:avLst/>
+            </a:prstGeom>
+            <a:noFill/>
+          </p:spPr>
+          <p:txBody>
+            <a:bodyPr wrap="square" rtlCol="0">
+              <a:spAutoFit/>
+            </a:bodyPr>
+            <a:lstStyle/>
+            <a:p>
+              <a:r>
+                <a:rPr lang="en-AU" sz="1200" dirty="0"/>
+                <a:t>(r, 90+W)</a:t>
+              </a:r>
+            </a:p>
+          </p:txBody>
+        </p:sp>
+        <p:sp>
+          <p:nvSpPr>
+            <p:cNvPr id="104" name="TextBox 103">
+              <a:extLst>
+                <a:ext uri="{FF2B5EF4-FFF2-40B4-BE49-F238E27FC236}">
+                  <a16:creationId xmlns:a16="http://schemas.microsoft.com/office/drawing/2014/main" id="{FE54BA98-CA1E-4723-873A-55386F4F7437}"/>
+                </a:ext>
+              </a:extLst>
+            </p:cNvPr>
+            <p:cNvSpPr txBox="1"/>
+            <p:nvPr/>
+          </p:nvSpPr>
+          <p:spPr>
+            <a:xfrm>
+              <a:off x="5898605" y="907216"/>
+              <a:ext cx="336952" cy="246221"/>
+            </a:xfrm>
+            <a:prstGeom prst="rect">
+              <a:avLst/>
+            </a:prstGeom>
+            <a:noFill/>
+          </p:spPr>
+          <p:txBody>
+            <a:bodyPr wrap="none" rtlCol="0">
+              <a:spAutoFit/>
+            </a:bodyPr>
+            <a:lstStyle/>
+            <a:p>
+              <a:r>
+                <a:rPr lang="en-AU" sz="1000" dirty="0"/>
+                <a:t>Q1</a:t>
+              </a:r>
+            </a:p>
+          </p:txBody>
+        </p:sp>
+        <p:sp>
+          <p:nvSpPr>
+            <p:cNvPr id="105" name="TextBox 104">
+              <a:extLst>
+                <a:ext uri="{FF2B5EF4-FFF2-40B4-BE49-F238E27FC236}">
+                  <a16:creationId xmlns:a16="http://schemas.microsoft.com/office/drawing/2014/main" id="{CC68D3B2-F40C-41A5-AC30-68E26487CC46}"/>
+                </a:ext>
+              </a:extLst>
+            </p:cNvPr>
+            <p:cNvSpPr txBox="1"/>
+            <p:nvPr/>
+          </p:nvSpPr>
+          <p:spPr>
+            <a:xfrm>
+              <a:off x="5898605" y="2529052"/>
+              <a:ext cx="336952" cy="246221"/>
+            </a:xfrm>
+            <a:prstGeom prst="rect">
+              <a:avLst/>
+            </a:prstGeom>
+            <a:noFill/>
+          </p:spPr>
+          <p:txBody>
+            <a:bodyPr wrap="none" rtlCol="0">
+              <a:spAutoFit/>
+            </a:bodyPr>
+            <a:lstStyle/>
+            <a:p>
+              <a:r>
+                <a:rPr lang="en-AU" sz="1000" dirty="0"/>
+                <a:t>Q4</a:t>
+              </a:r>
+            </a:p>
+          </p:txBody>
+        </p:sp>
+        <p:sp>
+          <p:nvSpPr>
+            <p:cNvPr id="106" name="TextBox 105">
+              <a:extLst>
+                <a:ext uri="{FF2B5EF4-FFF2-40B4-BE49-F238E27FC236}">
+                  <a16:creationId xmlns:a16="http://schemas.microsoft.com/office/drawing/2014/main" id="{A3BD5BDC-E578-4828-97C6-BC2AD10B9557}"/>
+                </a:ext>
+              </a:extLst>
+            </p:cNvPr>
+            <p:cNvSpPr txBox="1"/>
+            <p:nvPr/>
+          </p:nvSpPr>
+          <p:spPr>
+            <a:xfrm>
+              <a:off x="4349623" y="2520715"/>
+              <a:ext cx="336952" cy="246221"/>
+            </a:xfrm>
+            <a:prstGeom prst="rect">
+              <a:avLst/>
+            </a:prstGeom>
+            <a:noFill/>
+          </p:spPr>
+          <p:txBody>
+            <a:bodyPr wrap="none" rtlCol="0">
+              <a:spAutoFit/>
+            </a:bodyPr>
+            <a:lstStyle/>
+            <a:p>
+              <a:r>
+                <a:rPr lang="en-AU" sz="1000" dirty="0"/>
+                <a:t>Q3</a:t>
+              </a:r>
+            </a:p>
+          </p:txBody>
+        </p:sp>
+        <p:sp>
+          <p:nvSpPr>
+            <p:cNvPr id="107" name="TextBox 106">
+              <a:extLst>
+                <a:ext uri="{FF2B5EF4-FFF2-40B4-BE49-F238E27FC236}">
+                  <a16:creationId xmlns:a16="http://schemas.microsoft.com/office/drawing/2014/main" id="{356E8263-CF25-4B23-BB74-DE2553770430}"/>
+                </a:ext>
+              </a:extLst>
+            </p:cNvPr>
+            <p:cNvSpPr txBox="1"/>
+            <p:nvPr/>
+          </p:nvSpPr>
+          <p:spPr>
+            <a:xfrm>
+              <a:off x="4337852" y="906861"/>
+              <a:ext cx="336952" cy="246221"/>
+            </a:xfrm>
+            <a:prstGeom prst="rect">
+              <a:avLst/>
+            </a:prstGeom>
+            <a:noFill/>
+          </p:spPr>
+          <p:txBody>
+            <a:bodyPr wrap="none" rtlCol="0">
+              <a:spAutoFit/>
+            </a:bodyPr>
+            <a:lstStyle/>
+            <a:p>
+              <a:r>
+                <a:rPr lang="en-AU" sz="1000" dirty="0"/>
+                <a:t>Q2</a:t>
+              </a:r>
+            </a:p>
+          </p:txBody>
+        </p:sp>
+      </p:grpSp>
+      <p:grpSp>
+        <p:nvGrpSpPr>
+          <p:cNvPr id="9" name="Group 8">
+            <a:extLst>
+              <a:ext uri="{FF2B5EF4-FFF2-40B4-BE49-F238E27FC236}">
+                <a16:creationId xmlns:a16="http://schemas.microsoft.com/office/drawing/2014/main" id="{6F3D2451-98AC-4395-827B-75F3D30EEAF8}"/>
+              </a:ext>
+            </a:extLst>
+          </p:cNvPr>
+          <p:cNvGrpSpPr/>
+          <p:nvPr/>
+        </p:nvGrpSpPr>
+        <p:grpSpPr>
+          <a:xfrm>
+            <a:off x="377676" y="178145"/>
+            <a:ext cx="2615709" cy="2695064"/>
+            <a:chOff x="377676" y="178145"/>
+            <a:chExt cx="2615709" cy="2695064"/>
+          </a:xfrm>
+        </p:grpSpPr>
+        <p:sp>
+          <p:nvSpPr>
+            <p:cNvPr id="17" name="TextBox 16">
+              <a:extLst>
+                <a:ext uri="{FF2B5EF4-FFF2-40B4-BE49-F238E27FC236}">
+                  <a16:creationId xmlns:a16="http://schemas.microsoft.com/office/drawing/2014/main" id="{AEAB9AD0-7BC3-4600-B8CB-02962481ACFC}"/>
+                </a:ext>
+              </a:extLst>
+            </p:cNvPr>
+            <p:cNvSpPr txBox="1"/>
+            <p:nvPr/>
+          </p:nvSpPr>
+          <p:spPr>
+            <a:xfrm>
+              <a:off x="2728569" y="1566812"/>
+              <a:ext cx="264816" cy="276999"/>
+            </a:xfrm>
+            <a:prstGeom prst="rect">
+              <a:avLst/>
+            </a:prstGeom>
+            <a:noFill/>
+          </p:spPr>
+          <p:txBody>
+            <a:bodyPr wrap="none" rtlCol="0">
+              <a:spAutoFit/>
+            </a:bodyPr>
+            <a:lstStyle/>
+            <a:p>
+              <a:r>
+                <a:rPr lang="en-AU" sz="1200" dirty="0"/>
+                <a:t>X</a:t>
+              </a:r>
+            </a:p>
+          </p:txBody>
+        </p:sp>
+        <p:sp>
+          <p:nvSpPr>
+            <p:cNvPr id="18" name="TextBox 17">
+              <a:extLst>
+                <a:ext uri="{FF2B5EF4-FFF2-40B4-BE49-F238E27FC236}">
+                  <a16:creationId xmlns:a16="http://schemas.microsoft.com/office/drawing/2014/main" id="{89547391-47B0-41E5-9979-2513F8A163E8}"/>
+                </a:ext>
+              </a:extLst>
+            </p:cNvPr>
+            <p:cNvSpPr txBox="1"/>
+            <p:nvPr/>
+          </p:nvSpPr>
+          <p:spPr>
+            <a:xfrm>
+              <a:off x="1794562" y="678383"/>
+              <a:ext cx="260008" cy="276999"/>
+            </a:xfrm>
+            <a:prstGeom prst="rect">
+              <a:avLst/>
+            </a:prstGeom>
+            <a:noFill/>
+          </p:spPr>
+          <p:txBody>
+            <a:bodyPr wrap="none" rtlCol="0">
+              <a:spAutoFit/>
+            </a:bodyPr>
+            <a:lstStyle/>
+            <a:p>
+              <a:r>
+                <a:rPr lang="en-AU" sz="1200" dirty="0"/>
+                <a:t>Y</a:t>
+              </a:r>
+            </a:p>
+          </p:txBody>
+        </p:sp>
+        <p:sp>
+          <p:nvSpPr>
+            <p:cNvPr id="19" name="Oval 18">
+              <a:extLst>
+                <a:ext uri="{FF2B5EF4-FFF2-40B4-BE49-F238E27FC236}">
+                  <a16:creationId xmlns:a16="http://schemas.microsoft.com/office/drawing/2014/main" id="{B7B08575-ABDF-472F-A5C7-8ED29D29AF7C}"/>
+                </a:ext>
+              </a:extLst>
+            </p:cNvPr>
+            <p:cNvSpPr/>
+            <p:nvPr/>
+          </p:nvSpPr>
+          <p:spPr>
+            <a:xfrm>
+              <a:off x="2156684" y="1436337"/>
+              <a:ext cx="72000" cy="72000"/>
+            </a:xfrm>
+            <a:prstGeom prst="ellipse">
+              <a:avLst/>
+            </a:prstGeom>
+            <a:solidFill>
+              <a:schemeClr val="tx1"/>
+            </a:solidFill>
+            <a:ln>
+              <a:noFill/>
+            </a:ln>
+          </p:spPr>
+          <p:style>
+            <a:lnRef idx="2">
+              <a:schemeClr val="accent1">
+                <a:shade val="50000"/>
+              </a:schemeClr>
+            </a:lnRef>
+            <a:fillRef idx="1">
+              <a:schemeClr val="accent1"/>
+            </a:fillRef>
+            <a:effectRef idx="0">
+              <a:schemeClr val="accent1"/>
+            </a:effectRef>
+            <a:fontRef idx="minor">
+              <a:schemeClr val="lt1"/>
+            </a:fontRef>
+          </p:style>
+          <p:txBody>
+            <a:bodyPr rtlCol="0" anchor="ctr"/>
+            <a:lstStyle/>
+            <a:p>
+              <a:pPr algn="ctr"/>
+              <a:endParaRPr lang="en-AU"/>
+            </a:p>
+          </p:txBody>
+        </p:sp>
+        <p:cxnSp>
+          <p:nvCxnSpPr>
+            <p:cNvPr id="21" name="Straight Connector 20">
+              <a:extLst>
+                <a:ext uri="{FF2B5EF4-FFF2-40B4-BE49-F238E27FC236}">
+                  <a16:creationId xmlns:a16="http://schemas.microsoft.com/office/drawing/2014/main" id="{9E90D549-67A6-4EE8-84D9-65D549A6C783}"/>
+                </a:ext>
+              </a:extLst>
+            </p:cNvPr>
+            <p:cNvCxnSpPr>
+              <a:cxnSpLocks/>
+              <a:stCxn id="19" idx="4"/>
+            </p:cNvCxnSpPr>
+            <p:nvPr/>
+          </p:nvCxnSpPr>
+          <p:spPr>
+            <a:xfrm>
+              <a:off x="2192684" y="1508337"/>
+              <a:ext cx="0" cy="335474"/>
+            </a:xfrm>
+            <a:prstGeom prst="line">
+              <a:avLst/>
+            </a:prstGeom>
+            <a:ln>
+              <a:prstDash val="lgDash"/>
+            </a:ln>
+          </p:spPr>
+          <p:style>
+            <a:lnRef idx="1">
+              <a:schemeClr val="accent1"/>
+            </a:lnRef>
+            <a:fillRef idx="0">
+              <a:schemeClr val="accent1"/>
+            </a:fillRef>
+            <a:effectRef idx="0">
+              <a:schemeClr val="accent1"/>
+            </a:effectRef>
+            <a:fontRef idx="minor">
+              <a:schemeClr val="tx1"/>
+            </a:fontRef>
+          </p:style>
+        </p:cxnSp>
+        <p:cxnSp>
+          <p:nvCxnSpPr>
+            <p:cNvPr id="25" name="Straight Connector 24">
+              <a:extLst>
+                <a:ext uri="{FF2B5EF4-FFF2-40B4-BE49-F238E27FC236}">
+                  <a16:creationId xmlns:a16="http://schemas.microsoft.com/office/drawing/2014/main" id="{BBCB542E-7894-4630-B35E-98BC879F12F8}"/>
+                </a:ext>
+              </a:extLst>
+            </p:cNvPr>
+            <p:cNvCxnSpPr>
+              <a:cxnSpLocks/>
+              <a:stCxn id="19" idx="2"/>
+            </p:cNvCxnSpPr>
+            <p:nvPr/>
+          </p:nvCxnSpPr>
+          <p:spPr>
+            <a:xfrm flipH="1">
+              <a:off x="1830562" y="1472337"/>
+              <a:ext cx="326122" cy="0"/>
+            </a:xfrm>
+            <a:prstGeom prst="line">
+              <a:avLst/>
+            </a:prstGeom>
+            <a:ln>
+              <a:prstDash val="lgDash"/>
+            </a:ln>
+          </p:spPr>
+          <p:style>
+            <a:lnRef idx="1">
+              <a:schemeClr val="accent1"/>
+            </a:lnRef>
+            <a:fillRef idx="0">
+              <a:schemeClr val="accent1"/>
+            </a:fillRef>
+            <a:effectRef idx="0">
+              <a:schemeClr val="accent1"/>
+            </a:effectRef>
+            <a:fontRef idx="minor">
+              <a:schemeClr val="tx1"/>
+            </a:fontRef>
+          </p:style>
+        </p:cxnSp>
+        <p:sp>
+          <p:nvSpPr>
+            <p:cNvPr id="29" name="TextBox 28">
+              <a:extLst>
+                <a:ext uri="{FF2B5EF4-FFF2-40B4-BE49-F238E27FC236}">
+                  <a16:creationId xmlns:a16="http://schemas.microsoft.com/office/drawing/2014/main" id="{6B665E50-E375-4C01-A4D8-EF01A172C56B}"/>
+                </a:ext>
+              </a:extLst>
+            </p:cNvPr>
+            <p:cNvSpPr txBox="1"/>
+            <p:nvPr/>
+          </p:nvSpPr>
+          <p:spPr>
+            <a:xfrm>
+              <a:off x="1973305" y="1189557"/>
+              <a:ext cx="485031" cy="276999"/>
+            </a:xfrm>
+            <a:prstGeom prst="rect">
+              <a:avLst/>
+            </a:prstGeom>
+            <a:noFill/>
+          </p:spPr>
+          <p:txBody>
+            <a:bodyPr wrap="square" rtlCol="0">
+              <a:spAutoFit/>
+            </a:bodyPr>
+            <a:lstStyle/>
+            <a:p>
+              <a:r>
+                <a:rPr lang="en-AU" sz="1200" dirty="0"/>
+                <a:t>(</a:t>
+              </a:r>
+              <a:r>
+                <a:rPr lang="en-AU" sz="1200" dirty="0" err="1"/>
+                <a:t>x,y</a:t>
+              </a:r>
+              <a:r>
+                <a:rPr lang="en-AU" sz="1200" dirty="0"/>
+                <a:t>)</a:t>
+              </a:r>
+            </a:p>
+          </p:txBody>
+        </p:sp>
+        <p:sp>
+          <p:nvSpPr>
+            <p:cNvPr id="30" name="Oval 29">
+              <a:extLst>
+                <a:ext uri="{FF2B5EF4-FFF2-40B4-BE49-F238E27FC236}">
+                  <a16:creationId xmlns:a16="http://schemas.microsoft.com/office/drawing/2014/main" id="{A7DAAE7B-0FD6-422E-A8D0-D95C137DD333}"/>
+                </a:ext>
+              </a:extLst>
+            </p:cNvPr>
+            <p:cNvSpPr/>
+            <p:nvPr/>
+          </p:nvSpPr>
+          <p:spPr>
+            <a:xfrm>
+              <a:off x="1794562" y="1792800"/>
+              <a:ext cx="72000" cy="72000"/>
+            </a:xfrm>
+            <a:prstGeom prst="ellipse">
+              <a:avLst/>
+            </a:prstGeom>
+            <a:noFill/>
+            <a:ln>
+              <a:solidFill>
+                <a:schemeClr val="tx1"/>
+              </a:solidFill>
+            </a:ln>
+          </p:spPr>
+          <p:style>
+            <a:lnRef idx="2">
+              <a:schemeClr val="accent1">
+                <a:shade val="50000"/>
+              </a:schemeClr>
+            </a:lnRef>
+            <a:fillRef idx="1">
+              <a:schemeClr val="accent1"/>
+            </a:fillRef>
+            <a:effectRef idx="0">
+              <a:schemeClr val="accent1"/>
+            </a:effectRef>
+            <a:fontRef idx="minor">
+              <a:schemeClr val="lt1"/>
+            </a:fontRef>
+          </p:style>
+          <p:txBody>
+            <a:bodyPr rtlCol="0" anchor="ctr"/>
+            <a:lstStyle/>
+            <a:p>
+              <a:pPr algn="ctr"/>
+              <a:endParaRPr lang="en-AU"/>
+            </a:p>
+          </p:txBody>
+        </p:sp>
+        <p:cxnSp>
+          <p:nvCxnSpPr>
+            <p:cNvPr id="66" name="Straight Connector 65">
+              <a:extLst>
+                <a:ext uri="{FF2B5EF4-FFF2-40B4-BE49-F238E27FC236}">
+                  <a16:creationId xmlns:a16="http://schemas.microsoft.com/office/drawing/2014/main" id="{B9BBBE09-CFDD-4AB8-AFC6-9990DBC09386}"/>
+                </a:ext>
+              </a:extLst>
+            </p:cNvPr>
+            <p:cNvCxnSpPr>
+              <a:cxnSpLocks/>
+            </p:cNvCxnSpPr>
+            <p:nvPr/>
+          </p:nvCxnSpPr>
+          <p:spPr>
+            <a:xfrm>
+              <a:off x="758389" y="1822638"/>
+              <a:ext cx="2145156" cy="12325"/>
+            </a:xfrm>
+            <a:prstGeom prst="line">
+              <a:avLst/>
+            </a:prstGeom>
+            <a:ln>
+              <a:solidFill>
+                <a:schemeClr val="tx1"/>
+              </a:solidFill>
+              <a:headEnd type="triangle"/>
+              <a:tailEnd type="triangle"/>
+            </a:ln>
+          </p:spPr>
+          <p:style>
+            <a:lnRef idx="1">
+              <a:schemeClr val="accent1"/>
+            </a:lnRef>
+            <a:fillRef idx="0">
+              <a:schemeClr val="accent1"/>
+            </a:fillRef>
+            <a:effectRef idx="0">
+              <a:schemeClr val="accent1"/>
+            </a:effectRef>
+            <a:fontRef idx="minor">
+              <a:schemeClr val="tx1"/>
+            </a:fontRef>
+          </p:style>
+        </p:cxnSp>
+        <p:cxnSp>
+          <p:nvCxnSpPr>
+            <p:cNvPr id="68" name="Straight Connector 67">
+              <a:extLst>
+                <a:ext uri="{FF2B5EF4-FFF2-40B4-BE49-F238E27FC236}">
+                  <a16:creationId xmlns:a16="http://schemas.microsoft.com/office/drawing/2014/main" id="{C56587A5-57C7-4948-B92F-49F464251DBA}"/>
+                </a:ext>
+              </a:extLst>
+            </p:cNvPr>
+            <p:cNvCxnSpPr>
+              <a:cxnSpLocks/>
+            </p:cNvCxnSpPr>
+            <p:nvPr/>
+          </p:nvCxnSpPr>
+          <p:spPr>
+            <a:xfrm>
+              <a:off x="1830967" y="784391"/>
+              <a:ext cx="0" cy="2088818"/>
+            </a:xfrm>
+            <a:prstGeom prst="line">
+              <a:avLst/>
+            </a:prstGeom>
+            <a:ln>
+              <a:solidFill>
+                <a:schemeClr val="tx1"/>
+              </a:solidFill>
+              <a:headEnd type="triangle"/>
+              <a:tailEnd type="triangle"/>
+            </a:ln>
+          </p:spPr>
+          <p:style>
+            <a:lnRef idx="1">
+              <a:schemeClr val="accent1"/>
+            </a:lnRef>
+            <a:fillRef idx="0">
+              <a:schemeClr val="accent1"/>
+            </a:fillRef>
+            <a:effectRef idx="0">
+              <a:schemeClr val="accent1"/>
+            </a:effectRef>
+            <a:fontRef idx="minor">
+              <a:schemeClr val="tx1"/>
+            </a:fontRef>
+          </p:style>
+        </p:cxnSp>
+        <p:sp>
+          <p:nvSpPr>
+            <p:cNvPr id="72" name="Oval 71">
+              <a:extLst>
+                <a:ext uri="{FF2B5EF4-FFF2-40B4-BE49-F238E27FC236}">
+                  <a16:creationId xmlns:a16="http://schemas.microsoft.com/office/drawing/2014/main" id="{9837AA01-8835-4031-AA03-F1D6DBC17DF1}"/>
+                </a:ext>
+              </a:extLst>
+            </p:cNvPr>
+            <p:cNvSpPr/>
+            <p:nvPr/>
+          </p:nvSpPr>
+          <p:spPr>
+            <a:xfrm>
+              <a:off x="1110967" y="1108800"/>
+              <a:ext cx="1440000" cy="1440000"/>
+            </a:xfrm>
+            <a:prstGeom prst="ellipse">
+              <a:avLst/>
+            </a:prstGeom>
+            <a:noFill/>
+          </p:spPr>
+          <p:style>
+            <a:lnRef idx="2">
+              <a:schemeClr val="accent1">
+                <a:shade val="50000"/>
+              </a:schemeClr>
+            </a:lnRef>
+            <a:fillRef idx="1">
+              <a:schemeClr val="accent1"/>
+            </a:fillRef>
+            <a:effectRef idx="0">
+              <a:schemeClr val="accent1"/>
+            </a:effectRef>
+            <a:fontRef idx="minor">
+              <a:schemeClr val="lt1"/>
+            </a:fontRef>
+          </p:style>
+          <p:txBody>
+            <a:bodyPr rtlCol="0" anchor="ctr"/>
+            <a:lstStyle/>
+            <a:p>
+              <a:pPr algn="ctr"/>
+              <a:endParaRPr lang="en-AU"/>
+            </a:p>
+          </p:txBody>
+        </p:sp>
+        <p:cxnSp>
+          <p:nvCxnSpPr>
+            <p:cNvPr id="3" name="Straight Arrow Connector 2">
+              <a:extLst>
+                <a:ext uri="{FF2B5EF4-FFF2-40B4-BE49-F238E27FC236}">
+                  <a16:creationId xmlns:a16="http://schemas.microsoft.com/office/drawing/2014/main" id="{E4D62FDD-C876-4B92-A2A4-E95DCFA712BA}"/>
+                </a:ext>
+              </a:extLst>
+            </p:cNvPr>
+            <p:cNvCxnSpPr>
+              <a:cxnSpLocks/>
+            </p:cNvCxnSpPr>
+            <p:nvPr/>
+          </p:nvCxnSpPr>
+          <p:spPr>
+            <a:xfrm>
+              <a:off x="671332" y="474562"/>
+              <a:ext cx="1383238" cy="11360"/>
+            </a:xfrm>
+            <a:prstGeom prst="straightConnector1">
+              <a:avLst/>
+            </a:prstGeom>
+            <a:ln w="22225">
+              <a:solidFill>
+                <a:srgbClr val="C00000"/>
+              </a:solidFill>
+              <a:tailEnd type="arrow"/>
+            </a:ln>
+          </p:spPr>
+          <p:style>
+            <a:lnRef idx="1">
+              <a:schemeClr val="accent1"/>
+            </a:lnRef>
+            <a:fillRef idx="0">
+              <a:schemeClr val="accent1"/>
+            </a:fillRef>
+            <a:effectRef idx="0">
+              <a:schemeClr val="accent1"/>
+            </a:effectRef>
+            <a:fontRef idx="minor">
+              <a:schemeClr val="tx1"/>
+            </a:fontRef>
+          </p:style>
+        </p:cxnSp>
+        <p:cxnSp>
+          <p:nvCxnSpPr>
+            <p:cNvPr id="39" name="Straight Arrow Connector 38">
+              <a:extLst>
+                <a:ext uri="{FF2B5EF4-FFF2-40B4-BE49-F238E27FC236}">
+                  <a16:creationId xmlns:a16="http://schemas.microsoft.com/office/drawing/2014/main" id="{81718686-C35A-408B-B3C4-D99E68012F3D}"/>
+                </a:ext>
+              </a:extLst>
+            </p:cNvPr>
+            <p:cNvCxnSpPr>
+              <a:cxnSpLocks/>
+            </p:cNvCxnSpPr>
+            <p:nvPr/>
+          </p:nvCxnSpPr>
+          <p:spPr>
+            <a:xfrm>
+              <a:off x="671332" y="474562"/>
+              <a:ext cx="0" cy="1318238"/>
+            </a:xfrm>
+            <a:prstGeom prst="straightConnector1">
+              <a:avLst/>
+            </a:prstGeom>
+            <a:ln w="22225">
+              <a:solidFill>
+                <a:srgbClr val="C00000"/>
+              </a:solidFill>
+              <a:tailEnd type="arrow"/>
+            </a:ln>
+          </p:spPr>
+          <p:style>
+            <a:lnRef idx="1">
+              <a:schemeClr val="accent1"/>
+            </a:lnRef>
+            <a:fillRef idx="0">
+              <a:schemeClr val="accent1"/>
+            </a:fillRef>
+            <a:effectRef idx="0">
+              <a:schemeClr val="accent1"/>
+            </a:effectRef>
+            <a:fontRef idx="minor">
+              <a:schemeClr val="tx1"/>
+            </a:fontRef>
+          </p:style>
+        </p:cxnSp>
+        <p:sp>
+          <p:nvSpPr>
+            <p:cNvPr id="6" name="Oval 5">
+              <a:extLst>
+                <a:ext uri="{FF2B5EF4-FFF2-40B4-BE49-F238E27FC236}">
+                  <a16:creationId xmlns:a16="http://schemas.microsoft.com/office/drawing/2014/main" id="{931A1B01-B2B5-4383-A8BF-AE9695B046F1}"/>
+                </a:ext>
+              </a:extLst>
+            </p:cNvPr>
+            <p:cNvSpPr/>
+            <p:nvPr/>
+          </p:nvSpPr>
+          <p:spPr>
+            <a:xfrm>
+              <a:off x="582841" y="387410"/>
+              <a:ext cx="180000" cy="180000"/>
+            </a:xfrm>
+            <a:prstGeom prst="ellipse">
+              <a:avLst/>
+            </a:prstGeom>
+            <a:noFill/>
+            <a:ln w="25400">
+              <a:solidFill>
+                <a:srgbClr val="C00000"/>
+              </a:solidFill>
+            </a:ln>
+          </p:spPr>
+          <p:style>
+            <a:lnRef idx="2">
+              <a:schemeClr val="accent1">
+                <a:shade val="50000"/>
+              </a:schemeClr>
+            </a:lnRef>
+            <a:fillRef idx="1">
+              <a:schemeClr val="accent1"/>
+            </a:fillRef>
+            <a:effectRef idx="0">
+              <a:schemeClr val="accent1"/>
+            </a:effectRef>
+            <a:fontRef idx="minor">
+              <a:schemeClr val="lt1"/>
+            </a:fontRef>
+          </p:style>
+          <p:txBody>
+            <a:bodyPr rtlCol="0" anchor="ctr"/>
+            <a:lstStyle/>
+            <a:p>
+              <a:pPr algn="ctr"/>
+              <a:endParaRPr lang="en-AU"/>
+            </a:p>
+          </p:txBody>
+        </p:sp>
+        <p:sp>
+          <p:nvSpPr>
+            <p:cNvPr id="7" name="TextBox 6">
+              <a:extLst>
+                <a:ext uri="{FF2B5EF4-FFF2-40B4-BE49-F238E27FC236}">
+                  <a16:creationId xmlns:a16="http://schemas.microsoft.com/office/drawing/2014/main" id="{DCAC0CB8-06B8-4131-BF9C-EA534293E7CC}"/>
+                </a:ext>
+              </a:extLst>
+            </p:cNvPr>
+            <p:cNvSpPr txBox="1"/>
+            <p:nvPr/>
+          </p:nvSpPr>
+          <p:spPr>
+            <a:xfrm>
+              <a:off x="972884" y="178145"/>
+              <a:ext cx="828304" cy="307777"/>
+            </a:xfrm>
+            <a:prstGeom prst="rect">
+              <a:avLst/>
+            </a:prstGeom>
+            <a:noFill/>
+          </p:spPr>
+          <p:txBody>
+            <a:bodyPr wrap="none" rtlCol="0">
+              <a:spAutoFit/>
+            </a:bodyPr>
+            <a:lstStyle/>
+            <a:p>
+              <a:r>
+                <a:rPr lang="en-AU" sz="1400" dirty="0">
+                  <a:solidFill>
+                    <a:srgbClr val="C00000"/>
+                  </a:solidFill>
+                </a:rPr>
+                <a:t>Canvas X</a:t>
+              </a:r>
+            </a:p>
+          </p:txBody>
+        </p:sp>
+        <p:sp>
+          <p:nvSpPr>
+            <p:cNvPr id="44" name="TextBox 43">
+              <a:extLst>
+                <a:ext uri="{FF2B5EF4-FFF2-40B4-BE49-F238E27FC236}">
+                  <a16:creationId xmlns:a16="http://schemas.microsoft.com/office/drawing/2014/main" id="{75D977D6-98E3-459D-876E-C4296080E166}"/>
+                </a:ext>
+              </a:extLst>
+            </p:cNvPr>
+            <p:cNvSpPr txBox="1"/>
+            <p:nvPr/>
+          </p:nvSpPr>
+          <p:spPr>
+            <a:xfrm rot="16200000">
+              <a:off x="119817" y="917338"/>
+              <a:ext cx="823495" cy="307777"/>
+            </a:xfrm>
+            <a:prstGeom prst="rect">
+              <a:avLst/>
+            </a:prstGeom>
+            <a:noFill/>
+          </p:spPr>
+          <p:txBody>
+            <a:bodyPr wrap="none" rtlCol="0">
+              <a:spAutoFit/>
+            </a:bodyPr>
+            <a:lstStyle/>
+            <a:p>
+              <a:r>
+                <a:rPr lang="en-AU" sz="1400" dirty="0">
+                  <a:solidFill>
+                    <a:srgbClr val="C00000"/>
+                  </a:solidFill>
+                </a:rPr>
+                <a:t>Canvas Y</a:t>
+              </a:r>
+            </a:p>
+          </p:txBody>
+        </p:sp>
+      </p:grpSp>
+      <p:sp>
+        <p:nvSpPr>
+          <p:cNvPr id="2" name="TextBox 1">
+            <a:extLst>
+              <a:ext uri="{FF2B5EF4-FFF2-40B4-BE49-F238E27FC236}">
+                <a16:creationId xmlns:a16="http://schemas.microsoft.com/office/drawing/2014/main" id="{C5B958D7-D0AA-46FB-B9F7-040E2B67BECE}"/>
+              </a:ext>
+            </a:extLst>
+          </p:cNvPr>
+          <p:cNvSpPr txBox="1"/>
+          <p:nvPr/>
+        </p:nvSpPr>
+        <p:spPr>
+          <a:xfrm>
+            <a:off x="5293051" y="1413906"/>
+            <a:ext cx="247184" cy="307777"/>
+          </a:xfrm>
+          <a:prstGeom prst="rect">
+            <a:avLst/>
+          </a:prstGeom>
+          <a:noFill/>
+        </p:spPr>
+        <p:txBody>
+          <a:bodyPr wrap="none" rtlCol="0">
+            <a:spAutoFit/>
+          </a:bodyPr>
+          <a:lstStyle/>
+          <a:p>
+            <a:r>
+              <a:rPr lang="en-AU" sz="1400" dirty="0">
+                <a:solidFill>
+                  <a:srgbClr val="C00000"/>
+                </a:solidFill>
+              </a:rPr>
+              <a:t>r</a:t>
+            </a:r>
+          </a:p>
+        </p:txBody>
+      </p:sp>
+      <p:sp>
+        <p:nvSpPr>
+          <p:cNvPr id="4" name="Arc 3">
+            <a:extLst>
+              <a:ext uri="{FF2B5EF4-FFF2-40B4-BE49-F238E27FC236}">
+                <a16:creationId xmlns:a16="http://schemas.microsoft.com/office/drawing/2014/main" id="{71A79B6B-94D8-45E3-A673-8AB03E350FAD}"/>
+              </a:ext>
+            </a:extLst>
+          </p:cNvPr>
+          <p:cNvSpPr/>
+          <p:nvPr/>
+        </p:nvSpPr>
+        <p:spPr>
+          <a:xfrm>
+            <a:off x="5476417" y="1488293"/>
+            <a:ext cx="294239" cy="626621"/>
+          </a:xfrm>
+          <a:prstGeom prst="arc">
+            <a:avLst>
+              <a:gd name="adj1" fmla="val 16692500"/>
+              <a:gd name="adj2" fmla="val 1212381"/>
+            </a:avLst>
+          </a:prstGeom>
+          <a:ln>
+            <a:solidFill>
+              <a:srgbClr val="C00000"/>
+            </a:solidFill>
+            <a:prstDash val="lgDash"/>
+          </a:ln>
+        </p:spPr>
+        <p:style>
+          <a:lnRef idx="1">
+            <a:schemeClr val="accent1"/>
+          </a:lnRef>
+          <a:fillRef idx="0">
+            <a:schemeClr val="accent1"/>
+          </a:fillRef>
+          <a:effectRef idx="0">
+            <a:schemeClr val="accent1"/>
+          </a:effectRef>
+          <a:fontRef idx="minor">
+            <a:schemeClr val="tx1"/>
+          </a:fontRef>
+        </p:style>
+        <p:txBody>
+          <a:bodyPr rtlCol="0" anchor="ctr"/>
+          <a:lstStyle/>
+          <a:p>
+            <a:pPr algn="ctr"/>
+            <a:endParaRPr lang="en-AU"/>
+          </a:p>
+        </p:txBody>
+      </p:sp>
+      <p:sp>
+        <p:nvSpPr>
+          <p:cNvPr id="45" name="TextBox 44">
+            <a:extLst>
+              <a:ext uri="{FF2B5EF4-FFF2-40B4-BE49-F238E27FC236}">
+                <a16:creationId xmlns:a16="http://schemas.microsoft.com/office/drawing/2014/main" id="{6428984E-A925-4EDC-90B0-4FC6C8875BEA}"/>
+              </a:ext>
+            </a:extLst>
+          </p:cNvPr>
+          <p:cNvSpPr txBox="1"/>
+          <p:nvPr/>
+        </p:nvSpPr>
+        <p:spPr>
+          <a:xfrm>
+            <a:off x="5703614" y="1497443"/>
+            <a:ext cx="282450" cy="307777"/>
+          </a:xfrm>
+          <a:prstGeom prst="rect">
+            <a:avLst/>
+          </a:prstGeom>
+          <a:noFill/>
+        </p:spPr>
+        <p:txBody>
+          <a:bodyPr wrap="none" rtlCol="0">
+            <a:spAutoFit/>
+          </a:bodyPr>
+          <a:lstStyle/>
+          <a:p>
+            <a:r>
+              <a:rPr lang="el-GR" sz="1400" dirty="0">
+                <a:solidFill>
+                  <a:srgbClr val="C00000"/>
+                </a:solidFill>
+              </a:rPr>
+              <a:t>θ</a:t>
+            </a:r>
+            <a:endParaRPr lang="en-AU" sz="1400" dirty="0">
+              <a:solidFill>
+                <a:srgbClr val="C00000"/>
+              </a:solidFill>
+            </a:endParaRPr>
+          </a:p>
+        </p:txBody>
+      </p:sp>
+      <p:sp>
+        <p:nvSpPr>
+          <p:cNvPr id="5" name="TextBox 4">
+            <a:extLst>
+              <a:ext uri="{FF2B5EF4-FFF2-40B4-BE49-F238E27FC236}">
+                <a16:creationId xmlns:a16="http://schemas.microsoft.com/office/drawing/2014/main" id="{534372AC-596D-45B5-AB9B-C07297F43498}"/>
+              </a:ext>
+            </a:extLst>
+          </p:cNvPr>
+          <p:cNvSpPr txBox="1"/>
+          <p:nvPr/>
+        </p:nvSpPr>
+        <p:spPr>
+          <a:xfrm>
+            <a:off x="1794562" y="3553428"/>
+            <a:ext cx="1894558" cy="369332"/>
+          </a:xfrm>
+          <a:prstGeom prst="rect">
+            <a:avLst/>
+          </a:prstGeom>
+          <a:noFill/>
+        </p:spPr>
+        <p:txBody>
+          <a:bodyPr wrap="none" rtlCol="0">
+            <a:spAutoFit/>
+          </a:bodyPr>
+          <a:lstStyle/>
+          <a:p>
+            <a:r>
+              <a:rPr lang="en-AU" dirty="0"/>
+              <a:t>Joystick Controller</a:t>
+            </a:r>
+          </a:p>
+        </p:txBody>
+      </p:sp>
+      <p:sp>
+        <p:nvSpPr>
+          <p:cNvPr id="46" name="Oval 45">
+            <a:extLst>
+              <a:ext uri="{FF2B5EF4-FFF2-40B4-BE49-F238E27FC236}">
+                <a16:creationId xmlns:a16="http://schemas.microsoft.com/office/drawing/2014/main" id="{131B0848-0EBD-4A25-8256-D1281448D30A}"/>
+              </a:ext>
+            </a:extLst>
+          </p:cNvPr>
+          <p:cNvSpPr/>
+          <p:nvPr/>
+        </p:nvSpPr>
+        <p:spPr>
+          <a:xfrm>
+            <a:off x="1608881" y="4988689"/>
+            <a:ext cx="720000" cy="720000"/>
+          </a:xfrm>
+          <a:prstGeom prst="ellipse">
+            <a:avLst/>
+          </a:prstGeom>
+          <a:noFill/>
+          <a:ln w="76200">
+            <a:solidFill>
+              <a:schemeClr val="tx1"/>
+            </a:solidFill>
+          </a:ln>
+        </p:spPr>
+        <p:style>
+          <a:lnRef idx="2">
+            <a:schemeClr val="accent1">
+              <a:shade val="50000"/>
+            </a:schemeClr>
+          </a:lnRef>
+          <a:fillRef idx="1">
+            <a:schemeClr val="accent1"/>
+          </a:fillRef>
+          <a:effectRef idx="0">
+            <a:schemeClr val="accent1"/>
+          </a:effectRef>
+          <a:fontRef idx="minor">
+            <a:schemeClr val="lt1"/>
+          </a:fontRef>
+        </p:style>
+        <p:txBody>
+          <a:bodyPr rtlCol="0" anchor="ctr"/>
+          <a:lstStyle/>
+          <a:p>
+            <a:pPr algn="ctr"/>
+            <a:endParaRPr lang="en-AU"/>
+          </a:p>
+        </p:txBody>
+      </p:sp>
+      <p:sp>
+        <p:nvSpPr>
+          <p:cNvPr id="47" name="Oval 46">
+            <a:extLst>
+              <a:ext uri="{FF2B5EF4-FFF2-40B4-BE49-F238E27FC236}">
+                <a16:creationId xmlns:a16="http://schemas.microsoft.com/office/drawing/2014/main" id="{7B9C22AB-287C-405B-95FF-B48B7E029C07}"/>
+              </a:ext>
+            </a:extLst>
+          </p:cNvPr>
+          <p:cNvSpPr/>
+          <p:nvPr/>
+        </p:nvSpPr>
+        <p:spPr>
+          <a:xfrm>
+            <a:off x="2658581" y="4988689"/>
+            <a:ext cx="720000" cy="720000"/>
+          </a:xfrm>
+          <a:prstGeom prst="ellipse">
+            <a:avLst/>
+          </a:prstGeom>
+          <a:noFill/>
+          <a:ln w="76200">
+            <a:solidFill>
+              <a:schemeClr val="tx1"/>
+            </a:solidFill>
+          </a:ln>
+        </p:spPr>
+        <p:style>
+          <a:lnRef idx="2">
+            <a:schemeClr val="accent1">
+              <a:shade val="50000"/>
+            </a:schemeClr>
+          </a:lnRef>
+          <a:fillRef idx="1">
+            <a:schemeClr val="accent1"/>
+          </a:fillRef>
+          <a:effectRef idx="0">
+            <a:schemeClr val="accent1"/>
+          </a:effectRef>
+          <a:fontRef idx="minor">
+            <a:schemeClr val="lt1"/>
+          </a:fontRef>
+        </p:style>
+        <p:txBody>
+          <a:bodyPr rtlCol="0" anchor="ctr"/>
+          <a:lstStyle/>
+          <a:p>
+            <a:pPr algn="ctr"/>
+            <a:endParaRPr lang="en-AU"/>
+          </a:p>
+        </p:txBody>
+      </p:sp>
+      <p:sp>
+        <p:nvSpPr>
+          <p:cNvPr id="48" name="Isosceles Triangle 47">
+            <a:extLst>
+              <a:ext uri="{FF2B5EF4-FFF2-40B4-BE49-F238E27FC236}">
+                <a16:creationId xmlns:a16="http://schemas.microsoft.com/office/drawing/2014/main" id="{4672CF46-9E67-42C2-B458-6AE578D7EB57}"/>
+              </a:ext>
+            </a:extLst>
+          </p:cNvPr>
+          <p:cNvSpPr/>
+          <p:nvPr/>
+        </p:nvSpPr>
+        <p:spPr>
+          <a:xfrm rot="5400000">
+            <a:off x="1800726" y="5168215"/>
+            <a:ext cx="425116" cy="360948"/>
+          </a:xfrm>
+          <a:prstGeom prst="triangle">
+            <a:avLst/>
+          </a:prstGeom>
+          <a:solidFill>
+            <a:schemeClr val="tx1"/>
+          </a:solidFill>
+          <a:ln>
+            <a:solidFill>
+              <a:schemeClr val="tx1"/>
+            </a:solidFill>
+          </a:ln>
+        </p:spPr>
+        <p:style>
+          <a:lnRef idx="2">
+            <a:schemeClr val="accent1">
+              <a:shade val="50000"/>
+            </a:schemeClr>
+          </a:lnRef>
+          <a:fillRef idx="1">
+            <a:schemeClr val="accent1"/>
+          </a:fillRef>
+          <a:effectRef idx="0">
+            <a:schemeClr val="accent1"/>
+          </a:effectRef>
+          <a:fontRef idx="minor">
+            <a:schemeClr val="lt1"/>
+          </a:fontRef>
+        </p:style>
+        <p:txBody>
+          <a:bodyPr rtlCol="0" anchor="ctr"/>
+          <a:lstStyle/>
+          <a:p>
+            <a:pPr algn="ctr"/>
+            <a:endParaRPr lang="en-AU"/>
+          </a:p>
+        </p:txBody>
+      </p:sp>
+      <p:sp>
+        <p:nvSpPr>
+          <p:cNvPr id="49" name="Rectangle 48">
+            <a:extLst>
+              <a:ext uri="{FF2B5EF4-FFF2-40B4-BE49-F238E27FC236}">
+                <a16:creationId xmlns:a16="http://schemas.microsoft.com/office/drawing/2014/main" id="{7D8FAB30-6EA9-4058-8CBB-31D163254350}"/>
+              </a:ext>
+            </a:extLst>
+          </p:cNvPr>
+          <p:cNvSpPr/>
+          <p:nvPr/>
+        </p:nvSpPr>
+        <p:spPr>
+          <a:xfrm>
+            <a:off x="2838581" y="5168689"/>
+            <a:ext cx="360000" cy="360000"/>
+          </a:xfrm>
+          <a:prstGeom prst="rect">
+            <a:avLst/>
+          </a:prstGeom>
+          <a:solidFill>
+            <a:schemeClr val="tx1"/>
+          </a:solidFill>
+          <a:ln>
+            <a:solidFill>
+              <a:schemeClr val="tx1"/>
+            </a:solidFill>
+          </a:ln>
+        </p:spPr>
+        <p:style>
+          <a:lnRef idx="2">
+            <a:schemeClr val="accent1">
+              <a:shade val="50000"/>
+            </a:schemeClr>
+          </a:lnRef>
+          <a:fillRef idx="1">
+            <a:schemeClr val="accent1"/>
+          </a:fillRef>
+          <a:effectRef idx="0">
+            <a:schemeClr val="accent1"/>
+          </a:effectRef>
+          <a:fontRef idx="minor">
+            <a:schemeClr val="lt1"/>
+          </a:fontRef>
+        </p:style>
+        <p:txBody>
+          <a:bodyPr rtlCol="0" anchor="ctr"/>
+          <a:lstStyle/>
+          <a:p>
+            <a:pPr algn="ctr"/>
+            <a:endParaRPr lang="en-AU"/>
+          </a:p>
+        </p:txBody>
+      </p:sp>
+      <p:sp>
+        <p:nvSpPr>
+          <p:cNvPr id="50" name="Rectangle 49">
+            <a:extLst>
+              <a:ext uri="{FF2B5EF4-FFF2-40B4-BE49-F238E27FC236}">
+                <a16:creationId xmlns:a16="http://schemas.microsoft.com/office/drawing/2014/main" id="{B3EA64E4-364A-40A0-B6A7-AEF0FB5DE829}"/>
+              </a:ext>
+            </a:extLst>
+          </p:cNvPr>
+          <p:cNvSpPr/>
+          <p:nvPr/>
+        </p:nvSpPr>
+        <p:spPr>
+          <a:xfrm>
+            <a:off x="1565138" y="4947857"/>
+            <a:ext cx="807814" cy="802203"/>
+          </a:xfrm>
+          <a:prstGeom prst="rect">
+            <a:avLst/>
+          </a:prstGeom>
+          <a:noFill/>
+          <a:ln w="0"/>
+        </p:spPr>
+        <p:style>
+          <a:lnRef idx="2">
+            <a:schemeClr val="accent1">
+              <a:shade val="50000"/>
+            </a:schemeClr>
+          </a:lnRef>
+          <a:fillRef idx="1">
+            <a:schemeClr val="accent1"/>
+          </a:fillRef>
+          <a:effectRef idx="0">
+            <a:schemeClr val="accent1"/>
+          </a:effectRef>
+          <a:fontRef idx="minor">
+            <a:schemeClr val="lt1"/>
+          </a:fontRef>
+        </p:style>
+        <p:txBody>
+          <a:bodyPr rtlCol="0" anchor="ctr"/>
+          <a:lstStyle/>
+          <a:p>
+            <a:pPr algn="ctr"/>
+            <a:endParaRPr lang="en-AU"/>
+          </a:p>
+        </p:txBody>
+      </p:sp>
+      <p:sp>
+        <p:nvSpPr>
+          <p:cNvPr id="51" name="Rectangle 50">
+            <a:extLst>
+              <a:ext uri="{FF2B5EF4-FFF2-40B4-BE49-F238E27FC236}">
+                <a16:creationId xmlns:a16="http://schemas.microsoft.com/office/drawing/2014/main" id="{6036CE1C-10B3-475D-B645-983B6CE673D9}"/>
+              </a:ext>
+            </a:extLst>
+          </p:cNvPr>
+          <p:cNvSpPr/>
+          <p:nvPr/>
+        </p:nvSpPr>
+        <p:spPr>
+          <a:xfrm>
+            <a:off x="2617912" y="4948790"/>
+            <a:ext cx="807814" cy="802203"/>
+          </a:xfrm>
+          <a:prstGeom prst="rect">
+            <a:avLst/>
+          </a:prstGeom>
+          <a:noFill/>
+          <a:ln w="0"/>
+        </p:spPr>
+        <p:style>
+          <a:lnRef idx="2">
+            <a:schemeClr val="accent1">
+              <a:shade val="50000"/>
+            </a:schemeClr>
+          </a:lnRef>
+          <a:fillRef idx="1">
+            <a:schemeClr val="accent1"/>
+          </a:fillRef>
+          <a:effectRef idx="0">
+            <a:schemeClr val="accent1"/>
+          </a:effectRef>
+          <a:fontRef idx="minor">
+            <a:schemeClr val="lt1"/>
+          </a:fontRef>
+        </p:style>
+        <p:txBody>
+          <a:bodyPr rtlCol="0" anchor="ctr"/>
+          <a:lstStyle/>
+          <a:p>
+            <a:pPr algn="ctr"/>
+            <a:endParaRPr lang="en-AU"/>
+          </a:p>
+        </p:txBody>
+      </p:sp>
+      <p:sp>
+        <p:nvSpPr>
+          <p:cNvPr id="52" name="Rectangle 51">
+            <a:extLst>
+              <a:ext uri="{FF2B5EF4-FFF2-40B4-BE49-F238E27FC236}">
+                <a16:creationId xmlns:a16="http://schemas.microsoft.com/office/drawing/2014/main" id="{EF874E66-2510-4E36-8514-A7F66138B64E}"/>
+              </a:ext>
+            </a:extLst>
+          </p:cNvPr>
+          <p:cNvSpPr/>
+          <p:nvPr/>
+        </p:nvSpPr>
+        <p:spPr>
+          <a:xfrm>
+            <a:off x="3558581" y="4949724"/>
+            <a:ext cx="807814" cy="802203"/>
+          </a:xfrm>
+          <a:prstGeom prst="rect">
+            <a:avLst/>
+          </a:prstGeom>
+          <a:noFill/>
+          <a:ln w="0"/>
+        </p:spPr>
+        <p:style>
+          <a:lnRef idx="2">
+            <a:schemeClr val="accent1">
+              <a:shade val="50000"/>
+            </a:schemeClr>
+          </a:lnRef>
+          <a:fillRef idx="1">
+            <a:schemeClr val="accent1"/>
+          </a:fillRef>
+          <a:effectRef idx="0">
+            <a:schemeClr val="accent1"/>
+          </a:effectRef>
+          <a:fontRef idx="minor">
+            <a:schemeClr val="lt1"/>
+          </a:fontRef>
+        </p:style>
+        <p:txBody>
+          <a:bodyPr rtlCol="0" anchor="ctr"/>
+          <a:lstStyle/>
+          <a:p>
+            <a:pPr algn="ctr"/>
+            <a:endParaRPr lang="en-AU"/>
+          </a:p>
+        </p:txBody>
+      </p:sp>
+      <p:sp>
+        <p:nvSpPr>
+          <p:cNvPr id="53" name="Rectangle 52">
+            <a:extLst>
+              <a:ext uri="{FF2B5EF4-FFF2-40B4-BE49-F238E27FC236}">
+                <a16:creationId xmlns:a16="http://schemas.microsoft.com/office/drawing/2014/main" id="{8BFB778C-7C47-475B-A877-F35164FA7F6C}"/>
+              </a:ext>
+            </a:extLst>
+          </p:cNvPr>
+          <p:cNvSpPr/>
+          <p:nvPr/>
+        </p:nvSpPr>
+        <p:spPr>
+          <a:xfrm>
+            <a:off x="4491505" y="4950654"/>
+            <a:ext cx="807814" cy="802203"/>
+          </a:xfrm>
+          <a:prstGeom prst="rect">
+            <a:avLst/>
+          </a:prstGeom>
+          <a:noFill/>
+          <a:ln w="0"/>
+        </p:spPr>
+        <p:style>
+          <a:lnRef idx="2">
+            <a:schemeClr val="accent1">
+              <a:shade val="50000"/>
+            </a:schemeClr>
+          </a:lnRef>
+          <a:fillRef idx="1">
+            <a:schemeClr val="accent1"/>
+          </a:fillRef>
+          <a:effectRef idx="0">
+            <a:schemeClr val="accent1"/>
+          </a:effectRef>
+          <a:fontRef idx="minor">
+            <a:schemeClr val="lt1"/>
+          </a:fontRef>
+        </p:style>
+        <p:txBody>
+          <a:bodyPr rtlCol="0" anchor="ctr"/>
+          <a:lstStyle/>
+          <a:p>
+            <a:pPr algn="ctr"/>
+            <a:endParaRPr lang="en-AU"/>
+          </a:p>
+        </p:txBody>
+      </p:sp>
+      <p:sp>
+        <p:nvSpPr>
+          <p:cNvPr id="54" name="Sun 53">
+            <a:extLst>
+              <a:ext uri="{FF2B5EF4-FFF2-40B4-BE49-F238E27FC236}">
+                <a16:creationId xmlns:a16="http://schemas.microsoft.com/office/drawing/2014/main" id="{B82C9F7F-2C8D-480C-9710-080157A2F334}"/>
+              </a:ext>
+            </a:extLst>
+          </p:cNvPr>
+          <p:cNvSpPr/>
+          <p:nvPr/>
+        </p:nvSpPr>
+        <p:spPr>
+          <a:xfrm>
+            <a:off x="4601182" y="5043224"/>
+            <a:ext cx="588460" cy="586225"/>
+          </a:xfrm>
+          <a:prstGeom prst="sun">
+            <a:avLst/>
+          </a:prstGeom>
+          <a:noFill/>
+          <a:ln w="38100">
+            <a:solidFill>
+              <a:schemeClr val="tx1"/>
+            </a:solidFill>
+          </a:ln>
+        </p:spPr>
+        <p:style>
+          <a:lnRef idx="2">
+            <a:schemeClr val="accent1">
+              <a:shade val="50000"/>
+            </a:schemeClr>
+          </a:lnRef>
+          <a:fillRef idx="1">
+            <a:schemeClr val="accent1"/>
+          </a:fillRef>
+          <a:effectRef idx="0">
+            <a:schemeClr val="accent1"/>
+          </a:effectRef>
+          <a:fontRef idx="minor">
+            <a:schemeClr val="lt1"/>
+          </a:fontRef>
+        </p:style>
+        <p:txBody>
+          <a:bodyPr rtlCol="0" anchor="ctr"/>
+          <a:lstStyle/>
+          <a:p>
+            <a:pPr algn="ctr"/>
+            <a:endParaRPr lang="en-AU"/>
+          </a:p>
+        </p:txBody>
+      </p:sp>
+      <p:sp>
+        <p:nvSpPr>
+          <p:cNvPr id="55" name="Rectangle 54">
+            <a:extLst>
+              <a:ext uri="{FF2B5EF4-FFF2-40B4-BE49-F238E27FC236}">
+                <a16:creationId xmlns:a16="http://schemas.microsoft.com/office/drawing/2014/main" id="{4058BBCE-E8F6-4E81-9D59-A73AFB2E058F}"/>
+              </a:ext>
+            </a:extLst>
+          </p:cNvPr>
+          <p:cNvSpPr/>
+          <p:nvPr/>
+        </p:nvSpPr>
+        <p:spPr>
+          <a:xfrm>
+            <a:off x="4491505" y="5899647"/>
+            <a:ext cx="807814" cy="802203"/>
+          </a:xfrm>
+          <a:prstGeom prst="rect">
+            <a:avLst/>
+          </a:prstGeom>
+          <a:noFill/>
+          <a:ln w="0"/>
+        </p:spPr>
+        <p:style>
+          <a:lnRef idx="2">
+            <a:schemeClr val="accent1">
+              <a:shade val="50000"/>
+            </a:schemeClr>
+          </a:lnRef>
+          <a:fillRef idx="1">
+            <a:schemeClr val="accent1"/>
+          </a:fillRef>
+          <a:effectRef idx="0">
+            <a:schemeClr val="accent1"/>
+          </a:effectRef>
+          <a:fontRef idx="minor">
+            <a:schemeClr val="lt1"/>
+          </a:fontRef>
+        </p:style>
+        <p:txBody>
+          <a:bodyPr rtlCol="0" anchor="ctr"/>
+          <a:lstStyle/>
+          <a:p>
+            <a:pPr algn="ctr"/>
+            <a:endParaRPr lang="en-AU"/>
+          </a:p>
+        </p:txBody>
+      </p:sp>
+      <p:sp>
+        <p:nvSpPr>
+          <p:cNvPr id="56" name="Sun 55">
+            <a:extLst>
+              <a:ext uri="{FF2B5EF4-FFF2-40B4-BE49-F238E27FC236}">
+                <a16:creationId xmlns:a16="http://schemas.microsoft.com/office/drawing/2014/main" id="{76A92B9D-3814-4F66-973C-08D9F113AF10}"/>
+              </a:ext>
+            </a:extLst>
+          </p:cNvPr>
+          <p:cNvSpPr/>
+          <p:nvPr/>
+        </p:nvSpPr>
+        <p:spPr>
+          <a:xfrm>
+            <a:off x="4601182" y="5992217"/>
+            <a:ext cx="588460" cy="586225"/>
+          </a:xfrm>
+          <a:prstGeom prst="sun">
+            <a:avLst/>
+          </a:prstGeom>
+          <a:solidFill>
+            <a:schemeClr val="tx1"/>
+          </a:solidFill>
+          <a:ln w="38100">
+            <a:solidFill>
+              <a:schemeClr val="tx1"/>
+            </a:solidFill>
+          </a:ln>
+        </p:spPr>
+        <p:style>
+          <a:lnRef idx="2">
+            <a:schemeClr val="accent1">
+              <a:shade val="50000"/>
+            </a:schemeClr>
+          </a:lnRef>
+          <a:fillRef idx="1">
+            <a:schemeClr val="accent1"/>
+          </a:fillRef>
+          <a:effectRef idx="0">
+            <a:schemeClr val="accent1"/>
+          </a:effectRef>
+          <a:fontRef idx="minor">
+            <a:schemeClr val="lt1"/>
+          </a:fontRef>
+        </p:style>
+        <p:txBody>
+          <a:bodyPr rtlCol="0" anchor="ctr"/>
+          <a:lstStyle/>
+          <a:p>
+            <a:pPr algn="ctr"/>
+            <a:endParaRPr lang="en-AU"/>
+          </a:p>
+        </p:txBody>
+      </p:sp>
+      <p:sp>
+        <p:nvSpPr>
+          <p:cNvPr id="57" name="Rectangle 56">
+            <a:extLst>
+              <a:ext uri="{FF2B5EF4-FFF2-40B4-BE49-F238E27FC236}">
+                <a16:creationId xmlns:a16="http://schemas.microsoft.com/office/drawing/2014/main" id="{A0433BC2-FF1F-4186-9BA8-59FD0E8DADF1}"/>
+              </a:ext>
+            </a:extLst>
+          </p:cNvPr>
+          <p:cNvSpPr/>
+          <p:nvPr/>
+        </p:nvSpPr>
+        <p:spPr>
+          <a:xfrm>
+            <a:off x="3558581" y="5899647"/>
+            <a:ext cx="807814" cy="802203"/>
+          </a:xfrm>
+          <a:prstGeom prst="rect">
+            <a:avLst/>
+          </a:prstGeom>
+          <a:noFill/>
+          <a:ln w="0"/>
+        </p:spPr>
+        <p:style>
+          <a:lnRef idx="2">
+            <a:schemeClr val="accent1">
+              <a:shade val="50000"/>
+            </a:schemeClr>
+          </a:lnRef>
+          <a:fillRef idx="1">
+            <a:schemeClr val="accent1"/>
+          </a:fillRef>
+          <a:effectRef idx="0">
+            <a:schemeClr val="accent1"/>
+          </a:effectRef>
+          <a:fontRef idx="minor">
+            <a:schemeClr val="lt1"/>
+          </a:fontRef>
+        </p:style>
+        <p:txBody>
+          <a:bodyPr rtlCol="0" anchor="ctr"/>
+          <a:lstStyle/>
+          <a:p>
+            <a:pPr algn="ctr"/>
+            <a:endParaRPr lang="en-AU"/>
+          </a:p>
+        </p:txBody>
+      </p:sp>
+      <p:grpSp>
+        <p:nvGrpSpPr>
+          <p:cNvPr id="58" name="Group 57">
+            <a:extLst>
+              <a:ext uri="{FF2B5EF4-FFF2-40B4-BE49-F238E27FC236}">
+                <a16:creationId xmlns:a16="http://schemas.microsoft.com/office/drawing/2014/main" id="{046186EB-7CC6-4DC2-87AE-887B8D646995}"/>
+              </a:ext>
+            </a:extLst>
+          </p:cNvPr>
+          <p:cNvGrpSpPr/>
+          <p:nvPr/>
+        </p:nvGrpSpPr>
+        <p:grpSpPr>
+          <a:xfrm>
+            <a:off x="3685649" y="5965098"/>
+            <a:ext cx="578746" cy="664764"/>
+            <a:chOff x="3685649" y="5965098"/>
+            <a:chExt cx="578746" cy="664764"/>
+          </a:xfrm>
+        </p:grpSpPr>
+        <p:cxnSp>
+          <p:nvCxnSpPr>
+            <p:cNvPr id="59" name="Straight Connector 58">
+              <a:extLst>
+                <a:ext uri="{FF2B5EF4-FFF2-40B4-BE49-F238E27FC236}">
+                  <a16:creationId xmlns:a16="http://schemas.microsoft.com/office/drawing/2014/main" id="{E1AB67F5-8F1B-4F3B-8394-0080224F8DED}"/>
+                </a:ext>
+              </a:extLst>
+            </p:cNvPr>
+            <p:cNvCxnSpPr/>
+            <p:nvPr/>
+          </p:nvCxnSpPr>
+          <p:spPr>
+            <a:xfrm>
+              <a:off x="4226996" y="5965098"/>
+              <a:ext cx="0" cy="664764"/>
+            </a:xfrm>
+            <a:prstGeom prst="line">
+              <a:avLst/>
+            </a:prstGeom>
+            <a:ln w="76200">
+              <a:solidFill>
+                <a:schemeClr val="tx1"/>
+              </a:solidFill>
+            </a:ln>
+          </p:spPr>
+          <p:style>
+            <a:lnRef idx="1">
+              <a:schemeClr val="accent1"/>
+            </a:lnRef>
+            <a:fillRef idx="0">
+              <a:schemeClr val="accent1"/>
+            </a:fillRef>
+            <a:effectRef idx="0">
+              <a:schemeClr val="accent1"/>
+            </a:effectRef>
+            <a:fontRef idx="minor">
+              <a:schemeClr val="tx1"/>
+            </a:fontRef>
+          </p:style>
+        </p:cxnSp>
+        <p:cxnSp>
+          <p:nvCxnSpPr>
+            <p:cNvPr id="60" name="Straight Connector 59">
+              <a:extLst>
+                <a:ext uri="{FF2B5EF4-FFF2-40B4-BE49-F238E27FC236}">
+                  <a16:creationId xmlns:a16="http://schemas.microsoft.com/office/drawing/2014/main" id="{EF65EE34-A1DE-4D70-A0E3-CF960D4B440B}"/>
+                </a:ext>
+              </a:extLst>
+            </p:cNvPr>
+            <p:cNvCxnSpPr>
+              <a:cxnSpLocks/>
+            </p:cNvCxnSpPr>
+            <p:nvPr/>
+          </p:nvCxnSpPr>
+          <p:spPr>
+            <a:xfrm flipH="1">
+              <a:off x="3685649" y="5992217"/>
+              <a:ext cx="578746" cy="0"/>
+            </a:xfrm>
+            <a:prstGeom prst="line">
+              <a:avLst/>
+            </a:prstGeom>
+            <a:ln w="76200">
+              <a:solidFill>
+                <a:schemeClr val="tx1"/>
+              </a:solidFill>
+            </a:ln>
+          </p:spPr>
+          <p:style>
+            <a:lnRef idx="1">
+              <a:schemeClr val="accent1"/>
+            </a:lnRef>
+            <a:fillRef idx="0">
+              <a:schemeClr val="accent1"/>
+            </a:fillRef>
+            <a:effectRef idx="0">
+              <a:schemeClr val="accent1"/>
+            </a:effectRef>
+            <a:fontRef idx="minor">
+              <a:schemeClr val="tx1"/>
+            </a:fontRef>
+          </p:style>
+        </p:cxnSp>
+        <p:sp>
+          <p:nvSpPr>
+            <p:cNvPr id="61" name="Arrow: Bent 60">
+              <a:extLst>
+                <a:ext uri="{FF2B5EF4-FFF2-40B4-BE49-F238E27FC236}">
+                  <a16:creationId xmlns:a16="http://schemas.microsoft.com/office/drawing/2014/main" id="{3370A5D7-024B-4213-A569-210102448C89}"/>
+                </a:ext>
+              </a:extLst>
+            </p:cNvPr>
+            <p:cNvSpPr/>
+            <p:nvPr/>
+          </p:nvSpPr>
+          <p:spPr>
+            <a:xfrm flipH="1">
+              <a:off x="3705283" y="6111896"/>
+              <a:ext cx="412306" cy="460004"/>
+            </a:xfrm>
+            <a:prstGeom prst="bentArrow">
+              <a:avLst/>
+            </a:prstGeom>
+            <a:noFill/>
+            <a:ln w="38100">
+              <a:solidFill>
+                <a:schemeClr val="tx1"/>
+              </a:solidFill>
+            </a:ln>
+          </p:spPr>
+          <p:style>
+            <a:lnRef idx="2">
+              <a:schemeClr val="accent1">
+                <a:shade val="50000"/>
+              </a:schemeClr>
+            </a:lnRef>
+            <a:fillRef idx="1">
+              <a:schemeClr val="accent1"/>
+            </a:fillRef>
+            <a:effectRef idx="0">
+              <a:schemeClr val="accent1"/>
+            </a:effectRef>
+            <a:fontRef idx="minor">
+              <a:schemeClr val="lt1"/>
+            </a:fontRef>
+          </p:style>
+          <p:txBody>
+            <a:bodyPr rtlCol="0" anchor="ctr"/>
+            <a:lstStyle/>
+            <a:p>
+              <a:pPr algn="ctr"/>
+              <a:endParaRPr lang="en-AU">
+                <a:solidFill>
+                  <a:schemeClr val="tx1"/>
+                </a:solidFill>
+              </a:endParaRPr>
+            </a:p>
+          </p:txBody>
+        </p:sp>
+      </p:grpSp>
+      <p:grpSp>
+        <p:nvGrpSpPr>
+          <p:cNvPr id="62" name="Group 61">
+            <a:extLst>
+              <a:ext uri="{FF2B5EF4-FFF2-40B4-BE49-F238E27FC236}">
+                <a16:creationId xmlns:a16="http://schemas.microsoft.com/office/drawing/2014/main" id="{1EC267DD-4223-4F6C-A1A2-A983BDB10C22}"/>
+              </a:ext>
+            </a:extLst>
+          </p:cNvPr>
+          <p:cNvGrpSpPr/>
+          <p:nvPr/>
+        </p:nvGrpSpPr>
+        <p:grpSpPr>
+          <a:xfrm>
+            <a:off x="3663323" y="5015175"/>
+            <a:ext cx="563673" cy="664764"/>
+            <a:chOff x="3663323" y="5015175"/>
+            <a:chExt cx="563673" cy="664764"/>
+          </a:xfrm>
+        </p:grpSpPr>
+        <p:cxnSp>
+          <p:nvCxnSpPr>
+            <p:cNvPr id="63" name="Straight Connector 62">
+              <a:extLst>
+                <a:ext uri="{FF2B5EF4-FFF2-40B4-BE49-F238E27FC236}">
+                  <a16:creationId xmlns:a16="http://schemas.microsoft.com/office/drawing/2014/main" id="{AC683313-04E5-4E9A-9C35-1C622AD74599}"/>
+                </a:ext>
+              </a:extLst>
+            </p:cNvPr>
+            <p:cNvCxnSpPr/>
+            <p:nvPr/>
+          </p:nvCxnSpPr>
+          <p:spPr>
+            <a:xfrm>
+              <a:off x="4226996" y="5015175"/>
+              <a:ext cx="0" cy="664764"/>
+            </a:xfrm>
+            <a:prstGeom prst="line">
+              <a:avLst/>
+            </a:prstGeom>
+            <a:ln w="76200">
+              <a:solidFill>
+                <a:schemeClr val="tx1"/>
+              </a:solidFill>
+            </a:ln>
+          </p:spPr>
+          <p:style>
+            <a:lnRef idx="1">
+              <a:schemeClr val="accent1"/>
+            </a:lnRef>
+            <a:fillRef idx="0">
+              <a:schemeClr val="accent1"/>
+            </a:fillRef>
+            <a:effectRef idx="0">
+              <a:schemeClr val="accent1"/>
+            </a:effectRef>
+            <a:fontRef idx="minor">
+              <a:schemeClr val="tx1"/>
+            </a:fontRef>
+          </p:style>
+        </p:cxnSp>
+        <p:sp>
+          <p:nvSpPr>
+            <p:cNvPr id="64" name="Arrow: U-Turn 63">
+              <a:extLst>
+                <a:ext uri="{FF2B5EF4-FFF2-40B4-BE49-F238E27FC236}">
+                  <a16:creationId xmlns:a16="http://schemas.microsoft.com/office/drawing/2014/main" id="{386C0863-D330-47B9-A7EB-D17EC2C28039}"/>
+                </a:ext>
+              </a:extLst>
+            </p:cNvPr>
+            <p:cNvSpPr/>
+            <p:nvPr/>
+          </p:nvSpPr>
+          <p:spPr>
+            <a:xfrm rot="5400000">
+              <a:off x="3708743" y="5123269"/>
+              <a:ext cx="382304" cy="473144"/>
+            </a:xfrm>
+            <a:prstGeom prst="uturnArrow">
+              <a:avLst/>
+            </a:prstGeom>
+            <a:noFill/>
+            <a:ln w="38100">
+              <a:solidFill>
+                <a:schemeClr val="tx1"/>
+              </a:solidFill>
+            </a:ln>
+          </p:spPr>
+          <p:style>
+            <a:lnRef idx="2">
+              <a:schemeClr val="accent1">
+                <a:shade val="50000"/>
+              </a:schemeClr>
+            </a:lnRef>
+            <a:fillRef idx="1">
+              <a:schemeClr val="accent1"/>
+            </a:fillRef>
+            <a:effectRef idx="0">
+              <a:schemeClr val="accent1"/>
+            </a:effectRef>
+            <a:fontRef idx="minor">
+              <a:schemeClr val="lt1"/>
+            </a:fontRef>
+          </p:style>
+          <p:txBody>
+            <a:bodyPr rtlCol="0" anchor="ctr"/>
+            <a:lstStyle/>
+            <a:p>
+              <a:pPr algn="ctr"/>
+              <a:endParaRPr lang="en-AU">
+                <a:solidFill>
+                  <a:schemeClr val="tx1"/>
+                </a:solidFill>
+              </a:endParaRPr>
+            </a:p>
+          </p:txBody>
+        </p:sp>
+      </p:grpSp>
+      <p:sp>
+        <p:nvSpPr>
+          <p:cNvPr id="65" name="Rectangle 64">
+            <a:extLst>
+              <a:ext uri="{FF2B5EF4-FFF2-40B4-BE49-F238E27FC236}">
+                <a16:creationId xmlns:a16="http://schemas.microsoft.com/office/drawing/2014/main" id="{89FA7FE5-EEB1-41AF-BFB9-FD82B145260D}"/>
+              </a:ext>
+            </a:extLst>
+          </p:cNvPr>
+          <p:cNvSpPr/>
+          <p:nvPr/>
+        </p:nvSpPr>
+        <p:spPr>
+          <a:xfrm>
+            <a:off x="2625600" y="5904000"/>
+            <a:ext cx="807814" cy="802203"/>
+          </a:xfrm>
+          <a:prstGeom prst="rect">
+            <a:avLst/>
+          </a:prstGeom>
+          <a:noFill/>
+          <a:ln w="0"/>
+        </p:spPr>
+        <p:style>
+          <a:lnRef idx="2">
+            <a:schemeClr val="accent1">
+              <a:shade val="50000"/>
+            </a:schemeClr>
+          </a:lnRef>
+          <a:fillRef idx="1">
+            <a:schemeClr val="accent1"/>
+          </a:fillRef>
+          <a:effectRef idx="0">
+            <a:schemeClr val="accent1"/>
+          </a:effectRef>
+          <a:fontRef idx="minor">
+            <a:schemeClr val="lt1"/>
+          </a:fontRef>
+        </p:style>
+        <p:txBody>
+          <a:bodyPr rtlCol="0" anchor="ctr"/>
+          <a:lstStyle/>
+          <a:p>
+            <a:pPr algn="ctr"/>
+            <a:endParaRPr lang="en-AU"/>
+          </a:p>
+        </p:txBody>
+      </p:sp>
+      <p:sp>
+        <p:nvSpPr>
+          <p:cNvPr id="67" name="Arrow: Quad 66">
+            <a:extLst>
+              <a:ext uri="{FF2B5EF4-FFF2-40B4-BE49-F238E27FC236}">
+                <a16:creationId xmlns:a16="http://schemas.microsoft.com/office/drawing/2014/main" id="{645724AF-9FCE-4D2A-AA85-A294C0C42C0C}"/>
+              </a:ext>
+            </a:extLst>
+          </p:cNvPr>
+          <p:cNvSpPr/>
+          <p:nvPr/>
+        </p:nvSpPr>
+        <p:spPr>
+          <a:xfrm>
+            <a:off x="2724652" y="5978657"/>
+            <a:ext cx="617195" cy="637645"/>
+          </a:xfrm>
+          <a:prstGeom prst="quadArrow">
+            <a:avLst>
+              <a:gd name="adj1" fmla="val 13157"/>
+              <a:gd name="adj2" fmla="val 15826"/>
+              <a:gd name="adj3" fmla="val 22500"/>
+            </a:avLst>
+          </a:prstGeom>
+          <a:noFill/>
+          <a:ln w="38100">
+            <a:solidFill>
+              <a:schemeClr val="tx1"/>
+            </a:solidFill>
+          </a:ln>
+        </p:spPr>
+        <p:style>
+          <a:lnRef idx="2">
+            <a:schemeClr val="accent1">
+              <a:shade val="50000"/>
+            </a:schemeClr>
+          </a:lnRef>
+          <a:fillRef idx="1">
+            <a:schemeClr val="accent1"/>
+          </a:fillRef>
+          <a:effectRef idx="0">
+            <a:schemeClr val="accent1"/>
+          </a:effectRef>
+          <a:fontRef idx="minor">
+            <a:schemeClr val="lt1"/>
+          </a:fontRef>
+        </p:style>
+        <p:txBody>
+          <a:bodyPr rtlCol="0" anchor="ctr"/>
+          <a:lstStyle/>
+          <a:p>
+            <a:pPr algn="ctr"/>
+            <a:endParaRPr lang="en-AU"/>
+          </a:p>
+        </p:txBody>
+      </p:sp>
+    </p:spTree>
+    <p:extLst>
+      <p:ext uri="{BB962C8B-B14F-4D97-AF65-F5344CB8AC3E}">
+        <p14:creationId xmlns:p14="http://schemas.microsoft.com/office/powerpoint/2010/main" val="2231724373"/>
+      </p:ext>
+    </p:extLst>
+  </p:cSld>
+  <p:clrMapOvr>
+    <a:masterClrMapping/>
+  </p:clrMapOvr>
+</p:sld>
+</file>
+
+<file path=ppt/slides/slide4.xml><?xml version="1.0" encoding="utf-8"?>
+<p:sld xmlns:a="http://schemas.openxmlformats.org/drawingml/2006/main" xmlns:r="http://schemas.openxmlformats.org/officeDocument/2006/relationships" xmlns:p="http://schemas.openxmlformats.org/presentationml/2006/main">
+  <p:cSld>
+    <p:spTree>
+      <p:nvGrpSpPr>
+        <p:cNvPr id="1" name=""/>
+        <p:cNvGrpSpPr/>
+        <p:nvPr/>
+      </p:nvGrpSpPr>
+      <p:grpSpPr>
+        <a:xfrm>
+          <a:off x="0" y="0"/>
+          <a:ext cx="0" cy="0"/>
+          <a:chOff x="0" y="0"/>
+          <a:chExt cx="0" cy="0"/>
+        </a:xfrm>
+      </p:grpSpPr>
+      <p:cxnSp>
+        <p:nvCxnSpPr>
+          <p:cNvPr id="91" name="Straight Connector 90">
+            <a:extLst>
+              <a:ext uri="{FF2B5EF4-FFF2-40B4-BE49-F238E27FC236}">
+                <a16:creationId xmlns:a16="http://schemas.microsoft.com/office/drawing/2014/main" id="{55162BFF-59D5-486D-9BB1-D1C6A4191AF6}"/>
+              </a:ext>
+            </a:extLst>
+          </p:cNvPr>
+          <p:cNvCxnSpPr>
+            <a:cxnSpLocks/>
+          </p:cNvCxnSpPr>
+          <p:nvPr/>
+        </p:nvCxnSpPr>
+        <p:spPr>
+          <a:xfrm>
+            <a:off x="4041098" y="616744"/>
+            <a:ext cx="0" cy="340160"/>
+          </a:xfrm>
+          <a:prstGeom prst="line">
+            <a:avLst/>
+          </a:prstGeom>
+          <a:ln>
+            <a:solidFill>
+              <a:srgbClr val="FF0000"/>
+            </a:solidFill>
+          </a:ln>
+        </p:spPr>
+        <p:style>
+          <a:lnRef idx="3">
+            <a:schemeClr val="dk1"/>
+          </a:lnRef>
+          <a:fillRef idx="0">
+            <a:schemeClr val="dk1"/>
+          </a:fillRef>
+          <a:effectRef idx="2">
+            <a:schemeClr val="dk1"/>
+          </a:effectRef>
+          <a:fontRef idx="minor">
+            <a:schemeClr val="tx1"/>
+          </a:fontRef>
+        </p:style>
+      </p:cxnSp>
+      <p:cxnSp>
+        <p:nvCxnSpPr>
+          <p:cNvPr id="76" name="Straight Connector 75">
+            <a:extLst>
+              <a:ext uri="{FF2B5EF4-FFF2-40B4-BE49-F238E27FC236}">
+                <a16:creationId xmlns:a16="http://schemas.microsoft.com/office/drawing/2014/main" id="{AEC65C2A-4516-4D76-AC04-9A2DAEAEEC36}"/>
+              </a:ext>
+            </a:extLst>
+          </p:cNvPr>
+          <p:cNvCxnSpPr>
+            <a:cxnSpLocks/>
+          </p:cNvCxnSpPr>
+          <p:nvPr/>
+        </p:nvCxnSpPr>
+        <p:spPr>
+          <a:xfrm>
+            <a:off x="2557736" y="1420789"/>
+            <a:ext cx="0" cy="216485"/>
+          </a:xfrm>
+          <a:prstGeom prst="line">
+            <a:avLst/>
+          </a:prstGeom>
+          <a:ln>
+            <a:solidFill>
+              <a:srgbClr val="FF0000"/>
+            </a:solidFill>
+          </a:ln>
+        </p:spPr>
+        <p:style>
+          <a:lnRef idx="3">
+            <a:schemeClr val="dk1"/>
+          </a:lnRef>
+          <a:fillRef idx="0">
+            <a:schemeClr val="dk1"/>
+          </a:fillRef>
+          <a:effectRef idx="2">
+            <a:schemeClr val="dk1"/>
+          </a:effectRef>
+          <a:fontRef idx="minor">
+            <a:schemeClr val="tx1"/>
+          </a:fontRef>
+        </p:style>
+      </p:cxnSp>
+      <p:cxnSp>
+        <p:nvCxnSpPr>
+          <p:cNvPr id="22" name="Straight Connector 21">
+            <a:extLst>
+              <a:ext uri="{FF2B5EF4-FFF2-40B4-BE49-F238E27FC236}">
+                <a16:creationId xmlns:a16="http://schemas.microsoft.com/office/drawing/2014/main" id="{1D869BB9-9306-4C5C-8C05-C7B34C43EFA5}"/>
+              </a:ext>
+            </a:extLst>
+          </p:cNvPr>
+          <p:cNvCxnSpPr>
+            <a:cxnSpLocks/>
+          </p:cNvCxnSpPr>
+          <p:nvPr/>
+        </p:nvCxnSpPr>
+        <p:spPr>
+          <a:xfrm>
+            <a:off x="2643720" y="748925"/>
+            <a:ext cx="0" cy="208877"/>
+          </a:xfrm>
+          <a:prstGeom prst="line">
+            <a:avLst/>
+          </a:prstGeom>
+        </p:spPr>
+        <p:style>
+          <a:lnRef idx="3">
+            <a:schemeClr val="dk1"/>
+          </a:lnRef>
+          <a:fillRef idx="0">
+            <a:schemeClr val="dk1"/>
+          </a:fillRef>
+          <a:effectRef idx="2">
+            <a:schemeClr val="dk1"/>
+          </a:effectRef>
+          <a:fontRef idx="minor">
+            <a:schemeClr val="tx1"/>
+          </a:fontRef>
+        </p:style>
+      </p:cxnSp>
+      <p:cxnSp>
+        <p:nvCxnSpPr>
+          <p:cNvPr id="23" name="Straight Connector 22">
+            <a:extLst>
+              <a:ext uri="{FF2B5EF4-FFF2-40B4-BE49-F238E27FC236}">
+                <a16:creationId xmlns:a16="http://schemas.microsoft.com/office/drawing/2014/main" id="{F0D976F0-7AC4-426E-B969-480775A5462D}"/>
+              </a:ext>
+            </a:extLst>
+          </p:cNvPr>
+          <p:cNvCxnSpPr>
+            <a:cxnSpLocks/>
+          </p:cNvCxnSpPr>
+          <p:nvPr/>
+        </p:nvCxnSpPr>
+        <p:spPr>
+          <a:xfrm>
+            <a:off x="4187950" y="748925"/>
+            <a:ext cx="0" cy="208877"/>
+          </a:xfrm>
+          <a:prstGeom prst="line">
+            <a:avLst/>
+          </a:prstGeom>
+        </p:spPr>
+        <p:style>
+          <a:lnRef idx="3">
+            <a:schemeClr val="dk1"/>
+          </a:lnRef>
+          <a:fillRef idx="0">
+            <a:schemeClr val="dk1"/>
+          </a:fillRef>
+          <a:effectRef idx="2">
+            <a:schemeClr val="dk1"/>
+          </a:effectRef>
+          <a:fontRef idx="minor">
+            <a:schemeClr val="tx1"/>
+          </a:fontRef>
+        </p:style>
+      </p:cxnSp>
+      <p:cxnSp>
+        <p:nvCxnSpPr>
+          <p:cNvPr id="67" name="Straight Connector 66">
+            <a:extLst>
+              <a:ext uri="{FF2B5EF4-FFF2-40B4-BE49-F238E27FC236}">
+                <a16:creationId xmlns:a16="http://schemas.microsoft.com/office/drawing/2014/main" id="{9921233A-4009-449F-8A46-283F2EBCDA6B}"/>
+              </a:ext>
+            </a:extLst>
+          </p:cNvPr>
+          <p:cNvCxnSpPr>
+            <a:cxnSpLocks/>
+          </p:cNvCxnSpPr>
+          <p:nvPr/>
+        </p:nvCxnSpPr>
+        <p:spPr>
+          <a:xfrm>
+            <a:off x="2643720" y="1420789"/>
+            <a:ext cx="0" cy="322733"/>
+          </a:xfrm>
+          <a:prstGeom prst="line">
+            <a:avLst/>
+          </a:prstGeom>
+        </p:spPr>
+        <p:style>
+          <a:lnRef idx="3">
+            <a:schemeClr val="dk1"/>
+          </a:lnRef>
+          <a:fillRef idx="0">
+            <a:schemeClr val="dk1"/>
+          </a:fillRef>
+          <a:effectRef idx="2">
+            <a:schemeClr val="dk1"/>
+          </a:effectRef>
+          <a:fontRef idx="minor">
+            <a:schemeClr val="tx1"/>
+          </a:fontRef>
+        </p:style>
+      </p:cxnSp>
+      <p:cxnSp>
+        <p:nvCxnSpPr>
+          <p:cNvPr id="26" name="Straight Connector 25">
+            <a:extLst>
+              <a:ext uri="{FF2B5EF4-FFF2-40B4-BE49-F238E27FC236}">
+                <a16:creationId xmlns:a16="http://schemas.microsoft.com/office/drawing/2014/main" id="{5D0B3AA3-50AC-4666-895F-8C949DECD473}"/>
+              </a:ext>
+            </a:extLst>
+          </p:cNvPr>
+          <p:cNvCxnSpPr>
+            <a:cxnSpLocks/>
+          </p:cNvCxnSpPr>
+          <p:nvPr/>
+        </p:nvCxnSpPr>
+        <p:spPr>
+          <a:xfrm>
+            <a:off x="2284972" y="1743522"/>
+            <a:ext cx="0" cy="249987"/>
+          </a:xfrm>
+          <a:prstGeom prst="line">
+            <a:avLst/>
+          </a:prstGeom>
+        </p:spPr>
+        <p:style>
+          <a:lnRef idx="3">
+            <a:schemeClr val="dk1"/>
+          </a:lnRef>
+          <a:fillRef idx="0">
+            <a:schemeClr val="dk1"/>
+          </a:fillRef>
+          <a:effectRef idx="2">
+            <a:schemeClr val="dk1"/>
+          </a:effectRef>
+          <a:fontRef idx="minor">
+            <a:schemeClr val="tx1"/>
+          </a:fontRef>
+        </p:style>
+      </p:cxnSp>
+      <p:cxnSp>
+        <p:nvCxnSpPr>
+          <p:cNvPr id="25" name="Straight Connector 24">
+            <a:extLst>
+              <a:ext uri="{FF2B5EF4-FFF2-40B4-BE49-F238E27FC236}">
+                <a16:creationId xmlns:a16="http://schemas.microsoft.com/office/drawing/2014/main" id="{AD15AE81-380E-4A99-9549-292135DCDFD2}"/>
+              </a:ext>
+            </a:extLst>
+          </p:cNvPr>
+          <p:cNvCxnSpPr>
+            <a:cxnSpLocks/>
+          </p:cNvCxnSpPr>
+          <p:nvPr/>
+        </p:nvCxnSpPr>
+        <p:spPr>
+          <a:xfrm>
+            <a:off x="3096501" y="1733074"/>
+            <a:ext cx="0" cy="251983"/>
+          </a:xfrm>
+          <a:prstGeom prst="line">
+            <a:avLst/>
+          </a:prstGeom>
+        </p:spPr>
+        <p:style>
+          <a:lnRef idx="3">
+            <a:schemeClr val="dk1"/>
+          </a:lnRef>
+          <a:fillRef idx="0">
+            <a:schemeClr val="dk1"/>
+          </a:fillRef>
+          <a:effectRef idx="2">
+            <a:schemeClr val="dk1"/>
+          </a:effectRef>
+          <a:fontRef idx="minor">
+            <a:schemeClr val="tx1"/>
+          </a:fontRef>
+        </p:style>
+      </p:cxnSp>
+      <p:cxnSp>
+        <p:nvCxnSpPr>
+          <p:cNvPr id="66" name="Straight Connector 65">
+            <a:extLst>
+              <a:ext uri="{FF2B5EF4-FFF2-40B4-BE49-F238E27FC236}">
+                <a16:creationId xmlns:a16="http://schemas.microsoft.com/office/drawing/2014/main" id="{D64428DA-6AA1-4364-B38A-FD8BDDB70F56}"/>
+              </a:ext>
+            </a:extLst>
+          </p:cNvPr>
+          <p:cNvCxnSpPr>
+            <a:cxnSpLocks/>
+          </p:cNvCxnSpPr>
+          <p:nvPr/>
+        </p:nvCxnSpPr>
+        <p:spPr>
+          <a:xfrm>
+            <a:off x="3962273" y="1420789"/>
+            <a:ext cx="0" cy="572719"/>
+          </a:xfrm>
+          <a:prstGeom prst="line">
+            <a:avLst/>
+          </a:prstGeom>
+          <a:ln>
+            <a:solidFill>
+              <a:srgbClr val="FF0000"/>
+            </a:solidFill>
+          </a:ln>
+        </p:spPr>
+        <p:style>
+          <a:lnRef idx="3">
+            <a:schemeClr val="dk1"/>
+          </a:lnRef>
+          <a:fillRef idx="0">
+            <a:schemeClr val="dk1"/>
+          </a:fillRef>
+          <a:effectRef idx="2">
+            <a:schemeClr val="dk1"/>
+          </a:effectRef>
+          <a:fontRef idx="minor">
+            <a:schemeClr val="tx1"/>
+          </a:fontRef>
+        </p:style>
+      </p:cxnSp>
+      <p:cxnSp>
+        <p:nvCxnSpPr>
+          <p:cNvPr id="63" name="Straight Connector 62">
+            <a:extLst>
+              <a:ext uri="{FF2B5EF4-FFF2-40B4-BE49-F238E27FC236}">
+                <a16:creationId xmlns:a16="http://schemas.microsoft.com/office/drawing/2014/main" id="{A619A18B-1735-400C-BCF0-A1928CD214F0}"/>
+              </a:ext>
+            </a:extLst>
+          </p:cNvPr>
+          <p:cNvCxnSpPr>
+            <a:cxnSpLocks/>
+          </p:cNvCxnSpPr>
+          <p:nvPr/>
+        </p:nvCxnSpPr>
+        <p:spPr>
+          <a:xfrm>
+            <a:off x="4201589" y="1420789"/>
+            <a:ext cx="0" cy="441263"/>
+          </a:xfrm>
+          <a:prstGeom prst="line">
+            <a:avLst/>
+          </a:prstGeom>
+          <a:ln>
+            <a:solidFill>
+              <a:srgbClr val="FF0000"/>
+            </a:solidFill>
+          </a:ln>
+        </p:spPr>
+        <p:style>
+          <a:lnRef idx="3">
+            <a:schemeClr val="dk1"/>
+          </a:lnRef>
+          <a:fillRef idx="0">
+            <a:schemeClr val="dk1"/>
+          </a:fillRef>
+          <a:effectRef idx="2">
+            <a:schemeClr val="dk1"/>
+          </a:effectRef>
+          <a:fontRef idx="minor">
+            <a:schemeClr val="tx1"/>
+          </a:fontRef>
+        </p:style>
+      </p:cxnSp>
+      <p:cxnSp>
+        <p:nvCxnSpPr>
+          <p:cNvPr id="32" name="Straight Connector 31">
+            <a:extLst>
+              <a:ext uri="{FF2B5EF4-FFF2-40B4-BE49-F238E27FC236}">
+                <a16:creationId xmlns:a16="http://schemas.microsoft.com/office/drawing/2014/main" id="{3B9AC2B9-E0D9-4660-96D9-938EE41200D6}"/>
+              </a:ext>
+            </a:extLst>
+          </p:cNvPr>
+          <p:cNvCxnSpPr>
+            <a:cxnSpLocks/>
+          </p:cNvCxnSpPr>
+          <p:nvPr/>
+        </p:nvCxnSpPr>
+        <p:spPr>
+          <a:xfrm>
+            <a:off x="4815467" y="2119744"/>
+            <a:ext cx="165587" cy="0"/>
+          </a:xfrm>
+          <a:prstGeom prst="line">
+            <a:avLst/>
+          </a:prstGeom>
+        </p:spPr>
+        <p:style>
+          <a:lnRef idx="3">
+            <a:schemeClr val="dk1"/>
+          </a:lnRef>
+          <a:fillRef idx="0">
+            <a:schemeClr val="dk1"/>
+          </a:fillRef>
+          <a:effectRef idx="2">
+            <a:schemeClr val="dk1"/>
+          </a:effectRef>
+          <a:fontRef idx="minor">
+            <a:schemeClr val="tx1"/>
+          </a:fontRef>
+        </p:style>
+      </p:cxnSp>
+      <p:cxnSp>
+        <p:nvCxnSpPr>
+          <p:cNvPr id="27" name="Straight Connector 26">
+            <a:extLst>
+              <a:ext uri="{FF2B5EF4-FFF2-40B4-BE49-F238E27FC236}">
+                <a16:creationId xmlns:a16="http://schemas.microsoft.com/office/drawing/2014/main" id="{961E42C0-DB72-4A3F-95D4-057355A6CD9F}"/>
+              </a:ext>
+            </a:extLst>
+          </p:cNvPr>
+          <p:cNvCxnSpPr>
+            <a:cxnSpLocks/>
+          </p:cNvCxnSpPr>
+          <p:nvPr/>
+        </p:nvCxnSpPr>
+        <p:spPr>
+          <a:xfrm>
+            <a:off x="4037583" y="1420790"/>
+            <a:ext cx="0" cy="572719"/>
+          </a:xfrm>
+          <a:prstGeom prst="line">
+            <a:avLst/>
+          </a:prstGeom>
+        </p:spPr>
+        <p:style>
+          <a:lnRef idx="3">
+            <a:schemeClr val="dk1"/>
+          </a:lnRef>
+          <a:fillRef idx="0">
+            <a:schemeClr val="dk1"/>
+          </a:fillRef>
+          <a:effectRef idx="2">
+            <a:schemeClr val="dk1"/>
+          </a:effectRef>
+          <a:fontRef idx="minor">
+            <a:schemeClr val="tx1"/>
+          </a:fontRef>
+        </p:style>
+      </p:cxnSp>
+      <p:cxnSp>
+        <p:nvCxnSpPr>
+          <p:cNvPr id="31" name="Straight Connector 30">
+            <a:extLst>
+              <a:ext uri="{FF2B5EF4-FFF2-40B4-BE49-F238E27FC236}">
+                <a16:creationId xmlns:a16="http://schemas.microsoft.com/office/drawing/2014/main" id="{421F06C0-FB3B-451F-8373-913A00CFB609}"/>
+              </a:ext>
+            </a:extLst>
+          </p:cNvPr>
+          <p:cNvCxnSpPr>
+            <a:cxnSpLocks/>
+          </p:cNvCxnSpPr>
+          <p:nvPr/>
+        </p:nvCxnSpPr>
+        <p:spPr>
+          <a:xfrm>
+            <a:off x="4807815" y="1575966"/>
+            <a:ext cx="173239" cy="0"/>
+          </a:xfrm>
+          <a:prstGeom prst="line">
+            <a:avLst/>
+          </a:prstGeom>
+        </p:spPr>
+        <p:style>
+          <a:lnRef idx="3">
+            <a:schemeClr val="dk1"/>
+          </a:lnRef>
+          <a:fillRef idx="0">
+            <a:schemeClr val="dk1"/>
+          </a:fillRef>
+          <a:effectRef idx="2">
+            <a:schemeClr val="dk1"/>
+          </a:effectRef>
+          <a:fontRef idx="minor">
+            <a:schemeClr val="tx1"/>
+          </a:fontRef>
+        </p:style>
+      </p:cxnSp>
+      <p:cxnSp>
+        <p:nvCxnSpPr>
+          <p:cNvPr id="36" name="Straight Connector 35">
+            <a:extLst>
+              <a:ext uri="{FF2B5EF4-FFF2-40B4-BE49-F238E27FC236}">
+                <a16:creationId xmlns:a16="http://schemas.microsoft.com/office/drawing/2014/main" id="{BE7234CA-9D6B-4392-A871-6CE95180F364}"/>
+              </a:ext>
+            </a:extLst>
+          </p:cNvPr>
+          <p:cNvCxnSpPr>
+            <a:cxnSpLocks/>
+            <a:stCxn id="4" idx="3"/>
+          </p:cNvCxnSpPr>
+          <p:nvPr/>
+        </p:nvCxnSpPr>
+        <p:spPr>
+          <a:xfrm>
+            <a:off x="4382706" y="1189296"/>
+            <a:ext cx="430229" cy="0"/>
+          </a:xfrm>
+          <a:prstGeom prst="line">
+            <a:avLst/>
+          </a:prstGeom>
+        </p:spPr>
+        <p:style>
+          <a:lnRef idx="3">
+            <a:schemeClr val="dk1"/>
+          </a:lnRef>
+          <a:fillRef idx="0">
+            <a:schemeClr val="dk1"/>
+          </a:fillRef>
+          <a:effectRef idx="2">
+            <a:schemeClr val="dk1"/>
+          </a:effectRef>
+          <a:fontRef idx="minor">
+            <a:schemeClr val="tx1"/>
+          </a:fontRef>
+        </p:style>
+      </p:cxnSp>
+      <p:cxnSp>
+        <p:nvCxnSpPr>
+          <p:cNvPr id="29" name="Straight Connector 28">
+            <a:extLst>
+              <a:ext uri="{FF2B5EF4-FFF2-40B4-BE49-F238E27FC236}">
+                <a16:creationId xmlns:a16="http://schemas.microsoft.com/office/drawing/2014/main" id="{7EA7231A-C81E-4A6A-9ECE-9EE2CC2F3084}"/>
+              </a:ext>
+            </a:extLst>
+          </p:cNvPr>
+          <p:cNvCxnSpPr>
+            <a:cxnSpLocks/>
+          </p:cNvCxnSpPr>
+          <p:nvPr/>
+        </p:nvCxnSpPr>
+        <p:spPr>
+          <a:xfrm>
+            <a:off x="4382706" y="1035746"/>
+            <a:ext cx="598348" cy="0"/>
+          </a:xfrm>
+          <a:prstGeom prst="line">
+            <a:avLst/>
+          </a:prstGeom>
+        </p:spPr>
+        <p:style>
+          <a:lnRef idx="3">
+            <a:schemeClr val="dk1"/>
+          </a:lnRef>
+          <a:fillRef idx="0">
+            <a:schemeClr val="dk1"/>
+          </a:fillRef>
+          <a:effectRef idx="2">
+            <a:schemeClr val="dk1"/>
+          </a:effectRef>
+          <a:fontRef idx="minor">
+            <a:schemeClr val="tx1"/>
+          </a:fontRef>
+        </p:style>
+      </p:cxnSp>
+      <p:cxnSp>
+        <p:nvCxnSpPr>
+          <p:cNvPr id="42" name="Straight Connector 41">
+            <a:extLst>
+              <a:ext uri="{FF2B5EF4-FFF2-40B4-BE49-F238E27FC236}">
+                <a16:creationId xmlns:a16="http://schemas.microsoft.com/office/drawing/2014/main" id="{78E64715-D357-44A9-A42D-4A6C9A62E22F}"/>
+              </a:ext>
+            </a:extLst>
+          </p:cNvPr>
+          <p:cNvCxnSpPr>
+            <a:cxnSpLocks/>
+          </p:cNvCxnSpPr>
+          <p:nvPr/>
+        </p:nvCxnSpPr>
+        <p:spPr>
+          <a:xfrm>
+            <a:off x="4382706" y="1088523"/>
+            <a:ext cx="598348" cy="0"/>
+          </a:xfrm>
+          <a:prstGeom prst="line">
+            <a:avLst/>
+          </a:prstGeom>
+          <a:ln>
+            <a:solidFill>
+              <a:srgbClr val="FF0000"/>
+            </a:solidFill>
+          </a:ln>
+        </p:spPr>
+        <p:style>
+          <a:lnRef idx="3">
+            <a:schemeClr val="dk1"/>
+          </a:lnRef>
+          <a:fillRef idx="0">
+            <a:schemeClr val="dk1"/>
+          </a:fillRef>
+          <a:effectRef idx="2">
+            <a:schemeClr val="dk1"/>
+          </a:effectRef>
+          <a:fontRef idx="minor">
+            <a:schemeClr val="tx1"/>
+          </a:fontRef>
+        </p:style>
+      </p:cxnSp>
+      <p:sp>
+        <p:nvSpPr>
+          <p:cNvPr id="2" name="Rectangle 1">
+            <a:extLst>
+              <a:ext uri="{FF2B5EF4-FFF2-40B4-BE49-F238E27FC236}">
+                <a16:creationId xmlns:a16="http://schemas.microsoft.com/office/drawing/2014/main" id="{BB6AE2B0-949B-43A0-874F-84B65916D0F3}"/>
+              </a:ext>
+            </a:extLst>
+          </p:cNvPr>
+          <p:cNvSpPr/>
+          <p:nvPr/>
+        </p:nvSpPr>
+        <p:spPr>
+          <a:xfrm>
+            <a:off x="636605" y="960696"/>
+            <a:ext cx="1006998" cy="717631"/>
+          </a:xfrm>
+          <a:prstGeom prst="rect">
+            <a:avLst/>
+          </a:prstGeom>
+          <a:solidFill>
+            <a:schemeClr val="accent1">
+              <a:lumMod val="60000"/>
+              <a:lumOff val="40000"/>
+            </a:schemeClr>
+          </a:solidFill>
+          <a:ln>
+            <a:solidFill>
+              <a:schemeClr val="tx1"/>
+            </a:solidFill>
+          </a:ln>
+        </p:spPr>
+        <p:style>
+          <a:lnRef idx="2">
+            <a:schemeClr val="accent1">
+              <a:shade val="50000"/>
+            </a:schemeClr>
+          </a:lnRef>
+          <a:fillRef idx="1">
+            <a:schemeClr val="accent1"/>
+          </a:fillRef>
+          <a:effectRef idx="0">
+            <a:schemeClr val="accent1"/>
+          </a:effectRef>
+          <a:fontRef idx="minor">
+            <a:schemeClr val="lt1"/>
+          </a:fontRef>
+        </p:style>
+        <p:txBody>
+          <a:bodyPr rtlCol="0" anchor="ctr"/>
+          <a:lstStyle/>
+          <a:p>
+            <a:pPr algn="ctr"/>
+            <a:r>
+              <a:rPr lang="en-AU" sz="1400" dirty="0">
+                <a:solidFill>
+                  <a:schemeClr val="tx1"/>
+                </a:solidFill>
+              </a:rPr>
+              <a:t>11.2V Battery</a:t>
+            </a:r>
+          </a:p>
+        </p:txBody>
+      </p:sp>
+      <p:sp>
+        <p:nvSpPr>
+          <p:cNvPr id="3" name="Rectangle 2">
+            <a:extLst>
+              <a:ext uri="{FF2B5EF4-FFF2-40B4-BE49-F238E27FC236}">
+                <a16:creationId xmlns:a16="http://schemas.microsoft.com/office/drawing/2014/main" id="{270E522C-367E-4E81-836E-CF7B582DBD7F}"/>
+              </a:ext>
+            </a:extLst>
+          </p:cNvPr>
+          <p:cNvSpPr/>
+          <p:nvPr/>
+        </p:nvSpPr>
+        <p:spPr>
+          <a:xfrm>
+            <a:off x="2361233" y="960696"/>
+            <a:ext cx="497712" cy="462988"/>
+          </a:xfrm>
+          <a:prstGeom prst="rect">
+            <a:avLst/>
+          </a:prstGeom>
+          <a:solidFill>
+            <a:schemeClr val="accent2">
+              <a:lumMod val="40000"/>
+              <a:lumOff val="60000"/>
+            </a:schemeClr>
+          </a:solidFill>
+          <a:ln>
+            <a:solidFill>
+              <a:schemeClr val="accent2"/>
+            </a:solidFill>
+          </a:ln>
+        </p:spPr>
+        <p:style>
+          <a:lnRef idx="2">
+            <a:schemeClr val="accent1">
+              <a:shade val="50000"/>
+            </a:schemeClr>
+          </a:lnRef>
+          <a:fillRef idx="1">
+            <a:schemeClr val="accent1"/>
+          </a:fillRef>
+          <a:effectRef idx="0">
+            <a:schemeClr val="accent1"/>
+          </a:effectRef>
+          <a:fontRef idx="minor">
+            <a:schemeClr val="lt1"/>
+          </a:fontRef>
+        </p:style>
+        <p:txBody>
+          <a:bodyPr rtlCol="0" anchor="ctr"/>
+          <a:lstStyle/>
+          <a:p>
+            <a:pPr algn="ctr"/>
+            <a:r>
+              <a:rPr lang="en-AU" sz="1200" dirty="0">
+                <a:solidFill>
+                  <a:schemeClr val="tx1"/>
+                </a:solidFill>
+              </a:rPr>
+              <a:t>7 V Buck</a:t>
+            </a:r>
+          </a:p>
+        </p:txBody>
+      </p:sp>
+      <p:sp>
+        <p:nvSpPr>
+          <p:cNvPr id="4" name="Rectangle 3">
+            <a:extLst>
+              <a:ext uri="{FF2B5EF4-FFF2-40B4-BE49-F238E27FC236}">
+                <a16:creationId xmlns:a16="http://schemas.microsoft.com/office/drawing/2014/main" id="{19DEF93B-95C7-45E7-A81E-197FB38F18B3}"/>
+              </a:ext>
+            </a:extLst>
+          </p:cNvPr>
+          <p:cNvSpPr/>
+          <p:nvPr/>
+        </p:nvSpPr>
+        <p:spPr>
+          <a:xfrm>
+            <a:off x="3884994" y="957802"/>
+            <a:ext cx="497712" cy="462988"/>
+          </a:xfrm>
+          <a:prstGeom prst="rect">
+            <a:avLst/>
+          </a:prstGeom>
+          <a:solidFill>
+            <a:schemeClr val="accent2">
+              <a:lumMod val="40000"/>
+              <a:lumOff val="60000"/>
+            </a:schemeClr>
+          </a:solidFill>
+          <a:ln>
+            <a:solidFill>
+              <a:schemeClr val="accent2"/>
+            </a:solidFill>
+          </a:ln>
+        </p:spPr>
+        <p:style>
+          <a:lnRef idx="2">
+            <a:schemeClr val="accent1">
+              <a:shade val="50000"/>
+            </a:schemeClr>
+          </a:lnRef>
+          <a:fillRef idx="1">
+            <a:schemeClr val="accent1"/>
+          </a:fillRef>
+          <a:effectRef idx="0">
+            <a:schemeClr val="accent1"/>
+          </a:effectRef>
+          <a:fontRef idx="minor">
+            <a:schemeClr val="lt1"/>
+          </a:fontRef>
+        </p:style>
+        <p:txBody>
+          <a:bodyPr rtlCol="0" anchor="ctr"/>
+          <a:lstStyle/>
+          <a:p>
+            <a:pPr algn="ctr"/>
+            <a:r>
+              <a:rPr lang="en-AU" sz="1200" dirty="0">
+                <a:solidFill>
+                  <a:schemeClr val="tx1"/>
+                </a:solidFill>
+              </a:rPr>
+              <a:t>5 V Buck</a:t>
+            </a:r>
+          </a:p>
+        </p:txBody>
+      </p:sp>
+      <p:sp>
+        <p:nvSpPr>
+          <p:cNvPr id="5" name="Rectangle 4">
+            <a:extLst>
+              <a:ext uri="{FF2B5EF4-FFF2-40B4-BE49-F238E27FC236}">
+                <a16:creationId xmlns:a16="http://schemas.microsoft.com/office/drawing/2014/main" id="{421F6C42-96A5-48A5-A7CE-2A31D5C1EFC1}"/>
+              </a:ext>
+            </a:extLst>
+          </p:cNvPr>
+          <p:cNvSpPr/>
+          <p:nvPr/>
+        </p:nvSpPr>
+        <p:spPr>
+          <a:xfrm>
+            <a:off x="1874899" y="1987951"/>
+            <a:ext cx="590310" cy="462988"/>
+          </a:xfrm>
+          <a:prstGeom prst="rect">
+            <a:avLst/>
+          </a:prstGeom>
+          <a:solidFill>
+            <a:schemeClr val="accent6">
+              <a:lumMod val="40000"/>
+              <a:lumOff val="60000"/>
+            </a:schemeClr>
+          </a:solidFill>
+          <a:ln>
+            <a:solidFill>
+              <a:schemeClr val="accent6"/>
+            </a:solidFill>
+          </a:ln>
+        </p:spPr>
+        <p:style>
+          <a:lnRef idx="2">
+            <a:schemeClr val="accent1">
+              <a:shade val="50000"/>
+            </a:schemeClr>
+          </a:lnRef>
+          <a:fillRef idx="1">
+            <a:schemeClr val="accent1"/>
+          </a:fillRef>
+          <a:effectRef idx="0">
+            <a:schemeClr val="accent1"/>
+          </a:effectRef>
+          <a:fontRef idx="minor">
+            <a:schemeClr val="lt1"/>
+          </a:fontRef>
+        </p:style>
+        <p:txBody>
+          <a:bodyPr rtlCol="0" anchor="ctr"/>
+          <a:lstStyle/>
+          <a:p>
+            <a:pPr algn="ctr"/>
+            <a:r>
+              <a:rPr lang="en-AU" sz="1200" dirty="0">
+                <a:solidFill>
+                  <a:schemeClr val="tx1"/>
+                </a:solidFill>
+              </a:rPr>
+              <a:t>Motor </a:t>
+            </a:r>
+            <a:r>
+              <a:rPr lang="en-AU" sz="1200" dirty="0" err="1">
+                <a:solidFill>
+                  <a:schemeClr val="tx1"/>
+                </a:solidFill>
+              </a:rPr>
+              <a:t>Ctl</a:t>
+            </a:r>
+            <a:r>
+              <a:rPr lang="en-AU" sz="1200" dirty="0">
+                <a:solidFill>
+                  <a:schemeClr val="tx1"/>
+                </a:solidFill>
+              </a:rPr>
+              <a:t> 1</a:t>
+            </a:r>
+          </a:p>
+        </p:txBody>
+      </p:sp>
+      <p:sp>
+        <p:nvSpPr>
+          <p:cNvPr id="6" name="Rectangle 5">
+            <a:extLst>
+              <a:ext uri="{FF2B5EF4-FFF2-40B4-BE49-F238E27FC236}">
+                <a16:creationId xmlns:a16="http://schemas.microsoft.com/office/drawing/2014/main" id="{971454B4-C5FA-4068-8E34-A3E909959715}"/>
+              </a:ext>
+            </a:extLst>
+          </p:cNvPr>
+          <p:cNvSpPr/>
+          <p:nvPr/>
+        </p:nvSpPr>
+        <p:spPr>
+          <a:xfrm>
+            <a:off x="2714414" y="1985057"/>
+            <a:ext cx="590310" cy="462988"/>
+          </a:xfrm>
+          <a:prstGeom prst="rect">
+            <a:avLst/>
+          </a:prstGeom>
+          <a:solidFill>
+            <a:schemeClr val="accent6">
+              <a:lumMod val="40000"/>
+              <a:lumOff val="60000"/>
+            </a:schemeClr>
+          </a:solidFill>
+          <a:ln>
+            <a:solidFill>
+              <a:schemeClr val="accent6"/>
+            </a:solidFill>
+          </a:ln>
+        </p:spPr>
+        <p:style>
+          <a:lnRef idx="2">
+            <a:schemeClr val="accent1">
+              <a:shade val="50000"/>
+            </a:schemeClr>
+          </a:lnRef>
+          <a:fillRef idx="1">
+            <a:schemeClr val="accent1"/>
+          </a:fillRef>
+          <a:effectRef idx="0">
+            <a:schemeClr val="accent1"/>
+          </a:effectRef>
+          <a:fontRef idx="minor">
+            <a:schemeClr val="lt1"/>
+          </a:fontRef>
+        </p:style>
+        <p:txBody>
+          <a:bodyPr rtlCol="0" anchor="ctr"/>
+          <a:lstStyle/>
+          <a:p>
+            <a:pPr algn="ctr"/>
+            <a:r>
+              <a:rPr lang="en-AU" sz="1200" dirty="0">
+                <a:solidFill>
+                  <a:schemeClr val="tx1"/>
+                </a:solidFill>
+              </a:rPr>
+              <a:t>Motor </a:t>
+            </a:r>
+            <a:r>
+              <a:rPr lang="en-AU" sz="1200" dirty="0" err="1">
+                <a:solidFill>
+                  <a:schemeClr val="tx1"/>
+                </a:solidFill>
+              </a:rPr>
+              <a:t>Ctl</a:t>
+            </a:r>
+            <a:r>
+              <a:rPr lang="en-AU" sz="1200" dirty="0">
+                <a:solidFill>
+                  <a:schemeClr val="tx1"/>
+                </a:solidFill>
+              </a:rPr>
+              <a:t> 2</a:t>
+            </a:r>
+          </a:p>
+        </p:txBody>
+      </p:sp>
+      <p:sp>
+        <p:nvSpPr>
+          <p:cNvPr id="12" name="Rectangle 11">
+            <a:extLst>
+              <a:ext uri="{FF2B5EF4-FFF2-40B4-BE49-F238E27FC236}">
+                <a16:creationId xmlns:a16="http://schemas.microsoft.com/office/drawing/2014/main" id="{24E2F0E0-22E1-4632-B4EF-E43CEDBEB67F}"/>
+              </a:ext>
+            </a:extLst>
+          </p:cNvPr>
+          <p:cNvSpPr/>
+          <p:nvPr/>
+        </p:nvSpPr>
+        <p:spPr>
+          <a:xfrm>
+            <a:off x="3884994" y="1993509"/>
+            <a:ext cx="720037" cy="462988"/>
+          </a:xfrm>
+          <a:prstGeom prst="rect">
+            <a:avLst/>
+          </a:prstGeom>
+          <a:solidFill>
+            <a:schemeClr val="accent6">
+              <a:lumMod val="40000"/>
+              <a:lumOff val="60000"/>
+            </a:schemeClr>
+          </a:solidFill>
+          <a:ln>
+            <a:solidFill>
+              <a:schemeClr val="accent6"/>
+            </a:solidFill>
+          </a:ln>
+        </p:spPr>
+        <p:style>
+          <a:lnRef idx="2">
+            <a:schemeClr val="accent1">
+              <a:shade val="50000"/>
+            </a:schemeClr>
+          </a:lnRef>
+          <a:fillRef idx="1">
+            <a:schemeClr val="accent1"/>
+          </a:fillRef>
+          <a:effectRef idx="0">
+            <a:schemeClr val="accent1"/>
+          </a:effectRef>
+          <a:fontRef idx="minor">
+            <a:schemeClr val="lt1"/>
+          </a:fontRef>
+        </p:style>
+        <p:txBody>
+          <a:bodyPr rtlCol="0" anchor="ctr"/>
+          <a:lstStyle/>
+          <a:p>
+            <a:pPr algn="ctr"/>
+            <a:r>
+              <a:rPr lang="en-AU" sz="1200" dirty="0">
+                <a:solidFill>
+                  <a:schemeClr val="tx1"/>
+                </a:solidFill>
+              </a:rPr>
+              <a:t>Arduino Nano</a:t>
+            </a:r>
+          </a:p>
+        </p:txBody>
+      </p:sp>
+      <p:sp>
+        <p:nvSpPr>
+          <p:cNvPr id="13" name="Rectangle 12">
+            <a:extLst>
+              <a:ext uri="{FF2B5EF4-FFF2-40B4-BE49-F238E27FC236}">
+                <a16:creationId xmlns:a16="http://schemas.microsoft.com/office/drawing/2014/main" id="{1EC559AD-3CF8-4ADD-8A34-F12F117D5866}"/>
+              </a:ext>
+            </a:extLst>
+          </p:cNvPr>
+          <p:cNvSpPr/>
+          <p:nvPr/>
+        </p:nvSpPr>
+        <p:spPr>
+          <a:xfrm>
+            <a:off x="4982470" y="1985057"/>
+            <a:ext cx="720037" cy="462988"/>
+          </a:xfrm>
+          <a:prstGeom prst="rect">
+            <a:avLst/>
+          </a:prstGeom>
+          <a:solidFill>
+            <a:schemeClr val="accent6">
+              <a:lumMod val="40000"/>
+              <a:lumOff val="60000"/>
+            </a:schemeClr>
+          </a:solidFill>
+          <a:ln>
+            <a:solidFill>
+              <a:schemeClr val="accent6"/>
+            </a:solidFill>
+          </a:ln>
+        </p:spPr>
+        <p:style>
+          <a:lnRef idx="2">
+            <a:schemeClr val="accent1">
+              <a:shade val="50000"/>
+            </a:schemeClr>
+          </a:lnRef>
+          <a:fillRef idx="1">
+            <a:schemeClr val="accent1"/>
+          </a:fillRef>
+          <a:effectRef idx="0">
+            <a:schemeClr val="accent1"/>
+          </a:effectRef>
+          <a:fontRef idx="minor">
+            <a:schemeClr val="lt1"/>
+          </a:fontRef>
+        </p:style>
+        <p:txBody>
+          <a:bodyPr rtlCol="0" anchor="ctr"/>
+          <a:lstStyle/>
+          <a:p>
+            <a:pPr algn="ctr"/>
+            <a:r>
+              <a:rPr lang="en-AU" sz="1200" dirty="0">
+                <a:solidFill>
+                  <a:schemeClr val="tx1"/>
+                </a:solidFill>
+              </a:rPr>
+              <a:t>Sensor3</a:t>
+            </a:r>
+          </a:p>
+        </p:txBody>
+      </p:sp>
+      <p:sp>
+        <p:nvSpPr>
+          <p:cNvPr id="14" name="Rectangle 13">
+            <a:extLst>
+              <a:ext uri="{FF2B5EF4-FFF2-40B4-BE49-F238E27FC236}">
+                <a16:creationId xmlns:a16="http://schemas.microsoft.com/office/drawing/2014/main" id="{4FBB041D-5ED8-4C4C-A95C-CFB3DD82FFBE}"/>
+              </a:ext>
+            </a:extLst>
+          </p:cNvPr>
+          <p:cNvSpPr/>
+          <p:nvPr/>
+        </p:nvSpPr>
+        <p:spPr>
+          <a:xfrm>
+            <a:off x="4982472" y="1443939"/>
+            <a:ext cx="720037" cy="462988"/>
+          </a:xfrm>
+          <a:prstGeom prst="rect">
+            <a:avLst/>
+          </a:prstGeom>
+          <a:solidFill>
+            <a:schemeClr val="accent6">
+              <a:lumMod val="40000"/>
+              <a:lumOff val="60000"/>
+            </a:schemeClr>
+          </a:solidFill>
+          <a:ln>
+            <a:solidFill>
+              <a:schemeClr val="accent6"/>
+            </a:solidFill>
+          </a:ln>
+        </p:spPr>
+        <p:style>
+          <a:lnRef idx="2">
+            <a:schemeClr val="accent1">
+              <a:shade val="50000"/>
+            </a:schemeClr>
+          </a:lnRef>
+          <a:fillRef idx="1">
+            <a:schemeClr val="accent1"/>
+          </a:fillRef>
+          <a:effectRef idx="0">
+            <a:schemeClr val="accent1"/>
+          </a:effectRef>
+          <a:fontRef idx="minor">
+            <a:schemeClr val="lt1"/>
+          </a:fontRef>
+        </p:style>
+        <p:txBody>
+          <a:bodyPr rtlCol="0" anchor="ctr"/>
+          <a:lstStyle/>
+          <a:p>
+            <a:pPr algn="ctr"/>
+            <a:r>
+              <a:rPr lang="en-AU" sz="1200" dirty="0">
+                <a:solidFill>
+                  <a:schemeClr val="tx1"/>
+                </a:solidFill>
+              </a:rPr>
+              <a:t>Sensor2</a:t>
+            </a:r>
+          </a:p>
+        </p:txBody>
+      </p:sp>
+      <p:sp>
+        <p:nvSpPr>
+          <p:cNvPr id="15" name="Rectangle 14">
+            <a:extLst>
+              <a:ext uri="{FF2B5EF4-FFF2-40B4-BE49-F238E27FC236}">
+                <a16:creationId xmlns:a16="http://schemas.microsoft.com/office/drawing/2014/main" id="{696D3951-3560-4F38-8364-4A34ADB40851}"/>
+              </a:ext>
+            </a:extLst>
+          </p:cNvPr>
+          <p:cNvSpPr/>
+          <p:nvPr/>
+        </p:nvSpPr>
+        <p:spPr>
+          <a:xfrm>
+            <a:off x="4981054" y="902821"/>
+            <a:ext cx="720037" cy="462988"/>
+          </a:xfrm>
+          <a:prstGeom prst="rect">
+            <a:avLst/>
+          </a:prstGeom>
+          <a:solidFill>
+            <a:schemeClr val="accent6">
+              <a:lumMod val="40000"/>
+              <a:lumOff val="60000"/>
+            </a:schemeClr>
+          </a:solidFill>
+          <a:ln>
+            <a:solidFill>
+              <a:schemeClr val="accent6"/>
+            </a:solidFill>
+          </a:ln>
+        </p:spPr>
+        <p:style>
+          <a:lnRef idx="2">
+            <a:schemeClr val="accent1">
+              <a:shade val="50000"/>
+            </a:schemeClr>
+          </a:lnRef>
+          <a:fillRef idx="1">
+            <a:schemeClr val="accent1"/>
+          </a:fillRef>
+          <a:effectRef idx="0">
+            <a:schemeClr val="accent1"/>
+          </a:effectRef>
+          <a:fontRef idx="minor">
+            <a:schemeClr val="lt1"/>
+          </a:fontRef>
+        </p:style>
+        <p:txBody>
+          <a:bodyPr rtlCol="0" anchor="ctr"/>
+          <a:lstStyle/>
+          <a:p>
+            <a:pPr algn="ctr"/>
+            <a:r>
+              <a:rPr lang="en-AU" sz="1200" dirty="0">
+                <a:solidFill>
+                  <a:schemeClr val="tx1"/>
+                </a:solidFill>
+              </a:rPr>
+              <a:t>Sensor1</a:t>
+            </a:r>
+          </a:p>
+        </p:txBody>
+      </p:sp>
+      <p:cxnSp>
+        <p:nvCxnSpPr>
+          <p:cNvPr id="17" name="Straight Connector 16">
+            <a:extLst>
+              <a:ext uri="{FF2B5EF4-FFF2-40B4-BE49-F238E27FC236}">
+                <a16:creationId xmlns:a16="http://schemas.microsoft.com/office/drawing/2014/main" id="{851B250C-8EA3-475C-82A7-8A487A606FA6}"/>
+              </a:ext>
+            </a:extLst>
+          </p:cNvPr>
+          <p:cNvCxnSpPr>
+            <a:cxnSpLocks/>
+          </p:cNvCxnSpPr>
+          <p:nvPr/>
+        </p:nvCxnSpPr>
+        <p:spPr>
+          <a:xfrm>
+            <a:off x="1269423" y="748925"/>
+            <a:ext cx="2918527" cy="0"/>
+          </a:xfrm>
+          <a:prstGeom prst="line">
+            <a:avLst/>
+          </a:prstGeom>
+        </p:spPr>
+        <p:style>
+          <a:lnRef idx="3">
+            <a:schemeClr val="dk1"/>
+          </a:lnRef>
+          <a:fillRef idx="0">
+            <a:schemeClr val="dk1"/>
+          </a:fillRef>
+          <a:effectRef idx="2">
+            <a:schemeClr val="dk1"/>
+          </a:effectRef>
+          <a:fontRef idx="minor">
+            <a:schemeClr val="tx1"/>
+          </a:fontRef>
+        </p:style>
+      </p:cxnSp>
+      <p:cxnSp>
+        <p:nvCxnSpPr>
+          <p:cNvPr id="19" name="Straight Connector 18">
+            <a:extLst>
+              <a:ext uri="{FF2B5EF4-FFF2-40B4-BE49-F238E27FC236}">
+                <a16:creationId xmlns:a16="http://schemas.microsoft.com/office/drawing/2014/main" id="{06DA9203-1A2A-4600-8D4C-01E7694B3A6E}"/>
+              </a:ext>
+            </a:extLst>
+          </p:cNvPr>
+          <p:cNvCxnSpPr>
+            <a:cxnSpLocks/>
+          </p:cNvCxnSpPr>
+          <p:nvPr/>
+        </p:nvCxnSpPr>
+        <p:spPr>
+          <a:xfrm>
+            <a:off x="1269423" y="748925"/>
+            <a:ext cx="0" cy="208877"/>
+          </a:xfrm>
+          <a:prstGeom prst="line">
+            <a:avLst/>
+          </a:prstGeom>
+        </p:spPr>
+        <p:style>
+          <a:lnRef idx="3">
+            <a:schemeClr val="dk1"/>
+          </a:lnRef>
+          <a:fillRef idx="0">
+            <a:schemeClr val="dk1"/>
+          </a:fillRef>
+          <a:effectRef idx="2">
+            <a:schemeClr val="dk1"/>
+          </a:effectRef>
+          <a:fontRef idx="minor">
+            <a:schemeClr val="tx1"/>
+          </a:fontRef>
+        </p:style>
+      </p:cxnSp>
+      <p:cxnSp>
+        <p:nvCxnSpPr>
+          <p:cNvPr id="39" name="Straight Connector 38">
+            <a:extLst>
+              <a:ext uri="{FF2B5EF4-FFF2-40B4-BE49-F238E27FC236}">
+                <a16:creationId xmlns:a16="http://schemas.microsoft.com/office/drawing/2014/main" id="{824474CE-2279-4E1C-A348-344CEC90A187}"/>
+              </a:ext>
+            </a:extLst>
+          </p:cNvPr>
+          <p:cNvCxnSpPr>
+            <a:cxnSpLocks/>
+          </p:cNvCxnSpPr>
+          <p:nvPr/>
+        </p:nvCxnSpPr>
+        <p:spPr>
+          <a:xfrm>
+            <a:off x="4807815" y="1189296"/>
+            <a:ext cx="0" cy="386670"/>
+          </a:xfrm>
+          <a:prstGeom prst="line">
+            <a:avLst/>
+          </a:prstGeom>
+        </p:spPr>
+        <p:style>
+          <a:lnRef idx="3">
+            <a:schemeClr val="dk1"/>
+          </a:lnRef>
+          <a:fillRef idx="0">
+            <a:schemeClr val="dk1"/>
+          </a:fillRef>
+          <a:effectRef idx="2">
+            <a:schemeClr val="dk1"/>
+          </a:effectRef>
+          <a:fontRef idx="minor">
+            <a:schemeClr val="tx1"/>
+          </a:fontRef>
+        </p:style>
+      </p:cxnSp>
+      <p:cxnSp>
+        <p:nvCxnSpPr>
+          <p:cNvPr id="45" name="Straight Connector 44">
+            <a:extLst>
+              <a:ext uri="{FF2B5EF4-FFF2-40B4-BE49-F238E27FC236}">
+                <a16:creationId xmlns:a16="http://schemas.microsoft.com/office/drawing/2014/main" id="{D6F842B9-606D-4AAF-B1CF-EE65C0C3C775}"/>
+              </a:ext>
+            </a:extLst>
+          </p:cNvPr>
+          <p:cNvCxnSpPr>
+            <a:cxnSpLocks/>
+          </p:cNvCxnSpPr>
+          <p:nvPr/>
+        </p:nvCxnSpPr>
+        <p:spPr>
+          <a:xfrm>
+            <a:off x="4389916" y="1252747"/>
+            <a:ext cx="350298" cy="0"/>
+          </a:xfrm>
+          <a:prstGeom prst="line">
+            <a:avLst/>
+          </a:prstGeom>
+          <a:ln>
+            <a:solidFill>
+              <a:srgbClr val="FF0000"/>
+            </a:solidFill>
+          </a:ln>
+        </p:spPr>
+        <p:style>
+          <a:lnRef idx="3">
+            <a:schemeClr val="dk1"/>
+          </a:lnRef>
+          <a:fillRef idx="0">
+            <a:schemeClr val="dk1"/>
+          </a:fillRef>
+          <a:effectRef idx="2">
+            <a:schemeClr val="dk1"/>
+          </a:effectRef>
+          <a:fontRef idx="minor">
+            <a:schemeClr val="tx1"/>
+          </a:fontRef>
+        </p:style>
+      </p:cxnSp>
+      <p:cxnSp>
+        <p:nvCxnSpPr>
+          <p:cNvPr id="47" name="Straight Connector 46">
+            <a:extLst>
+              <a:ext uri="{FF2B5EF4-FFF2-40B4-BE49-F238E27FC236}">
+                <a16:creationId xmlns:a16="http://schemas.microsoft.com/office/drawing/2014/main" id="{F76DB751-E200-4808-8A3F-6F60B0344A79}"/>
+              </a:ext>
+            </a:extLst>
+          </p:cNvPr>
+          <p:cNvCxnSpPr>
+            <a:cxnSpLocks/>
+          </p:cNvCxnSpPr>
+          <p:nvPr/>
+        </p:nvCxnSpPr>
+        <p:spPr>
+          <a:xfrm>
+            <a:off x="4740214" y="1250604"/>
+            <a:ext cx="0" cy="386670"/>
+          </a:xfrm>
+          <a:prstGeom prst="line">
+            <a:avLst/>
+          </a:prstGeom>
+          <a:ln>
+            <a:solidFill>
+              <a:srgbClr val="FF0000"/>
+            </a:solidFill>
+          </a:ln>
+        </p:spPr>
+        <p:style>
+          <a:lnRef idx="3">
+            <a:schemeClr val="dk1"/>
+          </a:lnRef>
+          <a:fillRef idx="0">
+            <a:schemeClr val="dk1"/>
+          </a:fillRef>
+          <a:effectRef idx="2">
+            <a:schemeClr val="dk1"/>
+          </a:effectRef>
+          <a:fontRef idx="minor">
+            <a:schemeClr val="tx1"/>
+          </a:fontRef>
+        </p:style>
+      </p:cxnSp>
+      <p:cxnSp>
+        <p:nvCxnSpPr>
+          <p:cNvPr id="48" name="Straight Connector 47">
+            <a:extLst>
+              <a:ext uri="{FF2B5EF4-FFF2-40B4-BE49-F238E27FC236}">
+                <a16:creationId xmlns:a16="http://schemas.microsoft.com/office/drawing/2014/main" id="{EA07F59B-5B6A-46DF-A537-6994873CBC7A}"/>
+              </a:ext>
+            </a:extLst>
+          </p:cNvPr>
+          <p:cNvCxnSpPr>
+            <a:cxnSpLocks/>
+          </p:cNvCxnSpPr>
+          <p:nvPr/>
+        </p:nvCxnSpPr>
+        <p:spPr>
+          <a:xfrm>
+            <a:off x="4740214" y="1637274"/>
+            <a:ext cx="237818" cy="0"/>
+          </a:xfrm>
+          <a:prstGeom prst="line">
+            <a:avLst/>
+          </a:prstGeom>
+          <a:ln>
+            <a:solidFill>
+              <a:srgbClr val="FF0000"/>
+            </a:solidFill>
+          </a:ln>
+        </p:spPr>
+        <p:style>
+          <a:lnRef idx="3">
+            <a:schemeClr val="dk1"/>
+          </a:lnRef>
+          <a:fillRef idx="0">
+            <a:schemeClr val="dk1"/>
+          </a:fillRef>
+          <a:effectRef idx="2">
+            <a:schemeClr val="dk1"/>
+          </a:effectRef>
+          <a:fontRef idx="minor">
+            <a:schemeClr val="tx1"/>
+          </a:fontRef>
+        </p:style>
+      </p:cxnSp>
+      <p:cxnSp>
+        <p:nvCxnSpPr>
+          <p:cNvPr id="50" name="Straight Connector 49">
+            <a:extLst>
+              <a:ext uri="{FF2B5EF4-FFF2-40B4-BE49-F238E27FC236}">
+                <a16:creationId xmlns:a16="http://schemas.microsoft.com/office/drawing/2014/main" id="{1E6CFD96-0C08-4278-B953-918620F429EE}"/>
+              </a:ext>
+            </a:extLst>
+          </p:cNvPr>
+          <p:cNvCxnSpPr>
+            <a:cxnSpLocks/>
+          </p:cNvCxnSpPr>
+          <p:nvPr/>
+        </p:nvCxnSpPr>
+        <p:spPr>
+          <a:xfrm>
+            <a:off x="4815467" y="1787666"/>
+            <a:ext cx="0" cy="332078"/>
+          </a:xfrm>
+          <a:prstGeom prst="line">
+            <a:avLst/>
+          </a:prstGeom>
+        </p:spPr>
+        <p:style>
+          <a:lnRef idx="3">
+            <a:schemeClr val="dk1"/>
+          </a:lnRef>
+          <a:fillRef idx="0">
+            <a:schemeClr val="dk1"/>
+          </a:fillRef>
+          <a:effectRef idx="2">
+            <a:schemeClr val="dk1"/>
+          </a:effectRef>
+          <a:fontRef idx="minor">
+            <a:schemeClr val="tx1"/>
+          </a:fontRef>
+        </p:style>
+      </p:cxnSp>
+      <p:cxnSp>
+        <p:nvCxnSpPr>
+          <p:cNvPr id="51" name="Straight Connector 50">
+            <a:extLst>
+              <a:ext uri="{FF2B5EF4-FFF2-40B4-BE49-F238E27FC236}">
+                <a16:creationId xmlns:a16="http://schemas.microsoft.com/office/drawing/2014/main" id="{7B9A9EE3-228D-4AAF-9D28-2F350879B6F1}"/>
+              </a:ext>
+            </a:extLst>
+          </p:cNvPr>
+          <p:cNvCxnSpPr>
+            <a:cxnSpLocks/>
+          </p:cNvCxnSpPr>
+          <p:nvPr/>
+        </p:nvCxnSpPr>
+        <p:spPr>
+          <a:xfrm>
+            <a:off x="4278933" y="1787666"/>
+            <a:ext cx="536534" cy="0"/>
+          </a:xfrm>
+          <a:prstGeom prst="line">
+            <a:avLst/>
+          </a:prstGeom>
+        </p:spPr>
+        <p:style>
+          <a:lnRef idx="3">
+            <a:schemeClr val="dk1"/>
+          </a:lnRef>
+          <a:fillRef idx="0">
+            <a:schemeClr val="dk1"/>
+          </a:fillRef>
+          <a:effectRef idx="2">
+            <a:schemeClr val="dk1"/>
+          </a:effectRef>
+          <a:fontRef idx="minor">
+            <a:schemeClr val="tx1"/>
+          </a:fontRef>
+        </p:style>
+      </p:cxnSp>
+      <p:cxnSp>
+        <p:nvCxnSpPr>
+          <p:cNvPr id="52" name="Straight Connector 51">
+            <a:extLst>
+              <a:ext uri="{FF2B5EF4-FFF2-40B4-BE49-F238E27FC236}">
+                <a16:creationId xmlns:a16="http://schemas.microsoft.com/office/drawing/2014/main" id="{78DF96F3-4DD9-4334-92BA-FE0519DF20DB}"/>
+              </a:ext>
+            </a:extLst>
+          </p:cNvPr>
+          <p:cNvCxnSpPr>
+            <a:cxnSpLocks/>
+          </p:cNvCxnSpPr>
+          <p:nvPr/>
+        </p:nvCxnSpPr>
+        <p:spPr>
+          <a:xfrm>
+            <a:off x="4278933" y="1420789"/>
+            <a:ext cx="0" cy="366877"/>
+          </a:xfrm>
+          <a:prstGeom prst="line">
+            <a:avLst/>
+          </a:prstGeom>
+        </p:spPr>
+        <p:style>
+          <a:lnRef idx="3">
+            <a:schemeClr val="dk1"/>
+          </a:lnRef>
+          <a:fillRef idx="0">
+            <a:schemeClr val="dk1"/>
+          </a:fillRef>
+          <a:effectRef idx="2">
+            <a:schemeClr val="dk1"/>
+          </a:effectRef>
+          <a:fontRef idx="minor">
+            <a:schemeClr val="tx1"/>
+          </a:fontRef>
+        </p:style>
+      </p:cxnSp>
+      <p:cxnSp>
+        <p:nvCxnSpPr>
+          <p:cNvPr id="55" name="Straight Connector 54">
+            <a:extLst>
+              <a:ext uri="{FF2B5EF4-FFF2-40B4-BE49-F238E27FC236}">
+                <a16:creationId xmlns:a16="http://schemas.microsoft.com/office/drawing/2014/main" id="{CC4BBAEA-E62B-4D26-AB20-C1E666049D6F}"/>
+              </a:ext>
+            </a:extLst>
+          </p:cNvPr>
+          <p:cNvCxnSpPr>
+            <a:cxnSpLocks/>
+          </p:cNvCxnSpPr>
+          <p:nvPr/>
+        </p:nvCxnSpPr>
+        <p:spPr>
+          <a:xfrm>
+            <a:off x="4740214" y="2210376"/>
+            <a:ext cx="236689" cy="0"/>
+          </a:xfrm>
+          <a:prstGeom prst="line">
+            <a:avLst/>
+          </a:prstGeom>
+          <a:ln>
+            <a:solidFill>
+              <a:srgbClr val="FF0000"/>
+            </a:solidFill>
+          </a:ln>
+        </p:spPr>
+        <p:style>
+          <a:lnRef idx="3">
+            <a:schemeClr val="dk1"/>
+          </a:lnRef>
+          <a:fillRef idx="0">
+            <a:schemeClr val="dk1"/>
+          </a:fillRef>
+          <a:effectRef idx="2">
+            <a:schemeClr val="dk1"/>
+          </a:effectRef>
+          <a:fontRef idx="minor">
+            <a:schemeClr val="tx1"/>
+          </a:fontRef>
+        </p:style>
+      </p:cxnSp>
+      <p:cxnSp>
+        <p:nvCxnSpPr>
+          <p:cNvPr id="56" name="Straight Connector 55">
+            <a:extLst>
+              <a:ext uri="{FF2B5EF4-FFF2-40B4-BE49-F238E27FC236}">
+                <a16:creationId xmlns:a16="http://schemas.microsoft.com/office/drawing/2014/main" id="{5162980A-4171-4DF8-B785-B6A20B765C26}"/>
+              </a:ext>
+            </a:extLst>
+          </p:cNvPr>
+          <p:cNvCxnSpPr>
+            <a:cxnSpLocks/>
+          </p:cNvCxnSpPr>
+          <p:nvPr/>
+        </p:nvCxnSpPr>
+        <p:spPr>
+          <a:xfrm>
+            <a:off x="4743179" y="1862052"/>
+            <a:ext cx="0" cy="348324"/>
+          </a:xfrm>
+          <a:prstGeom prst="line">
+            <a:avLst/>
+          </a:prstGeom>
+          <a:ln>
+            <a:solidFill>
+              <a:srgbClr val="FF0000"/>
+            </a:solidFill>
+          </a:ln>
+        </p:spPr>
+        <p:style>
+          <a:lnRef idx="3">
+            <a:schemeClr val="dk1"/>
+          </a:lnRef>
+          <a:fillRef idx="0">
+            <a:schemeClr val="dk1"/>
+          </a:fillRef>
+          <a:effectRef idx="2">
+            <a:schemeClr val="dk1"/>
+          </a:effectRef>
+          <a:fontRef idx="minor">
+            <a:schemeClr val="tx1"/>
+          </a:fontRef>
+        </p:style>
+      </p:cxnSp>
+      <p:cxnSp>
+        <p:nvCxnSpPr>
+          <p:cNvPr id="61" name="Straight Connector 60">
+            <a:extLst>
+              <a:ext uri="{FF2B5EF4-FFF2-40B4-BE49-F238E27FC236}">
+                <a16:creationId xmlns:a16="http://schemas.microsoft.com/office/drawing/2014/main" id="{4229CED2-8CAF-4316-B8D1-601BD7416015}"/>
+              </a:ext>
+            </a:extLst>
+          </p:cNvPr>
+          <p:cNvCxnSpPr>
+            <a:cxnSpLocks/>
+          </p:cNvCxnSpPr>
+          <p:nvPr/>
+        </p:nvCxnSpPr>
+        <p:spPr>
+          <a:xfrm>
+            <a:off x="4201589" y="1862052"/>
+            <a:ext cx="538625" cy="0"/>
+          </a:xfrm>
+          <a:prstGeom prst="line">
+            <a:avLst/>
+          </a:prstGeom>
+          <a:ln>
+            <a:solidFill>
+              <a:srgbClr val="FF0000"/>
+            </a:solidFill>
+          </a:ln>
+        </p:spPr>
+        <p:style>
+          <a:lnRef idx="3">
+            <a:schemeClr val="dk1"/>
+          </a:lnRef>
+          <a:fillRef idx="0">
+            <a:schemeClr val="dk1"/>
+          </a:fillRef>
+          <a:effectRef idx="2">
+            <a:schemeClr val="dk1"/>
+          </a:effectRef>
+          <a:fontRef idx="minor">
+            <a:schemeClr val="tx1"/>
+          </a:fontRef>
+        </p:style>
+      </p:cxnSp>
+      <p:cxnSp>
+        <p:nvCxnSpPr>
+          <p:cNvPr id="70" name="Straight Connector 69">
+            <a:extLst>
+              <a:ext uri="{FF2B5EF4-FFF2-40B4-BE49-F238E27FC236}">
+                <a16:creationId xmlns:a16="http://schemas.microsoft.com/office/drawing/2014/main" id="{602C4A31-168C-45AA-A858-FECCB48AFCBD}"/>
+              </a:ext>
+            </a:extLst>
+          </p:cNvPr>
+          <p:cNvCxnSpPr>
+            <a:cxnSpLocks/>
+          </p:cNvCxnSpPr>
+          <p:nvPr/>
+        </p:nvCxnSpPr>
+        <p:spPr>
+          <a:xfrm flipV="1">
+            <a:off x="2281652" y="1733074"/>
+            <a:ext cx="817368" cy="10448"/>
+          </a:xfrm>
+          <a:prstGeom prst="line">
+            <a:avLst/>
+          </a:prstGeom>
+        </p:spPr>
+        <p:style>
+          <a:lnRef idx="3">
+            <a:schemeClr val="dk1"/>
+          </a:lnRef>
+          <a:fillRef idx="0">
+            <a:schemeClr val="dk1"/>
+          </a:fillRef>
+          <a:effectRef idx="2">
+            <a:schemeClr val="dk1"/>
+          </a:effectRef>
+          <a:fontRef idx="minor">
+            <a:schemeClr val="tx1"/>
+          </a:fontRef>
+        </p:style>
+      </p:cxnSp>
+      <p:cxnSp>
+        <p:nvCxnSpPr>
+          <p:cNvPr id="79" name="Straight Connector 78">
+            <a:extLst>
+              <a:ext uri="{FF2B5EF4-FFF2-40B4-BE49-F238E27FC236}">
+                <a16:creationId xmlns:a16="http://schemas.microsoft.com/office/drawing/2014/main" id="{71EDD00E-E13F-420A-950F-29498BE78CD1}"/>
+              </a:ext>
+            </a:extLst>
+          </p:cNvPr>
+          <p:cNvCxnSpPr>
+            <a:cxnSpLocks/>
+          </p:cNvCxnSpPr>
+          <p:nvPr/>
+        </p:nvCxnSpPr>
+        <p:spPr>
+          <a:xfrm flipV="1">
+            <a:off x="2170054" y="1629937"/>
+            <a:ext cx="814226" cy="5517"/>
+          </a:xfrm>
+          <a:prstGeom prst="line">
+            <a:avLst/>
+          </a:prstGeom>
+          <a:ln>
+            <a:solidFill>
+              <a:srgbClr val="FF0000"/>
+            </a:solidFill>
+          </a:ln>
+        </p:spPr>
+        <p:style>
+          <a:lnRef idx="3">
+            <a:schemeClr val="dk1"/>
+          </a:lnRef>
+          <a:fillRef idx="0">
+            <a:schemeClr val="dk1"/>
+          </a:fillRef>
+          <a:effectRef idx="2">
+            <a:schemeClr val="dk1"/>
+          </a:effectRef>
+          <a:fontRef idx="minor">
+            <a:schemeClr val="tx1"/>
+          </a:fontRef>
+        </p:style>
+      </p:cxnSp>
+      <p:cxnSp>
+        <p:nvCxnSpPr>
+          <p:cNvPr id="80" name="Straight Connector 79">
+            <a:extLst>
+              <a:ext uri="{FF2B5EF4-FFF2-40B4-BE49-F238E27FC236}">
+                <a16:creationId xmlns:a16="http://schemas.microsoft.com/office/drawing/2014/main" id="{B0B208CD-31CE-4E0B-9C15-5B0CEFD28C25}"/>
+              </a:ext>
+            </a:extLst>
+          </p:cNvPr>
+          <p:cNvCxnSpPr>
+            <a:cxnSpLocks/>
+          </p:cNvCxnSpPr>
+          <p:nvPr/>
+        </p:nvCxnSpPr>
+        <p:spPr>
+          <a:xfrm>
+            <a:off x="2179897" y="1635454"/>
+            <a:ext cx="0" cy="347607"/>
+          </a:xfrm>
+          <a:prstGeom prst="line">
+            <a:avLst/>
+          </a:prstGeom>
+          <a:ln>
+            <a:solidFill>
+              <a:srgbClr val="FF0000"/>
+            </a:solidFill>
+          </a:ln>
+        </p:spPr>
+        <p:style>
+          <a:lnRef idx="3">
+            <a:schemeClr val="dk1"/>
+          </a:lnRef>
+          <a:fillRef idx="0">
+            <a:schemeClr val="dk1"/>
+          </a:fillRef>
+          <a:effectRef idx="2">
+            <a:schemeClr val="dk1"/>
+          </a:effectRef>
+          <a:fontRef idx="minor">
+            <a:schemeClr val="tx1"/>
+          </a:fontRef>
+        </p:style>
+      </p:cxnSp>
+      <p:cxnSp>
+        <p:nvCxnSpPr>
+          <p:cNvPr id="82" name="Straight Connector 81">
+            <a:extLst>
+              <a:ext uri="{FF2B5EF4-FFF2-40B4-BE49-F238E27FC236}">
+                <a16:creationId xmlns:a16="http://schemas.microsoft.com/office/drawing/2014/main" id="{172AE455-8C51-410D-9212-21C37FDCE475}"/>
+              </a:ext>
+            </a:extLst>
+          </p:cNvPr>
+          <p:cNvCxnSpPr>
+            <a:cxnSpLocks/>
+          </p:cNvCxnSpPr>
+          <p:nvPr/>
+        </p:nvCxnSpPr>
+        <p:spPr>
+          <a:xfrm>
+            <a:off x="2979839" y="1625006"/>
+            <a:ext cx="0" cy="358055"/>
+          </a:xfrm>
+          <a:prstGeom prst="line">
+            <a:avLst/>
+          </a:prstGeom>
+          <a:ln>
+            <a:solidFill>
+              <a:srgbClr val="FF0000"/>
+            </a:solidFill>
+          </a:ln>
+        </p:spPr>
+        <p:style>
+          <a:lnRef idx="3">
+            <a:schemeClr val="dk1"/>
+          </a:lnRef>
+          <a:fillRef idx="0">
+            <a:schemeClr val="dk1"/>
+          </a:fillRef>
+          <a:effectRef idx="2">
+            <a:schemeClr val="dk1"/>
+          </a:effectRef>
+          <a:fontRef idx="minor">
+            <a:schemeClr val="tx1"/>
+          </a:fontRef>
+        </p:style>
+      </p:cxnSp>
+      <p:cxnSp>
+        <p:nvCxnSpPr>
+          <p:cNvPr id="86" name="Straight Connector 85">
+            <a:extLst>
+              <a:ext uri="{FF2B5EF4-FFF2-40B4-BE49-F238E27FC236}">
+                <a16:creationId xmlns:a16="http://schemas.microsoft.com/office/drawing/2014/main" id="{AAFA4C7C-A26C-4FE4-96F7-88C80E126F68}"/>
+              </a:ext>
+            </a:extLst>
+          </p:cNvPr>
+          <p:cNvCxnSpPr>
+            <a:cxnSpLocks/>
+          </p:cNvCxnSpPr>
+          <p:nvPr/>
+        </p:nvCxnSpPr>
+        <p:spPr>
+          <a:xfrm>
+            <a:off x="2510697" y="616744"/>
+            <a:ext cx="0" cy="340160"/>
+          </a:xfrm>
+          <a:prstGeom prst="line">
+            <a:avLst/>
+          </a:prstGeom>
+          <a:ln>
+            <a:solidFill>
+              <a:srgbClr val="FF0000"/>
+            </a:solidFill>
+          </a:ln>
+        </p:spPr>
+        <p:style>
+          <a:lnRef idx="3">
+            <a:schemeClr val="dk1"/>
+          </a:lnRef>
+          <a:fillRef idx="0">
+            <a:schemeClr val="dk1"/>
+          </a:fillRef>
+          <a:effectRef idx="2">
+            <a:schemeClr val="dk1"/>
+          </a:effectRef>
+          <a:fontRef idx="minor">
+            <a:schemeClr val="tx1"/>
+          </a:fontRef>
+        </p:style>
+      </p:cxnSp>
+      <p:cxnSp>
+        <p:nvCxnSpPr>
+          <p:cNvPr id="92" name="Straight Connector 91">
+            <a:extLst>
+              <a:ext uri="{FF2B5EF4-FFF2-40B4-BE49-F238E27FC236}">
+                <a16:creationId xmlns:a16="http://schemas.microsoft.com/office/drawing/2014/main" id="{00D12142-941D-4961-941C-21827F901092}"/>
+              </a:ext>
+            </a:extLst>
+          </p:cNvPr>
+          <p:cNvCxnSpPr>
+            <a:cxnSpLocks/>
+          </p:cNvCxnSpPr>
+          <p:nvPr/>
+        </p:nvCxnSpPr>
+        <p:spPr>
+          <a:xfrm>
+            <a:off x="1140104" y="615448"/>
+            <a:ext cx="0" cy="340160"/>
+          </a:xfrm>
+          <a:prstGeom prst="line">
+            <a:avLst/>
+          </a:prstGeom>
+          <a:ln>
+            <a:solidFill>
+              <a:srgbClr val="FF0000"/>
+            </a:solidFill>
+          </a:ln>
+        </p:spPr>
+        <p:style>
+          <a:lnRef idx="3">
+            <a:schemeClr val="dk1"/>
+          </a:lnRef>
+          <a:fillRef idx="0">
+            <a:schemeClr val="dk1"/>
+          </a:fillRef>
+          <a:effectRef idx="2">
+            <a:schemeClr val="dk1"/>
+          </a:effectRef>
+          <a:fontRef idx="minor">
+            <a:schemeClr val="tx1"/>
+          </a:fontRef>
+        </p:style>
+      </p:cxnSp>
+      <p:cxnSp>
+        <p:nvCxnSpPr>
+          <p:cNvPr id="93" name="Straight Connector 92">
+            <a:extLst>
+              <a:ext uri="{FF2B5EF4-FFF2-40B4-BE49-F238E27FC236}">
+                <a16:creationId xmlns:a16="http://schemas.microsoft.com/office/drawing/2014/main" id="{A7AA1907-B83F-43DE-96A7-0C064A90E07A}"/>
+              </a:ext>
+            </a:extLst>
+          </p:cNvPr>
+          <p:cNvCxnSpPr>
+            <a:cxnSpLocks/>
+          </p:cNvCxnSpPr>
+          <p:nvPr/>
+        </p:nvCxnSpPr>
+        <p:spPr>
+          <a:xfrm>
+            <a:off x="1758629" y="612988"/>
+            <a:ext cx="2286070" cy="1671"/>
+          </a:xfrm>
+          <a:prstGeom prst="line">
+            <a:avLst/>
+          </a:prstGeom>
+          <a:ln>
+            <a:solidFill>
+              <a:srgbClr val="FF0000"/>
+            </a:solidFill>
+          </a:ln>
+        </p:spPr>
+        <p:style>
+          <a:lnRef idx="3">
+            <a:schemeClr val="dk1"/>
+          </a:lnRef>
+          <a:fillRef idx="0">
+            <a:schemeClr val="dk1"/>
+          </a:fillRef>
+          <a:effectRef idx="2">
+            <a:schemeClr val="dk1"/>
+          </a:effectRef>
+          <a:fontRef idx="minor">
+            <a:schemeClr val="tx1"/>
+          </a:fontRef>
+        </p:style>
+      </p:cxnSp>
+      <p:cxnSp>
+        <p:nvCxnSpPr>
+          <p:cNvPr id="95" name="Straight Connector 94">
+            <a:extLst>
+              <a:ext uri="{FF2B5EF4-FFF2-40B4-BE49-F238E27FC236}">
+                <a16:creationId xmlns:a16="http://schemas.microsoft.com/office/drawing/2014/main" id="{54DCD0A9-8BBF-4BE5-AD47-C8D4CFFC8B1B}"/>
+              </a:ext>
+            </a:extLst>
+          </p:cNvPr>
+          <p:cNvCxnSpPr>
+            <a:cxnSpLocks/>
+          </p:cNvCxnSpPr>
+          <p:nvPr/>
+        </p:nvCxnSpPr>
+        <p:spPr>
+          <a:xfrm flipV="1">
+            <a:off x="1136504" y="617203"/>
+            <a:ext cx="465574" cy="1"/>
+          </a:xfrm>
+          <a:prstGeom prst="line">
+            <a:avLst/>
+          </a:prstGeom>
+          <a:ln>
+            <a:solidFill>
+              <a:srgbClr val="FF0000"/>
+            </a:solidFill>
+          </a:ln>
+        </p:spPr>
+        <p:style>
+          <a:lnRef idx="3">
+            <a:schemeClr val="dk1"/>
+          </a:lnRef>
+          <a:fillRef idx="0">
+            <a:schemeClr val="dk1"/>
+          </a:fillRef>
+          <a:effectRef idx="2">
+            <a:schemeClr val="dk1"/>
+          </a:effectRef>
+          <a:fontRef idx="minor">
+            <a:schemeClr val="tx1"/>
+          </a:fontRef>
+        </p:style>
+      </p:cxnSp>
+      <p:cxnSp>
+        <p:nvCxnSpPr>
+          <p:cNvPr id="98" name="Straight Connector 97">
+            <a:extLst>
+              <a:ext uri="{FF2B5EF4-FFF2-40B4-BE49-F238E27FC236}">
+                <a16:creationId xmlns:a16="http://schemas.microsoft.com/office/drawing/2014/main" id="{CB16EDCE-B6CB-400E-BB0B-F74051928CAE}"/>
+              </a:ext>
+            </a:extLst>
+          </p:cNvPr>
+          <p:cNvCxnSpPr>
+            <a:cxnSpLocks/>
+          </p:cNvCxnSpPr>
+          <p:nvPr/>
+        </p:nvCxnSpPr>
+        <p:spPr>
+          <a:xfrm flipV="1">
+            <a:off x="1598520" y="501830"/>
+            <a:ext cx="146689" cy="114716"/>
+          </a:xfrm>
+          <a:prstGeom prst="line">
+            <a:avLst/>
+          </a:prstGeom>
+          <a:ln>
+            <a:solidFill>
+              <a:srgbClr val="FF0000"/>
+            </a:solidFill>
+          </a:ln>
+        </p:spPr>
+        <p:style>
+          <a:lnRef idx="3">
+            <a:schemeClr val="dk1"/>
+          </a:lnRef>
+          <a:fillRef idx="0">
+            <a:schemeClr val="dk1"/>
+          </a:fillRef>
+          <a:effectRef idx="2">
+            <a:schemeClr val="dk1"/>
+          </a:effectRef>
+          <a:fontRef idx="minor">
+            <a:schemeClr val="tx1"/>
+          </a:fontRef>
+        </p:style>
+      </p:cxnSp>
+      <p:sp>
+        <p:nvSpPr>
+          <p:cNvPr id="105" name="TextBox 104">
+            <a:extLst>
+              <a:ext uri="{FF2B5EF4-FFF2-40B4-BE49-F238E27FC236}">
+                <a16:creationId xmlns:a16="http://schemas.microsoft.com/office/drawing/2014/main" id="{E3B1CF1E-8954-4F50-8F66-CF2284F5CC1D}"/>
+              </a:ext>
+            </a:extLst>
+          </p:cNvPr>
+          <p:cNvSpPr txBox="1"/>
+          <p:nvPr/>
+        </p:nvSpPr>
+        <p:spPr>
+          <a:xfrm>
+            <a:off x="565817" y="1901014"/>
+            <a:ext cx="1169807" cy="584775"/>
+          </a:xfrm>
+          <a:prstGeom prst="rect">
+            <a:avLst/>
+          </a:prstGeom>
+          <a:noFill/>
+        </p:spPr>
+        <p:txBody>
+          <a:bodyPr wrap="none" rtlCol="0">
+            <a:spAutoFit/>
+          </a:bodyPr>
+          <a:lstStyle/>
+          <a:p>
+            <a:r>
+              <a:rPr lang="en-AU" sz="1600" dirty="0"/>
+              <a:t>Power</a:t>
+            </a:r>
+          </a:p>
+          <a:p>
+            <a:r>
+              <a:rPr lang="en-AU" sz="1600" dirty="0"/>
+              <a:t>Distribution</a:t>
+            </a:r>
+          </a:p>
+        </p:txBody>
+      </p:sp>
+      <p:sp>
+        <p:nvSpPr>
+          <p:cNvPr id="7" name="Oval 6">
+            <a:extLst>
+              <a:ext uri="{FF2B5EF4-FFF2-40B4-BE49-F238E27FC236}">
+                <a16:creationId xmlns:a16="http://schemas.microsoft.com/office/drawing/2014/main" id="{65197D85-B546-4FB6-93EF-FC5DABEE291E}"/>
+              </a:ext>
+            </a:extLst>
+          </p:cNvPr>
+          <p:cNvSpPr/>
+          <p:nvPr/>
+        </p:nvSpPr>
+        <p:spPr>
+          <a:xfrm>
+            <a:off x="8218025" y="2916820"/>
+            <a:ext cx="1736203" cy="1736203"/>
+          </a:xfrm>
+          <a:prstGeom prst="ellipse">
+            <a:avLst/>
+          </a:prstGeom>
+          <a:noFill/>
+          <a:ln w="25400">
+            <a:solidFill>
+              <a:schemeClr val="tx1"/>
+            </a:solidFill>
+          </a:ln>
+        </p:spPr>
+        <p:style>
+          <a:lnRef idx="2">
+            <a:schemeClr val="accent1">
+              <a:shade val="50000"/>
+            </a:schemeClr>
+          </a:lnRef>
+          <a:fillRef idx="1">
+            <a:schemeClr val="accent1"/>
+          </a:fillRef>
+          <a:effectRef idx="0">
+            <a:schemeClr val="accent1"/>
+          </a:effectRef>
+          <a:fontRef idx="minor">
+            <a:schemeClr val="lt1"/>
+          </a:fontRef>
+        </p:style>
+        <p:txBody>
+          <a:bodyPr rtlCol="0" anchor="ctr"/>
+          <a:lstStyle/>
+          <a:p>
+            <a:pPr algn="ctr"/>
+            <a:endParaRPr lang="en-AU"/>
+          </a:p>
+        </p:txBody>
+      </p:sp>
+      <p:pic>
+        <p:nvPicPr>
+          <p:cNvPr id="10" name="Graphic 9" descr="Wireless with solid fill">
+            <a:extLst>
+              <a:ext uri="{FF2B5EF4-FFF2-40B4-BE49-F238E27FC236}">
+                <a16:creationId xmlns:a16="http://schemas.microsoft.com/office/drawing/2014/main" id="{CF1D5339-E420-43A2-805E-76770DF242AD}"/>
+              </a:ext>
+            </a:extLst>
+          </p:cNvPr>
+          <p:cNvPicPr>
+            <a:picLocks noChangeAspect="1"/>
+          </p:cNvPicPr>
+          <p:nvPr/>
+        </p:nvPicPr>
+        <p:blipFill>
+          <a:blip r:embed="rId2">
+            <a:extLst>
+              <a:ext uri="{28A0092B-C50C-407E-A947-70E740481C1C}">
+                <a14:useLocalDpi xmlns:a14="http://schemas.microsoft.com/office/drawing/2010/main" val="0"/>
+              </a:ext>
+              <a:ext uri="{96DAC541-7B7A-43D3-8B79-37D633B846F1}">
+                <asvg:svgBlip xmlns:asvg="http://schemas.microsoft.com/office/drawing/2016/SVG/main" r:embed="rId3"/>
+              </a:ext>
+            </a:extLst>
+          </a:blip>
+          <a:stretch>
+            <a:fillRect/>
+          </a:stretch>
+        </p:blipFill>
+        <p:spPr>
+          <a:xfrm rot="18913552">
+            <a:off x="7477432" y="3106193"/>
+            <a:ext cx="914400" cy="914400"/>
+          </a:xfrm>
+          <a:prstGeom prst="rect">
+            <a:avLst/>
+          </a:prstGeom>
+        </p:spPr>
+      </p:pic>
+      <p:pic>
+        <p:nvPicPr>
+          <p:cNvPr id="53" name="Graphic 52" descr="Wireless with solid fill">
+            <a:extLst>
+              <a:ext uri="{FF2B5EF4-FFF2-40B4-BE49-F238E27FC236}">
+                <a16:creationId xmlns:a16="http://schemas.microsoft.com/office/drawing/2014/main" id="{7F9D625C-8D58-4052-8927-1F2AB1FFF84B}"/>
+              </a:ext>
+            </a:extLst>
+          </p:cNvPr>
+          <p:cNvPicPr>
+            <a:picLocks noChangeAspect="1"/>
+          </p:cNvPicPr>
+          <p:nvPr/>
+        </p:nvPicPr>
+        <p:blipFill>
+          <a:blip r:embed="rId2">
+            <a:extLst>
+              <a:ext uri="{28A0092B-C50C-407E-A947-70E740481C1C}">
+                <a14:useLocalDpi xmlns:a14="http://schemas.microsoft.com/office/drawing/2010/main" val="0"/>
+              </a:ext>
+              <a:ext uri="{96DAC541-7B7A-43D3-8B79-37D633B846F1}">
+                <asvg:svgBlip xmlns:asvg="http://schemas.microsoft.com/office/drawing/2016/SVG/main" r:embed="rId3"/>
+              </a:ext>
+            </a:extLst>
+          </a:blip>
+          <a:stretch>
+            <a:fillRect/>
+          </a:stretch>
+        </p:blipFill>
+        <p:spPr>
+          <a:xfrm rot="2772290">
+            <a:off x="8628926" y="2142940"/>
+            <a:ext cx="914400" cy="914400"/>
+          </a:xfrm>
+          <a:prstGeom prst="rect">
+            <a:avLst/>
+          </a:prstGeom>
+        </p:spPr>
+      </p:pic>
+      <p:pic>
+        <p:nvPicPr>
+          <p:cNvPr id="54" name="Graphic 53" descr="Wireless with solid fill">
+            <a:extLst>
+              <a:ext uri="{FF2B5EF4-FFF2-40B4-BE49-F238E27FC236}">
+                <a16:creationId xmlns:a16="http://schemas.microsoft.com/office/drawing/2014/main" id="{A3CB5926-33CA-420E-ADD2-564553EA0E03}"/>
+              </a:ext>
+            </a:extLst>
+          </p:cNvPr>
+          <p:cNvPicPr>
+            <a:picLocks noChangeAspect="1"/>
+          </p:cNvPicPr>
+          <p:nvPr/>
+        </p:nvPicPr>
+        <p:blipFill>
+          <a:blip r:embed="rId2">
+            <a:extLst>
+              <a:ext uri="{28A0092B-C50C-407E-A947-70E740481C1C}">
+                <a14:useLocalDpi xmlns:a14="http://schemas.microsoft.com/office/drawing/2010/main" val="0"/>
+              </a:ext>
+              <a:ext uri="{96DAC541-7B7A-43D3-8B79-37D633B846F1}">
+                <asvg:svgBlip xmlns:asvg="http://schemas.microsoft.com/office/drawing/2016/SVG/main" r:embed="rId3"/>
+              </a:ext>
+            </a:extLst>
+          </a:blip>
+          <a:stretch>
+            <a:fillRect/>
+          </a:stretch>
+        </p:blipFill>
+        <p:spPr>
+          <a:xfrm rot="8081091">
+            <a:off x="9780425" y="3106192"/>
+            <a:ext cx="914400" cy="914400"/>
+          </a:xfrm>
+          <a:prstGeom prst="rect">
+            <a:avLst/>
+          </a:prstGeom>
+        </p:spPr>
+      </p:pic>
+      <p:pic>
+        <p:nvPicPr>
+          <p:cNvPr id="16" name="Graphic 15" descr="Caret Up with solid fill">
+            <a:extLst>
+              <a:ext uri="{FF2B5EF4-FFF2-40B4-BE49-F238E27FC236}">
+                <a16:creationId xmlns:a16="http://schemas.microsoft.com/office/drawing/2014/main" id="{A8892640-66D6-472C-8E83-22AFBDFC7E5F}"/>
+              </a:ext>
+            </a:extLst>
+          </p:cNvPr>
+          <p:cNvPicPr>
+            <a:picLocks noChangeAspect="1"/>
+          </p:cNvPicPr>
+          <p:nvPr/>
+        </p:nvPicPr>
+        <p:blipFill>
+          <a:blip r:embed="rId4">
+            <a:extLst>
+              <a:ext uri="{28A0092B-C50C-407E-A947-70E740481C1C}">
+                <a14:useLocalDpi xmlns:a14="http://schemas.microsoft.com/office/drawing/2010/main" val="0"/>
+              </a:ext>
+              <a:ext uri="{96DAC541-7B7A-43D3-8B79-37D633B846F1}">
+                <asvg:svgBlip xmlns:asvg="http://schemas.microsoft.com/office/drawing/2016/SVG/main" r:embed="rId5"/>
+              </a:ext>
+            </a:extLst>
+          </a:blip>
+          <a:stretch>
+            <a:fillRect/>
+          </a:stretch>
+        </p:blipFill>
+        <p:spPr>
+          <a:xfrm>
+            <a:off x="8171726" y="2482645"/>
+            <a:ext cx="914400" cy="914400"/>
+          </a:xfrm>
+          <a:prstGeom prst="rect">
+            <a:avLst/>
+          </a:prstGeom>
+        </p:spPr>
+      </p:pic>
+      <p:pic>
+        <p:nvPicPr>
+          <p:cNvPr id="57" name="Graphic 56" descr="Caret Up with solid fill">
+            <a:extLst>
+              <a:ext uri="{FF2B5EF4-FFF2-40B4-BE49-F238E27FC236}">
+                <a16:creationId xmlns:a16="http://schemas.microsoft.com/office/drawing/2014/main" id="{72DB8C3C-F404-4E8C-AA66-894770FDA502}"/>
+              </a:ext>
+            </a:extLst>
+          </p:cNvPr>
+          <p:cNvPicPr>
+            <a:picLocks noChangeAspect="1"/>
+          </p:cNvPicPr>
+          <p:nvPr/>
+        </p:nvPicPr>
+        <p:blipFill>
+          <a:blip r:embed="rId4">
+            <a:extLst>
+              <a:ext uri="{28A0092B-C50C-407E-A947-70E740481C1C}">
+                <a14:useLocalDpi xmlns:a14="http://schemas.microsoft.com/office/drawing/2010/main" val="0"/>
+              </a:ext>
+              <a:ext uri="{96DAC541-7B7A-43D3-8B79-37D633B846F1}">
+                <asvg:svgBlip xmlns:asvg="http://schemas.microsoft.com/office/drawing/2016/SVG/main" r:embed="rId5"/>
+              </a:ext>
+            </a:extLst>
+          </a:blip>
+          <a:stretch>
+            <a:fillRect/>
+          </a:stretch>
+        </p:blipFill>
+        <p:spPr>
+          <a:xfrm>
+            <a:off x="9038713" y="2489403"/>
+            <a:ext cx="914400" cy="914400"/>
+          </a:xfrm>
+          <a:prstGeom prst="rect">
+            <a:avLst/>
+          </a:prstGeom>
+        </p:spPr>
+      </p:pic>
+      <p:pic>
+        <p:nvPicPr>
+          <p:cNvPr id="20" name="Graphic 19" descr="Aries with solid fill">
+            <a:extLst>
+              <a:ext uri="{FF2B5EF4-FFF2-40B4-BE49-F238E27FC236}">
+                <a16:creationId xmlns:a16="http://schemas.microsoft.com/office/drawing/2014/main" id="{5D2DBEE1-23EE-4A21-AD6B-AB7CBB315880}"/>
+              </a:ext>
+            </a:extLst>
+          </p:cNvPr>
+          <p:cNvPicPr>
+            <a:picLocks noChangeAspect="1"/>
+          </p:cNvPicPr>
+          <p:nvPr/>
+        </p:nvPicPr>
+        <p:blipFill>
+          <a:blip r:embed="rId6">
+            <a:extLst>
+              <a:ext uri="{28A0092B-C50C-407E-A947-70E740481C1C}">
+                <a14:useLocalDpi xmlns:a14="http://schemas.microsoft.com/office/drawing/2010/main" val="0"/>
+              </a:ext>
+              <a:ext uri="{96DAC541-7B7A-43D3-8B79-37D633B846F1}">
+                <asvg:svgBlip xmlns:asvg="http://schemas.microsoft.com/office/drawing/2016/SVG/main" r:embed="rId7"/>
+              </a:ext>
+            </a:extLst>
+          </a:blip>
+          <a:stretch>
+            <a:fillRect/>
+          </a:stretch>
+        </p:blipFill>
+        <p:spPr>
+          <a:xfrm>
+            <a:off x="8661090" y="3680751"/>
+            <a:ext cx="914400" cy="914400"/>
+          </a:xfrm>
+          <a:prstGeom prst="rect">
+            <a:avLst/>
+          </a:prstGeom>
+        </p:spPr>
+      </p:pic>
+      <p:pic>
+        <p:nvPicPr>
+          <p:cNvPr id="59" name="Graphic 58" descr="Wireless with solid fill">
+            <a:extLst>
+              <a:ext uri="{FF2B5EF4-FFF2-40B4-BE49-F238E27FC236}">
+                <a16:creationId xmlns:a16="http://schemas.microsoft.com/office/drawing/2014/main" id="{69E8202A-F941-497D-808F-A92C9BCDB726}"/>
+              </a:ext>
+            </a:extLst>
+          </p:cNvPr>
+          <p:cNvPicPr>
+            <a:picLocks noChangeAspect="1"/>
+          </p:cNvPicPr>
+          <p:nvPr/>
+        </p:nvPicPr>
+        <p:blipFill>
+          <a:blip r:embed="rId2">
+            <a:extLst>
+              <a:ext uri="{28A0092B-C50C-407E-A947-70E740481C1C}">
+                <a14:useLocalDpi xmlns:a14="http://schemas.microsoft.com/office/drawing/2010/main" val="0"/>
+              </a:ext>
+              <a:ext uri="{96DAC541-7B7A-43D3-8B79-37D633B846F1}">
+                <asvg:svgBlip xmlns:asvg="http://schemas.microsoft.com/office/drawing/2016/SVG/main" r:embed="rId3"/>
+              </a:ext>
+            </a:extLst>
+          </a:blip>
+          <a:stretch>
+            <a:fillRect/>
+          </a:stretch>
+        </p:blipFill>
+        <p:spPr>
+          <a:xfrm rot="8081091">
+            <a:off x="10774959" y="3147373"/>
+            <a:ext cx="376008" cy="376008"/>
+          </a:xfrm>
+          <a:prstGeom prst="rect">
+            <a:avLst/>
+          </a:prstGeom>
+        </p:spPr>
+      </p:pic>
+      <p:pic>
+        <p:nvPicPr>
+          <p:cNvPr id="60" name="Graphic 59" descr="Caret Up with solid fill">
+            <a:extLst>
+              <a:ext uri="{FF2B5EF4-FFF2-40B4-BE49-F238E27FC236}">
+                <a16:creationId xmlns:a16="http://schemas.microsoft.com/office/drawing/2014/main" id="{C881DAD6-658D-405C-A76D-0FD1560280B6}"/>
+              </a:ext>
+            </a:extLst>
+          </p:cNvPr>
+          <p:cNvPicPr>
+            <a:picLocks noChangeAspect="1"/>
+          </p:cNvPicPr>
+          <p:nvPr/>
+        </p:nvPicPr>
+        <p:blipFill>
+          <a:blip r:embed="rId4">
+            <a:extLst>
+              <a:ext uri="{28A0092B-C50C-407E-A947-70E740481C1C}">
+                <a14:useLocalDpi xmlns:a14="http://schemas.microsoft.com/office/drawing/2010/main" val="0"/>
+              </a:ext>
+              <a:ext uri="{96DAC541-7B7A-43D3-8B79-37D633B846F1}">
+                <asvg:svgBlip xmlns:asvg="http://schemas.microsoft.com/office/drawing/2016/SVG/main" r:embed="rId5"/>
+              </a:ext>
+            </a:extLst>
+          </a:blip>
+          <a:stretch>
+            <a:fillRect/>
+          </a:stretch>
+        </p:blipFill>
+        <p:spPr>
+          <a:xfrm>
+            <a:off x="10697089" y="3439707"/>
+            <a:ext cx="531748" cy="531748"/>
+          </a:xfrm>
+          <a:prstGeom prst="rect">
+            <a:avLst/>
+          </a:prstGeom>
+        </p:spPr>
+      </p:pic>
+      <p:pic>
+        <p:nvPicPr>
+          <p:cNvPr id="62" name="Graphic 61" descr="Aries with solid fill">
+            <a:extLst>
+              <a:ext uri="{FF2B5EF4-FFF2-40B4-BE49-F238E27FC236}">
+                <a16:creationId xmlns:a16="http://schemas.microsoft.com/office/drawing/2014/main" id="{77DE87DA-34FD-458B-81E4-95B9847E4318}"/>
+              </a:ext>
+            </a:extLst>
+          </p:cNvPr>
+          <p:cNvPicPr>
+            <a:picLocks noChangeAspect="1"/>
+          </p:cNvPicPr>
+          <p:nvPr/>
+        </p:nvPicPr>
+        <p:blipFill>
+          <a:blip r:embed="rId6">
+            <a:extLst>
+              <a:ext uri="{28A0092B-C50C-407E-A947-70E740481C1C}">
+                <a14:useLocalDpi xmlns:a14="http://schemas.microsoft.com/office/drawing/2010/main" val="0"/>
+              </a:ext>
+              <a:ext uri="{96DAC541-7B7A-43D3-8B79-37D633B846F1}">
+                <asvg:svgBlip xmlns:asvg="http://schemas.microsoft.com/office/drawing/2016/SVG/main" r:embed="rId7"/>
+              </a:ext>
+            </a:extLst>
+          </a:blip>
+          <a:stretch>
+            <a:fillRect/>
+          </a:stretch>
+        </p:blipFill>
+        <p:spPr>
+          <a:xfrm>
+            <a:off x="10697089" y="3858326"/>
+            <a:ext cx="531748" cy="531748"/>
+          </a:xfrm>
+          <a:prstGeom prst="rect">
+            <a:avLst/>
+          </a:prstGeom>
+        </p:spPr>
+      </p:pic>
+      <p:sp>
+        <p:nvSpPr>
+          <p:cNvPr id="21" name="Arrow: Down 20">
+            <a:extLst>
+              <a:ext uri="{FF2B5EF4-FFF2-40B4-BE49-F238E27FC236}">
+                <a16:creationId xmlns:a16="http://schemas.microsoft.com/office/drawing/2014/main" id="{C7EEAD84-0BBE-4B2E-A87E-51709E61C2AD}"/>
+              </a:ext>
+            </a:extLst>
+          </p:cNvPr>
+          <p:cNvSpPr/>
+          <p:nvPr/>
+        </p:nvSpPr>
+        <p:spPr>
+          <a:xfrm rot="10800000">
+            <a:off x="8913060" y="3188704"/>
+            <a:ext cx="377263" cy="427417"/>
+          </a:xfrm>
+          <a:prstGeom prst="downArrow">
+            <a:avLst/>
+          </a:prstGeom>
+          <a:solidFill>
+            <a:schemeClr val="accent6">
+              <a:lumMod val="20000"/>
+              <a:lumOff val="80000"/>
+            </a:schemeClr>
+          </a:solidFill>
+          <a:ln>
+            <a:noFill/>
+          </a:ln>
+        </p:spPr>
+        <p:style>
+          <a:lnRef idx="2">
+            <a:schemeClr val="accent1">
+              <a:shade val="50000"/>
+            </a:schemeClr>
+          </a:lnRef>
+          <a:fillRef idx="1">
+            <a:schemeClr val="accent1"/>
+          </a:fillRef>
+          <a:effectRef idx="0">
+            <a:schemeClr val="accent1"/>
+          </a:effectRef>
+          <a:fontRef idx="minor">
+            <a:schemeClr val="lt1"/>
+          </a:fontRef>
+        </p:style>
+        <p:txBody>
+          <a:bodyPr rtlCol="0" anchor="ctr"/>
+          <a:lstStyle/>
+          <a:p>
+            <a:pPr algn="ctr"/>
+            <a:endParaRPr lang="en-AU"/>
+          </a:p>
+        </p:txBody>
+      </p:sp>
+      <p:sp>
+        <p:nvSpPr>
+          <p:cNvPr id="24" name="TextBox 23">
+            <a:extLst>
+              <a:ext uri="{FF2B5EF4-FFF2-40B4-BE49-F238E27FC236}">
+                <a16:creationId xmlns:a16="http://schemas.microsoft.com/office/drawing/2014/main" id="{AC7CB0EA-8602-4B00-9DFB-5FED35E40C55}"/>
+              </a:ext>
+            </a:extLst>
+          </p:cNvPr>
+          <p:cNvSpPr txBox="1"/>
+          <p:nvPr/>
+        </p:nvSpPr>
+        <p:spPr>
+          <a:xfrm>
+            <a:off x="11110452" y="3179315"/>
+            <a:ext cx="604653" cy="307777"/>
+          </a:xfrm>
+          <a:prstGeom prst="rect">
+            <a:avLst/>
+          </a:prstGeom>
+          <a:noFill/>
+        </p:spPr>
+        <p:txBody>
+          <a:bodyPr wrap="none" rtlCol="0">
+            <a:spAutoFit/>
+          </a:bodyPr>
+          <a:lstStyle/>
+          <a:p>
+            <a:r>
+              <a:rPr lang="en-AU" sz="1400" dirty="0"/>
+              <a:t>Sonar</a:t>
+            </a:r>
+          </a:p>
+        </p:txBody>
+      </p:sp>
+      <p:sp>
+        <p:nvSpPr>
+          <p:cNvPr id="64" name="TextBox 63">
+            <a:extLst>
+              <a:ext uri="{FF2B5EF4-FFF2-40B4-BE49-F238E27FC236}">
+                <a16:creationId xmlns:a16="http://schemas.microsoft.com/office/drawing/2014/main" id="{30FC8A6B-ADB1-4EDD-BFEA-6AD0BD940472}"/>
+              </a:ext>
+            </a:extLst>
+          </p:cNvPr>
+          <p:cNvSpPr txBox="1"/>
+          <p:nvPr/>
+        </p:nvSpPr>
+        <p:spPr>
+          <a:xfrm>
+            <a:off x="11110452" y="3549519"/>
+            <a:ext cx="766557" cy="307777"/>
+          </a:xfrm>
+          <a:prstGeom prst="rect">
+            <a:avLst/>
+          </a:prstGeom>
+          <a:noFill/>
+        </p:spPr>
+        <p:txBody>
+          <a:bodyPr wrap="none" rtlCol="0">
+            <a:spAutoFit/>
+          </a:bodyPr>
+          <a:lstStyle/>
+          <a:p>
+            <a:r>
+              <a:rPr lang="en-AU" sz="1400" dirty="0"/>
+              <a:t>Bumper</a:t>
+            </a:r>
+          </a:p>
+        </p:txBody>
+      </p:sp>
+      <p:sp>
+        <p:nvSpPr>
+          <p:cNvPr id="65" name="TextBox 64">
+            <a:extLst>
+              <a:ext uri="{FF2B5EF4-FFF2-40B4-BE49-F238E27FC236}">
+                <a16:creationId xmlns:a16="http://schemas.microsoft.com/office/drawing/2014/main" id="{2EBB1823-261C-4FE9-8FAE-D9AC25A23F18}"/>
+              </a:ext>
+            </a:extLst>
+          </p:cNvPr>
+          <p:cNvSpPr txBox="1"/>
+          <p:nvPr/>
+        </p:nvSpPr>
+        <p:spPr>
+          <a:xfrm>
+            <a:off x="11128001" y="3939500"/>
+            <a:ext cx="540469" cy="307777"/>
+          </a:xfrm>
+          <a:prstGeom prst="rect">
+            <a:avLst/>
+          </a:prstGeom>
+          <a:noFill/>
+        </p:spPr>
+        <p:txBody>
+          <a:bodyPr wrap="none" rtlCol="0">
+            <a:spAutoFit/>
+          </a:bodyPr>
+          <a:lstStyle/>
+          <a:p>
+            <a:r>
+              <a:rPr lang="en-AU" sz="1400" dirty="0"/>
+              <a:t>Light</a:t>
+            </a:r>
+          </a:p>
+        </p:txBody>
+      </p:sp>
+      <p:sp>
+        <p:nvSpPr>
+          <p:cNvPr id="28" name="Rectangle 27">
+            <a:extLst>
+              <a:ext uri="{FF2B5EF4-FFF2-40B4-BE49-F238E27FC236}">
+                <a16:creationId xmlns:a16="http://schemas.microsoft.com/office/drawing/2014/main" id="{116CFDC8-E7C3-405B-AA7E-BCAD40C69F62}"/>
+              </a:ext>
+            </a:extLst>
+          </p:cNvPr>
+          <p:cNvSpPr/>
+          <p:nvPr/>
+        </p:nvSpPr>
+        <p:spPr>
+          <a:xfrm>
+            <a:off x="10697089" y="3036597"/>
+            <a:ext cx="1196955" cy="1353477"/>
+          </a:xfrm>
+          <a:prstGeom prst="rect">
+            <a:avLst/>
+          </a:prstGeom>
+          <a:noFill/>
+          <a:ln w="25400">
+            <a:solidFill>
+              <a:schemeClr val="tx1"/>
+            </a:solidFill>
+          </a:ln>
+        </p:spPr>
+        <p:style>
+          <a:lnRef idx="2">
+            <a:schemeClr val="accent1">
+              <a:shade val="50000"/>
+            </a:schemeClr>
+          </a:lnRef>
+          <a:fillRef idx="1">
+            <a:schemeClr val="accent1"/>
+          </a:fillRef>
+          <a:effectRef idx="0">
+            <a:schemeClr val="accent1"/>
+          </a:effectRef>
+          <a:fontRef idx="minor">
+            <a:schemeClr val="lt1"/>
+          </a:fontRef>
+        </p:style>
+        <p:txBody>
+          <a:bodyPr rtlCol="0" anchor="ctr"/>
+          <a:lstStyle/>
+          <a:p>
+            <a:pPr algn="ctr"/>
+            <a:endParaRPr lang="en-AU"/>
+          </a:p>
+        </p:txBody>
+      </p:sp>
+      <p:sp>
+        <p:nvSpPr>
+          <p:cNvPr id="30" name="TextBox 29">
+            <a:extLst>
+              <a:ext uri="{FF2B5EF4-FFF2-40B4-BE49-F238E27FC236}">
+                <a16:creationId xmlns:a16="http://schemas.microsoft.com/office/drawing/2014/main" id="{A4591D03-9E98-484B-AE82-0F686E350168}"/>
+              </a:ext>
+            </a:extLst>
+          </p:cNvPr>
+          <p:cNvSpPr txBox="1"/>
+          <p:nvPr/>
+        </p:nvSpPr>
+        <p:spPr>
+          <a:xfrm>
+            <a:off x="10059908" y="2397635"/>
+            <a:ext cx="1498552" cy="369332"/>
+          </a:xfrm>
+          <a:prstGeom prst="rect">
+            <a:avLst/>
+          </a:prstGeom>
+          <a:noFill/>
+        </p:spPr>
+        <p:txBody>
+          <a:bodyPr wrap="none" rtlCol="0">
+            <a:spAutoFit/>
+          </a:bodyPr>
+          <a:lstStyle/>
+          <a:p>
+            <a:r>
+              <a:rPr lang="en-AU" dirty="0"/>
+              <a:t>Sensor Layout</a:t>
+            </a:r>
+          </a:p>
+        </p:txBody>
+      </p:sp>
+    </p:spTree>
+    <p:extLst>
+      <p:ext uri="{BB962C8B-B14F-4D97-AF65-F5344CB8AC3E}">
+        <p14:creationId xmlns:p14="http://schemas.microsoft.com/office/powerpoint/2010/main" val="2584283281"/>
+      </p:ext>
+    </p:extLst>
+  </p:cSld>
+  <p:clrMapOvr>
+    <a:masterClrMapping/>
+  </p:clrMapOvr>
+</p:sld>
+</file>
+
 <file path=ppt/theme/theme1.xml><?xml version="1.0" encoding="utf-8"?>
 <a:theme xmlns:a="http://schemas.openxmlformats.org/drawingml/2006/main" name="Office Theme">
   <a:themeElements>
